--- a/Processes/Marketing/Presentations/Pitching.pptx
+++ b/Processes/Marketing/Presentations/Pitching.pptx
@@ -1,53 +1,53 @@
 
 <file path=ppt/presentation.xml><?xml version="1.0" encoding="utf-8"?>
-<p:presentation xmlns:a="http://schemas.openxmlformats.org/drawingml/2006/main" xmlns:r="http://schemas.openxmlformats.org/officeDocument/2006/relationships" xmlns:mc="http://schemas.openxmlformats.org/markup-compatibility/2006" xmlns:mv="urn:schemas-microsoft-com:mac:vml" xmlns:p="http://schemas.openxmlformats.org/presentationml/2006/main" xmlns:c="http://schemas.openxmlformats.org/drawingml/2006/chart" xmlns:dgm="http://schemas.openxmlformats.org/drawingml/2006/diagram" xmlns:o="urn:schemas-microsoft-com:office:office" xmlns:v="urn:schemas-microsoft-com:vml" xmlns:pvml="urn:schemas-microsoft-com:office:powerpoint" xmlns:com="http://schemas.openxmlformats.org/drawingml/2006/compatibility" xmlns:p14="http://schemas.microsoft.com/office/powerpoint/2010/main" xmlns:p15="http://schemas.microsoft.com/office/powerpoint/2012/main" xmlns:ahyp="http://schemas.microsoft.com/office/drawing/2018/hyperlinkcolor" autoCompressPictures="0" embedTrueTypeFonts="1" strictFirstAndLastChars="0" saveSubsetFonts="1">
+<p:presentation xmlns:a="http://schemas.openxmlformats.org/drawingml/2006/main" xmlns:r="http://schemas.openxmlformats.org/officeDocument/2006/relationships" xmlns:p="http://schemas.openxmlformats.org/presentationml/2006/main" strictFirstAndLastChars="0" embedTrueTypeFonts="1" saveSubsetFonts="1" autoCompressPictures="0">
   <p:sldMasterIdLst>
-    <p:sldMasterId id="2147483659" r:id="rId4"/>
+    <p:sldMasterId id="2147483659" r:id="rId1"/>
   </p:sldMasterIdLst>
   <p:notesMasterIdLst>
-    <p:notesMasterId r:id="rId5"/>
+    <p:notesMasterId r:id="rId14"/>
   </p:notesMasterIdLst>
   <p:sldIdLst>
-    <p:sldId id="256" r:id="rId6"/>
-    <p:sldId id="257" r:id="rId7"/>
-    <p:sldId id="258" r:id="rId8"/>
-    <p:sldId id="259" r:id="rId9"/>
-    <p:sldId id="260" r:id="rId10"/>
-    <p:sldId id="261" r:id="rId11"/>
-    <p:sldId id="262" r:id="rId12"/>
-    <p:sldId id="263" r:id="rId13"/>
-    <p:sldId id="264" r:id="rId14"/>
-    <p:sldId id="265" r:id="rId15"/>
-    <p:sldId id="266" r:id="rId16"/>
-    <p:sldId id="267" r:id="rId17"/>
+    <p:sldId id="256" r:id="rId2"/>
+    <p:sldId id="257" r:id="rId3"/>
+    <p:sldId id="258" r:id="rId4"/>
+    <p:sldId id="259" r:id="rId5"/>
+    <p:sldId id="260" r:id="rId6"/>
+    <p:sldId id="261" r:id="rId7"/>
+    <p:sldId id="262" r:id="rId8"/>
+    <p:sldId id="263" r:id="rId9"/>
+    <p:sldId id="264" r:id="rId10"/>
+    <p:sldId id="265" r:id="rId11"/>
+    <p:sldId id="266" r:id="rId12"/>
+    <p:sldId id="267" r:id="rId13"/>
   </p:sldIdLst>
-  <p:sldSz cy="5143500" cx="9144000"/>
+  <p:sldSz cx="9144000" cy="5143500" type="screen16x9"/>
   <p:notesSz cx="6858000" cy="9144000"/>
   <p:embeddedFontLst>
     <p:embeddedFont>
-      <p:font typeface="Roboto"/>
-      <p:regular r:id="rId18"/>
-      <p:bold r:id="rId19"/>
-      <p:italic r:id="rId20"/>
-      <p:boldItalic r:id="rId21"/>
+      <p:font typeface="Roboto" panose="02000000000000000000" pitchFamily="2" charset="0"/>
+      <p:regular r:id="rId15"/>
+      <p:bold r:id="rId16"/>
+      <p:italic r:id="rId17"/>
+      <p:boldItalic r:id="rId18"/>
     </p:embeddedFont>
     <p:embeddedFont>
-      <p:font typeface="Roboto Medium"/>
-      <p:regular r:id="rId22"/>
-      <p:bold r:id="rId23"/>
-      <p:italic r:id="rId24"/>
-      <p:boldItalic r:id="rId25"/>
+      <p:font typeface="Roboto Light" panose="02000000000000000000" pitchFamily="2" charset="0"/>
+      <p:regular r:id="rId19"/>
+      <p:bold r:id="rId20"/>
+      <p:italic r:id="rId21"/>
+      <p:boldItalic r:id="rId22"/>
     </p:embeddedFont>
     <p:embeddedFont>
-      <p:font typeface="Roboto Light"/>
-      <p:regular r:id="rId26"/>
-      <p:bold r:id="rId27"/>
-      <p:italic r:id="rId28"/>
-      <p:boldItalic r:id="rId29"/>
+      <p:font typeface="Roboto Medium" panose="02000000000000000000" pitchFamily="2" charset="0"/>
+      <p:regular r:id="rId23"/>
+      <p:bold r:id="rId24"/>
+      <p:italic r:id="rId25"/>
+      <p:boldItalic r:id="rId26"/>
     </p:embeddedFont>
   </p:embeddedFontLst>
   <p:defaultTextStyle>
-    <a:defPPr lvl="0" marR="0" rtl="0" algn="l">
+    <a:defPPr marR="0" lvl="0" algn="l" rtl="0">
       <a:lnSpc>
         <a:spcPct val="100000"/>
       </a:lnSpc>
@@ -58,7 +58,7 @@
         <a:spcPts val="0"/>
       </a:spcAft>
     </a:defPPr>
-    <a:lvl1pPr lvl="0" marR="0" rtl="0" algn="l">
+    <a:lvl1pPr marR="0" lvl="0" algn="l" rtl="0">
       <a:lnSpc>
         <a:spcPct val="100000"/>
       </a:lnSpc>
@@ -72,7 +72,7 @@
         <a:srgbClr val="000000"/>
       </a:buClr>
       <a:buFont typeface="Arial"/>
-      <a:defRPr b="0" i="0" sz="1400" u="none" cap="none" strike="noStrike">
+      <a:defRPr sz="1400" b="0" i="0" u="none" strike="noStrike" cap="none">
         <a:solidFill>
           <a:srgbClr val="000000"/>
         </a:solidFill>
@@ -82,7 +82,7 @@
         <a:sym typeface="Arial"/>
       </a:defRPr>
     </a:lvl1pPr>
-    <a:lvl2pPr lvl="1" marR="0" rtl="0" algn="l">
+    <a:lvl2pPr marR="0" lvl="1" algn="l" rtl="0">
       <a:lnSpc>
         <a:spcPct val="100000"/>
       </a:lnSpc>
@@ -96,7 +96,7 @@
         <a:srgbClr val="000000"/>
       </a:buClr>
       <a:buFont typeface="Arial"/>
-      <a:defRPr b="0" i="0" sz="1400" u="none" cap="none" strike="noStrike">
+      <a:defRPr sz="1400" b="0" i="0" u="none" strike="noStrike" cap="none">
         <a:solidFill>
           <a:srgbClr val="000000"/>
         </a:solidFill>
@@ -106,7 +106,7 @@
         <a:sym typeface="Arial"/>
       </a:defRPr>
     </a:lvl2pPr>
-    <a:lvl3pPr lvl="2" marR="0" rtl="0" algn="l">
+    <a:lvl3pPr marR="0" lvl="2" algn="l" rtl="0">
       <a:lnSpc>
         <a:spcPct val="100000"/>
       </a:lnSpc>
@@ -120,7 +120,7 @@
         <a:srgbClr val="000000"/>
       </a:buClr>
       <a:buFont typeface="Arial"/>
-      <a:defRPr b="0" i="0" sz="1400" u="none" cap="none" strike="noStrike">
+      <a:defRPr sz="1400" b="0" i="0" u="none" strike="noStrike" cap="none">
         <a:solidFill>
           <a:srgbClr val="000000"/>
         </a:solidFill>
@@ -130,7 +130,7 @@
         <a:sym typeface="Arial"/>
       </a:defRPr>
     </a:lvl3pPr>
-    <a:lvl4pPr lvl="3" marR="0" rtl="0" algn="l">
+    <a:lvl4pPr marR="0" lvl="3" algn="l" rtl="0">
       <a:lnSpc>
         <a:spcPct val="100000"/>
       </a:lnSpc>
@@ -144,7 +144,7 @@
         <a:srgbClr val="000000"/>
       </a:buClr>
       <a:buFont typeface="Arial"/>
-      <a:defRPr b="0" i="0" sz="1400" u="none" cap="none" strike="noStrike">
+      <a:defRPr sz="1400" b="0" i="0" u="none" strike="noStrike" cap="none">
         <a:solidFill>
           <a:srgbClr val="000000"/>
         </a:solidFill>
@@ -154,7 +154,7 @@
         <a:sym typeface="Arial"/>
       </a:defRPr>
     </a:lvl4pPr>
-    <a:lvl5pPr lvl="4" marR="0" rtl="0" algn="l">
+    <a:lvl5pPr marR="0" lvl="4" algn="l" rtl="0">
       <a:lnSpc>
         <a:spcPct val="100000"/>
       </a:lnSpc>
@@ -168,7 +168,7 @@
         <a:srgbClr val="000000"/>
       </a:buClr>
       <a:buFont typeface="Arial"/>
-      <a:defRPr b="0" i="0" sz="1400" u="none" cap="none" strike="noStrike">
+      <a:defRPr sz="1400" b="0" i="0" u="none" strike="noStrike" cap="none">
         <a:solidFill>
           <a:srgbClr val="000000"/>
         </a:solidFill>
@@ -178,7 +178,7 @@
         <a:sym typeface="Arial"/>
       </a:defRPr>
     </a:lvl5pPr>
-    <a:lvl6pPr lvl="5" marR="0" rtl="0" algn="l">
+    <a:lvl6pPr marR="0" lvl="5" algn="l" rtl="0">
       <a:lnSpc>
         <a:spcPct val="100000"/>
       </a:lnSpc>
@@ -192,7 +192,7 @@
         <a:srgbClr val="000000"/>
       </a:buClr>
       <a:buFont typeface="Arial"/>
-      <a:defRPr b="0" i="0" sz="1400" u="none" cap="none" strike="noStrike">
+      <a:defRPr sz="1400" b="0" i="0" u="none" strike="noStrike" cap="none">
         <a:solidFill>
           <a:srgbClr val="000000"/>
         </a:solidFill>
@@ -202,7 +202,7 @@
         <a:sym typeface="Arial"/>
       </a:defRPr>
     </a:lvl6pPr>
-    <a:lvl7pPr lvl="6" marR="0" rtl="0" algn="l">
+    <a:lvl7pPr marR="0" lvl="6" algn="l" rtl="0">
       <a:lnSpc>
         <a:spcPct val="100000"/>
       </a:lnSpc>
@@ -216,7 +216,7 @@
         <a:srgbClr val="000000"/>
       </a:buClr>
       <a:buFont typeface="Arial"/>
-      <a:defRPr b="0" i="0" sz="1400" u="none" cap="none" strike="noStrike">
+      <a:defRPr sz="1400" b="0" i="0" u="none" strike="noStrike" cap="none">
         <a:solidFill>
           <a:srgbClr val="000000"/>
         </a:solidFill>
@@ -226,7 +226,7 @@
         <a:sym typeface="Arial"/>
       </a:defRPr>
     </a:lvl7pPr>
-    <a:lvl8pPr lvl="7" marR="0" rtl="0" algn="l">
+    <a:lvl8pPr marR="0" lvl="7" algn="l" rtl="0">
       <a:lnSpc>
         <a:spcPct val="100000"/>
       </a:lnSpc>
@@ -240,7 +240,7 @@
         <a:srgbClr val="000000"/>
       </a:buClr>
       <a:buFont typeface="Arial"/>
-      <a:defRPr b="0" i="0" sz="1400" u="none" cap="none" strike="noStrike">
+      <a:defRPr sz="1400" b="0" i="0" u="none" strike="noStrike" cap="none">
         <a:solidFill>
           <a:srgbClr val="000000"/>
         </a:solidFill>
@@ -250,7 +250,7 @@
         <a:sym typeface="Arial"/>
       </a:defRPr>
     </a:lvl8pPr>
-    <a:lvl9pPr lvl="8" marR="0" rtl="0" algn="l">
+    <a:lvl9pPr marR="0" lvl="8" algn="l" rtl="0">
       <a:lnSpc>
         <a:spcPct val="100000"/>
       </a:lnSpc>
@@ -264,7 +264,7 @@
         <a:srgbClr val="000000"/>
       </a:buClr>
       <a:buFont typeface="Arial"/>
-      <a:defRPr b="0" i="0" sz="1400" u="none" cap="none" strike="noStrike">
+      <a:defRPr sz="1400" b="0" i="0" u="none" strike="noStrike" cap="none">
         <a:solidFill>
           <a:srgbClr val="000000"/>
         </a:solidFill>
@@ -277,7 +277,7 @@
   </p:defaultTextStyle>
   <p:extLst>
     <p:ext uri="{EFAFB233-063F-42B5-8137-9DF3F51BA10A}">
-      <p15:sldGuideLst>
+      <p15:sldGuideLst xmlns:p15="http://schemas.microsoft.com/office/powerpoint/2012/main">
         <p15:guide id="1" orient="horz" pos="1620">
           <p15:clr>
             <a:srgbClr val="A4A3A4"/>
@@ -295,11 +295,16 @@
 </file>
 
 <file path=ppt/notesMasters/notesMaster1.xml><?xml version="1.0" encoding="utf-8"?>
-<p:notesMaster xmlns:a="http://schemas.openxmlformats.org/drawingml/2006/main" xmlns:r="http://schemas.openxmlformats.org/officeDocument/2006/relationships" xmlns:mc="http://schemas.openxmlformats.org/markup-compatibility/2006" xmlns:mv="urn:schemas-microsoft-com:mac:vml" xmlns:p="http://schemas.openxmlformats.org/presentationml/2006/main" xmlns:c="http://schemas.openxmlformats.org/drawingml/2006/chart" xmlns:dgm="http://schemas.openxmlformats.org/drawingml/2006/diagram" xmlns:o="urn:schemas-microsoft-com:office:office" xmlns:v="urn:schemas-microsoft-com:vml" xmlns:pvml="urn:schemas-microsoft-com:office:powerpoint" xmlns:com="http://schemas.openxmlformats.org/drawingml/2006/compatibility" xmlns:p14="http://schemas.microsoft.com/office/powerpoint/2010/main" xmlns:p15="http://schemas.microsoft.com/office/powerpoint/2012/main" xmlns:ahyp="http://schemas.microsoft.com/office/drawing/2018/hyperlinkcolor">
+<p:notesMaster xmlns:a="http://schemas.openxmlformats.org/drawingml/2006/main" xmlns:r="http://schemas.openxmlformats.org/officeDocument/2006/relationships" xmlns:p="http://schemas.openxmlformats.org/presentationml/2006/main">
   <p:cSld>
+    <p:bg>
+      <p:bgRef idx="1001">
+        <a:schemeClr val="bg1"/>
+      </p:bgRef>
+    </p:bg>
     <p:spTree>
       <p:nvGrpSpPr>
-        <p:cNvPr id="2" name="Shape 2"/>
+        <p:cNvPr id="1" name="Shape 2"/>
         <p:cNvGrpSpPr/>
         <p:nvPr/>
       </p:nvGrpSpPr>
@@ -314,9 +319,11 @@
       <p:sp>
         <p:nvSpPr>
           <p:cNvPr id="3" name="Google Shape;3;n"/>
-          <p:cNvSpPr/>
+          <p:cNvSpPr>
+            <a:spLocks noGrp="1" noRot="1" noChangeAspect="1"/>
+          </p:cNvSpPr>
           <p:nvPr>
-            <p:ph idx="2" type="sldImg"/>
+            <p:ph type="sldImg" idx="2"/>
           </p:nvPr>
         </p:nvSpPr>
         <p:spPr>
@@ -325,9 +332,13 @@
             <a:ext cx="6096075" cy="3429000"/>
           </a:xfrm>
           <a:custGeom>
-            <a:rect b="b" l="l" r="r" t="t"/>
+            <a:avLst/>
+            <a:gdLst/>
+            <a:ahLst/>
+            <a:cxnLst/>
+            <a:rect l="l" t="t" r="r" b="b"/>
             <a:pathLst>
-              <a:path extrusionOk="0" h="120000" w="120000">
+              <a:path w="120000" h="120000" extrusionOk="0">
                 <a:moveTo>
                   <a:pt x="0" y="0"/>
                 </a:moveTo>
@@ -345,23 +356,25 @@
             </a:pathLst>
           </a:custGeom>
           <a:noFill/>
-          <a:ln cap="flat" cmpd="sng" w="9525">
+          <a:ln w="9525" cap="flat" cmpd="sng">
             <a:solidFill>
               <a:srgbClr val="000000"/>
             </a:solidFill>
             <a:prstDash val="solid"/>
             <a:round/>
-            <a:headEnd len="sm" w="sm" type="none"/>
-            <a:tailEnd len="sm" w="sm" type="none"/>
+            <a:headEnd type="none" w="sm" len="sm"/>
+            <a:tailEnd type="none" w="sm" len="sm"/>
           </a:ln>
         </p:spPr>
       </p:sp>
       <p:sp>
         <p:nvSpPr>
           <p:cNvPr id="4" name="Google Shape;4;n"/>
-          <p:cNvSpPr txBox="1"/>
+          <p:cNvSpPr txBox="1">
+            <a:spLocks noGrp="1"/>
+          </p:cNvSpPr>
           <p:nvPr>
-            <p:ph idx="1" type="body"/>
+            <p:ph type="body" idx="1"/>
           </p:nvPr>
         </p:nvSpPr>
         <p:spPr>
@@ -378,11 +391,11 @@
           </a:ln>
         </p:spPr>
         <p:txBody>
-          <a:bodyPr anchorCtr="0" anchor="t" bIns="91425" lIns="91425" spcFirstLastPara="1" rIns="91425" wrap="square" tIns="91425">
+          <a:bodyPr spcFirstLastPara="1" wrap="square" lIns="91425" tIns="91425" rIns="91425" bIns="91425" anchor="t" anchorCtr="0">
             <a:noAutofit/>
           </a:bodyPr>
           <a:lstStyle>
-            <a:lvl1pPr indent="-298450" lvl="0" marL="457200">
+            <a:lvl1pPr marL="457200" lvl="0" indent="-298450">
               <a:spcBef>
                 <a:spcPts val="0"/>
               </a:spcBef>
@@ -393,7 +406,7 @@
               <a:buChar char="●"/>
               <a:defRPr sz="1100"/>
             </a:lvl1pPr>
-            <a:lvl2pPr indent="-298450" lvl="1" marL="914400">
+            <a:lvl2pPr marL="914400" lvl="1" indent="-298450">
               <a:spcBef>
                 <a:spcPts val="0"/>
               </a:spcBef>
@@ -404,7 +417,7 @@
               <a:buChar char="○"/>
               <a:defRPr sz="1100"/>
             </a:lvl2pPr>
-            <a:lvl3pPr indent="-298450" lvl="2" marL="1371600">
+            <a:lvl3pPr marL="1371600" lvl="2" indent="-298450">
               <a:spcBef>
                 <a:spcPts val="0"/>
               </a:spcBef>
@@ -415,7 +428,7 @@
               <a:buChar char="■"/>
               <a:defRPr sz="1100"/>
             </a:lvl3pPr>
-            <a:lvl4pPr indent="-298450" lvl="3" marL="1828800">
+            <a:lvl4pPr marL="1828800" lvl="3" indent="-298450">
               <a:spcBef>
                 <a:spcPts val="0"/>
               </a:spcBef>
@@ -426,7 +439,7 @@
               <a:buChar char="●"/>
               <a:defRPr sz="1100"/>
             </a:lvl4pPr>
-            <a:lvl5pPr indent="-298450" lvl="4" marL="2286000">
+            <a:lvl5pPr marL="2286000" lvl="4" indent="-298450">
               <a:spcBef>
                 <a:spcPts val="0"/>
               </a:spcBef>
@@ -437,7 +450,7 @@
               <a:buChar char="○"/>
               <a:defRPr sz="1100"/>
             </a:lvl5pPr>
-            <a:lvl6pPr indent="-298450" lvl="5" marL="2743200">
+            <a:lvl6pPr marL="2743200" lvl="5" indent="-298450">
               <a:spcBef>
                 <a:spcPts val="0"/>
               </a:spcBef>
@@ -448,7 +461,7 @@
               <a:buChar char="■"/>
               <a:defRPr sz="1100"/>
             </a:lvl6pPr>
-            <a:lvl7pPr indent="-298450" lvl="6" marL="3200400">
+            <a:lvl7pPr marL="3200400" lvl="6" indent="-298450">
               <a:spcBef>
                 <a:spcPts val="0"/>
               </a:spcBef>
@@ -459,7 +472,7 @@
               <a:buChar char="●"/>
               <a:defRPr sz="1100"/>
             </a:lvl7pPr>
-            <a:lvl8pPr indent="-298450" lvl="7" marL="3657600">
+            <a:lvl8pPr marL="3657600" lvl="7" indent="-298450">
               <a:spcBef>
                 <a:spcPts val="0"/>
               </a:spcBef>
@@ -470,7 +483,7 @@
               <a:buChar char="○"/>
               <a:defRPr sz="1100"/>
             </a:lvl8pPr>
-            <a:lvl9pPr indent="-298450" lvl="8" marL="4114800">
+            <a:lvl9pPr marL="4114800" lvl="8" indent="-298450">
               <a:spcBef>
                 <a:spcPts val="0"/>
               </a:spcBef>
@@ -482,14 +495,16 @@
               <a:defRPr sz="1100"/>
             </a:lvl9pPr>
           </a:lstStyle>
-          <a:p/>
+          <a:p>
+            <a:endParaRPr/>
+          </a:p>
         </p:txBody>
       </p:sp>
     </p:spTree>
   </p:cSld>
-  <p:clrMap accent1="accent1" accent2="accent2" accent3="accent3" accent4="accent4" accent5="accent5" accent6="accent6" bg1="lt1" bg2="dk2" tx1="dk1" tx2="lt2" folHlink="folHlink" hlink="hlink"/>
+  <p:clrMap bg1="lt1" tx1="dk1" bg2="dk2" tx2="lt2" accent1="accent1" accent2="accent2" accent3="accent3" accent4="accent4" accent5="accent5" accent6="accent6" hlink="hlink" folHlink="folHlink"/>
   <p:notesStyle>
-    <a:defPPr lvl="0" marR="0" rtl="0" algn="l">
+    <a:defPPr marR="0" lvl="0" algn="l" rtl="0">
       <a:lnSpc>
         <a:spcPct val="100000"/>
       </a:lnSpc>
@@ -500,7 +515,7 @@
         <a:spcPts val="0"/>
       </a:spcAft>
     </a:defPPr>
-    <a:lvl1pPr lvl="0" marR="0" rtl="0" algn="l">
+    <a:lvl1pPr marR="0" lvl="0" algn="l" rtl="0">
       <a:lnSpc>
         <a:spcPct val="100000"/>
       </a:lnSpc>
@@ -514,7 +529,7 @@
         <a:srgbClr val="000000"/>
       </a:buClr>
       <a:buFont typeface="Arial"/>
-      <a:defRPr b="0" i="0" sz="1400" u="none" cap="none" strike="noStrike">
+      <a:defRPr sz="1400" b="0" i="0" u="none" strike="noStrike" cap="none">
         <a:solidFill>
           <a:srgbClr val="000000"/>
         </a:solidFill>
@@ -524,7 +539,7 @@
         <a:sym typeface="Arial"/>
       </a:defRPr>
     </a:lvl1pPr>
-    <a:lvl2pPr lvl="1" marR="0" rtl="0" algn="l">
+    <a:lvl2pPr marR="0" lvl="1" algn="l" rtl="0">
       <a:lnSpc>
         <a:spcPct val="100000"/>
       </a:lnSpc>
@@ -538,7 +553,7 @@
         <a:srgbClr val="000000"/>
       </a:buClr>
       <a:buFont typeface="Arial"/>
-      <a:defRPr b="0" i="0" sz="1400" u="none" cap="none" strike="noStrike">
+      <a:defRPr sz="1400" b="0" i="0" u="none" strike="noStrike" cap="none">
         <a:solidFill>
           <a:srgbClr val="000000"/>
         </a:solidFill>
@@ -548,7 +563,7 @@
         <a:sym typeface="Arial"/>
       </a:defRPr>
     </a:lvl2pPr>
-    <a:lvl3pPr lvl="2" marR="0" rtl="0" algn="l">
+    <a:lvl3pPr marR="0" lvl="2" algn="l" rtl="0">
       <a:lnSpc>
         <a:spcPct val="100000"/>
       </a:lnSpc>
@@ -562,7 +577,7 @@
         <a:srgbClr val="000000"/>
       </a:buClr>
       <a:buFont typeface="Arial"/>
-      <a:defRPr b="0" i="0" sz="1400" u="none" cap="none" strike="noStrike">
+      <a:defRPr sz="1400" b="0" i="0" u="none" strike="noStrike" cap="none">
         <a:solidFill>
           <a:srgbClr val="000000"/>
         </a:solidFill>
@@ -572,7 +587,7 @@
         <a:sym typeface="Arial"/>
       </a:defRPr>
     </a:lvl3pPr>
-    <a:lvl4pPr lvl="3" marR="0" rtl="0" algn="l">
+    <a:lvl4pPr marR="0" lvl="3" algn="l" rtl="0">
       <a:lnSpc>
         <a:spcPct val="100000"/>
       </a:lnSpc>
@@ -586,7 +601,7 @@
         <a:srgbClr val="000000"/>
       </a:buClr>
       <a:buFont typeface="Arial"/>
-      <a:defRPr b="0" i="0" sz="1400" u="none" cap="none" strike="noStrike">
+      <a:defRPr sz="1400" b="0" i="0" u="none" strike="noStrike" cap="none">
         <a:solidFill>
           <a:srgbClr val="000000"/>
         </a:solidFill>
@@ -596,7 +611,7 @@
         <a:sym typeface="Arial"/>
       </a:defRPr>
     </a:lvl4pPr>
-    <a:lvl5pPr lvl="4" marR="0" rtl="0" algn="l">
+    <a:lvl5pPr marR="0" lvl="4" algn="l" rtl="0">
       <a:lnSpc>
         <a:spcPct val="100000"/>
       </a:lnSpc>
@@ -610,7 +625,7 @@
         <a:srgbClr val="000000"/>
       </a:buClr>
       <a:buFont typeface="Arial"/>
-      <a:defRPr b="0" i="0" sz="1400" u="none" cap="none" strike="noStrike">
+      <a:defRPr sz="1400" b="0" i="0" u="none" strike="noStrike" cap="none">
         <a:solidFill>
           <a:srgbClr val="000000"/>
         </a:solidFill>
@@ -620,7 +635,7 @@
         <a:sym typeface="Arial"/>
       </a:defRPr>
     </a:lvl5pPr>
-    <a:lvl6pPr lvl="5" marR="0" rtl="0" algn="l">
+    <a:lvl6pPr marR="0" lvl="5" algn="l" rtl="0">
       <a:lnSpc>
         <a:spcPct val="100000"/>
       </a:lnSpc>
@@ -634,7 +649,7 @@
         <a:srgbClr val="000000"/>
       </a:buClr>
       <a:buFont typeface="Arial"/>
-      <a:defRPr b="0" i="0" sz="1400" u="none" cap="none" strike="noStrike">
+      <a:defRPr sz="1400" b="0" i="0" u="none" strike="noStrike" cap="none">
         <a:solidFill>
           <a:srgbClr val="000000"/>
         </a:solidFill>
@@ -644,7 +659,7 @@
         <a:sym typeface="Arial"/>
       </a:defRPr>
     </a:lvl6pPr>
-    <a:lvl7pPr lvl="6" marR="0" rtl="0" algn="l">
+    <a:lvl7pPr marR="0" lvl="6" algn="l" rtl="0">
       <a:lnSpc>
         <a:spcPct val="100000"/>
       </a:lnSpc>
@@ -658,7 +673,7 @@
         <a:srgbClr val="000000"/>
       </a:buClr>
       <a:buFont typeface="Arial"/>
-      <a:defRPr b="0" i="0" sz="1400" u="none" cap="none" strike="noStrike">
+      <a:defRPr sz="1400" b="0" i="0" u="none" strike="noStrike" cap="none">
         <a:solidFill>
           <a:srgbClr val="000000"/>
         </a:solidFill>
@@ -668,7 +683,7 @@
         <a:sym typeface="Arial"/>
       </a:defRPr>
     </a:lvl7pPr>
-    <a:lvl8pPr lvl="7" marR="0" rtl="0" algn="l">
+    <a:lvl8pPr marR="0" lvl="7" algn="l" rtl="0">
       <a:lnSpc>
         <a:spcPct val="100000"/>
       </a:lnSpc>
@@ -682,7 +697,7 @@
         <a:srgbClr val="000000"/>
       </a:buClr>
       <a:buFont typeface="Arial"/>
-      <a:defRPr b="0" i="0" sz="1400" u="none" cap="none" strike="noStrike">
+      <a:defRPr sz="1400" b="0" i="0" u="none" strike="noStrike" cap="none">
         <a:solidFill>
           <a:srgbClr val="000000"/>
         </a:solidFill>
@@ -692,7 +707,7 @@
         <a:sym typeface="Arial"/>
       </a:defRPr>
     </a:lvl8pPr>
-    <a:lvl9pPr lvl="8" marR="0" rtl="0" algn="l">
+    <a:lvl9pPr marR="0" lvl="8" algn="l" rtl="0">
       <a:lnSpc>
         <a:spcPct val="100000"/>
       </a:lnSpc>
@@ -706,7 +721,7 @@
         <a:srgbClr val="000000"/>
       </a:buClr>
       <a:buFont typeface="Arial"/>
-      <a:defRPr b="0" i="0" sz="1400" u="none" cap="none" strike="noStrike">
+      <a:defRPr sz="1400" b="0" i="0" u="none" strike="noStrike" cap="none">
         <a:solidFill>
           <a:srgbClr val="000000"/>
         </a:solidFill>
@@ -721,11 +736,11 @@
 </file>
 
 <file path=ppt/notesSlides/notesSlide1.xml><?xml version="1.0" encoding="utf-8"?>
-<p:notes xmlns:a="http://schemas.openxmlformats.org/drawingml/2006/main" xmlns:r="http://schemas.openxmlformats.org/officeDocument/2006/relationships" xmlns:mc="http://schemas.openxmlformats.org/markup-compatibility/2006" xmlns:mv="urn:schemas-microsoft-com:mac:vml" xmlns:p="http://schemas.openxmlformats.org/presentationml/2006/main" xmlns:c="http://schemas.openxmlformats.org/drawingml/2006/chart" xmlns:dgm="http://schemas.openxmlformats.org/drawingml/2006/diagram" xmlns:o="urn:schemas-microsoft-com:office:office" xmlns:v="urn:schemas-microsoft-com:vml" xmlns:pvml="urn:schemas-microsoft-com:office:powerpoint" xmlns:com="http://schemas.openxmlformats.org/drawingml/2006/compatibility" xmlns:p14="http://schemas.microsoft.com/office/powerpoint/2010/main" xmlns:p15="http://schemas.microsoft.com/office/powerpoint/2012/main" xmlns:ahyp="http://schemas.microsoft.com/office/drawing/2018/hyperlinkcolor" showMasterPhAnim="0" showMasterSp="0">
+<p:notes xmlns:a="http://schemas.openxmlformats.org/drawingml/2006/main" xmlns:r="http://schemas.openxmlformats.org/officeDocument/2006/relationships" xmlns:p="http://schemas.openxmlformats.org/presentationml/2006/main" showMasterSp="0" showMasterPhAnim="0">
   <p:cSld>
     <p:spTree>
       <p:nvGrpSpPr>
-        <p:cNvPr id="53" name="Shape 53"/>
+        <p:cNvPr id="1" name="Shape 53"/>
         <p:cNvGrpSpPr/>
         <p:nvPr/>
       </p:nvGrpSpPr>
@@ -740,20 +755,26 @@
       <p:sp>
         <p:nvSpPr>
           <p:cNvPr id="54" name="Google Shape;54;p:notes"/>
-          <p:cNvSpPr/>
+          <p:cNvSpPr>
+            <a:spLocks noGrp="1" noRot="1" noChangeAspect="1"/>
+          </p:cNvSpPr>
           <p:nvPr>
-            <p:ph idx="2" type="sldImg"/>
+            <p:ph type="sldImg" idx="2"/>
           </p:nvPr>
         </p:nvSpPr>
         <p:spPr>
           <a:xfrm>
-            <a:off x="381300" y="685800"/>
-            <a:ext cx="6096075" cy="3429000"/>
+            <a:off x="381000" y="685800"/>
+            <a:ext cx="6096000" cy="3429000"/>
           </a:xfrm>
           <a:custGeom>
-            <a:rect b="b" l="l" r="r" t="t"/>
+            <a:avLst/>
+            <a:gdLst/>
+            <a:ahLst/>
+            <a:cxnLst/>
+            <a:rect l="l" t="t" r="r" b="b"/>
             <a:pathLst>
-              <a:path extrusionOk="0" h="120000" w="120000">
+              <a:path w="120000" h="120000" extrusionOk="0">
                 <a:moveTo>
                   <a:pt x="0" y="0"/>
                 </a:moveTo>
@@ -775,9 +796,11 @@
       <p:sp>
         <p:nvSpPr>
           <p:cNvPr id="55" name="Google Shape;55;p:notes"/>
-          <p:cNvSpPr txBox="1"/>
+          <p:cNvSpPr txBox="1">
+            <a:spLocks noGrp="1"/>
+          </p:cNvSpPr>
           <p:nvPr>
-            <p:ph idx="1" type="body"/>
+            <p:ph type="body" idx="1"/>
           </p:nvPr>
         </p:nvSpPr>
         <p:spPr>
@@ -790,12 +813,12 @@
           </a:prstGeom>
         </p:spPr>
         <p:txBody>
-          <a:bodyPr anchorCtr="0" anchor="t" bIns="91425" lIns="91425" spcFirstLastPara="1" rIns="91425" wrap="square" tIns="91425">
+          <a:bodyPr spcFirstLastPara="1" wrap="square" lIns="91425" tIns="91425" rIns="91425" bIns="91425" anchor="t" anchorCtr="0">
             <a:noAutofit/>
           </a:bodyPr>
           <a:lstStyle/>
           <a:p>
-            <a:pPr indent="0" lvl="0" marL="0" rtl="0" algn="l">
+            <a:pPr marL="0" lvl="0" indent="0" algn="l" rtl="0">
               <a:spcBef>
                 <a:spcPts val="0"/>
               </a:spcBef>
@@ -804,9 +827,6 @@
               </a:spcAft>
               <a:buNone/>
             </a:pPr>
-            <a:r>
-              <a:t/>
-            </a:r>
             <a:endParaRPr/>
           </a:p>
         </p:txBody>
@@ -820,11 +840,11 @@
 </file>
 
 <file path=ppt/notesSlides/notesSlide10.xml><?xml version="1.0" encoding="utf-8"?>
-<p:notes xmlns:a="http://schemas.openxmlformats.org/drawingml/2006/main" xmlns:r="http://schemas.openxmlformats.org/officeDocument/2006/relationships" xmlns:mc="http://schemas.openxmlformats.org/markup-compatibility/2006" xmlns:mv="urn:schemas-microsoft-com:mac:vml" xmlns:p="http://schemas.openxmlformats.org/presentationml/2006/main" xmlns:c="http://schemas.openxmlformats.org/drawingml/2006/chart" xmlns:dgm="http://schemas.openxmlformats.org/drawingml/2006/diagram" xmlns:o="urn:schemas-microsoft-com:office:office" xmlns:v="urn:schemas-microsoft-com:vml" xmlns:pvml="urn:schemas-microsoft-com:office:powerpoint" xmlns:com="http://schemas.openxmlformats.org/drawingml/2006/compatibility" xmlns:p14="http://schemas.microsoft.com/office/powerpoint/2010/main" xmlns:p15="http://schemas.microsoft.com/office/powerpoint/2012/main" xmlns:ahyp="http://schemas.microsoft.com/office/drawing/2018/hyperlinkcolor" showMasterPhAnim="0" showMasterSp="0">
+<p:notes xmlns:a="http://schemas.openxmlformats.org/drawingml/2006/main" xmlns:r="http://schemas.openxmlformats.org/officeDocument/2006/relationships" xmlns:p="http://schemas.openxmlformats.org/presentationml/2006/main" showMasterSp="0" showMasterPhAnim="0">
   <p:cSld>
     <p:spTree>
       <p:nvGrpSpPr>
-        <p:cNvPr id="164" name="Shape 164"/>
+        <p:cNvPr id="1" name="Shape 164"/>
         <p:cNvGrpSpPr/>
         <p:nvPr/>
       </p:nvGrpSpPr>
@@ -839,9 +859,11 @@
       <p:sp>
         <p:nvSpPr>
           <p:cNvPr id="165" name="Google Shape;165;geb5ce7b2fc_1_298:notes"/>
-          <p:cNvSpPr/>
+          <p:cNvSpPr>
+            <a:spLocks noGrp="1" noRot="1" noChangeAspect="1"/>
+          </p:cNvSpPr>
           <p:nvPr>
-            <p:ph idx="2" type="sldImg"/>
+            <p:ph type="sldImg" idx="2"/>
           </p:nvPr>
         </p:nvSpPr>
         <p:spPr>
@@ -850,9 +872,13 @@
             <a:ext cx="6096000" cy="3429000"/>
           </a:xfrm>
           <a:custGeom>
-            <a:rect b="b" l="l" r="r" t="t"/>
+            <a:avLst/>
+            <a:gdLst/>
+            <a:ahLst/>
+            <a:cxnLst/>
+            <a:rect l="l" t="t" r="r" b="b"/>
             <a:pathLst>
-              <a:path extrusionOk="0" h="120000" w="120000">
+              <a:path w="120000" h="120000" extrusionOk="0">
                 <a:moveTo>
                   <a:pt x="0" y="0"/>
                 </a:moveTo>
@@ -874,9 +900,11 @@
       <p:sp>
         <p:nvSpPr>
           <p:cNvPr id="166" name="Google Shape;166;geb5ce7b2fc_1_298:notes"/>
-          <p:cNvSpPr txBox="1"/>
+          <p:cNvSpPr txBox="1">
+            <a:spLocks noGrp="1"/>
+          </p:cNvSpPr>
           <p:nvPr>
-            <p:ph idx="1" type="body"/>
+            <p:ph type="body" idx="1"/>
           </p:nvPr>
         </p:nvSpPr>
         <p:spPr>
@@ -889,12 +917,12 @@
           </a:prstGeom>
         </p:spPr>
         <p:txBody>
-          <a:bodyPr anchorCtr="0" anchor="t" bIns="91425" lIns="91425" spcFirstLastPara="1" rIns="91425" wrap="square" tIns="91425">
+          <a:bodyPr spcFirstLastPara="1" wrap="square" lIns="91425" tIns="91425" rIns="91425" bIns="91425" anchor="t" anchorCtr="0">
             <a:noAutofit/>
           </a:bodyPr>
           <a:lstStyle/>
           <a:p>
-            <a:pPr indent="0" lvl="0" marL="0" rtl="0" algn="l">
+            <a:pPr marL="0" lvl="0" indent="0" algn="l" rtl="0">
               <a:spcBef>
                 <a:spcPts val="0"/>
               </a:spcBef>
@@ -903,9 +931,6 @@
               </a:spcAft>
               <a:buNone/>
             </a:pPr>
-            <a:r>
-              <a:t/>
-            </a:r>
             <a:endParaRPr/>
           </a:p>
         </p:txBody>
@@ -919,11 +944,11 @@
 </file>
 
 <file path=ppt/notesSlides/notesSlide11.xml><?xml version="1.0" encoding="utf-8"?>
-<p:notes xmlns:a="http://schemas.openxmlformats.org/drawingml/2006/main" xmlns:r="http://schemas.openxmlformats.org/officeDocument/2006/relationships" xmlns:mc="http://schemas.openxmlformats.org/markup-compatibility/2006" xmlns:mv="urn:schemas-microsoft-com:mac:vml" xmlns:p="http://schemas.openxmlformats.org/presentationml/2006/main" xmlns:c="http://schemas.openxmlformats.org/drawingml/2006/chart" xmlns:dgm="http://schemas.openxmlformats.org/drawingml/2006/diagram" xmlns:o="urn:schemas-microsoft-com:office:office" xmlns:v="urn:schemas-microsoft-com:vml" xmlns:pvml="urn:schemas-microsoft-com:office:powerpoint" xmlns:com="http://schemas.openxmlformats.org/drawingml/2006/compatibility" xmlns:p14="http://schemas.microsoft.com/office/powerpoint/2010/main" xmlns:p15="http://schemas.microsoft.com/office/powerpoint/2012/main" xmlns:ahyp="http://schemas.microsoft.com/office/drawing/2018/hyperlinkcolor" showMasterPhAnim="0" showMasterSp="0">
+<p:notes xmlns:a="http://schemas.openxmlformats.org/drawingml/2006/main" xmlns:r="http://schemas.openxmlformats.org/officeDocument/2006/relationships" xmlns:p="http://schemas.openxmlformats.org/presentationml/2006/main" showMasterSp="0" showMasterPhAnim="0">
   <p:cSld>
     <p:spTree>
       <p:nvGrpSpPr>
-        <p:cNvPr id="202" name="Shape 202"/>
+        <p:cNvPr id="1" name="Shape 202"/>
         <p:cNvGrpSpPr/>
         <p:nvPr/>
       </p:nvGrpSpPr>
@@ -938,9 +963,11 @@
       <p:sp>
         <p:nvSpPr>
           <p:cNvPr id="203" name="Google Shape;203;gb85b50f97e_6_1774:notes"/>
-          <p:cNvSpPr/>
+          <p:cNvSpPr>
+            <a:spLocks noGrp="1" noRot="1" noChangeAspect="1"/>
+          </p:cNvSpPr>
           <p:nvPr>
-            <p:ph idx="2" type="sldImg"/>
+            <p:ph type="sldImg" idx="2"/>
           </p:nvPr>
         </p:nvSpPr>
         <p:spPr>
@@ -949,9 +976,13 @@
             <a:ext cx="6096000" cy="3429000"/>
           </a:xfrm>
           <a:custGeom>
-            <a:rect b="b" l="l" r="r" t="t"/>
+            <a:avLst/>
+            <a:gdLst/>
+            <a:ahLst/>
+            <a:cxnLst/>
+            <a:rect l="l" t="t" r="r" b="b"/>
             <a:pathLst>
-              <a:path extrusionOk="0" h="120000" w="120000">
+              <a:path w="120000" h="120000" extrusionOk="0">
                 <a:moveTo>
                   <a:pt x="0" y="0"/>
                 </a:moveTo>
@@ -973,9 +1004,11 @@
       <p:sp>
         <p:nvSpPr>
           <p:cNvPr id="204" name="Google Shape;204;gb85b50f97e_6_1774:notes"/>
-          <p:cNvSpPr txBox="1"/>
+          <p:cNvSpPr txBox="1">
+            <a:spLocks noGrp="1"/>
+          </p:cNvSpPr>
           <p:nvPr>
-            <p:ph idx="1" type="body"/>
+            <p:ph type="body" idx="1"/>
           </p:nvPr>
         </p:nvSpPr>
         <p:spPr>
@@ -988,12 +1021,12 @@
           </a:prstGeom>
         </p:spPr>
         <p:txBody>
-          <a:bodyPr anchorCtr="0" anchor="t" bIns="91425" lIns="91425" spcFirstLastPara="1" rIns="91425" wrap="square" tIns="91425">
+          <a:bodyPr spcFirstLastPara="1" wrap="square" lIns="91425" tIns="91425" rIns="91425" bIns="91425" anchor="t" anchorCtr="0">
             <a:noAutofit/>
           </a:bodyPr>
           <a:lstStyle/>
           <a:p>
-            <a:pPr indent="0" lvl="0" marL="0" rtl="0" algn="l">
+            <a:pPr marL="0" lvl="0" indent="0" algn="l" rtl="0">
               <a:spcBef>
                 <a:spcPts val="0"/>
               </a:spcBef>
@@ -1002,9 +1035,6 @@
               </a:spcAft>
               <a:buNone/>
             </a:pPr>
-            <a:r>
-              <a:t/>
-            </a:r>
             <a:endParaRPr/>
           </a:p>
         </p:txBody>
@@ -1018,11 +1048,11 @@
 </file>
 
 <file path=ppt/notesSlides/notesSlide12.xml><?xml version="1.0" encoding="utf-8"?>
-<p:notes xmlns:a="http://schemas.openxmlformats.org/drawingml/2006/main" xmlns:r="http://schemas.openxmlformats.org/officeDocument/2006/relationships" xmlns:mc="http://schemas.openxmlformats.org/markup-compatibility/2006" xmlns:mv="urn:schemas-microsoft-com:mac:vml" xmlns:p="http://schemas.openxmlformats.org/presentationml/2006/main" xmlns:c="http://schemas.openxmlformats.org/drawingml/2006/chart" xmlns:dgm="http://schemas.openxmlformats.org/drawingml/2006/diagram" xmlns:o="urn:schemas-microsoft-com:office:office" xmlns:v="urn:schemas-microsoft-com:vml" xmlns:pvml="urn:schemas-microsoft-com:office:powerpoint" xmlns:com="http://schemas.openxmlformats.org/drawingml/2006/compatibility" xmlns:p14="http://schemas.microsoft.com/office/powerpoint/2010/main" xmlns:p15="http://schemas.microsoft.com/office/powerpoint/2012/main" xmlns:ahyp="http://schemas.microsoft.com/office/drawing/2018/hyperlinkcolor" showMasterPhAnim="0" showMasterSp="0">
+<p:notes xmlns:a="http://schemas.openxmlformats.org/drawingml/2006/main" xmlns:r="http://schemas.openxmlformats.org/officeDocument/2006/relationships" xmlns:p="http://schemas.openxmlformats.org/presentationml/2006/main" showMasterSp="0" showMasterPhAnim="0">
   <p:cSld>
     <p:spTree>
       <p:nvGrpSpPr>
-        <p:cNvPr id="242" name="Shape 242"/>
+        <p:cNvPr id="1" name="Shape 242"/>
         <p:cNvGrpSpPr/>
         <p:nvPr/>
       </p:nvGrpSpPr>
@@ -1037,9 +1067,11 @@
       <p:sp>
         <p:nvSpPr>
           <p:cNvPr id="243" name="Google Shape;243;gb85b50f97e_6_1768:notes"/>
-          <p:cNvSpPr/>
+          <p:cNvSpPr>
+            <a:spLocks noGrp="1" noRot="1" noChangeAspect="1"/>
+          </p:cNvSpPr>
           <p:nvPr>
-            <p:ph idx="2" type="sldImg"/>
+            <p:ph type="sldImg" idx="2"/>
           </p:nvPr>
         </p:nvSpPr>
         <p:spPr>
@@ -1048,9 +1080,13 @@
             <a:ext cx="6096000" cy="3429000"/>
           </a:xfrm>
           <a:custGeom>
-            <a:rect b="b" l="l" r="r" t="t"/>
+            <a:avLst/>
+            <a:gdLst/>
+            <a:ahLst/>
+            <a:cxnLst/>
+            <a:rect l="l" t="t" r="r" b="b"/>
             <a:pathLst>
-              <a:path extrusionOk="0" h="120000" w="120000">
+              <a:path w="120000" h="120000" extrusionOk="0">
                 <a:moveTo>
                   <a:pt x="0" y="0"/>
                 </a:moveTo>
@@ -1072,9 +1108,11 @@
       <p:sp>
         <p:nvSpPr>
           <p:cNvPr id="244" name="Google Shape;244;gb85b50f97e_6_1768:notes"/>
-          <p:cNvSpPr txBox="1"/>
+          <p:cNvSpPr txBox="1">
+            <a:spLocks noGrp="1"/>
+          </p:cNvSpPr>
           <p:nvPr>
-            <p:ph idx="1" type="body"/>
+            <p:ph type="body" idx="1"/>
           </p:nvPr>
         </p:nvSpPr>
         <p:spPr>
@@ -1087,12 +1125,12 @@
           </a:prstGeom>
         </p:spPr>
         <p:txBody>
-          <a:bodyPr anchorCtr="0" anchor="t" bIns="91425" lIns="91425" spcFirstLastPara="1" rIns="91425" wrap="square" tIns="91425">
+          <a:bodyPr spcFirstLastPara="1" wrap="square" lIns="91425" tIns="91425" rIns="91425" bIns="91425" anchor="t" anchorCtr="0">
             <a:noAutofit/>
           </a:bodyPr>
           <a:lstStyle/>
           <a:p>
-            <a:pPr indent="0" lvl="0" marL="0" rtl="0" algn="l">
+            <a:pPr marL="0" lvl="0" indent="0" algn="l" rtl="0">
               <a:spcBef>
                 <a:spcPts val="0"/>
               </a:spcBef>
@@ -1101,9 +1139,6 @@
               </a:spcAft>
               <a:buNone/>
             </a:pPr>
-            <a:r>
-              <a:t/>
-            </a:r>
             <a:endParaRPr/>
           </a:p>
         </p:txBody>
@@ -1117,11 +1152,11 @@
 </file>
 
 <file path=ppt/notesSlides/notesSlide2.xml><?xml version="1.0" encoding="utf-8"?>
-<p:notes xmlns:a="http://schemas.openxmlformats.org/drawingml/2006/main" xmlns:r="http://schemas.openxmlformats.org/officeDocument/2006/relationships" xmlns:mc="http://schemas.openxmlformats.org/markup-compatibility/2006" xmlns:mv="urn:schemas-microsoft-com:mac:vml" xmlns:p="http://schemas.openxmlformats.org/presentationml/2006/main" xmlns:c="http://schemas.openxmlformats.org/drawingml/2006/chart" xmlns:dgm="http://schemas.openxmlformats.org/drawingml/2006/diagram" xmlns:o="urn:schemas-microsoft-com:office:office" xmlns:v="urn:schemas-microsoft-com:vml" xmlns:pvml="urn:schemas-microsoft-com:office:powerpoint" xmlns:com="http://schemas.openxmlformats.org/drawingml/2006/compatibility" xmlns:p14="http://schemas.microsoft.com/office/powerpoint/2010/main" xmlns:p15="http://schemas.microsoft.com/office/powerpoint/2012/main" xmlns:ahyp="http://schemas.microsoft.com/office/drawing/2018/hyperlinkcolor" showMasterPhAnim="0" showMasterSp="0">
+<p:notes xmlns:a="http://schemas.openxmlformats.org/drawingml/2006/main" xmlns:r="http://schemas.openxmlformats.org/officeDocument/2006/relationships" xmlns:p="http://schemas.openxmlformats.org/presentationml/2006/main" showMasterSp="0" showMasterPhAnim="0">
   <p:cSld>
     <p:spTree>
       <p:nvGrpSpPr>
-        <p:cNvPr id="62" name="Shape 62"/>
+        <p:cNvPr id="1" name="Shape 62"/>
         <p:cNvGrpSpPr/>
         <p:nvPr/>
       </p:nvGrpSpPr>
@@ -1136,9 +1171,11 @@
       <p:sp>
         <p:nvSpPr>
           <p:cNvPr id="63" name="Google Shape;63;gb85b50f97e_1_3:notes"/>
-          <p:cNvSpPr/>
+          <p:cNvSpPr>
+            <a:spLocks noGrp="1" noRot="1" noChangeAspect="1"/>
+          </p:cNvSpPr>
           <p:nvPr>
-            <p:ph idx="2" type="sldImg"/>
+            <p:ph type="sldImg" idx="2"/>
           </p:nvPr>
         </p:nvSpPr>
         <p:spPr>
@@ -1147,9 +1184,13 @@
             <a:ext cx="6096000" cy="3429000"/>
           </a:xfrm>
           <a:custGeom>
-            <a:rect b="b" l="l" r="r" t="t"/>
+            <a:avLst/>
+            <a:gdLst/>
+            <a:ahLst/>
+            <a:cxnLst/>
+            <a:rect l="l" t="t" r="r" b="b"/>
             <a:pathLst>
-              <a:path extrusionOk="0" h="120000" w="120000">
+              <a:path w="120000" h="120000" extrusionOk="0">
                 <a:moveTo>
                   <a:pt x="0" y="0"/>
                 </a:moveTo>
@@ -1171,9 +1212,11 @@
       <p:sp>
         <p:nvSpPr>
           <p:cNvPr id="64" name="Google Shape;64;gb85b50f97e_1_3:notes"/>
-          <p:cNvSpPr txBox="1"/>
+          <p:cNvSpPr txBox="1">
+            <a:spLocks noGrp="1"/>
+          </p:cNvSpPr>
           <p:nvPr>
-            <p:ph idx="1" type="body"/>
+            <p:ph type="body" idx="1"/>
           </p:nvPr>
         </p:nvSpPr>
         <p:spPr>
@@ -1186,12 +1229,12 @@
           </a:prstGeom>
         </p:spPr>
         <p:txBody>
-          <a:bodyPr anchorCtr="0" anchor="t" bIns="91425" lIns="91425" spcFirstLastPara="1" rIns="91425" wrap="square" tIns="91425">
+          <a:bodyPr spcFirstLastPara="1" wrap="square" lIns="91425" tIns="91425" rIns="91425" bIns="91425" anchor="t" anchorCtr="0">
             <a:noAutofit/>
           </a:bodyPr>
           <a:lstStyle/>
           <a:p>
-            <a:pPr indent="0" lvl="0" marL="0" rtl="0" algn="l">
+            <a:pPr marL="0" lvl="0" indent="0" algn="l" rtl="0">
               <a:spcBef>
                 <a:spcPts val="0"/>
               </a:spcBef>
@@ -1200,9 +1243,6 @@
               </a:spcAft>
               <a:buNone/>
             </a:pPr>
-            <a:r>
-              <a:t/>
-            </a:r>
             <a:endParaRPr/>
           </a:p>
         </p:txBody>
@@ -1216,11 +1256,11 @@
 </file>
 
 <file path=ppt/notesSlides/notesSlide3.xml><?xml version="1.0" encoding="utf-8"?>
-<p:notes xmlns:a="http://schemas.openxmlformats.org/drawingml/2006/main" xmlns:r="http://schemas.openxmlformats.org/officeDocument/2006/relationships" xmlns:mc="http://schemas.openxmlformats.org/markup-compatibility/2006" xmlns:mv="urn:schemas-microsoft-com:mac:vml" xmlns:p="http://schemas.openxmlformats.org/presentationml/2006/main" xmlns:c="http://schemas.openxmlformats.org/drawingml/2006/chart" xmlns:dgm="http://schemas.openxmlformats.org/drawingml/2006/diagram" xmlns:o="urn:schemas-microsoft-com:office:office" xmlns:v="urn:schemas-microsoft-com:vml" xmlns:pvml="urn:schemas-microsoft-com:office:powerpoint" xmlns:com="http://schemas.openxmlformats.org/drawingml/2006/compatibility" xmlns:p14="http://schemas.microsoft.com/office/powerpoint/2010/main" xmlns:p15="http://schemas.microsoft.com/office/powerpoint/2012/main" xmlns:ahyp="http://schemas.microsoft.com/office/drawing/2018/hyperlinkcolor" showMasterPhAnim="0" showMasterSp="0">
+<p:notes xmlns:a="http://schemas.openxmlformats.org/drawingml/2006/main" xmlns:r="http://schemas.openxmlformats.org/officeDocument/2006/relationships" xmlns:p="http://schemas.openxmlformats.org/presentationml/2006/main" showMasterSp="0" showMasterPhAnim="0">
   <p:cSld>
     <p:spTree>
       <p:nvGrpSpPr>
-        <p:cNvPr id="69" name="Shape 69"/>
+        <p:cNvPr id="1" name="Shape 69"/>
         <p:cNvGrpSpPr/>
         <p:nvPr/>
       </p:nvGrpSpPr>
@@ -1235,20 +1275,26 @@
       <p:sp>
         <p:nvSpPr>
           <p:cNvPr id="70" name="Google Shape;70;gb85b50f97e_1_13:notes"/>
-          <p:cNvSpPr/>
+          <p:cNvSpPr>
+            <a:spLocks noGrp="1" noRot="1" noChangeAspect="1"/>
+          </p:cNvSpPr>
           <p:nvPr>
-            <p:ph idx="2" type="sldImg"/>
+            <p:ph type="sldImg" idx="2"/>
           </p:nvPr>
         </p:nvSpPr>
         <p:spPr>
           <a:xfrm>
-            <a:off x="381300" y="685800"/>
+            <a:off x="381000" y="685800"/>
             <a:ext cx="6096000" cy="3429000"/>
           </a:xfrm>
           <a:custGeom>
-            <a:rect b="b" l="l" r="r" t="t"/>
+            <a:avLst/>
+            <a:gdLst/>
+            <a:ahLst/>
+            <a:cxnLst/>
+            <a:rect l="l" t="t" r="r" b="b"/>
             <a:pathLst>
-              <a:path extrusionOk="0" h="120000" w="120000">
+              <a:path w="120000" h="120000" extrusionOk="0">
                 <a:moveTo>
                   <a:pt x="0" y="0"/>
                 </a:moveTo>
@@ -1270,9 +1316,11 @@
       <p:sp>
         <p:nvSpPr>
           <p:cNvPr id="71" name="Google Shape;71;gb85b50f97e_1_13:notes"/>
-          <p:cNvSpPr txBox="1"/>
+          <p:cNvSpPr txBox="1">
+            <a:spLocks noGrp="1"/>
+          </p:cNvSpPr>
           <p:nvPr>
-            <p:ph idx="1" type="body"/>
+            <p:ph type="body" idx="1"/>
           </p:nvPr>
         </p:nvSpPr>
         <p:spPr>
@@ -1285,12 +1333,12 @@
           </a:prstGeom>
         </p:spPr>
         <p:txBody>
-          <a:bodyPr anchorCtr="0" anchor="t" bIns="91425" lIns="91425" spcFirstLastPara="1" rIns="91425" wrap="square" tIns="91425">
+          <a:bodyPr spcFirstLastPara="1" wrap="square" lIns="91425" tIns="91425" rIns="91425" bIns="91425" anchor="t" anchorCtr="0">
             <a:noAutofit/>
           </a:bodyPr>
           <a:lstStyle/>
           <a:p>
-            <a:pPr indent="0" lvl="0" marL="0" rtl="0" algn="l">
+            <a:pPr marL="0" lvl="0" indent="0" algn="l" rtl="0">
               <a:spcBef>
                 <a:spcPts val="0"/>
               </a:spcBef>
@@ -1299,9 +1347,6 @@
               </a:spcAft>
               <a:buNone/>
             </a:pPr>
-            <a:r>
-              <a:t/>
-            </a:r>
             <a:endParaRPr/>
           </a:p>
         </p:txBody>
@@ -1315,11 +1360,11 @@
 </file>
 
 <file path=ppt/notesSlides/notesSlide4.xml><?xml version="1.0" encoding="utf-8"?>
-<p:notes xmlns:a="http://schemas.openxmlformats.org/drawingml/2006/main" xmlns:r="http://schemas.openxmlformats.org/officeDocument/2006/relationships" xmlns:mc="http://schemas.openxmlformats.org/markup-compatibility/2006" xmlns:mv="urn:schemas-microsoft-com:mac:vml" xmlns:p="http://schemas.openxmlformats.org/presentationml/2006/main" xmlns:c="http://schemas.openxmlformats.org/drawingml/2006/chart" xmlns:dgm="http://schemas.openxmlformats.org/drawingml/2006/diagram" xmlns:o="urn:schemas-microsoft-com:office:office" xmlns:v="urn:schemas-microsoft-com:vml" xmlns:pvml="urn:schemas-microsoft-com:office:powerpoint" xmlns:com="http://schemas.openxmlformats.org/drawingml/2006/compatibility" xmlns:p14="http://schemas.microsoft.com/office/powerpoint/2010/main" xmlns:p15="http://schemas.microsoft.com/office/powerpoint/2012/main" xmlns:ahyp="http://schemas.microsoft.com/office/drawing/2018/hyperlinkcolor" showMasterPhAnim="0" showMasterSp="0">
+<p:notes xmlns:a="http://schemas.openxmlformats.org/drawingml/2006/main" xmlns:r="http://schemas.openxmlformats.org/officeDocument/2006/relationships" xmlns:p="http://schemas.openxmlformats.org/presentationml/2006/main" showMasterSp="0" showMasterPhAnim="0">
   <p:cSld>
     <p:spTree>
       <p:nvGrpSpPr>
-        <p:cNvPr id="76" name="Shape 76"/>
+        <p:cNvPr id="1" name="Shape 76"/>
         <p:cNvGrpSpPr/>
         <p:nvPr/>
       </p:nvGrpSpPr>
@@ -1334,9 +1379,11 @@
       <p:sp>
         <p:nvSpPr>
           <p:cNvPr id="77" name="Google Shape;77;gb85b50f97e_6_25:notes"/>
-          <p:cNvSpPr/>
+          <p:cNvSpPr>
+            <a:spLocks noGrp="1" noRot="1" noChangeAspect="1"/>
+          </p:cNvSpPr>
           <p:nvPr>
-            <p:ph idx="2" type="sldImg"/>
+            <p:ph type="sldImg" idx="2"/>
           </p:nvPr>
         </p:nvSpPr>
         <p:spPr>
@@ -1345,9 +1392,13 @@
             <a:ext cx="6096000" cy="3429000"/>
           </a:xfrm>
           <a:custGeom>
-            <a:rect b="b" l="l" r="r" t="t"/>
+            <a:avLst/>
+            <a:gdLst/>
+            <a:ahLst/>
+            <a:cxnLst/>
+            <a:rect l="l" t="t" r="r" b="b"/>
             <a:pathLst>
-              <a:path extrusionOk="0" h="120000" w="120000">
+              <a:path w="120000" h="120000" extrusionOk="0">
                 <a:moveTo>
                   <a:pt x="0" y="0"/>
                 </a:moveTo>
@@ -1369,9 +1420,11 @@
       <p:sp>
         <p:nvSpPr>
           <p:cNvPr id="78" name="Google Shape;78;gb85b50f97e_6_25:notes"/>
-          <p:cNvSpPr txBox="1"/>
+          <p:cNvSpPr txBox="1">
+            <a:spLocks noGrp="1"/>
+          </p:cNvSpPr>
           <p:nvPr>
-            <p:ph idx="1" type="body"/>
+            <p:ph type="body" idx="1"/>
           </p:nvPr>
         </p:nvSpPr>
         <p:spPr>
@@ -1384,12 +1437,12 @@
           </a:prstGeom>
         </p:spPr>
         <p:txBody>
-          <a:bodyPr anchorCtr="0" anchor="t" bIns="91425" lIns="91425" spcFirstLastPara="1" rIns="91425" wrap="square" tIns="91425">
+          <a:bodyPr spcFirstLastPara="1" wrap="square" lIns="91425" tIns="91425" rIns="91425" bIns="91425" anchor="t" anchorCtr="0">
             <a:noAutofit/>
           </a:bodyPr>
           <a:lstStyle/>
           <a:p>
-            <a:pPr indent="0" lvl="0" marL="0" rtl="0" algn="l">
+            <a:pPr marL="0" lvl="0" indent="0" algn="l" rtl="0">
               <a:spcBef>
                 <a:spcPts val="0"/>
               </a:spcBef>
@@ -1398,9 +1451,6 @@
               </a:spcAft>
               <a:buNone/>
             </a:pPr>
-            <a:r>
-              <a:t/>
-            </a:r>
             <a:endParaRPr/>
           </a:p>
         </p:txBody>
@@ -1414,11 +1464,11 @@
 </file>
 
 <file path=ppt/notesSlides/notesSlide5.xml><?xml version="1.0" encoding="utf-8"?>
-<p:notes xmlns:a="http://schemas.openxmlformats.org/drawingml/2006/main" xmlns:r="http://schemas.openxmlformats.org/officeDocument/2006/relationships" xmlns:mc="http://schemas.openxmlformats.org/markup-compatibility/2006" xmlns:mv="urn:schemas-microsoft-com:mac:vml" xmlns:p="http://schemas.openxmlformats.org/presentationml/2006/main" xmlns:c="http://schemas.openxmlformats.org/drawingml/2006/chart" xmlns:dgm="http://schemas.openxmlformats.org/drawingml/2006/diagram" xmlns:o="urn:schemas-microsoft-com:office:office" xmlns:v="urn:schemas-microsoft-com:vml" xmlns:pvml="urn:schemas-microsoft-com:office:powerpoint" xmlns:com="http://schemas.openxmlformats.org/drawingml/2006/compatibility" xmlns:p14="http://schemas.microsoft.com/office/powerpoint/2010/main" xmlns:p15="http://schemas.microsoft.com/office/powerpoint/2012/main" xmlns:ahyp="http://schemas.microsoft.com/office/drawing/2018/hyperlinkcolor" showMasterPhAnim="0" showMasterSp="0">
+<p:notes xmlns:a="http://schemas.openxmlformats.org/drawingml/2006/main" xmlns:r="http://schemas.openxmlformats.org/officeDocument/2006/relationships" xmlns:p="http://schemas.openxmlformats.org/presentationml/2006/main" showMasterSp="0" showMasterPhAnim="0">
   <p:cSld>
     <p:spTree>
       <p:nvGrpSpPr>
-        <p:cNvPr id="102" name="Shape 102"/>
+        <p:cNvPr id="1" name="Shape 102"/>
         <p:cNvGrpSpPr/>
         <p:nvPr/>
       </p:nvGrpSpPr>
@@ -1433,9 +1483,11 @@
       <p:sp>
         <p:nvSpPr>
           <p:cNvPr id="103" name="Google Shape;103;gb85b50f97e_6_1029:notes"/>
-          <p:cNvSpPr/>
+          <p:cNvSpPr>
+            <a:spLocks noGrp="1" noRot="1" noChangeAspect="1"/>
+          </p:cNvSpPr>
           <p:nvPr>
-            <p:ph idx="2" type="sldImg"/>
+            <p:ph type="sldImg" idx="2"/>
           </p:nvPr>
         </p:nvSpPr>
         <p:spPr>
@@ -1444,9 +1496,13 @@
             <a:ext cx="6096000" cy="3429000"/>
           </a:xfrm>
           <a:custGeom>
-            <a:rect b="b" l="l" r="r" t="t"/>
+            <a:avLst/>
+            <a:gdLst/>
+            <a:ahLst/>
+            <a:cxnLst/>
+            <a:rect l="l" t="t" r="r" b="b"/>
             <a:pathLst>
-              <a:path extrusionOk="0" h="120000" w="120000">
+              <a:path w="120000" h="120000" extrusionOk="0">
                 <a:moveTo>
                   <a:pt x="0" y="0"/>
                 </a:moveTo>
@@ -1468,9 +1524,11 @@
       <p:sp>
         <p:nvSpPr>
           <p:cNvPr id="104" name="Google Shape;104;gb85b50f97e_6_1029:notes"/>
-          <p:cNvSpPr txBox="1"/>
+          <p:cNvSpPr txBox="1">
+            <a:spLocks noGrp="1"/>
+          </p:cNvSpPr>
           <p:nvPr>
-            <p:ph idx="1" type="body"/>
+            <p:ph type="body" idx="1"/>
           </p:nvPr>
         </p:nvSpPr>
         <p:spPr>
@@ -1483,12 +1541,12 @@
           </a:prstGeom>
         </p:spPr>
         <p:txBody>
-          <a:bodyPr anchorCtr="0" anchor="t" bIns="91425" lIns="91425" spcFirstLastPara="1" rIns="91425" wrap="square" tIns="91425">
+          <a:bodyPr spcFirstLastPara="1" wrap="square" lIns="91425" tIns="91425" rIns="91425" bIns="91425" anchor="t" anchorCtr="0">
             <a:noAutofit/>
           </a:bodyPr>
           <a:lstStyle/>
           <a:p>
-            <a:pPr indent="0" lvl="0" marL="0" rtl="0" algn="l">
+            <a:pPr marL="0" lvl="0" indent="0" algn="l" rtl="0">
               <a:spcBef>
                 <a:spcPts val="0"/>
               </a:spcBef>
@@ -1497,9 +1555,6 @@
               </a:spcAft>
               <a:buNone/>
             </a:pPr>
-            <a:r>
-              <a:t/>
-            </a:r>
             <a:endParaRPr/>
           </a:p>
         </p:txBody>
@@ -1513,11 +1568,11 @@
 </file>
 
 <file path=ppt/notesSlides/notesSlide6.xml><?xml version="1.0" encoding="utf-8"?>
-<p:notes xmlns:a="http://schemas.openxmlformats.org/drawingml/2006/main" xmlns:r="http://schemas.openxmlformats.org/officeDocument/2006/relationships" xmlns:mc="http://schemas.openxmlformats.org/markup-compatibility/2006" xmlns:mv="urn:schemas-microsoft-com:mac:vml" xmlns:p="http://schemas.openxmlformats.org/presentationml/2006/main" xmlns:c="http://schemas.openxmlformats.org/drawingml/2006/chart" xmlns:dgm="http://schemas.openxmlformats.org/drawingml/2006/diagram" xmlns:o="urn:schemas-microsoft-com:office:office" xmlns:v="urn:schemas-microsoft-com:vml" xmlns:pvml="urn:schemas-microsoft-com:office:powerpoint" xmlns:com="http://schemas.openxmlformats.org/drawingml/2006/compatibility" xmlns:p14="http://schemas.microsoft.com/office/powerpoint/2010/main" xmlns:p15="http://schemas.microsoft.com/office/powerpoint/2012/main" xmlns:ahyp="http://schemas.microsoft.com/office/drawing/2018/hyperlinkcolor" showMasterPhAnim="0" showMasterSp="0">
+<p:notes xmlns:a="http://schemas.openxmlformats.org/drawingml/2006/main" xmlns:r="http://schemas.openxmlformats.org/officeDocument/2006/relationships" xmlns:p="http://schemas.openxmlformats.org/presentationml/2006/main" showMasterSp="0" showMasterPhAnim="0">
   <p:cSld>
     <p:spTree>
       <p:nvGrpSpPr>
-        <p:cNvPr id="127" name="Shape 127"/>
+        <p:cNvPr id="1" name="Shape 127"/>
         <p:cNvGrpSpPr/>
         <p:nvPr/>
       </p:nvGrpSpPr>
@@ -1532,20 +1587,26 @@
       <p:sp>
         <p:nvSpPr>
           <p:cNvPr id="128" name="Google Shape;128;gb85b50f97e_6_1617:notes"/>
-          <p:cNvSpPr/>
+          <p:cNvSpPr>
+            <a:spLocks noGrp="1" noRot="1" noChangeAspect="1"/>
+          </p:cNvSpPr>
           <p:nvPr>
-            <p:ph idx="2" type="sldImg"/>
+            <p:ph type="sldImg" idx="2"/>
           </p:nvPr>
         </p:nvSpPr>
         <p:spPr>
           <a:xfrm>
-            <a:off x="381300" y="685800"/>
+            <a:off x="381000" y="685800"/>
             <a:ext cx="6096000" cy="3429000"/>
           </a:xfrm>
           <a:custGeom>
-            <a:rect b="b" l="l" r="r" t="t"/>
+            <a:avLst/>
+            <a:gdLst/>
+            <a:ahLst/>
+            <a:cxnLst/>
+            <a:rect l="l" t="t" r="r" b="b"/>
             <a:pathLst>
-              <a:path extrusionOk="0" h="120000" w="120000">
+              <a:path w="120000" h="120000" extrusionOk="0">
                 <a:moveTo>
                   <a:pt x="0" y="0"/>
                 </a:moveTo>
@@ -1567,9 +1628,11 @@
       <p:sp>
         <p:nvSpPr>
           <p:cNvPr id="129" name="Google Shape;129;gb85b50f97e_6_1617:notes"/>
-          <p:cNvSpPr txBox="1"/>
+          <p:cNvSpPr txBox="1">
+            <a:spLocks noGrp="1"/>
+          </p:cNvSpPr>
           <p:nvPr>
-            <p:ph idx="1" type="body"/>
+            <p:ph type="body" idx="1"/>
           </p:nvPr>
         </p:nvSpPr>
         <p:spPr>
@@ -1582,12 +1645,12 @@
           </a:prstGeom>
         </p:spPr>
         <p:txBody>
-          <a:bodyPr anchorCtr="0" anchor="t" bIns="91425" lIns="91425" spcFirstLastPara="1" rIns="91425" wrap="square" tIns="91425">
+          <a:bodyPr spcFirstLastPara="1" wrap="square" lIns="91425" tIns="91425" rIns="91425" bIns="91425" anchor="t" anchorCtr="0">
             <a:noAutofit/>
           </a:bodyPr>
           <a:lstStyle/>
           <a:p>
-            <a:pPr indent="0" lvl="0" marL="0" rtl="0" algn="l">
+            <a:pPr marL="0" lvl="0" indent="0" algn="l" rtl="0">
               <a:spcBef>
                 <a:spcPts val="0"/>
               </a:spcBef>
@@ -1596,9 +1659,6 @@
               </a:spcAft>
               <a:buNone/>
             </a:pPr>
-            <a:r>
-              <a:t/>
-            </a:r>
             <a:endParaRPr/>
           </a:p>
         </p:txBody>
@@ -1612,11 +1672,11 @@
 </file>
 
 <file path=ppt/notesSlides/notesSlide7.xml><?xml version="1.0" encoding="utf-8"?>
-<p:notes xmlns:a="http://schemas.openxmlformats.org/drawingml/2006/main" xmlns:r="http://schemas.openxmlformats.org/officeDocument/2006/relationships" xmlns:mc="http://schemas.openxmlformats.org/markup-compatibility/2006" xmlns:mv="urn:schemas-microsoft-com:mac:vml" xmlns:p="http://schemas.openxmlformats.org/presentationml/2006/main" xmlns:c="http://schemas.openxmlformats.org/drawingml/2006/chart" xmlns:dgm="http://schemas.openxmlformats.org/drawingml/2006/diagram" xmlns:o="urn:schemas-microsoft-com:office:office" xmlns:v="urn:schemas-microsoft-com:vml" xmlns:pvml="urn:schemas-microsoft-com:office:powerpoint" xmlns:com="http://schemas.openxmlformats.org/drawingml/2006/compatibility" xmlns:p14="http://schemas.microsoft.com/office/powerpoint/2010/main" xmlns:p15="http://schemas.microsoft.com/office/powerpoint/2012/main" xmlns:ahyp="http://schemas.microsoft.com/office/drawing/2018/hyperlinkcolor" showMasterPhAnim="0" showMasterSp="0">
+<p:notes xmlns:a="http://schemas.openxmlformats.org/drawingml/2006/main" xmlns:r="http://schemas.openxmlformats.org/officeDocument/2006/relationships" xmlns:p="http://schemas.openxmlformats.org/presentationml/2006/main" showMasterSp="0" showMasterPhAnim="0">
   <p:cSld>
     <p:spTree>
       <p:nvGrpSpPr>
-        <p:cNvPr id="138" name="Shape 138"/>
+        <p:cNvPr id="1" name="Shape 138"/>
         <p:cNvGrpSpPr/>
         <p:nvPr/>
       </p:nvGrpSpPr>
@@ -1631,9 +1691,11 @@
       <p:sp>
         <p:nvSpPr>
           <p:cNvPr id="139" name="Google Shape;139;gb85b50f97e_6_1757:notes"/>
-          <p:cNvSpPr/>
+          <p:cNvSpPr>
+            <a:spLocks noGrp="1" noRot="1" noChangeAspect="1"/>
+          </p:cNvSpPr>
           <p:nvPr>
-            <p:ph idx="2" type="sldImg"/>
+            <p:ph type="sldImg" idx="2"/>
           </p:nvPr>
         </p:nvSpPr>
         <p:spPr>
@@ -1642,9 +1704,13 @@
             <a:ext cx="6096000" cy="3429000"/>
           </a:xfrm>
           <a:custGeom>
-            <a:rect b="b" l="l" r="r" t="t"/>
+            <a:avLst/>
+            <a:gdLst/>
+            <a:ahLst/>
+            <a:cxnLst/>
+            <a:rect l="l" t="t" r="r" b="b"/>
             <a:pathLst>
-              <a:path extrusionOk="0" h="120000" w="120000">
+              <a:path w="120000" h="120000" extrusionOk="0">
                 <a:moveTo>
                   <a:pt x="0" y="0"/>
                 </a:moveTo>
@@ -1666,9 +1732,11 @@
       <p:sp>
         <p:nvSpPr>
           <p:cNvPr id="140" name="Google Shape;140;gb85b50f97e_6_1757:notes"/>
-          <p:cNvSpPr txBox="1"/>
+          <p:cNvSpPr txBox="1">
+            <a:spLocks noGrp="1"/>
+          </p:cNvSpPr>
           <p:nvPr>
-            <p:ph idx="1" type="body"/>
+            <p:ph type="body" idx="1"/>
           </p:nvPr>
         </p:nvSpPr>
         <p:spPr>
@@ -1681,12 +1749,12 @@
           </a:prstGeom>
         </p:spPr>
         <p:txBody>
-          <a:bodyPr anchorCtr="0" anchor="t" bIns="91425" lIns="91425" spcFirstLastPara="1" rIns="91425" wrap="square" tIns="91425">
+          <a:bodyPr spcFirstLastPara="1" wrap="square" lIns="91425" tIns="91425" rIns="91425" bIns="91425" anchor="t" anchorCtr="0">
             <a:noAutofit/>
           </a:bodyPr>
           <a:lstStyle/>
           <a:p>
-            <a:pPr indent="0" lvl="0" marL="0" rtl="0" algn="l">
+            <a:pPr marL="0" lvl="0" indent="0" algn="l" rtl="0">
               <a:spcBef>
                 <a:spcPts val="0"/>
               </a:spcBef>
@@ -1695,9 +1763,6 @@
               </a:spcAft>
               <a:buNone/>
             </a:pPr>
-            <a:r>
-              <a:t/>
-            </a:r>
             <a:endParaRPr/>
           </a:p>
         </p:txBody>
@@ -1711,11 +1776,11 @@
 </file>
 
 <file path=ppt/notesSlides/notesSlide8.xml><?xml version="1.0" encoding="utf-8"?>
-<p:notes xmlns:a="http://schemas.openxmlformats.org/drawingml/2006/main" xmlns:r="http://schemas.openxmlformats.org/officeDocument/2006/relationships" xmlns:mc="http://schemas.openxmlformats.org/markup-compatibility/2006" xmlns:mv="urn:schemas-microsoft-com:mac:vml" xmlns:p="http://schemas.openxmlformats.org/presentationml/2006/main" xmlns:c="http://schemas.openxmlformats.org/drawingml/2006/chart" xmlns:dgm="http://schemas.openxmlformats.org/drawingml/2006/diagram" xmlns:o="urn:schemas-microsoft-com:office:office" xmlns:v="urn:schemas-microsoft-com:vml" xmlns:pvml="urn:schemas-microsoft-com:office:powerpoint" xmlns:com="http://schemas.openxmlformats.org/drawingml/2006/compatibility" xmlns:p14="http://schemas.microsoft.com/office/powerpoint/2010/main" xmlns:p15="http://schemas.microsoft.com/office/powerpoint/2012/main" xmlns:ahyp="http://schemas.microsoft.com/office/drawing/2018/hyperlinkcolor" showMasterPhAnim="0" showMasterSp="0">
+<p:notes xmlns:a="http://schemas.openxmlformats.org/drawingml/2006/main" xmlns:r="http://schemas.openxmlformats.org/officeDocument/2006/relationships" xmlns:p="http://schemas.openxmlformats.org/presentationml/2006/main" showMasterSp="0" showMasterPhAnim="0">
   <p:cSld>
     <p:spTree>
       <p:nvGrpSpPr>
-        <p:cNvPr id="144" name="Shape 144"/>
+        <p:cNvPr id="1" name="Shape 144"/>
         <p:cNvGrpSpPr/>
         <p:nvPr/>
       </p:nvGrpSpPr>
@@ -1730,9 +1795,11 @@
       <p:sp>
         <p:nvSpPr>
           <p:cNvPr id="145" name="Google Shape;145;geb5ce7b2fc_1_0:notes"/>
-          <p:cNvSpPr/>
+          <p:cNvSpPr>
+            <a:spLocks noGrp="1" noRot="1" noChangeAspect="1"/>
+          </p:cNvSpPr>
           <p:nvPr>
-            <p:ph idx="2" type="sldImg"/>
+            <p:ph type="sldImg" idx="2"/>
           </p:nvPr>
         </p:nvSpPr>
         <p:spPr>
@@ -1741,9 +1808,13 @@
             <a:ext cx="6096000" cy="3429000"/>
           </a:xfrm>
           <a:custGeom>
-            <a:rect b="b" l="l" r="r" t="t"/>
+            <a:avLst/>
+            <a:gdLst/>
+            <a:ahLst/>
+            <a:cxnLst/>
+            <a:rect l="l" t="t" r="r" b="b"/>
             <a:pathLst>
-              <a:path extrusionOk="0" h="120000" w="120000">
+              <a:path w="120000" h="120000" extrusionOk="0">
                 <a:moveTo>
                   <a:pt x="0" y="0"/>
                 </a:moveTo>
@@ -1765,9 +1836,11 @@
       <p:sp>
         <p:nvSpPr>
           <p:cNvPr id="146" name="Google Shape;146;geb5ce7b2fc_1_0:notes"/>
-          <p:cNvSpPr txBox="1"/>
+          <p:cNvSpPr txBox="1">
+            <a:spLocks noGrp="1"/>
+          </p:cNvSpPr>
           <p:nvPr>
-            <p:ph idx="1" type="body"/>
+            <p:ph type="body" idx="1"/>
           </p:nvPr>
         </p:nvSpPr>
         <p:spPr>
@@ -1780,12 +1853,12 @@
           </a:prstGeom>
         </p:spPr>
         <p:txBody>
-          <a:bodyPr anchorCtr="0" anchor="t" bIns="91425" lIns="91425" spcFirstLastPara="1" rIns="91425" wrap="square" tIns="91425">
+          <a:bodyPr spcFirstLastPara="1" wrap="square" lIns="91425" tIns="91425" rIns="91425" bIns="91425" anchor="t" anchorCtr="0">
             <a:noAutofit/>
           </a:bodyPr>
           <a:lstStyle/>
           <a:p>
-            <a:pPr indent="0" lvl="0" marL="0" rtl="0" algn="l">
+            <a:pPr marL="0" lvl="0" indent="0" algn="l" rtl="0">
               <a:spcBef>
                 <a:spcPts val="0"/>
               </a:spcBef>
@@ -1794,9 +1867,6 @@
               </a:spcAft>
               <a:buNone/>
             </a:pPr>
-            <a:r>
-              <a:t/>
-            </a:r>
             <a:endParaRPr/>
           </a:p>
         </p:txBody>
@@ -1810,11 +1880,11 @@
 </file>
 
 <file path=ppt/notesSlides/notesSlide9.xml><?xml version="1.0" encoding="utf-8"?>
-<p:notes xmlns:a="http://schemas.openxmlformats.org/drawingml/2006/main" xmlns:r="http://schemas.openxmlformats.org/officeDocument/2006/relationships" xmlns:mc="http://schemas.openxmlformats.org/markup-compatibility/2006" xmlns:mv="urn:schemas-microsoft-com:mac:vml" xmlns:p="http://schemas.openxmlformats.org/presentationml/2006/main" xmlns:c="http://schemas.openxmlformats.org/drawingml/2006/chart" xmlns:dgm="http://schemas.openxmlformats.org/drawingml/2006/diagram" xmlns:o="urn:schemas-microsoft-com:office:office" xmlns:v="urn:schemas-microsoft-com:vml" xmlns:pvml="urn:schemas-microsoft-com:office:powerpoint" xmlns:com="http://schemas.openxmlformats.org/drawingml/2006/compatibility" xmlns:p14="http://schemas.microsoft.com/office/powerpoint/2010/main" xmlns:p15="http://schemas.microsoft.com/office/powerpoint/2012/main" xmlns:ahyp="http://schemas.microsoft.com/office/drawing/2018/hyperlinkcolor" showMasterPhAnim="0" showMasterSp="0">
+<p:notes xmlns:a="http://schemas.openxmlformats.org/drawingml/2006/main" xmlns:r="http://schemas.openxmlformats.org/officeDocument/2006/relationships" xmlns:p="http://schemas.openxmlformats.org/presentationml/2006/main" showMasterSp="0" showMasterPhAnim="0">
   <p:cSld>
     <p:spTree>
       <p:nvGrpSpPr>
-        <p:cNvPr id="152" name="Shape 152"/>
+        <p:cNvPr id="1" name="Shape 152"/>
         <p:cNvGrpSpPr/>
         <p:nvPr/>
       </p:nvGrpSpPr>
@@ -1829,20 +1899,26 @@
       <p:sp>
         <p:nvSpPr>
           <p:cNvPr id="153" name="Google Shape;153;gb85b50f97e_6_353:notes"/>
-          <p:cNvSpPr/>
+          <p:cNvSpPr>
+            <a:spLocks noGrp="1" noRot="1" noChangeAspect="1"/>
+          </p:cNvSpPr>
           <p:nvPr>
-            <p:ph idx="2" type="sldImg"/>
+            <p:ph type="sldImg" idx="2"/>
           </p:nvPr>
         </p:nvSpPr>
         <p:spPr>
           <a:xfrm>
-            <a:off x="381300" y="685800"/>
+            <a:off x="381000" y="685800"/>
             <a:ext cx="6096000" cy="3429000"/>
           </a:xfrm>
           <a:custGeom>
-            <a:rect b="b" l="l" r="r" t="t"/>
+            <a:avLst/>
+            <a:gdLst/>
+            <a:ahLst/>
+            <a:cxnLst/>
+            <a:rect l="l" t="t" r="r" b="b"/>
             <a:pathLst>
-              <a:path extrusionOk="0" h="120000" w="120000">
+              <a:path w="120000" h="120000" extrusionOk="0">
                 <a:moveTo>
                   <a:pt x="0" y="0"/>
                 </a:moveTo>
@@ -1864,9 +1940,11 @@
       <p:sp>
         <p:nvSpPr>
           <p:cNvPr id="154" name="Google Shape;154;gb85b50f97e_6_353:notes"/>
-          <p:cNvSpPr txBox="1"/>
+          <p:cNvSpPr txBox="1">
+            <a:spLocks noGrp="1"/>
+          </p:cNvSpPr>
           <p:nvPr>
-            <p:ph idx="1" type="body"/>
+            <p:ph type="body" idx="1"/>
           </p:nvPr>
         </p:nvSpPr>
         <p:spPr>
@@ -1879,12 +1957,12 @@
           </a:prstGeom>
         </p:spPr>
         <p:txBody>
-          <a:bodyPr anchorCtr="0" anchor="t" bIns="91425" lIns="91425" spcFirstLastPara="1" rIns="91425" wrap="square" tIns="91425">
+          <a:bodyPr spcFirstLastPara="1" wrap="square" lIns="91425" tIns="91425" rIns="91425" bIns="91425" anchor="t" anchorCtr="0">
             <a:noAutofit/>
           </a:bodyPr>
           <a:lstStyle/>
           <a:p>
-            <a:pPr indent="0" lvl="0" marL="0" rtl="0" algn="l">
+            <a:pPr marL="0" lvl="0" indent="0" algn="l" rtl="0">
               <a:spcBef>
                 <a:spcPts val="0"/>
               </a:spcBef>
@@ -1910,18 +1988,19 @@
 </file>
 
 <file path=ppt/slideLayouts/slideLayout1.xml><?xml version="1.0" encoding="utf-8"?>
-<p:sldLayout xmlns:a="http://schemas.openxmlformats.org/drawingml/2006/main" xmlns:r="http://schemas.openxmlformats.org/officeDocument/2006/relationships" xmlns:mc="http://schemas.openxmlformats.org/markup-compatibility/2006" xmlns:mv="urn:schemas-microsoft-com:mac:vml" xmlns:p="http://schemas.openxmlformats.org/presentationml/2006/main" xmlns:c="http://schemas.openxmlformats.org/drawingml/2006/chart" xmlns:dgm="http://schemas.openxmlformats.org/drawingml/2006/diagram" xmlns:o="urn:schemas-microsoft-com:office:office" xmlns:v="urn:schemas-microsoft-com:vml" xmlns:pvml="urn:schemas-microsoft-com:office:powerpoint" xmlns:com="http://schemas.openxmlformats.org/drawingml/2006/compatibility" xmlns:p14="http://schemas.microsoft.com/office/powerpoint/2010/main" xmlns:p15="http://schemas.microsoft.com/office/powerpoint/2012/main" xmlns:ahyp="http://schemas.microsoft.com/office/drawing/2018/hyperlinkcolor" matchingName="Title slide" type="title">
+<p:sldLayout xmlns:a="http://schemas.openxmlformats.org/drawingml/2006/main" xmlns:r="http://schemas.openxmlformats.org/officeDocument/2006/relationships" xmlns:p="http://schemas.openxmlformats.org/presentationml/2006/main" matchingName="Title slide" type="title">
   <p:cSld name="TITLE">
     <p:bg>
       <p:bgPr>
         <a:solidFill>
           <a:srgbClr val="2C2F32"/>
         </a:solidFill>
+        <a:effectLst/>
       </p:bgPr>
     </p:bg>
     <p:spTree>
       <p:nvGrpSpPr>
-        <p:cNvPr id="9" name="Shape 9"/>
+        <p:cNvPr id="1" name="Shape 9"/>
         <p:cNvGrpSpPr/>
         <p:nvPr/>
       </p:nvGrpSpPr>
@@ -1936,7 +2015,9 @@
       <p:sp>
         <p:nvSpPr>
           <p:cNvPr id="10" name="Google Shape;10;p2"/>
-          <p:cNvSpPr txBox="1"/>
+          <p:cNvSpPr txBox="1">
+            <a:spLocks noGrp="1"/>
+          </p:cNvSpPr>
           <p:nvPr>
             <p:ph type="ctrTitle"/>
           </p:nvPr>
@@ -1951,7 +2032,7 @@
           </a:prstGeom>
         </p:spPr>
         <p:txBody>
-          <a:bodyPr anchorCtr="0" anchor="b" bIns="91425" lIns="91425" spcFirstLastPara="1" rIns="91425" wrap="square" tIns="91425">
+          <a:bodyPr spcFirstLastPara="1" wrap="square" lIns="91425" tIns="91425" rIns="91425" bIns="91425" anchor="b" anchorCtr="0">
             <a:normAutofit/>
           </a:bodyPr>
           <a:lstStyle>
@@ -2055,15 +2136,19 @@
               <a:defRPr sz="5200"/>
             </a:lvl9pPr>
           </a:lstStyle>
-          <a:p/>
+          <a:p>
+            <a:endParaRPr/>
+          </a:p>
         </p:txBody>
       </p:sp>
       <p:sp>
         <p:nvSpPr>
           <p:cNvPr id="11" name="Google Shape;11;p2"/>
-          <p:cNvSpPr txBox="1"/>
+          <p:cNvSpPr txBox="1">
+            <a:spLocks noGrp="1"/>
+          </p:cNvSpPr>
           <p:nvPr>
-            <p:ph idx="1" type="subTitle"/>
+            <p:ph type="subTitle" idx="1"/>
           </p:nvPr>
         </p:nvSpPr>
         <p:spPr>
@@ -2076,7 +2161,7 @@
           </a:prstGeom>
         </p:spPr>
         <p:txBody>
-          <a:bodyPr anchorCtr="0" anchor="t" bIns="91425" lIns="91425" spcFirstLastPara="1" rIns="91425" wrap="square" tIns="91425">
+          <a:bodyPr spcFirstLastPara="1" wrap="square" lIns="91425" tIns="91425" rIns="91425" bIns="91425" anchor="t" anchorCtr="0">
             <a:normAutofit/>
           </a:bodyPr>
           <a:lstStyle>
@@ -2207,15 +2292,19 @@
               <a:defRPr sz="2800"/>
             </a:lvl9pPr>
           </a:lstStyle>
-          <a:p/>
+          <a:p>
+            <a:endParaRPr/>
+          </a:p>
         </p:txBody>
       </p:sp>
       <p:sp>
         <p:nvSpPr>
           <p:cNvPr id="12" name="Google Shape;12;p2"/>
-          <p:cNvSpPr txBox="1"/>
+          <p:cNvSpPr txBox="1">
+            <a:spLocks noGrp="1"/>
+          </p:cNvSpPr>
           <p:nvPr>
-            <p:ph idx="12" type="sldNum"/>
+            <p:ph type="sldNum" idx="12"/>
           </p:nvPr>
         </p:nvSpPr>
         <p:spPr>
@@ -2228,7 +2317,7 @@
           </a:prstGeom>
         </p:spPr>
         <p:txBody>
-          <a:bodyPr anchorCtr="0" anchor="ctr" bIns="91425" lIns="91425" spcFirstLastPara="1" rIns="91425" wrap="square" tIns="91425">
+          <a:bodyPr spcFirstLastPara="1" wrap="square" lIns="91425" tIns="91425" rIns="91425" bIns="91425" anchor="ctr" anchorCtr="0">
             <a:normAutofit/>
           </a:bodyPr>
           <a:lstStyle>
@@ -2270,7 +2359,7 @@
             </a:lvl9pPr>
           </a:lstStyle>
           <a:p>
-            <a:pPr indent="0" lvl="0" marL="0" rtl="0" algn="r">
+            <a:pPr marL="0" lvl="0" indent="0" algn="r" rtl="0">
               <a:spcBef>
                 <a:spcPts val="0"/>
               </a:spcBef>
@@ -2281,7 +2370,7 @@
             </a:pPr>
             <a:fld id="{00000000-1234-1234-1234-123412341234}" type="slidenum">
               <a:rPr lang="en"/>
-              <a:t>‹#›</a:t>
+              <a:t>‹Nr.›</a:t>
             </a:fld>
             <a:endParaRPr/>
           </a:p>
@@ -2296,11 +2385,11 @@
 </file>
 
 <file path=ppt/slideLayouts/slideLayout10.xml><?xml version="1.0" encoding="utf-8"?>
-<p:sldLayout xmlns:a="http://schemas.openxmlformats.org/drawingml/2006/main" xmlns:r="http://schemas.openxmlformats.org/officeDocument/2006/relationships" xmlns:mc="http://schemas.openxmlformats.org/markup-compatibility/2006" xmlns:mv="urn:schemas-microsoft-com:mac:vml" xmlns:p="http://schemas.openxmlformats.org/presentationml/2006/main" xmlns:c="http://schemas.openxmlformats.org/drawingml/2006/chart" xmlns:dgm="http://schemas.openxmlformats.org/drawingml/2006/diagram" xmlns:o="urn:schemas-microsoft-com:office:office" xmlns:v="urn:schemas-microsoft-com:vml" xmlns:pvml="urn:schemas-microsoft-com:office:powerpoint" xmlns:com="http://schemas.openxmlformats.org/drawingml/2006/compatibility" xmlns:p14="http://schemas.microsoft.com/office/powerpoint/2010/main" xmlns:p15="http://schemas.microsoft.com/office/powerpoint/2012/main" xmlns:ahyp="http://schemas.microsoft.com/office/drawing/2018/hyperlinkcolor" matchingName="Big number">
+<p:sldLayout xmlns:a="http://schemas.openxmlformats.org/drawingml/2006/main" xmlns:r="http://schemas.openxmlformats.org/officeDocument/2006/relationships" xmlns:p="http://schemas.openxmlformats.org/presentationml/2006/main" matchingName="Big number">
   <p:cSld name="BIG_NUMBER">
     <p:spTree>
       <p:nvGrpSpPr>
-        <p:cNvPr id="47" name="Shape 47"/>
+        <p:cNvPr id="1" name="Shape 47"/>
         <p:cNvGrpSpPr/>
         <p:nvPr/>
       </p:nvGrpSpPr>
@@ -2315,9 +2404,11 @@
       <p:sp>
         <p:nvSpPr>
           <p:cNvPr id="48" name="Google Shape;48;p11"/>
-          <p:cNvSpPr txBox="1"/>
+          <p:cNvSpPr txBox="1">
+            <a:spLocks noGrp="1"/>
+          </p:cNvSpPr>
           <p:nvPr>
-            <p:ph hasCustomPrompt="1" type="title"/>
+            <p:ph type="title" hasCustomPrompt="1"/>
           </p:nvPr>
         </p:nvSpPr>
         <p:spPr>
@@ -2330,7 +2421,7 @@
           </a:prstGeom>
         </p:spPr>
         <p:txBody>
-          <a:bodyPr anchorCtr="0" anchor="b" bIns="91425" lIns="91425" spcFirstLastPara="1" rIns="91425" wrap="square" tIns="91425">
+          <a:bodyPr spcFirstLastPara="1" wrap="square" lIns="91425" tIns="91425" rIns="91425" bIns="91425" anchor="b" anchorCtr="0">
             <a:normAutofit/>
           </a:bodyPr>
           <a:lstStyle>
@@ -2444,9 +2535,11 @@
       <p:sp>
         <p:nvSpPr>
           <p:cNvPr id="49" name="Google Shape;49;p11"/>
-          <p:cNvSpPr txBox="1"/>
+          <p:cNvSpPr txBox="1">
+            <a:spLocks noGrp="1"/>
+          </p:cNvSpPr>
           <p:nvPr>
-            <p:ph idx="1" type="body"/>
+            <p:ph type="body" idx="1"/>
           </p:nvPr>
         </p:nvSpPr>
         <p:spPr>
@@ -2459,11 +2552,11 @@
           </a:prstGeom>
         </p:spPr>
         <p:txBody>
-          <a:bodyPr anchorCtr="0" anchor="t" bIns="91425" lIns="91425" spcFirstLastPara="1" rIns="91425" wrap="square" tIns="91425">
+          <a:bodyPr spcFirstLastPara="1" wrap="square" lIns="91425" tIns="91425" rIns="91425" bIns="91425" anchor="t" anchorCtr="0">
             <a:normAutofit/>
           </a:bodyPr>
           <a:lstStyle>
-            <a:lvl1pPr indent="-342900" lvl="0" marL="457200" algn="ctr">
+            <a:lvl1pPr marL="457200" lvl="0" indent="-342900" algn="ctr">
               <a:spcBef>
                 <a:spcPts val="0"/>
               </a:spcBef>
@@ -2474,7 +2567,7 @@
               <a:buChar char="●"/>
               <a:defRPr/>
             </a:lvl1pPr>
-            <a:lvl2pPr indent="-317500" lvl="1" marL="914400" algn="ctr">
+            <a:lvl2pPr marL="914400" lvl="1" indent="-317500" algn="ctr">
               <a:spcBef>
                 <a:spcPts val="0"/>
               </a:spcBef>
@@ -2485,7 +2578,7 @@
               <a:buChar char="○"/>
               <a:defRPr/>
             </a:lvl2pPr>
-            <a:lvl3pPr indent="-317500" lvl="2" marL="1371600" algn="ctr">
+            <a:lvl3pPr marL="1371600" lvl="2" indent="-317500" algn="ctr">
               <a:spcBef>
                 <a:spcPts val="0"/>
               </a:spcBef>
@@ -2496,7 +2589,7 @@
               <a:buChar char="■"/>
               <a:defRPr/>
             </a:lvl3pPr>
-            <a:lvl4pPr indent="-317500" lvl="3" marL="1828800" algn="ctr">
+            <a:lvl4pPr marL="1828800" lvl="3" indent="-317500" algn="ctr">
               <a:spcBef>
                 <a:spcPts val="0"/>
               </a:spcBef>
@@ -2507,7 +2600,7 @@
               <a:buChar char="●"/>
               <a:defRPr/>
             </a:lvl4pPr>
-            <a:lvl5pPr indent="-317500" lvl="4" marL="2286000" algn="ctr">
+            <a:lvl5pPr marL="2286000" lvl="4" indent="-317500" algn="ctr">
               <a:spcBef>
                 <a:spcPts val="0"/>
               </a:spcBef>
@@ -2518,7 +2611,7 @@
               <a:buChar char="○"/>
               <a:defRPr/>
             </a:lvl5pPr>
-            <a:lvl6pPr indent="-317500" lvl="5" marL="2743200" algn="ctr">
+            <a:lvl6pPr marL="2743200" lvl="5" indent="-317500" algn="ctr">
               <a:spcBef>
                 <a:spcPts val="0"/>
               </a:spcBef>
@@ -2529,7 +2622,7 @@
               <a:buChar char="■"/>
               <a:defRPr/>
             </a:lvl6pPr>
-            <a:lvl7pPr indent="-317500" lvl="6" marL="3200400" algn="ctr">
+            <a:lvl7pPr marL="3200400" lvl="6" indent="-317500" algn="ctr">
               <a:spcBef>
                 <a:spcPts val="0"/>
               </a:spcBef>
@@ -2540,7 +2633,7 @@
               <a:buChar char="●"/>
               <a:defRPr/>
             </a:lvl7pPr>
-            <a:lvl8pPr indent="-317500" lvl="7" marL="3657600" algn="ctr">
+            <a:lvl8pPr marL="3657600" lvl="7" indent="-317500" algn="ctr">
               <a:spcBef>
                 <a:spcPts val="0"/>
               </a:spcBef>
@@ -2551,7 +2644,7 @@
               <a:buChar char="○"/>
               <a:defRPr/>
             </a:lvl8pPr>
-            <a:lvl9pPr indent="-317500" lvl="8" marL="4114800" algn="ctr">
+            <a:lvl9pPr marL="4114800" lvl="8" indent="-317500" algn="ctr">
               <a:spcBef>
                 <a:spcPts val="0"/>
               </a:spcBef>
@@ -2563,15 +2656,19 @@
               <a:defRPr/>
             </a:lvl9pPr>
           </a:lstStyle>
-          <a:p/>
+          <a:p>
+            <a:endParaRPr/>
+          </a:p>
         </p:txBody>
       </p:sp>
       <p:sp>
         <p:nvSpPr>
           <p:cNvPr id="50" name="Google Shape;50;p11"/>
-          <p:cNvSpPr txBox="1"/>
+          <p:cNvSpPr txBox="1">
+            <a:spLocks noGrp="1"/>
+          </p:cNvSpPr>
           <p:nvPr>
-            <p:ph idx="12" type="sldNum"/>
+            <p:ph type="sldNum" idx="12"/>
           </p:nvPr>
         </p:nvSpPr>
         <p:spPr>
@@ -2584,7 +2681,7 @@
           </a:prstGeom>
         </p:spPr>
         <p:txBody>
-          <a:bodyPr anchorCtr="0" anchor="ctr" bIns="91425" lIns="91425" spcFirstLastPara="1" rIns="91425" wrap="square" tIns="91425">
+          <a:bodyPr spcFirstLastPara="1" wrap="square" lIns="91425" tIns="91425" rIns="91425" bIns="91425" anchor="ctr" anchorCtr="0">
             <a:normAutofit/>
           </a:bodyPr>
           <a:lstStyle>
@@ -2626,7 +2723,7 @@
             </a:lvl9pPr>
           </a:lstStyle>
           <a:p>
-            <a:pPr indent="0" lvl="0" marL="0" rtl="0" algn="r">
+            <a:pPr marL="0" lvl="0" indent="0" algn="r" rtl="0">
               <a:spcBef>
                 <a:spcPts val="0"/>
               </a:spcBef>
@@ -2637,7 +2734,7 @@
             </a:pPr>
             <a:fld id="{00000000-1234-1234-1234-123412341234}" type="slidenum">
               <a:rPr lang="en"/>
-              <a:t>‹#›</a:t>
+              <a:t>‹Nr.›</a:t>
             </a:fld>
             <a:endParaRPr/>
           </a:p>
@@ -2652,11 +2749,11 @@
 </file>
 
 <file path=ppt/slideLayouts/slideLayout11.xml><?xml version="1.0" encoding="utf-8"?>
-<p:sldLayout xmlns:a="http://schemas.openxmlformats.org/drawingml/2006/main" xmlns:r="http://schemas.openxmlformats.org/officeDocument/2006/relationships" xmlns:mc="http://schemas.openxmlformats.org/markup-compatibility/2006" xmlns:mv="urn:schemas-microsoft-com:mac:vml" xmlns:p="http://schemas.openxmlformats.org/presentationml/2006/main" xmlns:c="http://schemas.openxmlformats.org/drawingml/2006/chart" xmlns:dgm="http://schemas.openxmlformats.org/drawingml/2006/diagram" xmlns:o="urn:schemas-microsoft-com:office:office" xmlns:v="urn:schemas-microsoft-com:vml" xmlns:pvml="urn:schemas-microsoft-com:office:powerpoint" xmlns:com="http://schemas.openxmlformats.org/drawingml/2006/compatibility" xmlns:p14="http://schemas.microsoft.com/office/powerpoint/2010/main" xmlns:p15="http://schemas.microsoft.com/office/powerpoint/2012/main" xmlns:ahyp="http://schemas.microsoft.com/office/drawing/2018/hyperlinkcolor" matchingName="Blank" type="blank">
+<p:sldLayout xmlns:a="http://schemas.openxmlformats.org/drawingml/2006/main" xmlns:r="http://schemas.openxmlformats.org/officeDocument/2006/relationships" xmlns:p="http://schemas.openxmlformats.org/presentationml/2006/main" matchingName="Blank" type="blank">
   <p:cSld name="BLANK">
     <p:spTree>
       <p:nvGrpSpPr>
-        <p:cNvPr id="51" name="Shape 51"/>
+        <p:cNvPr id="1" name="Shape 51"/>
         <p:cNvGrpSpPr/>
         <p:nvPr/>
       </p:nvGrpSpPr>
@@ -2671,9 +2768,11 @@
       <p:sp>
         <p:nvSpPr>
           <p:cNvPr id="52" name="Google Shape;52;p12"/>
-          <p:cNvSpPr txBox="1"/>
+          <p:cNvSpPr txBox="1">
+            <a:spLocks noGrp="1"/>
+          </p:cNvSpPr>
           <p:nvPr>
-            <p:ph idx="12" type="sldNum"/>
+            <p:ph type="sldNum" idx="12"/>
           </p:nvPr>
         </p:nvSpPr>
         <p:spPr>
@@ -2686,7 +2785,7 @@
           </a:prstGeom>
         </p:spPr>
         <p:txBody>
-          <a:bodyPr anchorCtr="0" anchor="ctr" bIns="91425" lIns="91425" spcFirstLastPara="1" rIns="91425" wrap="square" tIns="91425">
+          <a:bodyPr spcFirstLastPara="1" wrap="square" lIns="91425" tIns="91425" rIns="91425" bIns="91425" anchor="ctr" anchorCtr="0">
             <a:normAutofit/>
           </a:bodyPr>
           <a:lstStyle>
@@ -2728,7 +2827,7 @@
             </a:lvl9pPr>
           </a:lstStyle>
           <a:p>
-            <a:pPr indent="0" lvl="0" marL="0" rtl="0" algn="r">
+            <a:pPr marL="0" lvl="0" indent="0" algn="r" rtl="0">
               <a:spcBef>
                 <a:spcPts val="0"/>
               </a:spcBef>
@@ -2739,7 +2838,7 @@
             </a:pPr>
             <a:fld id="{00000000-1234-1234-1234-123412341234}" type="slidenum">
               <a:rPr lang="en"/>
-              <a:t>‹#›</a:t>
+              <a:t>‹Nr.›</a:t>
             </a:fld>
             <a:endParaRPr/>
           </a:p>
@@ -2754,11 +2853,11 @@
 </file>
 
 <file path=ppt/slideLayouts/slideLayout2.xml><?xml version="1.0" encoding="utf-8"?>
-<p:sldLayout xmlns:a="http://schemas.openxmlformats.org/drawingml/2006/main" xmlns:r="http://schemas.openxmlformats.org/officeDocument/2006/relationships" xmlns:mc="http://schemas.openxmlformats.org/markup-compatibility/2006" xmlns:mv="urn:schemas-microsoft-com:mac:vml" xmlns:p="http://schemas.openxmlformats.org/presentationml/2006/main" xmlns:c="http://schemas.openxmlformats.org/drawingml/2006/chart" xmlns:dgm="http://schemas.openxmlformats.org/drawingml/2006/diagram" xmlns:o="urn:schemas-microsoft-com:office:office" xmlns:v="urn:schemas-microsoft-com:vml" xmlns:pvml="urn:schemas-microsoft-com:office:powerpoint" xmlns:com="http://schemas.openxmlformats.org/drawingml/2006/compatibility" xmlns:p14="http://schemas.microsoft.com/office/powerpoint/2010/main" xmlns:p15="http://schemas.microsoft.com/office/powerpoint/2012/main" xmlns:ahyp="http://schemas.microsoft.com/office/drawing/2018/hyperlinkcolor" matchingName="Section header" type="secHead">
+<p:sldLayout xmlns:a="http://schemas.openxmlformats.org/drawingml/2006/main" xmlns:r="http://schemas.openxmlformats.org/officeDocument/2006/relationships" xmlns:p="http://schemas.openxmlformats.org/presentationml/2006/main" matchingName="Section header" type="secHead">
   <p:cSld name="SECTION_HEADER">
     <p:spTree>
       <p:nvGrpSpPr>
-        <p:cNvPr id="13" name="Shape 13"/>
+        <p:cNvPr id="1" name="Shape 13"/>
         <p:cNvGrpSpPr/>
         <p:nvPr/>
       </p:nvGrpSpPr>
@@ -2773,7 +2872,9 @@
       <p:sp>
         <p:nvSpPr>
           <p:cNvPr id="14" name="Google Shape;14;p3"/>
-          <p:cNvSpPr txBox="1"/>
+          <p:cNvSpPr txBox="1">
+            <a:spLocks noGrp="1"/>
+          </p:cNvSpPr>
           <p:nvPr>
             <p:ph type="title"/>
           </p:nvPr>
@@ -2788,7 +2889,7 @@
           </a:prstGeom>
         </p:spPr>
         <p:txBody>
-          <a:bodyPr anchorCtr="0" anchor="ctr" bIns="91425" lIns="91425" spcFirstLastPara="1" rIns="91425" wrap="square" tIns="91425">
+          <a:bodyPr spcFirstLastPara="1" wrap="square" lIns="91425" tIns="91425" rIns="91425" bIns="91425" anchor="ctr" anchorCtr="0">
             <a:normAutofit/>
           </a:bodyPr>
           <a:lstStyle>
@@ -2892,15 +2993,19 @@
               <a:defRPr sz="3600"/>
             </a:lvl9pPr>
           </a:lstStyle>
-          <a:p/>
+          <a:p>
+            <a:endParaRPr/>
+          </a:p>
         </p:txBody>
       </p:sp>
       <p:sp>
         <p:nvSpPr>
           <p:cNvPr id="15" name="Google Shape;15;p3"/>
-          <p:cNvSpPr txBox="1"/>
+          <p:cNvSpPr txBox="1">
+            <a:spLocks noGrp="1"/>
+          </p:cNvSpPr>
           <p:nvPr>
-            <p:ph idx="12" type="sldNum"/>
+            <p:ph type="sldNum" idx="12"/>
           </p:nvPr>
         </p:nvSpPr>
         <p:spPr>
@@ -2913,7 +3018,7 @@
           </a:prstGeom>
         </p:spPr>
         <p:txBody>
-          <a:bodyPr anchorCtr="0" anchor="ctr" bIns="91425" lIns="91425" spcFirstLastPara="1" rIns="91425" wrap="square" tIns="91425">
+          <a:bodyPr spcFirstLastPara="1" wrap="square" lIns="91425" tIns="91425" rIns="91425" bIns="91425" anchor="ctr" anchorCtr="0">
             <a:normAutofit/>
           </a:bodyPr>
           <a:lstStyle>
@@ -2955,7 +3060,7 @@
             </a:lvl9pPr>
           </a:lstStyle>
           <a:p>
-            <a:pPr indent="0" lvl="0" marL="0" rtl="0" algn="r">
+            <a:pPr marL="0" lvl="0" indent="0" algn="r" rtl="0">
               <a:spcBef>
                 <a:spcPts val="0"/>
               </a:spcBef>
@@ -2966,7 +3071,7 @@
             </a:pPr>
             <a:fld id="{00000000-1234-1234-1234-123412341234}" type="slidenum">
               <a:rPr lang="en"/>
-              <a:t>‹#›</a:t>
+              <a:t>‹Nr.›</a:t>
             </a:fld>
             <a:endParaRPr/>
           </a:p>
@@ -2994,12 +3099,12 @@
           </a:ln>
         </p:spPr>
         <p:txBody>
-          <a:bodyPr anchorCtr="0" anchor="ctr" bIns="91425" lIns="91425" spcFirstLastPara="1" rIns="91425" wrap="square" tIns="91425">
+          <a:bodyPr spcFirstLastPara="1" wrap="square" lIns="91425" tIns="91425" rIns="91425" bIns="91425" anchor="ctr" anchorCtr="0">
             <a:noAutofit/>
           </a:bodyPr>
           <a:lstStyle/>
           <a:p>
-            <a:pPr indent="0" lvl="0" marL="0" rtl="0" algn="l">
+            <a:pPr marL="0" lvl="0" indent="0" algn="l" rtl="0">
               <a:spcBef>
                 <a:spcPts val="0"/>
               </a:spcBef>
@@ -3008,9 +3113,6 @@
               </a:spcAft>
               <a:buNone/>
             </a:pPr>
-            <a:r>
-              <a:t/>
-            </a:r>
             <a:endParaRPr/>
           </a:p>
         </p:txBody>
@@ -3024,11 +3126,11 @@
 </file>
 
 <file path=ppt/slideLayouts/slideLayout3.xml><?xml version="1.0" encoding="utf-8"?>
-<p:sldLayout xmlns:a="http://schemas.openxmlformats.org/drawingml/2006/main" xmlns:r="http://schemas.openxmlformats.org/officeDocument/2006/relationships" xmlns:mc="http://schemas.openxmlformats.org/markup-compatibility/2006" xmlns:mv="urn:schemas-microsoft-com:mac:vml" xmlns:p="http://schemas.openxmlformats.org/presentationml/2006/main" xmlns:c="http://schemas.openxmlformats.org/drawingml/2006/chart" xmlns:dgm="http://schemas.openxmlformats.org/drawingml/2006/diagram" xmlns:o="urn:schemas-microsoft-com:office:office" xmlns:v="urn:schemas-microsoft-com:vml" xmlns:pvml="urn:schemas-microsoft-com:office:powerpoint" xmlns:com="http://schemas.openxmlformats.org/drawingml/2006/compatibility" xmlns:p14="http://schemas.microsoft.com/office/powerpoint/2010/main" xmlns:p15="http://schemas.microsoft.com/office/powerpoint/2012/main" xmlns:ahyp="http://schemas.microsoft.com/office/drawing/2018/hyperlinkcolor" matchingName="Title and body" type="tx">
+<p:sldLayout xmlns:a="http://schemas.openxmlformats.org/drawingml/2006/main" xmlns:r="http://schemas.openxmlformats.org/officeDocument/2006/relationships" xmlns:p="http://schemas.openxmlformats.org/presentationml/2006/main" matchingName="Title and body" type="tx">
   <p:cSld name="TITLE_AND_BODY">
     <p:spTree>
       <p:nvGrpSpPr>
-        <p:cNvPr id="17" name="Shape 17"/>
+        <p:cNvPr id="1" name="Shape 17"/>
         <p:cNvGrpSpPr/>
         <p:nvPr/>
       </p:nvGrpSpPr>
@@ -3043,7 +3145,9 @@
       <p:sp>
         <p:nvSpPr>
           <p:cNvPr id="18" name="Google Shape;18;p4"/>
-          <p:cNvSpPr txBox="1"/>
+          <p:cNvSpPr txBox="1">
+            <a:spLocks noGrp="1"/>
+          </p:cNvSpPr>
           <p:nvPr>
             <p:ph type="title"/>
           </p:nvPr>
@@ -3058,7 +3162,7 @@
           </a:prstGeom>
         </p:spPr>
         <p:txBody>
-          <a:bodyPr anchorCtr="0" anchor="t" bIns="91425" lIns="91425" spcFirstLastPara="1" rIns="91425" wrap="square" tIns="91425">
+          <a:bodyPr spcFirstLastPara="1" wrap="square" lIns="91425" tIns="91425" rIns="91425" bIns="91425" anchor="t" anchorCtr="0">
             <a:normAutofit/>
           </a:bodyPr>
           <a:lstStyle>
@@ -3216,15 +3320,19 @@
               </a:defRPr>
             </a:lvl9pPr>
           </a:lstStyle>
-          <a:p/>
+          <a:p>
+            <a:endParaRPr/>
+          </a:p>
         </p:txBody>
       </p:sp>
       <p:sp>
         <p:nvSpPr>
           <p:cNvPr id="19" name="Google Shape;19;p4"/>
-          <p:cNvSpPr txBox="1"/>
+          <p:cNvSpPr txBox="1">
+            <a:spLocks noGrp="1"/>
+          </p:cNvSpPr>
           <p:nvPr>
-            <p:ph idx="1" type="body"/>
+            <p:ph type="body" idx="1"/>
           </p:nvPr>
         </p:nvSpPr>
         <p:spPr>
@@ -3237,11 +3345,11 @@
           </a:prstGeom>
         </p:spPr>
         <p:txBody>
-          <a:bodyPr anchorCtr="0" anchor="t" bIns="91425" lIns="91425" spcFirstLastPara="1" rIns="91425" wrap="square" tIns="91425">
+          <a:bodyPr spcFirstLastPara="1" wrap="square" lIns="91425" tIns="91425" rIns="91425" bIns="91425" anchor="t" anchorCtr="0">
             <a:normAutofit/>
           </a:bodyPr>
           <a:lstStyle>
-            <a:lvl1pPr indent="-342900" lvl="0" marL="457200">
+            <a:lvl1pPr marL="457200" lvl="0" indent="-342900">
               <a:spcBef>
                 <a:spcPts val="0"/>
               </a:spcBef>
@@ -3264,7 +3372,7 @@
                 <a:sym typeface="Roboto Light"/>
               </a:defRPr>
             </a:lvl1pPr>
-            <a:lvl2pPr indent="-317500" lvl="1" marL="914400">
+            <a:lvl2pPr marL="914400" lvl="1" indent="-317500">
               <a:spcBef>
                 <a:spcPts val="0"/>
               </a:spcBef>
@@ -3287,7 +3395,7 @@
                 <a:sym typeface="Roboto Light"/>
               </a:defRPr>
             </a:lvl2pPr>
-            <a:lvl3pPr indent="-317500" lvl="2" marL="1371600">
+            <a:lvl3pPr marL="1371600" lvl="2" indent="-317500">
               <a:spcBef>
                 <a:spcPts val="0"/>
               </a:spcBef>
@@ -3310,7 +3418,7 @@
                 <a:sym typeface="Roboto Light"/>
               </a:defRPr>
             </a:lvl3pPr>
-            <a:lvl4pPr indent="-317500" lvl="3" marL="1828800">
+            <a:lvl4pPr marL="1828800" lvl="3" indent="-317500">
               <a:spcBef>
                 <a:spcPts val="0"/>
               </a:spcBef>
@@ -3333,7 +3441,7 @@
                 <a:sym typeface="Roboto Light"/>
               </a:defRPr>
             </a:lvl4pPr>
-            <a:lvl5pPr indent="-317500" lvl="4" marL="2286000">
+            <a:lvl5pPr marL="2286000" lvl="4" indent="-317500">
               <a:spcBef>
                 <a:spcPts val="0"/>
               </a:spcBef>
@@ -3356,7 +3464,7 @@
                 <a:sym typeface="Roboto Light"/>
               </a:defRPr>
             </a:lvl5pPr>
-            <a:lvl6pPr indent="-317500" lvl="5" marL="2743200">
+            <a:lvl6pPr marL="2743200" lvl="5" indent="-317500">
               <a:spcBef>
                 <a:spcPts val="0"/>
               </a:spcBef>
@@ -3379,7 +3487,7 @@
                 <a:sym typeface="Roboto Light"/>
               </a:defRPr>
             </a:lvl6pPr>
-            <a:lvl7pPr indent="-317500" lvl="6" marL="3200400">
+            <a:lvl7pPr marL="3200400" lvl="6" indent="-317500">
               <a:spcBef>
                 <a:spcPts val="0"/>
               </a:spcBef>
@@ -3402,7 +3510,7 @@
                 <a:sym typeface="Roboto Light"/>
               </a:defRPr>
             </a:lvl7pPr>
-            <a:lvl8pPr indent="-317500" lvl="7" marL="3657600">
+            <a:lvl8pPr marL="3657600" lvl="7" indent="-317500">
               <a:spcBef>
                 <a:spcPts val="0"/>
               </a:spcBef>
@@ -3425,7 +3533,7 @@
                 <a:sym typeface="Roboto Light"/>
               </a:defRPr>
             </a:lvl8pPr>
-            <a:lvl9pPr indent="-317500" lvl="8" marL="4114800">
+            <a:lvl9pPr marL="4114800" lvl="8" indent="-317500">
               <a:spcBef>
                 <a:spcPts val="0"/>
               </a:spcBef>
@@ -3449,15 +3557,19 @@
               </a:defRPr>
             </a:lvl9pPr>
           </a:lstStyle>
-          <a:p/>
+          <a:p>
+            <a:endParaRPr/>
+          </a:p>
         </p:txBody>
       </p:sp>
       <p:sp>
         <p:nvSpPr>
           <p:cNvPr id="20" name="Google Shape;20;p4"/>
-          <p:cNvSpPr txBox="1"/>
+          <p:cNvSpPr txBox="1">
+            <a:spLocks noGrp="1"/>
+          </p:cNvSpPr>
           <p:nvPr>
-            <p:ph idx="12" type="sldNum"/>
+            <p:ph type="sldNum" idx="12"/>
           </p:nvPr>
         </p:nvSpPr>
         <p:spPr>
@@ -3470,7 +3582,7 @@
           </a:prstGeom>
         </p:spPr>
         <p:txBody>
-          <a:bodyPr anchorCtr="0" anchor="ctr" bIns="91425" lIns="91425" spcFirstLastPara="1" rIns="91425" wrap="square" tIns="91425">
+          <a:bodyPr spcFirstLastPara="1" wrap="square" lIns="91425" tIns="91425" rIns="91425" bIns="91425" anchor="ctr" anchorCtr="0">
             <a:normAutofit/>
           </a:bodyPr>
           <a:lstStyle>
@@ -3512,7 +3624,7 @@
             </a:lvl9pPr>
           </a:lstStyle>
           <a:p>
-            <a:pPr indent="0" lvl="0" marL="0" rtl="0" algn="r">
+            <a:pPr marL="0" lvl="0" indent="0" algn="r" rtl="0">
               <a:spcBef>
                 <a:spcPts val="0"/>
               </a:spcBef>
@@ -3523,7 +3635,7 @@
             </a:pPr>
             <a:fld id="{00000000-1234-1234-1234-123412341234}" type="slidenum">
               <a:rPr lang="en"/>
-              <a:t>‹#›</a:t>
+              <a:t>‹Nr.›</a:t>
             </a:fld>
             <a:endParaRPr/>
           </a:p>
@@ -3551,12 +3663,12 @@
           </a:ln>
         </p:spPr>
         <p:txBody>
-          <a:bodyPr anchorCtr="0" anchor="ctr" bIns="91425" lIns="91425" spcFirstLastPara="1" rIns="91425" wrap="square" tIns="91425">
+          <a:bodyPr spcFirstLastPara="1" wrap="square" lIns="91425" tIns="91425" rIns="91425" bIns="91425" anchor="ctr" anchorCtr="0">
             <a:noAutofit/>
           </a:bodyPr>
           <a:lstStyle/>
           <a:p>
-            <a:pPr indent="0" lvl="0" marL="0" rtl="0" algn="l">
+            <a:pPr marL="0" lvl="0" indent="0" algn="l" rtl="0">
               <a:spcBef>
                 <a:spcPts val="0"/>
               </a:spcBef>
@@ -3565,9 +3677,6 @@
               </a:spcAft>
               <a:buNone/>
             </a:pPr>
-            <a:r>
-              <a:t/>
-            </a:r>
             <a:endParaRPr/>
           </a:p>
         </p:txBody>
@@ -3581,11 +3690,11 @@
 </file>
 
 <file path=ppt/slideLayouts/slideLayout4.xml><?xml version="1.0" encoding="utf-8"?>
-<p:sldLayout xmlns:a="http://schemas.openxmlformats.org/drawingml/2006/main" xmlns:r="http://schemas.openxmlformats.org/officeDocument/2006/relationships" xmlns:mc="http://schemas.openxmlformats.org/markup-compatibility/2006" xmlns:mv="urn:schemas-microsoft-com:mac:vml" xmlns:p="http://schemas.openxmlformats.org/presentationml/2006/main" xmlns:c="http://schemas.openxmlformats.org/drawingml/2006/chart" xmlns:dgm="http://schemas.openxmlformats.org/drawingml/2006/diagram" xmlns:o="urn:schemas-microsoft-com:office:office" xmlns:v="urn:schemas-microsoft-com:vml" xmlns:pvml="urn:schemas-microsoft-com:office:powerpoint" xmlns:com="http://schemas.openxmlformats.org/drawingml/2006/compatibility" xmlns:p14="http://schemas.microsoft.com/office/powerpoint/2010/main" xmlns:p15="http://schemas.microsoft.com/office/powerpoint/2012/main" xmlns:ahyp="http://schemas.microsoft.com/office/drawing/2018/hyperlinkcolor" matchingName="Title and two columns" type="twoColTx">
+<p:sldLayout xmlns:a="http://schemas.openxmlformats.org/drawingml/2006/main" xmlns:r="http://schemas.openxmlformats.org/officeDocument/2006/relationships" xmlns:p="http://schemas.openxmlformats.org/presentationml/2006/main" matchingName="Title and two columns" type="twoColTx">
   <p:cSld name="TITLE_AND_TWO_COLUMNS">
     <p:spTree>
       <p:nvGrpSpPr>
-        <p:cNvPr id="22" name="Shape 22"/>
+        <p:cNvPr id="1" name="Shape 22"/>
         <p:cNvGrpSpPr/>
         <p:nvPr/>
       </p:nvGrpSpPr>
@@ -3600,7 +3709,9 @@
       <p:sp>
         <p:nvSpPr>
           <p:cNvPr id="23" name="Google Shape;23;p5"/>
-          <p:cNvSpPr txBox="1"/>
+          <p:cNvSpPr txBox="1">
+            <a:spLocks noGrp="1"/>
+          </p:cNvSpPr>
           <p:nvPr>
             <p:ph type="title"/>
           </p:nvPr>
@@ -3615,7 +3726,7 @@
           </a:prstGeom>
         </p:spPr>
         <p:txBody>
-          <a:bodyPr anchorCtr="0" anchor="t" bIns="91425" lIns="91425" spcFirstLastPara="1" rIns="91425" wrap="square" tIns="91425">
+          <a:bodyPr spcFirstLastPara="1" wrap="square" lIns="91425" tIns="91425" rIns="91425" bIns="91425" anchor="t" anchorCtr="0">
             <a:normAutofit/>
           </a:bodyPr>
           <a:lstStyle>
@@ -3719,15 +3830,19 @@
               <a:defRPr/>
             </a:lvl9pPr>
           </a:lstStyle>
-          <a:p/>
+          <a:p>
+            <a:endParaRPr/>
+          </a:p>
         </p:txBody>
       </p:sp>
       <p:sp>
         <p:nvSpPr>
           <p:cNvPr id="24" name="Google Shape;24;p5"/>
-          <p:cNvSpPr txBox="1"/>
+          <p:cNvSpPr txBox="1">
+            <a:spLocks noGrp="1"/>
+          </p:cNvSpPr>
           <p:nvPr>
-            <p:ph idx="1" type="body"/>
+            <p:ph type="body" idx="1"/>
           </p:nvPr>
         </p:nvSpPr>
         <p:spPr>
@@ -3740,11 +3855,11 @@
           </a:prstGeom>
         </p:spPr>
         <p:txBody>
-          <a:bodyPr anchorCtr="0" anchor="t" bIns="91425" lIns="91425" spcFirstLastPara="1" rIns="91425" wrap="square" tIns="91425">
+          <a:bodyPr spcFirstLastPara="1" wrap="square" lIns="91425" tIns="91425" rIns="91425" bIns="91425" anchor="t" anchorCtr="0">
             <a:normAutofit/>
           </a:bodyPr>
           <a:lstStyle>
-            <a:lvl1pPr indent="-317500" lvl="0" marL="457200">
+            <a:lvl1pPr marL="457200" lvl="0" indent="-317500">
               <a:spcBef>
                 <a:spcPts val="0"/>
               </a:spcBef>
@@ -3755,7 +3870,7 @@
               <a:buChar char="●"/>
               <a:defRPr sz="1400"/>
             </a:lvl1pPr>
-            <a:lvl2pPr indent="-304800" lvl="1" marL="914400">
+            <a:lvl2pPr marL="914400" lvl="1" indent="-304800">
               <a:spcBef>
                 <a:spcPts val="0"/>
               </a:spcBef>
@@ -3766,7 +3881,7 @@
               <a:buChar char="○"/>
               <a:defRPr sz="1200"/>
             </a:lvl2pPr>
-            <a:lvl3pPr indent="-304800" lvl="2" marL="1371600">
+            <a:lvl3pPr marL="1371600" lvl="2" indent="-304800">
               <a:spcBef>
                 <a:spcPts val="0"/>
               </a:spcBef>
@@ -3777,7 +3892,7 @@
               <a:buChar char="■"/>
               <a:defRPr sz="1200"/>
             </a:lvl3pPr>
-            <a:lvl4pPr indent="-304800" lvl="3" marL="1828800">
+            <a:lvl4pPr marL="1828800" lvl="3" indent="-304800">
               <a:spcBef>
                 <a:spcPts val="0"/>
               </a:spcBef>
@@ -3788,7 +3903,7 @@
               <a:buChar char="●"/>
               <a:defRPr sz="1200"/>
             </a:lvl4pPr>
-            <a:lvl5pPr indent="-304800" lvl="4" marL="2286000">
+            <a:lvl5pPr marL="2286000" lvl="4" indent="-304800">
               <a:spcBef>
                 <a:spcPts val="0"/>
               </a:spcBef>
@@ -3799,7 +3914,7 @@
               <a:buChar char="○"/>
               <a:defRPr sz="1200"/>
             </a:lvl5pPr>
-            <a:lvl6pPr indent="-304800" lvl="5" marL="2743200">
+            <a:lvl6pPr marL="2743200" lvl="5" indent="-304800">
               <a:spcBef>
                 <a:spcPts val="0"/>
               </a:spcBef>
@@ -3810,7 +3925,7 @@
               <a:buChar char="■"/>
               <a:defRPr sz="1200"/>
             </a:lvl6pPr>
-            <a:lvl7pPr indent="-304800" lvl="6" marL="3200400">
+            <a:lvl7pPr marL="3200400" lvl="6" indent="-304800">
               <a:spcBef>
                 <a:spcPts val="0"/>
               </a:spcBef>
@@ -3821,7 +3936,7 @@
               <a:buChar char="●"/>
               <a:defRPr sz="1200"/>
             </a:lvl7pPr>
-            <a:lvl8pPr indent="-304800" lvl="7" marL="3657600">
+            <a:lvl8pPr marL="3657600" lvl="7" indent="-304800">
               <a:spcBef>
                 <a:spcPts val="0"/>
               </a:spcBef>
@@ -3832,7 +3947,7 @@
               <a:buChar char="○"/>
               <a:defRPr sz="1200"/>
             </a:lvl8pPr>
-            <a:lvl9pPr indent="-304800" lvl="8" marL="4114800">
+            <a:lvl9pPr marL="4114800" lvl="8" indent="-304800">
               <a:spcBef>
                 <a:spcPts val="0"/>
               </a:spcBef>
@@ -3844,15 +3959,19 @@
               <a:defRPr sz="1200"/>
             </a:lvl9pPr>
           </a:lstStyle>
-          <a:p/>
+          <a:p>
+            <a:endParaRPr/>
+          </a:p>
         </p:txBody>
       </p:sp>
       <p:sp>
         <p:nvSpPr>
           <p:cNvPr id="25" name="Google Shape;25;p5"/>
-          <p:cNvSpPr txBox="1"/>
+          <p:cNvSpPr txBox="1">
+            <a:spLocks noGrp="1"/>
+          </p:cNvSpPr>
           <p:nvPr>
-            <p:ph idx="2" type="body"/>
+            <p:ph type="body" idx="2"/>
           </p:nvPr>
         </p:nvSpPr>
         <p:spPr>
@@ -3865,11 +3984,11 @@
           </a:prstGeom>
         </p:spPr>
         <p:txBody>
-          <a:bodyPr anchorCtr="0" anchor="t" bIns="91425" lIns="91425" spcFirstLastPara="1" rIns="91425" wrap="square" tIns="91425">
+          <a:bodyPr spcFirstLastPara="1" wrap="square" lIns="91425" tIns="91425" rIns="91425" bIns="91425" anchor="t" anchorCtr="0">
             <a:normAutofit/>
           </a:bodyPr>
           <a:lstStyle>
-            <a:lvl1pPr indent="-317500" lvl="0" marL="457200">
+            <a:lvl1pPr marL="457200" lvl="0" indent="-317500">
               <a:spcBef>
                 <a:spcPts val="0"/>
               </a:spcBef>
@@ -3880,7 +3999,7 @@
               <a:buChar char="●"/>
               <a:defRPr sz="1400"/>
             </a:lvl1pPr>
-            <a:lvl2pPr indent="-304800" lvl="1" marL="914400">
+            <a:lvl2pPr marL="914400" lvl="1" indent="-304800">
               <a:spcBef>
                 <a:spcPts val="0"/>
               </a:spcBef>
@@ -3891,7 +4010,7 @@
               <a:buChar char="○"/>
               <a:defRPr sz="1200"/>
             </a:lvl2pPr>
-            <a:lvl3pPr indent="-304800" lvl="2" marL="1371600">
+            <a:lvl3pPr marL="1371600" lvl="2" indent="-304800">
               <a:spcBef>
                 <a:spcPts val="0"/>
               </a:spcBef>
@@ -3902,7 +4021,7 @@
               <a:buChar char="■"/>
               <a:defRPr sz="1200"/>
             </a:lvl3pPr>
-            <a:lvl4pPr indent="-304800" lvl="3" marL="1828800">
+            <a:lvl4pPr marL="1828800" lvl="3" indent="-304800">
               <a:spcBef>
                 <a:spcPts val="0"/>
               </a:spcBef>
@@ -3913,7 +4032,7 @@
               <a:buChar char="●"/>
               <a:defRPr sz="1200"/>
             </a:lvl4pPr>
-            <a:lvl5pPr indent="-304800" lvl="4" marL="2286000">
+            <a:lvl5pPr marL="2286000" lvl="4" indent="-304800">
               <a:spcBef>
                 <a:spcPts val="0"/>
               </a:spcBef>
@@ -3924,7 +4043,7 @@
               <a:buChar char="○"/>
               <a:defRPr sz="1200"/>
             </a:lvl5pPr>
-            <a:lvl6pPr indent="-304800" lvl="5" marL="2743200">
+            <a:lvl6pPr marL="2743200" lvl="5" indent="-304800">
               <a:spcBef>
                 <a:spcPts val="0"/>
               </a:spcBef>
@@ -3935,7 +4054,7 @@
               <a:buChar char="■"/>
               <a:defRPr sz="1200"/>
             </a:lvl6pPr>
-            <a:lvl7pPr indent="-304800" lvl="6" marL="3200400">
+            <a:lvl7pPr marL="3200400" lvl="6" indent="-304800">
               <a:spcBef>
                 <a:spcPts val="0"/>
               </a:spcBef>
@@ -3946,7 +4065,7 @@
               <a:buChar char="●"/>
               <a:defRPr sz="1200"/>
             </a:lvl7pPr>
-            <a:lvl8pPr indent="-304800" lvl="7" marL="3657600">
+            <a:lvl8pPr marL="3657600" lvl="7" indent="-304800">
               <a:spcBef>
                 <a:spcPts val="0"/>
               </a:spcBef>
@@ -3957,7 +4076,7 @@
               <a:buChar char="○"/>
               <a:defRPr sz="1200"/>
             </a:lvl8pPr>
-            <a:lvl9pPr indent="-304800" lvl="8" marL="4114800">
+            <a:lvl9pPr marL="4114800" lvl="8" indent="-304800">
               <a:spcBef>
                 <a:spcPts val="0"/>
               </a:spcBef>
@@ -3969,15 +4088,19 @@
               <a:defRPr sz="1200"/>
             </a:lvl9pPr>
           </a:lstStyle>
-          <a:p/>
+          <a:p>
+            <a:endParaRPr/>
+          </a:p>
         </p:txBody>
       </p:sp>
       <p:sp>
         <p:nvSpPr>
           <p:cNvPr id="26" name="Google Shape;26;p5"/>
-          <p:cNvSpPr txBox="1"/>
+          <p:cNvSpPr txBox="1">
+            <a:spLocks noGrp="1"/>
+          </p:cNvSpPr>
           <p:nvPr>
-            <p:ph idx="12" type="sldNum"/>
+            <p:ph type="sldNum" idx="12"/>
           </p:nvPr>
         </p:nvSpPr>
         <p:spPr>
@@ -3990,7 +4113,7 @@
           </a:prstGeom>
         </p:spPr>
         <p:txBody>
-          <a:bodyPr anchorCtr="0" anchor="ctr" bIns="91425" lIns="91425" spcFirstLastPara="1" rIns="91425" wrap="square" tIns="91425">
+          <a:bodyPr spcFirstLastPara="1" wrap="square" lIns="91425" tIns="91425" rIns="91425" bIns="91425" anchor="ctr" anchorCtr="0">
             <a:normAutofit/>
           </a:bodyPr>
           <a:lstStyle>
@@ -4032,7 +4155,7 @@
             </a:lvl9pPr>
           </a:lstStyle>
           <a:p>
-            <a:pPr indent="0" lvl="0" marL="0" rtl="0" algn="r">
+            <a:pPr marL="0" lvl="0" indent="0" algn="r" rtl="0">
               <a:spcBef>
                 <a:spcPts val="0"/>
               </a:spcBef>
@@ -4043,7 +4166,7 @@
             </a:pPr>
             <a:fld id="{00000000-1234-1234-1234-123412341234}" type="slidenum">
               <a:rPr lang="en"/>
-              <a:t>‹#›</a:t>
+              <a:t>‹Nr.›</a:t>
             </a:fld>
             <a:endParaRPr/>
           </a:p>
@@ -4058,11 +4181,11 @@
 </file>
 
 <file path=ppt/slideLayouts/slideLayout5.xml><?xml version="1.0" encoding="utf-8"?>
-<p:sldLayout xmlns:a="http://schemas.openxmlformats.org/drawingml/2006/main" xmlns:r="http://schemas.openxmlformats.org/officeDocument/2006/relationships" xmlns:mc="http://schemas.openxmlformats.org/markup-compatibility/2006" xmlns:mv="urn:schemas-microsoft-com:mac:vml" xmlns:p="http://schemas.openxmlformats.org/presentationml/2006/main" xmlns:c="http://schemas.openxmlformats.org/drawingml/2006/chart" xmlns:dgm="http://schemas.openxmlformats.org/drawingml/2006/diagram" xmlns:o="urn:schemas-microsoft-com:office:office" xmlns:v="urn:schemas-microsoft-com:vml" xmlns:pvml="urn:schemas-microsoft-com:office:powerpoint" xmlns:com="http://schemas.openxmlformats.org/drawingml/2006/compatibility" xmlns:p14="http://schemas.microsoft.com/office/powerpoint/2010/main" xmlns:p15="http://schemas.microsoft.com/office/powerpoint/2012/main" xmlns:ahyp="http://schemas.microsoft.com/office/drawing/2018/hyperlinkcolor" matchingName="Title only" type="titleOnly">
+<p:sldLayout xmlns:a="http://schemas.openxmlformats.org/drawingml/2006/main" xmlns:r="http://schemas.openxmlformats.org/officeDocument/2006/relationships" xmlns:p="http://schemas.openxmlformats.org/presentationml/2006/main" matchingName="Title only" type="titleOnly">
   <p:cSld name="TITLE_ONLY">
     <p:spTree>
       <p:nvGrpSpPr>
-        <p:cNvPr id="27" name="Shape 27"/>
+        <p:cNvPr id="1" name="Shape 27"/>
         <p:cNvGrpSpPr/>
         <p:nvPr/>
       </p:nvGrpSpPr>
@@ -4077,7 +4200,9 @@
       <p:sp>
         <p:nvSpPr>
           <p:cNvPr id="28" name="Google Shape;28;p6"/>
-          <p:cNvSpPr txBox="1"/>
+          <p:cNvSpPr txBox="1">
+            <a:spLocks noGrp="1"/>
+          </p:cNvSpPr>
           <p:nvPr>
             <p:ph type="title"/>
           </p:nvPr>
@@ -4092,7 +4217,7 @@
           </a:prstGeom>
         </p:spPr>
         <p:txBody>
-          <a:bodyPr anchorCtr="0" anchor="t" bIns="91425" lIns="91425" spcFirstLastPara="1" rIns="91425" wrap="square" tIns="91425">
+          <a:bodyPr spcFirstLastPara="1" wrap="square" lIns="91425" tIns="91425" rIns="91425" bIns="91425" anchor="t" anchorCtr="0">
             <a:normAutofit/>
           </a:bodyPr>
           <a:lstStyle>
@@ -4196,15 +4321,19 @@
               <a:defRPr/>
             </a:lvl9pPr>
           </a:lstStyle>
-          <a:p/>
+          <a:p>
+            <a:endParaRPr/>
+          </a:p>
         </p:txBody>
       </p:sp>
       <p:sp>
         <p:nvSpPr>
           <p:cNvPr id="29" name="Google Shape;29;p6"/>
-          <p:cNvSpPr txBox="1"/>
+          <p:cNvSpPr txBox="1">
+            <a:spLocks noGrp="1"/>
+          </p:cNvSpPr>
           <p:nvPr>
-            <p:ph idx="12" type="sldNum"/>
+            <p:ph type="sldNum" idx="12"/>
           </p:nvPr>
         </p:nvSpPr>
         <p:spPr>
@@ -4217,7 +4346,7 @@
           </a:prstGeom>
         </p:spPr>
         <p:txBody>
-          <a:bodyPr anchorCtr="0" anchor="ctr" bIns="91425" lIns="91425" spcFirstLastPara="1" rIns="91425" wrap="square" tIns="91425">
+          <a:bodyPr spcFirstLastPara="1" wrap="square" lIns="91425" tIns="91425" rIns="91425" bIns="91425" anchor="ctr" anchorCtr="0">
             <a:normAutofit/>
           </a:bodyPr>
           <a:lstStyle>
@@ -4259,7 +4388,7 @@
             </a:lvl9pPr>
           </a:lstStyle>
           <a:p>
-            <a:pPr indent="0" lvl="0" marL="0" rtl="0" algn="r">
+            <a:pPr marL="0" lvl="0" indent="0" algn="r" rtl="0">
               <a:spcBef>
                 <a:spcPts val="0"/>
               </a:spcBef>
@@ -4270,7 +4399,7 @@
             </a:pPr>
             <a:fld id="{00000000-1234-1234-1234-123412341234}" type="slidenum">
               <a:rPr lang="en"/>
-              <a:t>‹#›</a:t>
+              <a:t>‹Nr.›</a:t>
             </a:fld>
             <a:endParaRPr/>
           </a:p>
@@ -4285,11 +4414,11 @@
 </file>
 
 <file path=ppt/slideLayouts/slideLayout6.xml><?xml version="1.0" encoding="utf-8"?>
-<p:sldLayout xmlns:a="http://schemas.openxmlformats.org/drawingml/2006/main" xmlns:r="http://schemas.openxmlformats.org/officeDocument/2006/relationships" xmlns:mc="http://schemas.openxmlformats.org/markup-compatibility/2006" xmlns:mv="urn:schemas-microsoft-com:mac:vml" xmlns:p="http://schemas.openxmlformats.org/presentationml/2006/main" xmlns:c="http://schemas.openxmlformats.org/drawingml/2006/chart" xmlns:dgm="http://schemas.openxmlformats.org/drawingml/2006/diagram" xmlns:o="urn:schemas-microsoft-com:office:office" xmlns:v="urn:schemas-microsoft-com:vml" xmlns:pvml="urn:schemas-microsoft-com:office:powerpoint" xmlns:com="http://schemas.openxmlformats.org/drawingml/2006/compatibility" xmlns:p14="http://schemas.microsoft.com/office/powerpoint/2010/main" xmlns:p15="http://schemas.microsoft.com/office/powerpoint/2012/main" xmlns:ahyp="http://schemas.microsoft.com/office/drawing/2018/hyperlinkcolor" matchingName="One column text">
+<p:sldLayout xmlns:a="http://schemas.openxmlformats.org/drawingml/2006/main" xmlns:r="http://schemas.openxmlformats.org/officeDocument/2006/relationships" xmlns:p="http://schemas.openxmlformats.org/presentationml/2006/main" matchingName="One column text">
   <p:cSld name="ONE_COLUMN_TEXT">
     <p:spTree>
       <p:nvGrpSpPr>
-        <p:cNvPr id="30" name="Shape 30"/>
+        <p:cNvPr id="1" name="Shape 30"/>
         <p:cNvGrpSpPr/>
         <p:nvPr/>
       </p:nvGrpSpPr>
@@ -4304,7 +4433,9 @@
       <p:sp>
         <p:nvSpPr>
           <p:cNvPr id="31" name="Google Shape;31;p7"/>
-          <p:cNvSpPr txBox="1"/>
+          <p:cNvSpPr txBox="1">
+            <a:spLocks noGrp="1"/>
+          </p:cNvSpPr>
           <p:nvPr>
             <p:ph type="title"/>
           </p:nvPr>
@@ -4319,7 +4450,7 @@
           </a:prstGeom>
         </p:spPr>
         <p:txBody>
-          <a:bodyPr anchorCtr="0" anchor="b" bIns="91425" lIns="91425" spcFirstLastPara="1" rIns="91425" wrap="square" tIns="91425">
+          <a:bodyPr spcFirstLastPara="1" wrap="square" lIns="91425" tIns="91425" rIns="91425" bIns="91425" anchor="b" anchorCtr="0">
             <a:normAutofit/>
           </a:bodyPr>
           <a:lstStyle>
@@ -4423,15 +4554,19 @@
               <a:defRPr sz="2400"/>
             </a:lvl9pPr>
           </a:lstStyle>
-          <a:p/>
+          <a:p>
+            <a:endParaRPr/>
+          </a:p>
         </p:txBody>
       </p:sp>
       <p:sp>
         <p:nvSpPr>
           <p:cNvPr id="32" name="Google Shape;32;p7"/>
-          <p:cNvSpPr txBox="1"/>
+          <p:cNvSpPr txBox="1">
+            <a:spLocks noGrp="1"/>
+          </p:cNvSpPr>
           <p:nvPr>
-            <p:ph idx="1" type="body"/>
+            <p:ph type="body" idx="1"/>
           </p:nvPr>
         </p:nvSpPr>
         <p:spPr>
@@ -4444,11 +4579,11 @@
           </a:prstGeom>
         </p:spPr>
         <p:txBody>
-          <a:bodyPr anchorCtr="0" anchor="t" bIns="91425" lIns="91425" spcFirstLastPara="1" rIns="91425" wrap="square" tIns="91425">
+          <a:bodyPr spcFirstLastPara="1" wrap="square" lIns="91425" tIns="91425" rIns="91425" bIns="91425" anchor="t" anchorCtr="0">
             <a:normAutofit/>
           </a:bodyPr>
           <a:lstStyle>
-            <a:lvl1pPr indent="-304800" lvl="0" marL="457200">
+            <a:lvl1pPr marL="457200" lvl="0" indent="-304800">
               <a:spcBef>
                 <a:spcPts val="0"/>
               </a:spcBef>
@@ -4459,7 +4594,7 @@
               <a:buChar char="●"/>
               <a:defRPr sz="1200"/>
             </a:lvl1pPr>
-            <a:lvl2pPr indent="-304800" lvl="1" marL="914400">
+            <a:lvl2pPr marL="914400" lvl="1" indent="-304800">
               <a:spcBef>
                 <a:spcPts val="0"/>
               </a:spcBef>
@@ -4470,7 +4605,7 @@
               <a:buChar char="○"/>
               <a:defRPr sz="1200"/>
             </a:lvl2pPr>
-            <a:lvl3pPr indent="-304800" lvl="2" marL="1371600">
+            <a:lvl3pPr marL="1371600" lvl="2" indent="-304800">
               <a:spcBef>
                 <a:spcPts val="0"/>
               </a:spcBef>
@@ -4481,7 +4616,7 @@
               <a:buChar char="■"/>
               <a:defRPr sz="1200"/>
             </a:lvl3pPr>
-            <a:lvl4pPr indent="-304800" lvl="3" marL="1828800">
+            <a:lvl4pPr marL="1828800" lvl="3" indent="-304800">
               <a:spcBef>
                 <a:spcPts val="0"/>
               </a:spcBef>
@@ -4492,7 +4627,7 @@
               <a:buChar char="●"/>
               <a:defRPr sz="1200"/>
             </a:lvl4pPr>
-            <a:lvl5pPr indent="-304800" lvl="4" marL="2286000">
+            <a:lvl5pPr marL="2286000" lvl="4" indent="-304800">
               <a:spcBef>
                 <a:spcPts val="0"/>
               </a:spcBef>
@@ -4503,7 +4638,7 @@
               <a:buChar char="○"/>
               <a:defRPr sz="1200"/>
             </a:lvl5pPr>
-            <a:lvl6pPr indent="-304800" lvl="5" marL="2743200">
+            <a:lvl6pPr marL="2743200" lvl="5" indent="-304800">
               <a:spcBef>
                 <a:spcPts val="0"/>
               </a:spcBef>
@@ -4514,7 +4649,7 @@
               <a:buChar char="■"/>
               <a:defRPr sz="1200"/>
             </a:lvl6pPr>
-            <a:lvl7pPr indent="-304800" lvl="6" marL="3200400">
+            <a:lvl7pPr marL="3200400" lvl="6" indent="-304800">
               <a:spcBef>
                 <a:spcPts val="0"/>
               </a:spcBef>
@@ -4525,7 +4660,7 @@
               <a:buChar char="●"/>
               <a:defRPr sz="1200"/>
             </a:lvl7pPr>
-            <a:lvl8pPr indent="-304800" lvl="7" marL="3657600">
+            <a:lvl8pPr marL="3657600" lvl="7" indent="-304800">
               <a:spcBef>
                 <a:spcPts val="0"/>
               </a:spcBef>
@@ -4536,7 +4671,7 @@
               <a:buChar char="○"/>
               <a:defRPr sz="1200"/>
             </a:lvl8pPr>
-            <a:lvl9pPr indent="-304800" lvl="8" marL="4114800">
+            <a:lvl9pPr marL="4114800" lvl="8" indent="-304800">
               <a:spcBef>
                 <a:spcPts val="0"/>
               </a:spcBef>
@@ -4548,15 +4683,19 @@
               <a:defRPr sz="1200"/>
             </a:lvl9pPr>
           </a:lstStyle>
-          <a:p/>
+          <a:p>
+            <a:endParaRPr/>
+          </a:p>
         </p:txBody>
       </p:sp>
       <p:sp>
         <p:nvSpPr>
           <p:cNvPr id="33" name="Google Shape;33;p7"/>
-          <p:cNvSpPr txBox="1"/>
+          <p:cNvSpPr txBox="1">
+            <a:spLocks noGrp="1"/>
+          </p:cNvSpPr>
           <p:nvPr>
-            <p:ph idx="12" type="sldNum"/>
+            <p:ph type="sldNum" idx="12"/>
           </p:nvPr>
         </p:nvSpPr>
         <p:spPr>
@@ -4569,7 +4708,7 @@
           </a:prstGeom>
         </p:spPr>
         <p:txBody>
-          <a:bodyPr anchorCtr="0" anchor="ctr" bIns="91425" lIns="91425" spcFirstLastPara="1" rIns="91425" wrap="square" tIns="91425">
+          <a:bodyPr spcFirstLastPara="1" wrap="square" lIns="91425" tIns="91425" rIns="91425" bIns="91425" anchor="ctr" anchorCtr="0">
             <a:normAutofit/>
           </a:bodyPr>
           <a:lstStyle>
@@ -4611,7 +4750,7 @@
             </a:lvl9pPr>
           </a:lstStyle>
           <a:p>
-            <a:pPr indent="0" lvl="0" marL="0" rtl="0" algn="r">
+            <a:pPr marL="0" lvl="0" indent="0" algn="r" rtl="0">
               <a:spcBef>
                 <a:spcPts val="0"/>
               </a:spcBef>
@@ -4622,7 +4761,7 @@
             </a:pPr>
             <a:fld id="{00000000-1234-1234-1234-123412341234}" type="slidenum">
               <a:rPr lang="en"/>
-              <a:t>‹#›</a:t>
+              <a:t>‹Nr.›</a:t>
             </a:fld>
             <a:endParaRPr/>
           </a:p>
@@ -4637,11 +4776,11 @@
 </file>
 
 <file path=ppt/slideLayouts/slideLayout7.xml><?xml version="1.0" encoding="utf-8"?>
-<p:sldLayout xmlns:a="http://schemas.openxmlformats.org/drawingml/2006/main" xmlns:r="http://schemas.openxmlformats.org/officeDocument/2006/relationships" xmlns:mc="http://schemas.openxmlformats.org/markup-compatibility/2006" xmlns:mv="urn:schemas-microsoft-com:mac:vml" xmlns:p="http://schemas.openxmlformats.org/presentationml/2006/main" xmlns:c="http://schemas.openxmlformats.org/drawingml/2006/chart" xmlns:dgm="http://schemas.openxmlformats.org/drawingml/2006/diagram" xmlns:o="urn:schemas-microsoft-com:office:office" xmlns:v="urn:schemas-microsoft-com:vml" xmlns:pvml="urn:schemas-microsoft-com:office:powerpoint" xmlns:com="http://schemas.openxmlformats.org/drawingml/2006/compatibility" xmlns:p14="http://schemas.microsoft.com/office/powerpoint/2010/main" xmlns:p15="http://schemas.microsoft.com/office/powerpoint/2012/main" xmlns:ahyp="http://schemas.microsoft.com/office/drawing/2018/hyperlinkcolor" matchingName="Main point">
+<p:sldLayout xmlns:a="http://schemas.openxmlformats.org/drawingml/2006/main" xmlns:r="http://schemas.openxmlformats.org/officeDocument/2006/relationships" xmlns:p="http://schemas.openxmlformats.org/presentationml/2006/main" matchingName="Main point">
   <p:cSld name="MAIN_POINT">
     <p:spTree>
       <p:nvGrpSpPr>
-        <p:cNvPr id="34" name="Shape 34"/>
+        <p:cNvPr id="1" name="Shape 34"/>
         <p:cNvGrpSpPr/>
         <p:nvPr/>
       </p:nvGrpSpPr>
@@ -4656,7 +4795,9 @@
       <p:sp>
         <p:nvSpPr>
           <p:cNvPr id="35" name="Google Shape;35;p8"/>
-          <p:cNvSpPr txBox="1"/>
+          <p:cNvSpPr txBox="1">
+            <a:spLocks noGrp="1"/>
+          </p:cNvSpPr>
           <p:nvPr>
             <p:ph type="title"/>
           </p:nvPr>
@@ -4671,7 +4812,7 @@
           </a:prstGeom>
         </p:spPr>
         <p:txBody>
-          <a:bodyPr anchorCtr="0" anchor="ctr" bIns="91425" lIns="91425" spcFirstLastPara="1" rIns="91425" wrap="square" tIns="91425">
+          <a:bodyPr spcFirstLastPara="1" wrap="square" lIns="91425" tIns="91425" rIns="91425" bIns="91425" anchor="ctr" anchorCtr="0">
             <a:normAutofit/>
           </a:bodyPr>
           <a:lstStyle>
@@ -4775,15 +4916,19 @@
               <a:defRPr sz="4800"/>
             </a:lvl9pPr>
           </a:lstStyle>
-          <a:p/>
+          <a:p>
+            <a:endParaRPr/>
+          </a:p>
         </p:txBody>
       </p:sp>
       <p:sp>
         <p:nvSpPr>
           <p:cNvPr id="36" name="Google Shape;36;p8"/>
-          <p:cNvSpPr txBox="1"/>
+          <p:cNvSpPr txBox="1">
+            <a:spLocks noGrp="1"/>
+          </p:cNvSpPr>
           <p:nvPr>
-            <p:ph idx="12" type="sldNum"/>
+            <p:ph type="sldNum" idx="12"/>
           </p:nvPr>
         </p:nvSpPr>
         <p:spPr>
@@ -4796,7 +4941,7 @@
           </a:prstGeom>
         </p:spPr>
         <p:txBody>
-          <a:bodyPr anchorCtr="0" anchor="ctr" bIns="91425" lIns="91425" spcFirstLastPara="1" rIns="91425" wrap="square" tIns="91425">
+          <a:bodyPr spcFirstLastPara="1" wrap="square" lIns="91425" tIns="91425" rIns="91425" bIns="91425" anchor="ctr" anchorCtr="0">
             <a:normAutofit/>
           </a:bodyPr>
           <a:lstStyle>
@@ -4838,7 +4983,7 @@
             </a:lvl9pPr>
           </a:lstStyle>
           <a:p>
-            <a:pPr indent="0" lvl="0" marL="0" rtl="0" algn="r">
+            <a:pPr marL="0" lvl="0" indent="0" algn="r" rtl="0">
               <a:spcBef>
                 <a:spcPts val="0"/>
               </a:spcBef>
@@ -4849,7 +4994,7 @@
             </a:pPr>
             <a:fld id="{00000000-1234-1234-1234-123412341234}" type="slidenum">
               <a:rPr lang="en"/>
-              <a:t>‹#›</a:t>
+              <a:t>‹Nr.›</a:t>
             </a:fld>
             <a:endParaRPr/>
           </a:p>
@@ -4864,11 +5009,11 @@
 </file>
 
 <file path=ppt/slideLayouts/slideLayout8.xml><?xml version="1.0" encoding="utf-8"?>
-<p:sldLayout xmlns:a="http://schemas.openxmlformats.org/drawingml/2006/main" xmlns:r="http://schemas.openxmlformats.org/officeDocument/2006/relationships" xmlns:mc="http://schemas.openxmlformats.org/markup-compatibility/2006" xmlns:mv="urn:schemas-microsoft-com:mac:vml" xmlns:p="http://schemas.openxmlformats.org/presentationml/2006/main" xmlns:c="http://schemas.openxmlformats.org/drawingml/2006/chart" xmlns:dgm="http://schemas.openxmlformats.org/drawingml/2006/diagram" xmlns:o="urn:schemas-microsoft-com:office:office" xmlns:v="urn:schemas-microsoft-com:vml" xmlns:pvml="urn:schemas-microsoft-com:office:powerpoint" xmlns:com="http://schemas.openxmlformats.org/drawingml/2006/compatibility" xmlns:p14="http://schemas.microsoft.com/office/powerpoint/2010/main" xmlns:p15="http://schemas.microsoft.com/office/powerpoint/2012/main" xmlns:ahyp="http://schemas.microsoft.com/office/drawing/2018/hyperlinkcolor" matchingName="Section title and description">
+<p:sldLayout xmlns:a="http://schemas.openxmlformats.org/drawingml/2006/main" xmlns:r="http://schemas.openxmlformats.org/officeDocument/2006/relationships" xmlns:p="http://schemas.openxmlformats.org/presentationml/2006/main" matchingName="Section title and description">
   <p:cSld name="SECTION_TITLE_AND_DESCRIPTION">
     <p:spTree>
       <p:nvGrpSpPr>
-        <p:cNvPr id="37" name="Shape 37"/>
+        <p:cNvPr id="1" name="Shape 37"/>
         <p:cNvGrpSpPr/>
         <p:nvPr/>
       </p:nvGrpSpPr>
@@ -4902,12 +5047,12 @@
           </a:ln>
         </p:spPr>
         <p:txBody>
-          <a:bodyPr anchorCtr="0" anchor="ctr" bIns="91425" lIns="91425" spcFirstLastPara="1" rIns="91425" wrap="square" tIns="91425">
+          <a:bodyPr spcFirstLastPara="1" wrap="square" lIns="91425" tIns="91425" rIns="91425" bIns="91425" anchor="ctr" anchorCtr="0">
             <a:noAutofit/>
           </a:bodyPr>
           <a:lstStyle/>
           <a:p>
-            <a:pPr indent="0" lvl="0" marL="0" rtl="0" algn="l">
+            <a:pPr marL="0" lvl="0" indent="0" algn="l" rtl="0">
               <a:spcBef>
                 <a:spcPts val="0"/>
               </a:spcBef>
@@ -4916,9 +5061,6 @@
               </a:spcAft>
               <a:buNone/>
             </a:pPr>
-            <a:r>
-              <a:t/>
-            </a:r>
             <a:endParaRPr/>
           </a:p>
         </p:txBody>
@@ -4926,7 +5068,9 @@
       <p:sp>
         <p:nvSpPr>
           <p:cNvPr id="39" name="Google Shape;39;p9"/>
-          <p:cNvSpPr txBox="1"/>
+          <p:cNvSpPr txBox="1">
+            <a:spLocks noGrp="1"/>
+          </p:cNvSpPr>
           <p:nvPr>
             <p:ph type="title"/>
           </p:nvPr>
@@ -4941,7 +5085,7 @@
           </a:prstGeom>
         </p:spPr>
         <p:txBody>
-          <a:bodyPr anchorCtr="0" anchor="b" bIns="91425" lIns="91425" spcFirstLastPara="1" rIns="91425" wrap="square" tIns="91425">
+          <a:bodyPr spcFirstLastPara="1" wrap="square" lIns="91425" tIns="91425" rIns="91425" bIns="91425" anchor="b" anchorCtr="0">
             <a:normAutofit/>
           </a:bodyPr>
           <a:lstStyle>
@@ -5045,15 +5189,19 @@
               <a:defRPr sz="4200"/>
             </a:lvl9pPr>
           </a:lstStyle>
-          <a:p/>
+          <a:p>
+            <a:endParaRPr/>
+          </a:p>
         </p:txBody>
       </p:sp>
       <p:sp>
         <p:nvSpPr>
           <p:cNvPr id="40" name="Google Shape;40;p9"/>
-          <p:cNvSpPr txBox="1"/>
+          <p:cNvSpPr txBox="1">
+            <a:spLocks noGrp="1"/>
+          </p:cNvSpPr>
           <p:nvPr>
-            <p:ph idx="1" type="subTitle"/>
+            <p:ph type="subTitle" idx="1"/>
           </p:nvPr>
         </p:nvSpPr>
         <p:spPr>
@@ -5066,7 +5214,7 @@
           </a:prstGeom>
         </p:spPr>
         <p:txBody>
-          <a:bodyPr anchorCtr="0" anchor="t" bIns="91425" lIns="91425" spcFirstLastPara="1" rIns="91425" wrap="square" tIns="91425">
+          <a:bodyPr spcFirstLastPara="1" wrap="square" lIns="91425" tIns="91425" rIns="91425" bIns="91425" anchor="t" anchorCtr="0">
             <a:normAutofit/>
           </a:bodyPr>
           <a:lstStyle>
@@ -5197,15 +5345,19 @@
               <a:defRPr sz="2100"/>
             </a:lvl9pPr>
           </a:lstStyle>
-          <a:p/>
+          <a:p>
+            <a:endParaRPr/>
+          </a:p>
         </p:txBody>
       </p:sp>
       <p:sp>
         <p:nvSpPr>
           <p:cNvPr id="41" name="Google Shape;41;p9"/>
-          <p:cNvSpPr txBox="1"/>
+          <p:cNvSpPr txBox="1">
+            <a:spLocks noGrp="1"/>
+          </p:cNvSpPr>
           <p:nvPr>
-            <p:ph idx="2" type="body"/>
+            <p:ph type="body" idx="2"/>
           </p:nvPr>
         </p:nvSpPr>
         <p:spPr>
@@ -5218,11 +5370,11 @@
           </a:prstGeom>
         </p:spPr>
         <p:txBody>
-          <a:bodyPr anchorCtr="0" anchor="ctr" bIns="91425" lIns="91425" spcFirstLastPara="1" rIns="91425" wrap="square" tIns="91425">
+          <a:bodyPr spcFirstLastPara="1" wrap="square" lIns="91425" tIns="91425" rIns="91425" bIns="91425" anchor="ctr" anchorCtr="0">
             <a:normAutofit/>
           </a:bodyPr>
           <a:lstStyle>
-            <a:lvl1pPr indent="-342900" lvl="0" marL="457200">
+            <a:lvl1pPr marL="457200" lvl="0" indent="-342900">
               <a:spcBef>
                 <a:spcPts val="0"/>
               </a:spcBef>
@@ -5233,7 +5385,7 @@
               <a:buChar char="●"/>
               <a:defRPr/>
             </a:lvl1pPr>
-            <a:lvl2pPr indent="-317500" lvl="1" marL="914400">
+            <a:lvl2pPr marL="914400" lvl="1" indent="-317500">
               <a:spcBef>
                 <a:spcPts val="0"/>
               </a:spcBef>
@@ -5244,7 +5396,7 @@
               <a:buChar char="○"/>
               <a:defRPr/>
             </a:lvl2pPr>
-            <a:lvl3pPr indent="-317500" lvl="2" marL="1371600">
+            <a:lvl3pPr marL="1371600" lvl="2" indent="-317500">
               <a:spcBef>
                 <a:spcPts val="0"/>
               </a:spcBef>
@@ -5255,7 +5407,7 @@
               <a:buChar char="■"/>
               <a:defRPr/>
             </a:lvl3pPr>
-            <a:lvl4pPr indent="-317500" lvl="3" marL="1828800">
+            <a:lvl4pPr marL="1828800" lvl="3" indent="-317500">
               <a:spcBef>
                 <a:spcPts val="0"/>
               </a:spcBef>
@@ -5266,7 +5418,7 @@
               <a:buChar char="●"/>
               <a:defRPr/>
             </a:lvl4pPr>
-            <a:lvl5pPr indent="-317500" lvl="4" marL="2286000">
+            <a:lvl5pPr marL="2286000" lvl="4" indent="-317500">
               <a:spcBef>
                 <a:spcPts val="0"/>
               </a:spcBef>
@@ -5277,7 +5429,7 @@
               <a:buChar char="○"/>
               <a:defRPr/>
             </a:lvl5pPr>
-            <a:lvl6pPr indent="-317500" lvl="5" marL="2743200">
+            <a:lvl6pPr marL="2743200" lvl="5" indent="-317500">
               <a:spcBef>
                 <a:spcPts val="0"/>
               </a:spcBef>
@@ -5288,7 +5440,7 @@
               <a:buChar char="■"/>
               <a:defRPr/>
             </a:lvl6pPr>
-            <a:lvl7pPr indent="-317500" lvl="6" marL="3200400">
+            <a:lvl7pPr marL="3200400" lvl="6" indent="-317500">
               <a:spcBef>
                 <a:spcPts val="0"/>
               </a:spcBef>
@@ -5299,7 +5451,7 @@
               <a:buChar char="●"/>
               <a:defRPr/>
             </a:lvl7pPr>
-            <a:lvl8pPr indent="-317500" lvl="7" marL="3657600">
+            <a:lvl8pPr marL="3657600" lvl="7" indent="-317500">
               <a:spcBef>
                 <a:spcPts val="0"/>
               </a:spcBef>
@@ -5310,7 +5462,7 @@
               <a:buChar char="○"/>
               <a:defRPr/>
             </a:lvl8pPr>
-            <a:lvl9pPr indent="-317500" lvl="8" marL="4114800">
+            <a:lvl9pPr marL="4114800" lvl="8" indent="-317500">
               <a:spcBef>
                 <a:spcPts val="0"/>
               </a:spcBef>
@@ -5322,15 +5474,19 @@
               <a:defRPr/>
             </a:lvl9pPr>
           </a:lstStyle>
-          <a:p/>
+          <a:p>
+            <a:endParaRPr/>
+          </a:p>
         </p:txBody>
       </p:sp>
       <p:sp>
         <p:nvSpPr>
           <p:cNvPr id="42" name="Google Shape;42;p9"/>
-          <p:cNvSpPr txBox="1"/>
+          <p:cNvSpPr txBox="1">
+            <a:spLocks noGrp="1"/>
+          </p:cNvSpPr>
           <p:nvPr>
-            <p:ph idx="12" type="sldNum"/>
+            <p:ph type="sldNum" idx="12"/>
           </p:nvPr>
         </p:nvSpPr>
         <p:spPr>
@@ -5343,7 +5499,7 @@
           </a:prstGeom>
         </p:spPr>
         <p:txBody>
-          <a:bodyPr anchorCtr="0" anchor="ctr" bIns="91425" lIns="91425" spcFirstLastPara="1" rIns="91425" wrap="square" tIns="91425">
+          <a:bodyPr spcFirstLastPara="1" wrap="square" lIns="91425" tIns="91425" rIns="91425" bIns="91425" anchor="ctr" anchorCtr="0">
             <a:normAutofit/>
           </a:bodyPr>
           <a:lstStyle>
@@ -5385,7 +5541,7 @@
             </a:lvl9pPr>
           </a:lstStyle>
           <a:p>
-            <a:pPr indent="0" lvl="0" marL="0" rtl="0" algn="r">
+            <a:pPr marL="0" lvl="0" indent="0" algn="r" rtl="0">
               <a:spcBef>
                 <a:spcPts val="0"/>
               </a:spcBef>
@@ -5396,7 +5552,7 @@
             </a:pPr>
             <a:fld id="{00000000-1234-1234-1234-123412341234}" type="slidenum">
               <a:rPr lang="en"/>
-              <a:t>‹#›</a:t>
+              <a:t>‹Nr.›</a:t>
             </a:fld>
             <a:endParaRPr/>
           </a:p>
@@ -5424,12 +5580,12 @@
           </a:ln>
         </p:spPr>
         <p:txBody>
-          <a:bodyPr anchorCtr="0" anchor="ctr" bIns="91425" lIns="91425" spcFirstLastPara="1" rIns="91425" wrap="square" tIns="91425">
+          <a:bodyPr spcFirstLastPara="1" wrap="square" lIns="91425" tIns="91425" rIns="91425" bIns="91425" anchor="ctr" anchorCtr="0">
             <a:noAutofit/>
           </a:bodyPr>
           <a:lstStyle/>
           <a:p>
-            <a:pPr indent="0" lvl="0" marL="0" rtl="0" algn="l">
+            <a:pPr marL="0" lvl="0" indent="0" algn="l" rtl="0">
               <a:spcBef>
                 <a:spcPts val="0"/>
               </a:spcBef>
@@ -5438,9 +5594,6 @@
               </a:spcAft>
               <a:buNone/>
             </a:pPr>
-            <a:r>
-              <a:t/>
-            </a:r>
             <a:endParaRPr/>
           </a:p>
         </p:txBody>
@@ -5454,11 +5607,11 @@
 </file>
 
 <file path=ppt/slideLayouts/slideLayout9.xml><?xml version="1.0" encoding="utf-8"?>
-<p:sldLayout xmlns:a="http://schemas.openxmlformats.org/drawingml/2006/main" xmlns:r="http://schemas.openxmlformats.org/officeDocument/2006/relationships" xmlns:mc="http://schemas.openxmlformats.org/markup-compatibility/2006" xmlns:mv="urn:schemas-microsoft-com:mac:vml" xmlns:p="http://schemas.openxmlformats.org/presentationml/2006/main" xmlns:c="http://schemas.openxmlformats.org/drawingml/2006/chart" xmlns:dgm="http://schemas.openxmlformats.org/drawingml/2006/diagram" xmlns:o="urn:schemas-microsoft-com:office:office" xmlns:v="urn:schemas-microsoft-com:vml" xmlns:pvml="urn:schemas-microsoft-com:office:powerpoint" xmlns:com="http://schemas.openxmlformats.org/drawingml/2006/compatibility" xmlns:p14="http://schemas.microsoft.com/office/powerpoint/2010/main" xmlns:p15="http://schemas.microsoft.com/office/powerpoint/2012/main" xmlns:ahyp="http://schemas.microsoft.com/office/drawing/2018/hyperlinkcolor" matchingName="Caption">
+<p:sldLayout xmlns:a="http://schemas.openxmlformats.org/drawingml/2006/main" xmlns:r="http://schemas.openxmlformats.org/officeDocument/2006/relationships" xmlns:p="http://schemas.openxmlformats.org/presentationml/2006/main" matchingName="Caption">
   <p:cSld name="CAPTION_ONLY">
     <p:spTree>
       <p:nvGrpSpPr>
-        <p:cNvPr id="44" name="Shape 44"/>
+        <p:cNvPr id="1" name="Shape 44"/>
         <p:cNvGrpSpPr/>
         <p:nvPr/>
       </p:nvGrpSpPr>
@@ -5473,9 +5626,11 @@
       <p:sp>
         <p:nvSpPr>
           <p:cNvPr id="45" name="Google Shape;45;p10"/>
-          <p:cNvSpPr txBox="1"/>
+          <p:cNvSpPr txBox="1">
+            <a:spLocks noGrp="1"/>
+          </p:cNvSpPr>
           <p:nvPr>
-            <p:ph idx="1" type="body"/>
+            <p:ph type="body" idx="1"/>
           </p:nvPr>
         </p:nvSpPr>
         <p:spPr>
@@ -5488,11 +5643,11 @@
           </a:prstGeom>
         </p:spPr>
         <p:txBody>
-          <a:bodyPr anchorCtr="0" anchor="ctr" bIns="91425" lIns="91425" spcFirstLastPara="1" rIns="91425" wrap="square" tIns="91425">
+          <a:bodyPr spcFirstLastPara="1" wrap="square" lIns="91425" tIns="91425" rIns="91425" bIns="91425" anchor="ctr" anchorCtr="0">
             <a:normAutofit/>
           </a:bodyPr>
           <a:lstStyle>
-            <a:lvl1pPr indent="-228600" lvl="0" marL="457200">
+            <a:lvl1pPr marL="457200" lvl="0" indent="-228600">
               <a:lnSpc>
                 <a:spcPct val="100000"/>
               </a:lnSpc>
@@ -5507,15 +5662,19 @@
               <a:defRPr/>
             </a:lvl1pPr>
           </a:lstStyle>
-          <a:p/>
+          <a:p>
+            <a:endParaRPr/>
+          </a:p>
         </p:txBody>
       </p:sp>
       <p:sp>
         <p:nvSpPr>
           <p:cNvPr id="46" name="Google Shape;46;p10"/>
-          <p:cNvSpPr txBox="1"/>
+          <p:cNvSpPr txBox="1">
+            <a:spLocks noGrp="1"/>
+          </p:cNvSpPr>
           <p:nvPr>
-            <p:ph idx="12" type="sldNum"/>
+            <p:ph type="sldNum" idx="12"/>
           </p:nvPr>
         </p:nvSpPr>
         <p:spPr>
@@ -5528,7 +5687,7 @@
           </a:prstGeom>
         </p:spPr>
         <p:txBody>
-          <a:bodyPr anchorCtr="0" anchor="ctr" bIns="91425" lIns="91425" spcFirstLastPara="1" rIns="91425" wrap="square" tIns="91425">
+          <a:bodyPr spcFirstLastPara="1" wrap="square" lIns="91425" tIns="91425" rIns="91425" bIns="91425" anchor="ctr" anchorCtr="0">
             <a:normAutofit/>
           </a:bodyPr>
           <a:lstStyle>
@@ -5570,7 +5729,7 @@
             </a:lvl9pPr>
           </a:lstStyle>
           <a:p>
-            <a:pPr indent="0" lvl="0" marL="0" rtl="0" algn="r">
+            <a:pPr marL="0" lvl="0" indent="0" algn="r" rtl="0">
               <a:spcBef>
                 <a:spcPts val="0"/>
               </a:spcBef>
@@ -5581,7 +5740,7 @@
             </a:pPr>
             <a:fld id="{00000000-1234-1234-1234-123412341234}" type="slidenum">
               <a:rPr lang="en"/>
-              <a:t>‹#›</a:t>
+              <a:t>‹Nr.›</a:t>
             </a:fld>
             <a:endParaRPr/>
           </a:p>
@@ -5596,18 +5755,19 @@
 </file>
 
 <file path=ppt/slideMasters/slideMaster1.xml><?xml version="1.0" encoding="utf-8"?>
-<p:sldMaster xmlns:a="http://schemas.openxmlformats.org/drawingml/2006/main" xmlns:r="http://schemas.openxmlformats.org/officeDocument/2006/relationships" xmlns:mc="http://schemas.openxmlformats.org/markup-compatibility/2006" xmlns:mv="urn:schemas-microsoft-com:mac:vml" xmlns:p="http://schemas.openxmlformats.org/presentationml/2006/main" xmlns:c="http://schemas.openxmlformats.org/drawingml/2006/chart" xmlns:dgm="http://schemas.openxmlformats.org/drawingml/2006/diagram" xmlns:o="urn:schemas-microsoft-com:office:office" xmlns:v="urn:schemas-microsoft-com:vml" xmlns:pvml="urn:schemas-microsoft-com:office:powerpoint" xmlns:com="http://schemas.openxmlformats.org/drawingml/2006/compatibility" xmlns:p14="http://schemas.microsoft.com/office/powerpoint/2010/main" xmlns:p15="http://schemas.microsoft.com/office/powerpoint/2012/main" xmlns:ahyp="http://schemas.microsoft.com/office/drawing/2018/hyperlinkcolor">
+<p:sldMaster xmlns:a="http://schemas.openxmlformats.org/drawingml/2006/main" xmlns:r="http://schemas.openxmlformats.org/officeDocument/2006/relationships" xmlns:p="http://schemas.openxmlformats.org/presentationml/2006/main">
   <p:cSld name="simple-light-2">
     <p:bg>
       <p:bgPr>
         <a:solidFill>
           <a:srgbClr val="2C2F32"/>
         </a:solidFill>
+        <a:effectLst/>
       </p:bgPr>
     </p:bg>
     <p:spTree>
       <p:nvGrpSpPr>
-        <p:cNvPr id="5" name="Shape 5"/>
+        <p:cNvPr id="1" name="Shape 5"/>
         <p:cNvGrpSpPr/>
         <p:nvPr/>
       </p:nvGrpSpPr>
@@ -5622,7 +5782,9 @@
       <p:sp>
         <p:nvSpPr>
           <p:cNvPr id="6" name="Google Shape;6;p1"/>
-          <p:cNvSpPr txBox="1"/>
+          <p:cNvSpPr txBox="1">
+            <a:spLocks noGrp="1"/>
+          </p:cNvSpPr>
           <p:nvPr>
             <p:ph type="title"/>
           </p:nvPr>
@@ -5641,7 +5803,7 @@
           </a:ln>
         </p:spPr>
         <p:txBody>
-          <a:bodyPr anchorCtr="0" anchor="t" bIns="91425" lIns="91425" spcFirstLastPara="1" rIns="91425" wrap="square" tIns="91425">
+          <a:bodyPr spcFirstLastPara="1" wrap="square" lIns="91425" tIns="91425" rIns="91425" bIns="91425" anchor="t" anchorCtr="0">
             <a:normAutofit/>
           </a:bodyPr>
           <a:lstStyle>
@@ -5808,15 +5970,19 @@
               </a:defRPr>
             </a:lvl9pPr>
           </a:lstStyle>
-          <a:p/>
+          <a:p>
+            <a:endParaRPr/>
+          </a:p>
         </p:txBody>
       </p:sp>
       <p:sp>
         <p:nvSpPr>
           <p:cNvPr id="7" name="Google Shape;7;p1"/>
-          <p:cNvSpPr txBox="1"/>
+          <p:cNvSpPr txBox="1">
+            <a:spLocks noGrp="1"/>
+          </p:cNvSpPr>
           <p:nvPr>
-            <p:ph idx="1" type="body"/>
+            <p:ph type="body" idx="1"/>
           </p:nvPr>
         </p:nvSpPr>
         <p:spPr>
@@ -5833,11 +5999,11 @@
           </a:ln>
         </p:spPr>
         <p:txBody>
-          <a:bodyPr anchorCtr="0" anchor="t" bIns="91425" lIns="91425" spcFirstLastPara="1" rIns="91425" wrap="square" tIns="91425">
+          <a:bodyPr spcFirstLastPara="1" wrap="square" lIns="91425" tIns="91425" rIns="91425" bIns="91425" anchor="t" anchorCtr="0">
             <a:normAutofit/>
           </a:bodyPr>
           <a:lstStyle>
-            <a:lvl1pPr indent="-342900" lvl="0" marL="457200">
+            <a:lvl1pPr marL="457200" lvl="0" indent="-342900">
               <a:lnSpc>
                 <a:spcPct val="115000"/>
               </a:lnSpc>
@@ -5858,7 +6024,7 @@
                 </a:solidFill>
               </a:defRPr>
             </a:lvl1pPr>
-            <a:lvl2pPr indent="-317500" lvl="1" marL="914400">
+            <a:lvl2pPr marL="914400" lvl="1" indent="-317500">
               <a:lnSpc>
                 <a:spcPct val="115000"/>
               </a:lnSpc>
@@ -5879,7 +6045,7 @@
                 </a:solidFill>
               </a:defRPr>
             </a:lvl2pPr>
-            <a:lvl3pPr indent="-317500" lvl="2" marL="1371600">
+            <a:lvl3pPr marL="1371600" lvl="2" indent="-317500">
               <a:lnSpc>
                 <a:spcPct val="115000"/>
               </a:lnSpc>
@@ -5900,7 +6066,7 @@
                 </a:solidFill>
               </a:defRPr>
             </a:lvl3pPr>
-            <a:lvl4pPr indent="-317500" lvl="3" marL="1828800">
+            <a:lvl4pPr marL="1828800" lvl="3" indent="-317500">
               <a:lnSpc>
                 <a:spcPct val="115000"/>
               </a:lnSpc>
@@ -5921,7 +6087,7 @@
                 </a:solidFill>
               </a:defRPr>
             </a:lvl4pPr>
-            <a:lvl5pPr indent="-317500" lvl="4" marL="2286000">
+            <a:lvl5pPr marL="2286000" lvl="4" indent="-317500">
               <a:lnSpc>
                 <a:spcPct val="115000"/>
               </a:lnSpc>
@@ -5942,7 +6108,7 @@
                 </a:solidFill>
               </a:defRPr>
             </a:lvl5pPr>
-            <a:lvl6pPr indent="-317500" lvl="5" marL="2743200">
+            <a:lvl6pPr marL="2743200" lvl="5" indent="-317500">
               <a:lnSpc>
                 <a:spcPct val="115000"/>
               </a:lnSpc>
@@ -5963,7 +6129,7 @@
                 </a:solidFill>
               </a:defRPr>
             </a:lvl6pPr>
-            <a:lvl7pPr indent="-317500" lvl="6" marL="3200400">
+            <a:lvl7pPr marL="3200400" lvl="6" indent="-317500">
               <a:lnSpc>
                 <a:spcPct val="115000"/>
               </a:lnSpc>
@@ -5984,7 +6150,7 @@
                 </a:solidFill>
               </a:defRPr>
             </a:lvl7pPr>
-            <a:lvl8pPr indent="-317500" lvl="7" marL="3657600">
+            <a:lvl8pPr marL="3657600" lvl="7" indent="-317500">
               <a:lnSpc>
                 <a:spcPct val="115000"/>
               </a:lnSpc>
@@ -6005,7 +6171,7 @@
                 </a:solidFill>
               </a:defRPr>
             </a:lvl8pPr>
-            <a:lvl9pPr indent="-317500" lvl="8" marL="4114800">
+            <a:lvl9pPr marL="4114800" lvl="8" indent="-317500">
               <a:lnSpc>
                 <a:spcPct val="115000"/>
               </a:lnSpc>
@@ -6027,15 +6193,19 @@
               </a:defRPr>
             </a:lvl9pPr>
           </a:lstStyle>
-          <a:p/>
+          <a:p>
+            <a:endParaRPr/>
+          </a:p>
         </p:txBody>
       </p:sp>
       <p:sp>
         <p:nvSpPr>
           <p:cNvPr id="8" name="Google Shape;8;p1"/>
-          <p:cNvSpPr txBox="1"/>
+          <p:cNvSpPr txBox="1">
+            <a:spLocks noGrp="1"/>
+          </p:cNvSpPr>
           <p:nvPr>
-            <p:ph idx="12" type="sldNum"/>
+            <p:ph type="sldNum" idx="12"/>
           </p:nvPr>
         </p:nvSpPr>
         <p:spPr>
@@ -6052,7 +6222,7 @@
           </a:ln>
         </p:spPr>
         <p:txBody>
-          <a:bodyPr anchorCtr="0" anchor="ctr" bIns="91425" lIns="91425" spcFirstLastPara="1" rIns="91425" wrap="square" tIns="91425">
+          <a:bodyPr spcFirstLastPara="1" wrap="square" lIns="91425" tIns="91425" rIns="91425" bIns="91425" anchor="ctr" anchorCtr="0">
             <a:normAutofit/>
           </a:bodyPr>
           <a:lstStyle>
@@ -6130,7 +6300,7 @@
             </a:lvl9pPr>
           </a:lstStyle>
           <a:p>
-            <a:pPr indent="0" lvl="0" marL="0" rtl="0" algn="r">
+            <a:pPr marL="0" lvl="0" indent="0" algn="r" rtl="0">
               <a:spcBef>
                 <a:spcPts val="0"/>
               </a:spcBef>
@@ -6141,7 +6311,7 @@
             </a:pPr>
             <a:fld id="{00000000-1234-1234-1234-123412341234}" type="slidenum">
               <a:rPr lang="en"/>
-              <a:t>‹#›</a:t>
+              <a:t>‹Nr.›</a:t>
             </a:fld>
             <a:endParaRPr/>
           </a:p>
@@ -6149,7 +6319,7 @@
       </p:sp>
     </p:spTree>
   </p:cSld>
-  <p:clrMap accent1="accent1" accent2="accent2" accent3="accent3" accent4="accent4" accent5="accent5" accent6="accent6" bg1="lt1" bg2="dk2" tx1="dk1" tx2="lt2" folHlink="folHlink" hlink="hlink"/>
+  <p:clrMap bg1="lt1" tx1="dk1" bg2="dk2" tx2="lt2" accent1="accent1" accent2="accent2" accent3="accent3" accent4="accent4" accent5="accent5" accent6="accent6" hlink="hlink" folHlink="folHlink"/>
   <p:sldLayoutIdLst>
     <p:sldLayoutId id="2147483648" r:id="rId1"/>
     <p:sldLayoutId id="2147483649" r:id="rId2"/>
@@ -6163,10 +6333,10 @@
     <p:sldLayoutId id="2147483657" r:id="rId10"/>
     <p:sldLayoutId id="2147483658" r:id="rId11"/>
   </p:sldLayoutIdLst>
-  <p:hf dt="0" ftr="0" hdr="0" sldNum="0"/>
+  <p:hf sldNum="0" hdr="0" ftr="0" dt="0"/>
   <p:txStyles>
     <p:titleStyle>
-      <a:defPPr lvl="0" marR="0" rtl="0" algn="l">
+      <a:defPPr marR="0" lvl="0" algn="l" rtl="0">
         <a:lnSpc>
           <a:spcPct val="100000"/>
         </a:lnSpc>
@@ -6177,7 +6347,7 @@
           <a:spcPts val="0"/>
         </a:spcAft>
       </a:defPPr>
-      <a:lvl1pPr lvl="0" marR="0" rtl="0" algn="l">
+      <a:lvl1pPr marR="0" lvl="0" algn="l" rtl="0">
         <a:lnSpc>
           <a:spcPct val="100000"/>
         </a:lnSpc>
@@ -6191,7 +6361,7 @@
           <a:srgbClr val="000000"/>
         </a:buClr>
         <a:buFont typeface="Arial"/>
-        <a:defRPr b="0" i="0" sz="1400" u="none" cap="none" strike="noStrike">
+        <a:defRPr sz="1400" b="0" i="0" u="none" strike="noStrike" cap="none">
           <a:solidFill>
             <a:srgbClr val="000000"/>
           </a:solidFill>
@@ -6201,7 +6371,7 @@
           <a:sym typeface="Arial"/>
         </a:defRPr>
       </a:lvl1pPr>
-      <a:lvl2pPr lvl="1" marR="0" rtl="0" algn="l">
+      <a:lvl2pPr marR="0" lvl="1" algn="l" rtl="0">
         <a:lnSpc>
           <a:spcPct val="100000"/>
         </a:lnSpc>
@@ -6215,7 +6385,7 @@
           <a:srgbClr val="000000"/>
         </a:buClr>
         <a:buFont typeface="Arial"/>
-        <a:defRPr b="0" i="0" sz="1400" u="none" cap="none" strike="noStrike">
+        <a:defRPr sz="1400" b="0" i="0" u="none" strike="noStrike" cap="none">
           <a:solidFill>
             <a:srgbClr val="000000"/>
           </a:solidFill>
@@ -6225,7 +6395,7 @@
           <a:sym typeface="Arial"/>
         </a:defRPr>
       </a:lvl2pPr>
-      <a:lvl3pPr lvl="2" marR="0" rtl="0" algn="l">
+      <a:lvl3pPr marR="0" lvl="2" algn="l" rtl="0">
         <a:lnSpc>
           <a:spcPct val="100000"/>
         </a:lnSpc>
@@ -6239,7 +6409,7 @@
           <a:srgbClr val="000000"/>
         </a:buClr>
         <a:buFont typeface="Arial"/>
-        <a:defRPr b="0" i="0" sz="1400" u="none" cap="none" strike="noStrike">
+        <a:defRPr sz="1400" b="0" i="0" u="none" strike="noStrike" cap="none">
           <a:solidFill>
             <a:srgbClr val="000000"/>
           </a:solidFill>
@@ -6249,7 +6419,7 @@
           <a:sym typeface="Arial"/>
         </a:defRPr>
       </a:lvl3pPr>
-      <a:lvl4pPr lvl="3" marR="0" rtl="0" algn="l">
+      <a:lvl4pPr marR="0" lvl="3" algn="l" rtl="0">
         <a:lnSpc>
           <a:spcPct val="100000"/>
         </a:lnSpc>
@@ -6263,7 +6433,7 @@
           <a:srgbClr val="000000"/>
         </a:buClr>
         <a:buFont typeface="Arial"/>
-        <a:defRPr b="0" i="0" sz="1400" u="none" cap="none" strike="noStrike">
+        <a:defRPr sz="1400" b="0" i="0" u="none" strike="noStrike" cap="none">
           <a:solidFill>
             <a:srgbClr val="000000"/>
           </a:solidFill>
@@ -6273,7 +6443,7 @@
           <a:sym typeface="Arial"/>
         </a:defRPr>
       </a:lvl4pPr>
-      <a:lvl5pPr lvl="4" marR="0" rtl="0" algn="l">
+      <a:lvl5pPr marR="0" lvl="4" algn="l" rtl="0">
         <a:lnSpc>
           <a:spcPct val="100000"/>
         </a:lnSpc>
@@ -6287,7 +6457,7 @@
           <a:srgbClr val="000000"/>
         </a:buClr>
         <a:buFont typeface="Arial"/>
-        <a:defRPr b="0" i="0" sz="1400" u="none" cap="none" strike="noStrike">
+        <a:defRPr sz="1400" b="0" i="0" u="none" strike="noStrike" cap="none">
           <a:solidFill>
             <a:srgbClr val="000000"/>
           </a:solidFill>
@@ -6297,7 +6467,7 @@
           <a:sym typeface="Arial"/>
         </a:defRPr>
       </a:lvl5pPr>
-      <a:lvl6pPr lvl="5" marR="0" rtl="0" algn="l">
+      <a:lvl6pPr marR="0" lvl="5" algn="l" rtl="0">
         <a:lnSpc>
           <a:spcPct val="100000"/>
         </a:lnSpc>
@@ -6311,7 +6481,7 @@
           <a:srgbClr val="000000"/>
         </a:buClr>
         <a:buFont typeface="Arial"/>
-        <a:defRPr b="0" i="0" sz="1400" u="none" cap="none" strike="noStrike">
+        <a:defRPr sz="1400" b="0" i="0" u="none" strike="noStrike" cap="none">
           <a:solidFill>
             <a:srgbClr val="000000"/>
           </a:solidFill>
@@ -6321,7 +6491,7 @@
           <a:sym typeface="Arial"/>
         </a:defRPr>
       </a:lvl6pPr>
-      <a:lvl7pPr lvl="6" marR="0" rtl="0" algn="l">
+      <a:lvl7pPr marR="0" lvl="6" algn="l" rtl="0">
         <a:lnSpc>
           <a:spcPct val="100000"/>
         </a:lnSpc>
@@ -6335,7 +6505,7 @@
           <a:srgbClr val="000000"/>
         </a:buClr>
         <a:buFont typeface="Arial"/>
-        <a:defRPr b="0" i="0" sz="1400" u="none" cap="none" strike="noStrike">
+        <a:defRPr sz="1400" b="0" i="0" u="none" strike="noStrike" cap="none">
           <a:solidFill>
             <a:srgbClr val="000000"/>
           </a:solidFill>
@@ -6345,7 +6515,7 @@
           <a:sym typeface="Arial"/>
         </a:defRPr>
       </a:lvl7pPr>
-      <a:lvl8pPr lvl="7" marR="0" rtl="0" algn="l">
+      <a:lvl8pPr marR="0" lvl="7" algn="l" rtl="0">
         <a:lnSpc>
           <a:spcPct val="100000"/>
         </a:lnSpc>
@@ -6359,7 +6529,7 @@
           <a:srgbClr val="000000"/>
         </a:buClr>
         <a:buFont typeface="Arial"/>
-        <a:defRPr b="0" i="0" sz="1400" u="none" cap="none" strike="noStrike">
+        <a:defRPr sz="1400" b="0" i="0" u="none" strike="noStrike" cap="none">
           <a:solidFill>
             <a:srgbClr val="000000"/>
           </a:solidFill>
@@ -6369,7 +6539,7 @@
           <a:sym typeface="Arial"/>
         </a:defRPr>
       </a:lvl8pPr>
-      <a:lvl9pPr lvl="8" marR="0" rtl="0" algn="l">
+      <a:lvl9pPr marR="0" lvl="8" algn="l" rtl="0">
         <a:lnSpc>
           <a:spcPct val="100000"/>
         </a:lnSpc>
@@ -6383,7 +6553,7 @@
           <a:srgbClr val="000000"/>
         </a:buClr>
         <a:buFont typeface="Arial"/>
-        <a:defRPr b="0" i="0" sz="1400" u="none" cap="none" strike="noStrike">
+        <a:defRPr sz="1400" b="0" i="0" u="none" strike="noStrike" cap="none">
           <a:solidFill>
             <a:srgbClr val="000000"/>
           </a:solidFill>
@@ -6395,7 +6565,7 @@
       </a:lvl9pPr>
     </p:titleStyle>
     <p:bodyStyle>
-      <a:defPPr lvl="0" marR="0" rtl="0" algn="l">
+      <a:defPPr marR="0" lvl="0" algn="l" rtl="0">
         <a:lnSpc>
           <a:spcPct val="100000"/>
         </a:lnSpc>
@@ -6406,7 +6576,7 @@
           <a:spcPts val="0"/>
         </a:spcAft>
       </a:defPPr>
-      <a:lvl1pPr lvl="0" marR="0" rtl="0" algn="l">
+      <a:lvl1pPr marR="0" lvl="0" algn="l" rtl="0">
         <a:lnSpc>
           <a:spcPct val="100000"/>
         </a:lnSpc>
@@ -6420,7 +6590,7 @@
           <a:srgbClr val="000000"/>
         </a:buClr>
         <a:buFont typeface="Arial"/>
-        <a:defRPr b="0" i="0" sz="1400" u="none" cap="none" strike="noStrike">
+        <a:defRPr sz="1400" b="0" i="0" u="none" strike="noStrike" cap="none">
           <a:solidFill>
             <a:srgbClr val="000000"/>
           </a:solidFill>
@@ -6430,7 +6600,7 @@
           <a:sym typeface="Arial"/>
         </a:defRPr>
       </a:lvl1pPr>
-      <a:lvl2pPr lvl="1" marR="0" rtl="0" algn="l">
+      <a:lvl2pPr marR="0" lvl="1" algn="l" rtl="0">
         <a:lnSpc>
           <a:spcPct val="100000"/>
         </a:lnSpc>
@@ -6444,7 +6614,7 @@
           <a:srgbClr val="000000"/>
         </a:buClr>
         <a:buFont typeface="Arial"/>
-        <a:defRPr b="0" i="0" sz="1400" u="none" cap="none" strike="noStrike">
+        <a:defRPr sz="1400" b="0" i="0" u="none" strike="noStrike" cap="none">
           <a:solidFill>
             <a:srgbClr val="000000"/>
           </a:solidFill>
@@ -6454,7 +6624,7 @@
           <a:sym typeface="Arial"/>
         </a:defRPr>
       </a:lvl2pPr>
-      <a:lvl3pPr lvl="2" marR="0" rtl="0" algn="l">
+      <a:lvl3pPr marR="0" lvl="2" algn="l" rtl="0">
         <a:lnSpc>
           <a:spcPct val="100000"/>
         </a:lnSpc>
@@ -6468,7 +6638,7 @@
           <a:srgbClr val="000000"/>
         </a:buClr>
         <a:buFont typeface="Arial"/>
-        <a:defRPr b="0" i="0" sz="1400" u="none" cap="none" strike="noStrike">
+        <a:defRPr sz="1400" b="0" i="0" u="none" strike="noStrike" cap="none">
           <a:solidFill>
             <a:srgbClr val="000000"/>
           </a:solidFill>
@@ -6478,7 +6648,7 @@
           <a:sym typeface="Arial"/>
         </a:defRPr>
       </a:lvl3pPr>
-      <a:lvl4pPr lvl="3" marR="0" rtl="0" algn="l">
+      <a:lvl4pPr marR="0" lvl="3" algn="l" rtl="0">
         <a:lnSpc>
           <a:spcPct val="100000"/>
         </a:lnSpc>
@@ -6492,7 +6662,7 @@
           <a:srgbClr val="000000"/>
         </a:buClr>
         <a:buFont typeface="Arial"/>
-        <a:defRPr b="0" i="0" sz="1400" u="none" cap="none" strike="noStrike">
+        <a:defRPr sz="1400" b="0" i="0" u="none" strike="noStrike" cap="none">
           <a:solidFill>
             <a:srgbClr val="000000"/>
           </a:solidFill>
@@ -6502,7 +6672,7 @@
           <a:sym typeface="Arial"/>
         </a:defRPr>
       </a:lvl4pPr>
-      <a:lvl5pPr lvl="4" marR="0" rtl="0" algn="l">
+      <a:lvl5pPr marR="0" lvl="4" algn="l" rtl="0">
         <a:lnSpc>
           <a:spcPct val="100000"/>
         </a:lnSpc>
@@ -6516,7 +6686,7 @@
           <a:srgbClr val="000000"/>
         </a:buClr>
         <a:buFont typeface="Arial"/>
-        <a:defRPr b="0" i="0" sz="1400" u="none" cap="none" strike="noStrike">
+        <a:defRPr sz="1400" b="0" i="0" u="none" strike="noStrike" cap="none">
           <a:solidFill>
             <a:srgbClr val="000000"/>
           </a:solidFill>
@@ -6526,7 +6696,7 @@
           <a:sym typeface="Arial"/>
         </a:defRPr>
       </a:lvl5pPr>
-      <a:lvl6pPr lvl="5" marR="0" rtl="0" algn="l">
+      <a:lvl6pPr marR="0" lvl="5" algn="l" rtl="0">
         <a:lnSpc>
           <a:spcPct val="100000"/>
         </a:lnSpc>
@@ -6540,7 +6710,7 @@
           <a:srgbClr val="000000"/>
         </a:buClr>
         <a:buFont typeface="Arial"/>
-        <a:defRPr b="0" i="0" sz="1400" u="none" cap="none" strike="noStrike">
+        <a:defRPr sz="1400" b="0" i="0" u="none" strike="noStrike" cap="none">
           <a:solidFill>
             <a:srgbClr val="000000"/>
           </a:solidFill>
@@ -6550,7 +6720,7 @@
           <a:sym typeface="Arial"/>
         </a:defRPr>
       </a:lvl6pPr>
-      <a:lvl7pPr lvl="6" marR="0" rtl="0" algn="l">
+      <a:lvl7pPr marR="0" lvl="6" algn="l" rtl="0">
         <a:lnSpc>
           <a:spcPct val="100000"/>
         </a:lnSpc>
@@ -6564,7 +6734,7 @@
           <a:srgbClr val="000000"/>
         </a:buClr>
         <a:buFont typeface="Arial"/>
-        <a:defRPr b="0" i="0" sz="1400" u="none" cap="none" strike="noStrike">
+        <a:defRPr sz="1400" b="0" i="0" u="none" strike="noStrike" cap="none">
           <a:solidFill>
             <a:srgbClr val="000000"/>
           </a:solidFill>
@@ -6574,7 +6744,7 @@
           <a:sym typeface="Arial"/>
         </a:defRPr>
       </a:lvl7pPr>
-      <a:lvl8pPr lvl="7" marR="0" rtl="0" algn="l">
+      <a:lvl8pPr marR="0" lvl="7" algn="l" rtl="0">
         <a:lnSpc>
           <a:spcPct val="100000"/>
         </a:lnSpc>
@@ -6588,7 +6758,7 @@
           <a:srgbClr val="000000"/>
         </a:buClr>
         <a:buFont typeface="Arial"/>
-        <a:defRPr b="0" i="0" sz="1400" u="none" cap="none" strike="noStrike">
+        <a:defRPr sz="1400" b="0" i="0" u="none" strike="noStrike" cap="none">
           <a:solidFill>
             <a:srgbClr val="000000"/>
           </a:solidFill>
@@ -6598,7 +6768,7 @@
           <a:sym typeface="Arial"/>
         </a:defRPr>
       </a:lvl8pPr>
-      <a:lvl9pPr lvl="8" marR="0" rtl="0" algn="l">
+      <a:lvl9pPr marR="0" lvl="8" algn="l" rtl="0">
         <a:lnSpc>
           <a:spcPct val="100000"/>
         </a:lnSpc>
@@ -6612,7 +6782,7 @@
           <a:srgbClr val="000000"/>
         </a:buClr>
         <a:buFont typeface="Arial"/>
-        <a:defRPr b="0" i="0" sz="1400" u="none" cap="none" strike="noStrike">
+        <a:defRPr sz="1400" b="0" i="0" u="none" strike="noStrike" cap="none">
           <a:solidFill>
             <a:srgbClr val="000000"/>
           </a:solidFill>
@@ -6624,7 +6794,7 @@
       </a:lvl9pPr>
     </p:bodyStyle>
     <p:otherStyle>
-      <a:defPPr lvl="0" marR="0" rtl="0" algn="l">
+      <a:defPPr marR="0" lvl="0" algn="l" rtl="0">
         <a:lnSpc>
           <a:spcPct val="100000"/>
         </a:lnSpc>
@@ -6635,7 +6805,7 @@
           <a:spcPts val="0"/>
         </a:spcAft>
       </a:defPPr>
-      <a:lvl1pPr lvl="0" marR="0" rtl="0" algn="l">
+      <a:lvl1pPr marR="0" lvl="0" algn="l" rtl="0">
         <a:lnSpc>
           <a:spcPct val="100000"/>
         </a:lnSpc>
@@ -6649,7 +6819,7 @@
           <a:srgbClr val="000000"/>
         </a:buClr>
         <a:buFont typeface="Arial"/>
-        <a:defRPr b="0" i="0" sz="1400" u="none" cap="none" strike="noStrike">
+        <a:defRPr sz="1400" b="0" i="0" u="none" strike="noStrike" cap="none">
           <a:solidFill>
             <a:srgbClr val="000000"/>
           </a:solidFill>
@@ -6659,7 +6829,7 @@
           <a:sym typeface="Arial"/>
         </a:defRPr>
       </a:lvl1pPr>
-      <a:lvl2pPr lvl="1" marR="0" rtl="0" algn="l">
+      <a:lvl2pPr marR="0" lvl="1" algn="l" rtl="0">
         <a:lnSpc>
           <a:spcPct val="100000"/>
         </a:lnSpc>
@@ -6673,7 +6843,7 @@
           <a:srgbClr val="000000"/>
         </a:buClr>
         <a:buFont typeface="Arial"/>
-        <a:defRPr b="0" i="0" sz="1400" u="none" cap="none" strike="noStrike">
+        <a:defRPr sz="1400" b="0" i="0" u="none" strike="noStrike" cap="none">
           <a:solidFill>
             <a:srgbClr val="000000"/>
           </a:solidFill>
@@ -6683,7 +6853,7 @@
           <a:sym typeface="Arial"/>
         </a:defRPr>
       </a:lvl2pPr>
-      <a:lvl3pPr lvl="2" marR="0" rtl="0" algn="l">
+      <a:lvl3pPr marR="0" lvl="2" algn="l" rtl="0">
         <a:lnSpc>
           <a:spcPct val="100000"/>
         </a:lnSpc>
@@ -6697,7 +6867,7 @@
           <a:srgbClr val="000000"/>
         </a:buClr>
         <a:buFont typeface="Arial"/>
-        <a:defRPr b="0" i="0" sz="1400" u="none" cap="none" strike="noStrike">
+        <a:defRPr sz="1400" b="0" i="0" u="none" strike="noStrike" cap="none">
           <a:solidFill>
             <a:srgbClr val="000000"/>
           </a:solidFill>
@@ -6707,7 +6877,7 @@
           <a:sym typeface="Arial"/>
         </a:defRPr>
       </a:lvl3pPr>
-      <a:lvl4pPr lvl="3" marR="0" rtl="0" algn="l">
+      <a:lvl4pPr marR="0" lvl="3" algn="l" rtl="0">
         <a:lnSpc>
           <a:spcPct val="100000"/>
         </a:lnSpc>
@@ -6721,7 +6891,7 @@
           <a:srgbClr val="000000"/>
         </a:buClr>
         <a:buFont typeface="Arial"/>
-        <a:defRPr b="0" i="0" sz="1400" u="none" cap="none" strike="noStrike">
+        <a:defRPr sz="1400" b="0" i="0" u="none" strike="noStrike" cap="none">
           <a:solidFill>
             <a:srgbClr val="000000"/>
           </a:solidFill>
@@ -6731,7 +6901,7 @@
           <a:sym typeface="Arial"/>
         </a:defRPr>
       </a:lvl4pPr>
-      <a:lvl5pPr lvl="4" marR="0" rtl="0" algn="l">
+      <a:lvl5pPr marR="0" lvl="4" algn="l" rtl="0">
         <a:lnSpc>
           <a:spcPct val="100000"/>
         </a:lnSpc>
@@ -6745,7 +6915,7 @@
           <a:srgbClr val="000000"/>
         </a:buClr>
         <a:buFont typeface="Arial"/>
-        <a:defRPr b="0" i="0" sz="1400" u="none" cap="none" strike="noStrike">
+        <a:defRPr sz="1400" b="0" i="0" u="none" strike="noStrike" cap="none">
           <a:solidFill>
             <a:srgbClr val="000000"/>
           </a:solidFill>
@@ -6755,7 +6925,7 @@
           <a:sym typeface="Arial"/>
         </a:defRPr>
       </a:lvl5pPr>
-      <a:lvl6pPr lvl="5" marR="0" rtl="0" algn="l">
+      <a:lvl6pPr marR="0" lvl="5" algn="l" rtl="0">
         <a:lnSpc>
           <a:spcPct val="100000"/>
         </a:lnSpc>
@@ -6769,7 +6939,7 @@
           <a:srgbClr val="000000"/>
         </a:buClr>
         <a:buFont typeface="Arial"/>
-        <a:defRPr b="0" i="0" sz="1400" u="none" cap="none" strike="noStrike">
+        <a:defRPr sz="1400" b="0" i="0" u="none" strike="noStrike" cap="none">
           <a:solidFill>
             <a:srgbClr val="000000"/>
           </a:solidFill>
@@ -6779,7 +6949,7 @@
           <a:sym typeface="Arial"/>
         </a:defRPr>
       </a:lvl6pPr>
-      <a:lvl7pPr lvl="6" marR="0" rtl="0" algn="l">
+      <a:lvl7pPr marR="0" lvl="6" algn="l" rtl="0">
         <a:lnSpc>
           <a:spcPct val="100000"/>
         </a:lnSpc>
@@ -6793,7 +6963,7 @@
           <a:srgbClr val="000000"/>
         </a:buClr>
         <a:buFont typeface="Arial"/>
-        <a:defRPr b="0" i="0" sz="1400" u="none" cap="none" strike="noStrike">
+        <a:defRPr sz="1400" b="0" i="0" u="none" strike="noStrike" cap="none">
           <a:solidFill>
             <a:srgbClr val="000000"/>
           </a:solidFill>
@@ -6803,7 +6973,7 @@
           <a:sym typeface="Arial"/>
         </a:defRPr>
       </a:lvl7pPr>
-      <a:lvl8pPr lvl="7" marR="0" rtl="0" algn="l">
+      <a:lvl8pPr marR="0" lvl="7" algn="l" rtl="0">
         <a:lnSpc>
           <a:spcPct val="100000"/>
         </a:lnSpc>
@@ -6817,7 +6987,7 @@
           <a:srgbClr val="000000"/>
         </a:buClr>
         <a:buFont typeface="Arial"/>
-        <a:defRPr b="0" i="0" sz="1400" u="none" cap="none" strike="noStrike">
+        <a:defRPr sz="1400" b="0" i="0" u="none" strike="noStrike" cap="none">
           <a:solidFill>
             <a:srgbClr val="000000"/>
           </a:solidFill>
@@ -6827,7 +6997,7 @@
           <a:sym typeface="Arial"/>
         </a:defRPr>
       </a:lvl8pPr>
-      <a:lvl9pPr lvl="8" marR="0" rtl="0" algn="l">
+      <a:lvl9pPr marR="0" lvl="8" algn="l" rtl="0">
         <a:lnSpc>
           <a:spcPct val="100000"/>
         </a:lnSpc>
@@ -6841,7 +7011,7 @@
           <a:srgbClr val="000000"/>
         </a:buClr>
         <a:buFont typeface="Arial"/>
-        <a:defRPr b="0" i="0" sz="1400" u="none" cap="none" strike="noStrike">
+        <a:defRPr sz="1400" b="0" i="0" u="none" strike="noStrike" cap="none">
           <a:solidFill>
             <a:srgbClr val="000000"/>
           </a:solidFill>
@@ -6857,11 +7027,11 @@
 </file>
 
 <file path=ppt/slides/slide1.xml><?xml version="1.0" encoding="utf-8"?>
-<p:sld xmlns:a="http://schemas.openxmlformats.org/drawingml/2006/main" xmlns:r="http://schemas.openxmlformats.org/officeDocument/2006/relationships" xmlns:mc="http://schemas.openxmlformats.org/markup-compatibility/2006" xmlns:mv="urn:schemas-microsoft-com:mac:vml" xmlns:p="http://schemas.openxmlformats.org/presentationml/2006/main" xmlns:c="http://schemas.openxmlformats.org/drawingml/2006/chart" xmlns:dgm="http://schemas.openxmlformats.org/drawingml/2006/diagram" xmlns:o="urn:schemas-microsoft-com:office:office" xmlns:v="urn:schemas-microsoft-com:vml" xmlns:pvml="urn:schemas-microsoft-com:office:powerpoint" xmlns:com="http://schemas.openxmlformats.org/drawingml/2006/compatibility" xmlns:p14="http://schemas.microsoft.com/office/powerpoint/2010/main" xmlns:p15="http://schemas.microsoft.com/office/powerpoint/2012/main" xmlns:ahyp="http://schemas.microsoft.com/office/drawing/2018/hyperlinkcolor">
+<p:sld xmlns:a="http://schemas.openxmlformats.org/drawingml/2006/main" xmlns:r="http://schemas.openxmlformats.org/officeDocument/2006/relationships" xmlns:p="http://schemas.openxmlformats.org/presentationml/2006/main">
   <p:cSld>
     <p:spTree>
       <p:nvGrpSpPr>
-        <p:cNvPr id="56" name="Shape 56"/>
+        <p:cNvPr id="1" name="Shape 56"/>
         <p:cNvGrpSpPr/>
         <p:nvPr/>
       </p:nvGrpSpPr>
@@ -6876,7 +7046,9 @@
       <p:sp>
         <p:nvSpPr>
           <p:cNvPr id="57" name="Google Shape;57;p13"/>
-          <p:cNvSpPr txBox="1"/>
+          <p:cNvSpPr txBox="1">
+            <a:spLocks noGrp="1"/>
+          </p:cNvSpPr>
           <p:nvPr>
             <p:ph type="ctrTitle"/>
           </p:nvPr>
@@ -6891,12 +7063,12 @@
           </a:prstGeom>
         </p:spPr>
         <p:txBody>
-          <a:bodyPr anchorCtr="0" anchor="b" bIns="91425" lIns="91425" spcFirstLastPara="1" rIns="91425" wrap="square" tIns="91425">
+          <a:bodyPr spcFirstLastPara="1" wrap="square" lIns="91425" tIns="91425" rIns="91425" bIns="91425" anchor="b" anchorCtr="0">
             <a:normAutofit/>
           </a:bodyPr>
           <a:lstStyle/>
           <a:p>
-            <a:pPr indent="0" lvl="0" marL="0" rtl="0" algn="l">
+            <a:pPr marL="0" lvl="0" indent="0" algn="l" rtl="0">
               <a:spcBef>
                 <a:spcPts val="0"/>
               </a:spcBef>
@@ -6906,7 +7078,7 @@
               <a:buNone/>
             </a:pPr>
             <a:r>
-              <a:rPr lang="en" sz="4000">
+              <a:rPr lang="en" sz="4000" dirty="0">
                 <a:solidFill>
                   <a:srgbClr val="FFFFFF"/>
                 </a:solidFill>
@@ -6915,9 +7087,9 @@
                 <a:cs typeface="Roboto"/>
                 <a:sym typeface="Roboto"/>
               </a:rPr>
-              <a:t>Orange Management</a:t>
+              <a:t>Jingga</a:t>
             </a:r>
-            <a:endParaRPr sz="4000">
+            <a:endParaRPr sz="4000" dirty="0">
               <a:solidFill>
                 <a:srgbClr val="FFFFFF"/>
               </a:solidFill>
@@ -6932,9 +7104,11 @@
       <p:sp>
         <p:nvSpPr>
           <p:cNvPr id="58" name="Google Shape;58;p13"/>
-          <p:cNvSpPr txBox="1"/>
+          <p:cNvSpPr txBox="1">
+            <a:spLocks noGrp="1"/>
+          </p:cNvSpPr>
           <p:nvPr>
-            <p:ph idx="1" type="subTitle"/>
+            <p:ph type="subTitle" idx="1"/>
           </p:nvPr>
         </p:nvSpPr>
         <p:spPr>
@@ -6947,12 +7121,12 @@
           </a:prstGeom>
         </p:spPr>
         <p:txBody>
-          <a:bodyPr anchorCtr="0" anchor="t" bIns="91425" lIns="91425" spcFirstLastPara="1" rIns="91425" wrap="square" tIns="91425">
+          <a:bodyPr spcFirstLastPara="1" wrap="square" lIns="91425" tIns="91425" rIns="91425" bIns="91425" anchor="t" anchorCtr="0">
             <a:normAutofit lnSpcReduction="10000"/>
           </a:bodyPr>
           <a:lstStyle/>
           <a:p>
-            <a:pPr indent="0" lvl="0" marL="0" rtl="0" algn="l">
+            <a:pPr marL="0" lvl="0" indent="0" algn="l" rtl="0">
               <a:spcBef>
                 <a:spcPts val="0"/>
               </a:spcBef>
@@ -6961,9 +7135,6 @@
               </a:spcAft>
               <a:buNone/>
             </a:pPr>
-            <a:r>
-              <a:t/>
-            </a:r>
             <a:endParaRPr>
               <a:solidFill>
                 <a:srgbClr val="FFFFFF"/>
@@ -7019,23 +7190,25 @@
             <a:avLst/>
           </a:prstGeom>
           <a:noFill/>
-          <a:ln cap="flat" cmpd="sng" w="9525">
+          <a:ln w="9525" cap="flat" cmpd="sng">
             <a:solidFill>
               <a:srgbClr val="FFFFFF"/>
             </a:solidFill>
             <a:prstDash val="solid"/>
             <a:round/>
-            <a:headEnd len="med" w="med" type="none"/>
-            <a:tailEnd len="med" w="med" type="none"/>
+            <a:headEnd type="none" w="med" len="med"/>
+            <a:tailEnd type="none" w="med" len="med"/>
           </a:ln>
         </p:spPr>
       </p:cxnSp>
       <p:sp>
         <p:nvSpPr>
           <p:cNvPr id="61" name="Google Shape;61;p13"/>
-          <p:cNvSpPr txBox="1"/>
+          <p:cNvSpPr txBox="1">
+            <a:spLocks noGrp="1"/>
+          </p:cNvSpPr>
           <p:nvPr>
-            <p:ph idx="1" type="subTitle"/>
+            <p:ph type="subTitle" idx="1"/>
           </p:nvPr>
         </p:nvSpPr>
         <p:spPr>
@@ -7048,12 +7221,12 @@
           </a:prstGeom>
         </p:spPr>
         <p:txBody>
-          <a:bodyPr anchorCtr="0" anchor="t" bIns="91425" lIns="91425" spcFirstLastPara="1" rIns="91425" wrap="square" tIns="91425">
+          <a:bodyPr spcFirstLastPara="1" wrap="square" lIns="91425" tIns="91425" rIns="91425" bIns="91425" anchor="t" anchorCtr="0">
             <a:normAutofit/>
           </a:bodyPr>
           <a:lstStyle/>
           <a:p>
-            <a:pPr indent="0" lvl="0" marL="0" rtl="0" algn="l">
+            <a:pPr marL="0" lvl="0" indent="0" algn="l" rtl="0">
               <a:lnSpc>
                 <a:spcPct val="90000"/>
               </a:lnSpc>
@@ -7098,11 +7271,11 @@
 </file>
 
 <file path=ppt/slides/slide10.xml><?xml version="1.0" encoding="utf-8"?>
-<p:sld xmlns:a="http://schemas.openxmlformats.org/drawingml/2006/main" xmlns:r="http://schemas.openxmlformats.org/officeDocument/2006/relationships" xmlns:mc="http://schemas.openxmlformats.org/markup-compatibility/2006" xmlns:mv="urn:schemas-microsoft-com:mac:vml" xmlns:p="http://schemas.openxmlformats.org/presentationml/2006/main" xmlns:c="http://schemas.openxmlformats.org/drawingml/2006/chart" xmlns:dgm="http://schemas.openxmlformats.org/drawingml/2006/diagram" xmlns:o="urn:schemas-microsoft-com:office:office" xmlns:v="urn:schemas-microsoft-com:vml" xmlns:pvml="urn:schemas-microsoft-com:office:powerpoint" xmlns:com="http://schemas.openxmlformats.org/drawingml/2006/compatibility" xmlns:p14="http://schemas.microsoft.com/office/powerpoint/2010/main" xmlns:p15="http://schemas.microsoft.com/office/powerpoint/2012/main" xmlns:ahyp="http://schemas.microsoft.com/office/drawing/2018/hyperlinkcolor">
+<p:sld xmlns:a="http://schemas.openxmlformats.org/drawingml/2006/main" xmlns:r="http://schemas.openxmlformats.org/officeDocument/2006/relationships" xmlns:p="http://schemas.openxmlformats.org/presentationml/2006/main">
   <p:cSld>
     <p:spTree>
       <p:nvGrpSpPr>
-        <p:cNvPr id="167" name="Shape 167"/>
+        <p:cNvPr id="1" name="Shape 167"/>
         <p:cNvGrpSpPr/>
         <p:nvPr/>
       </p:nvGrpSpPr>
@@ -7150,12 +7323,12 @@
             </a:ln>
           </p:spPr>
           <p:txBody>
-            <a:bodyPr anchorCtr="0" anchor="ctr" bIns="91425" lIns="91425" spcFirstLastPara="1" rIns="91425" wrap="square" tIns="91425">
+            <a:bodyPr spcFirstLastPara="1" wrap="square" lIns="91425" tIns="91425" rIns="91425" bIns="91425" anchor="ctr" anchorCtr="0">
               <a:noAutofit/>
             </a:bodyPr>
             <a:lstStyle/>
             <a:p>
-              <a:pPr indent="0" lvl="0" marL="0" rtl="0" algn="l">
+              <a:pPr marL="0" lvl="0" indent="0" algn="l" rtl="0">
                 <a:spcBef>
                   <a:spcPts val="0"/>
                 </a:spcBef>
@@ -7164,9 +7337,6 @@
                 </a:spcAft>
                 <a:buNone/>
               </a:pPr>
-              <a:r>
-                <a:t/>
-              </a:r>
               <a:endParaRPr/>
             </a:p>
           </p:txBody>
@@ -7188,23 +7358,23 @@
             <a:solidFill>
               <a:srgbClr val="FFFFFF"/>
             </a:solidFill>
-            <a:ln cap="flat" cmpd="sng" w="19050">
+            <a:ln w="19050" cap="flat" cmpd="sng">
               <a:solidFill>
                 <a:srgbClr val="307BF3"/>
               </a:solidFill>
               <a:prstDash val="solid"/>
               <a:round/>
-              <a:headEnd len="sm" w="sm" type="none"/>
-              <a:tailEnd len="sm" w="sm" type="none"/>
+              <a:headEnd type="none" w="sm" len="sm"/>
+              <a:tailEnd type="none" w="sm" len="sm"/>
             </a:ln>
           </p:spPr>
           <p:txBody>
-            <a:bodyPr anchorCtr="0" anchor="ctr" bIns="91425" lIns="91425" spcFirstLastPara="1" rIns="91425" wrap="square" tIns="91425">
+            <a:bodyPr spcFirstLastPara="1" wrap="square" lIns="91425" tIns="91425" rIns="91425" bIns="91425" anchor="ctr" anchorCtr="0">
               <a:noAutofit/>
             </a:bodyPr>
             <a:lstStyle/>
             <a:p>
-              <a:pPr indent="0" lvl="0" marL="0" rtl="0" algn="l">
+              <a:pPr marL="0" lvl="0" indent="0" algn="l" rtl="0">
                 <a:spcBef>
                   <a:spcPts val="0"/>
                 </a:spcBef>
@@ -7213,9 +7383,6 @@
                 </a:spcAft>
                 <a:buNone/>
               </a:pPr>
-              <a:r>
-                <a:t/>
-              </a:r>
               <a:endParaRPr/>
             </a:p>
           </p:txBody>
@@ -7240,12 +7407,12 @@
             </a:ln>
           </p:spPr>
           <p:txBody>
-            <a:bodyPr anchorCtr="0" anchor="t" bIns="91425" lIns="91425" spcFirstLastPara="1" rIns="91425" wrap="square" tIns="91425">
+            <a:bodyPr spcFirstLastPara="1" wrap="square" lIns="91425" tIns="91425" rIns="91425" bIns="91425" anchor="t" anchorCtr="0">
               <a:noAutofit/>
             </a:bodyPr>
             <a:lstStyle/>
             <a:p>
-              <a:pPr indent="0" lvl="0" marL="0" rtl="0" algn="l">
+              <a:pPr marL="0" lvl="0" indent="0" algn="l" rtl="0">
                 <a:spcBef>
                   <a:spcPts val="0"/>
                 </a:spcBef>
@@ -7298,12 +7465,12 @@
             </a:ln>
           </p:spPr>
           <p:txBody>
-            <a:bodyPr anchorCtr="0" anchor="t" bIns="91425" lIns="91425" spcFirstLastPara="1" rIns="91425" wrap="square" tIns="91425">
+            <a:bodyPr spcFirstLastPara="1" wrap="square" lIns="91425" tIns="91425" rIns="91425" bIns="91425" anchor="t" anchorCtr="0">
               <a:noAutofit/>
             </a:bodyPr>
             <a:lstStyle/>
             <a:p>
-              <a:pPr indent="0" lvl="0" marL="0" rtl="0" algn="l">
+              <a:pPr marL="0" lvl="0" indent="0" algn="l" rtl="0">
                 <a:lnSpc>
                   <a:spcPct val="115000"/>
                 </a:lnSpc>
@@ -7359,12 +7526,12 @@
             </a:ln>
           </p:spPr>
           <p:txBody>
-            <a:bodyPr anchorCtr="0" anchor="t" bIns="91425" lIns="91425" spcFirstLastPara="1" rIns="91425" wrap="square" tIns="91425">
+            <a:bodyPr spcFirstLastPara="1" wrap="square" lIns="91425" tIns="91425" rIns="91425" bIns="91425" anchor="t" anchorCtr="0">
               <a:noAutofit/>
             </a:bodyPr>
             <a:lstStyle/>
             <a:p>
-              <a:pPr indent="0" lvl="0" marL="0" rtl="0" algn="l">
+              <a:pPr marL="0" lvl="0" indent="0" algn="l" rtl="0">
                 <a:spcBef>
                   <a:spcPts val="0"/>
                 </a:spcBef>
@@ -7374,7 +7541,7 @@
                 <a:buNone/>
               </a:pPr>
               <a:r>
-                <a:rPr b="1" lang="en" sz="1500">
+                <a:rPr lang="en" sz="1500" b="1" dirty="0">
                   <a:solidFill>
                     <a:srgbClr val="3697DB"/>
                   </a:solidFill>
@@ -7385,7 +7552,7 @@
                 </a:rPr>
                 <a:t>Basic</a:t>
               </a:r>
-              <a:endParaRPr b="1" sz="1500">
+              <a:endParaRPr sz="1500" b="1" dirty="0">
                 <a:solidFill>
                   <a:srgbClr val="3697DB"/>
                 </a:solidFill>
@@ -7396,7 +7563,7 @@
               </a:endParaRPr>
             </a:p>
             <a:p>
-              <a:pPr indent="0" lvl="0" marL="0" rtl="0" algn="l">
+              <a:pPr marL="0" lvl="0" indent="0" algn="l" rtl="0">
                 <a:spcBef>
                   <a:spcPts val="0"/>
                 </a:spcBef>
@@ -7406,7 +7573,7 @@
                 <a:buNone/>
               </a:pPr>
               <a:r>
-                <a:rPr b="1" lang="en" sz="2500">
+                <a:rPr lang="en" sz="2500" b="1" dirty="0">
                   <a:solidFill>
                     <a:srgbClr val="3697DB"/>
                   </a:solidFill>
@@ -7417,7 +7584,7 @@
                 </a:rPr>
                 <a:t>€ 9.99</a:t>
               </a:r>
-              <a:endParaRPr b="1" sz="2500">
+              <a:endParaRPr sz="2500" b="1" dirty="0">
                 <a:solidFill>
                   <a:srgbClr val="3697DB"/>
                 </a:solidFill>
@@ -7442,8 +7609,8 @@
             </a:xfrm>
             <a:prstGeom prst="rightArrow">
               <a:avLst>
-                <a:gd fmla="val 34239" name="adj1"/>
-                <a:gd fmla="val 57035" name="adj2"/>
+                <a:gd name="adj1" fmla="val 34239"/>
+                <a:gd name="adj2" fmla="val 57035"/>
               </a:avLst>
             </a:prstGeom>
             <a:solidFill>
@@ -7454,12 +7621,12 @@
             </a:ln>
           </p:spPr>
           <p:txBody>
-            <a:bodyPr anchorCtr="0" anchor="ctr" bIns="91425" lIns="91425" spcFirstLastPara="1" rIns="91425" wrap="square" tIns="91425">
+            <a:bodyPr spcFirstLastPara="1" wrap="square" lIns="91425" tIns="91425" rIns="91425" bIns="91425" anchor="ctr" anchorCtr="0">
               <a:noAutofit/>
             </a:bodyPr>
             <a:lstStyle/>
             <a:p>
-              <a:pPr indent="0" lvl="0" marL="0" rtl="0" algn="l">
+              <a:pPr marL="0" lvl="0" indent="0" algn="l" rtl="0">
                 <a:spcBef>
                   <a:spcPts val="0"/>
                 </a:spcBef>
@@ -7468,9 +7635,6 @@
                 </a:spcAft>
                 <a:buNone/>
               </a:pPr>
-              <a:r>
-                <a:t/>
-              </a:r>
               <a:endParaRPr/>
             </a:p>
           </p:txBody>
@@ -7495,12 +7659,12 @@
             </a:ln>
           </p:spPr>
           <p:txBody>
-            <a:bodyPr anchorCtr="0" anchor="t" bIns="91425" lIns="91425" spcFirstLastPara="1" rIns="91425" wrap="square" tIns="91425">
+            <a:bodyPr spcFirstLastPara="1" wrap="square" lIns="91425" tIns="91425" rIns="91425" bIns="91425" anchor="t" anchorCtr="0">
               <a:noAutofit/>
             </a:bodyPr>
             <a:lstStyle/>
             <a:p>
-              <a:pPr indent="0" lvl="0" marL="0" rtl="0" algn="l">
+              <a:pPr marL="0" lvl="0" indent="0" algn="l" rtl="0">
                 <a:lnSpc>
                   <a:spcPct val="150000"/>
                 </a:lnSpc>
@@ -7547,7 +7711,7 @@
               </a:endParaRPr>
             </a:p>
             <a:p>
-              <a:pPr indent="-266700" lvl="0" marL="457200" rtl="0" algn="l">
+              <a:pPr marL="457200" lvl="0" indent="-266700" algn="l" rtl="0">
                 <a:lnSpc>
                   <a:spcPct val="150000"/>
                 </a:lnSpc>
@@ -7587,7 +7751,7 @@
               </a:endParaRPr>
             </a:p>
             <a:p>
-              <a:pPr indent="-266700" lvl="0" marL="457200" rtl="0" algn="l">
+              <a:pPr marL="457200" lvl="0" indent="-266700" algn="l" rtl="0">
                 <a:lnSpc>
                   <a:spcPct val="150000"/>
                 </a:lnSpc>
@@ -7627,7 +7791,7 @@
               </a:endParaRPr>
             </a:p>
             <a:p>
-              <a:pPr indent="-266700" lvl="0" marL="457200" rtl="0" algn="l">
+              <a:pPr marL="457200" lvl="0" indent="-266700" algn="l" rtl="0">
                 <a:lnSpc>
                   <a:spcPct val="150000"/>
                 </a:lnSpc>
@@ -7667,7 +7831,7 @@
               </a:endParaRPr>
             </a:p>
             <a:p>
-              <a:pPr indent="-266700" lvl="0" marL="457200" rtl="0" algn="l">
+              <a:pPr marL="457200" lvl="0" indent="-266700" algn="l" rtl="0">
                 <a:lnSpc>
                   <a:spcPct val="150000"/>
                 </a:lnSpc>
@@ -7707,7 +7871,7 @@
               </a:endParaRPr>
             </a:p>
             <a:p>
-              <a:pPr indent="-266700" lvl="0" marL="457200" rtl="0" algn="l">
+              <a:pPr marL="457200" lvl="0" indent="-266700" algn="l" rtl="0">
                 <a:lnSpc>
                   <a:spcPct val="150000"/>
                 </a:lnSpc>
@@ -7785,12 +7949,12 @@
             </a:ln>
           </p:spPr>
           <p:txBody>
-            <a:bodyPr anchorCtr="0" anchor="ctr" bIns="91425" lIns="91425" spcFirstLastPara="1" rIns="91425" wrap="square" tIns="91425">
+            <a:bodyPr spcFirstLastPara="1" wrap="square" lIns="91425" tIns="91425" rIns="91425" bIns="91425" anchor="ctr" anchorCtr="0">
               <a:noAutofit/>
             </a:bodyPr>
             <a:lstStyle/>
             <a:p>
-              <a:pPr indent="0" lvl="0" marL="0" rtl="0" algn="l">
+              <a:pPr marL="0" lvl="0" indent="0" algn="l" rtl="0">
                 <a:spcBef>
                   <a:spcPts val="0"/>
                 </a:spcBef>
@@ -7799,9 +7963,6 @@
                 </a:spcAft>
                 <a:buNone/>
               </a:pPr>
-              <a:r>
-                <a:t/>
-              </a:r>
               <a:endParaRPr/>
             </a:p>
           </p:txBody>
@@ -7823,23 +7984,23 @@
             <a:solidFill>
               <a:srgbClr val="FFFFFF"/>
             </a:solidFill>
-            <a:ln cap="flat" cmpd="sng" w="19050">
+            <a:ln w="19050" cap="flat" cmpd="sng">
               <a:solidFill>
                 <a:srgbClr val="307BF3"/>
               </a:solidFill>
               <a:prstDash val="solid"/>
               <a:round/>
-              <a:headEnd len="sm" w="sm" type="none"/>
-              <a:tailEnd len="sm" w="sm" type="none"/>
+              <a:headEnd type="none" w="sm" len="sm"/>
+              <a:tailEnd type="none" w="sm" len="sm"/>
             </a:ln>
           </p:spPr>
           <p:txBody>
-            <a:bodyPr anchorCtr="0" anchor="ctr" bIns="91425" lIns="91425" spcFirstLastPara="1" rIns="91425" wrap="square" tIns="91425">
+            <a:bodyPr spcFirstLastPara="1" wrap="square" lIns="91425" tIns="91425" rIns="91425" bIns="91425" anchor="ctr" anchorCtr="0">
               <a:noAutofit/>
             </a:bodyPr>
             <a:lstStyle/>
             <a:p>
-              <a:pPr indent="0" lvl="0" marL="0" rtl="0" algn="l">
+              <a:pPr marL="0" lvl="0" indent="0" algn="l" rtl="0">
                 <a:spcBef>
                   <a:spcPts val="0"/>
                 </a:spcBef>
@@ -7848,9 +8009,6 @@
                 </a:spcAft>
                 <a:buNone/>
               </a:pPr>
-              <a:r>
-                <a:t/>
-              </a:r>
               <a:endParaRPr/>
             </a:p>
           </p:txBody>
@@ -7875,12 +8033,12 @@
             </a:ln>
           </p:spPr>
           <p:txBody>
-            <a:bodyPr anchorCtr="0" anchor="t" bIns="91425" lIns="91425" spcFirstLastPara="1" rIns="91425" wrap="square" tIns="91425">
+            <a:bodyPr spcFirstLastPara="1" wrap="square" lIns="91425" tIns="91425" rIns="91425" bIns="91425" anchor="t" anchorCtr="0">
               <a:noAutofit/>
             </a:bodyPr>
             <a:lstStyle/>
             <a:p>
-              <a:pPr indent="0" lvl="0" marL="0" rtl="0" algn="l">
+              <a:pPr marL="0" lvl="0" indent="0" algn="l" rtl="0">
                 <a:spcBef>
                   <a:spcPts val="0"/>
                 </a:spcBef>
@@ -7933,12 +8091,12 @@
             </a:ln>
           </p:spPr>
           <p:txBody>
-            <a:bodyPr anchorCtr="0" anchor="t" bIns="91425" lIns="91425" spcFirstLastPara="1" rIns="91425" wrap="square" tIns="91425">
+            <a:bodyPr spcFirstLastPara="1" wrap="square" lIns="91425" tIns="91425" rIns="91425" bIns="91425" anchor="t" anchorCtr="0">
               <a:noAutofit/>
             </a:bodyPr>
             <a:lstStyle/>
             <a:p>
-              <a:pPr indent="0" lvl="0" marL="0" rtl="0" algn="l">
+              <a:pPr marL="0" lvl="0" indent="0" algn="l" rtl="0">
                 <a:lnSpc>
                   <a:spcPct val="115000"/>
                 </a:lnSpc>
@@ -7994,12 +8152,12 @@
             </a:ln>
           </p:spPr>
           <p:txBody>
-            <a:bodyPr anchorCtr="0" anchor="t" bIns="91425" lIns="91425" spcFirstLastPara="1" rIns="91425" wrap="square" tIns="91425">
+            <a:bodyPr spcFirstLastPara="1" wrap="square" lIns="91425" tIns="91425" rIns="91425" bIns="91425" anchor="t" anchorCtr="0">
               <a:noAutofit/>
             </a:bodyPr>
             <a:lstStyle/>
             <a:p>
-              <a:pPr indent="0" lvl="0" marL="0" rtl="0" algn="l">
+              <a:pPr marL="0" lvl="0" indent="0" algn="l" rtl="0">
                 <a:spcBef>
                   <a:spcPts val="0"/>
                 </a:spcBef>
@@ -8009,7 +8167,7 @@
                 <a:buNone/>
               </a:pPr>
               <a:r>
-                <a:rPr b="1" lang="en" sz="1500">
+                <a:rPr lang="en" sz="1500" b="1">
                   <a:solidFill>
                     <a:srgbClr val="3697DB"/>
                   </a:solidFill>
@@ -8020,7 +8178,7 @@
                 </a:rPr>
                 <a:t>Medium</a:t>
               </a:r>
-              <a:endParaRPr b="1" sz="2500">
+              <a:endParaRPr sz="2500" b="1">
                 <a:solidFill>
                   <a:srgbClr val="3697DB"/>
                 </a:solidFill>
@@ -8031,7 +8189,7 @@
               </a:endParaRPr>
             </a:p>
             <a:p>
-              <a:pPr indent="0" lvl="0" marL="0" rtl="0" algn="l">
+              <a:pPr marL="0" lvl="0" indent="0" algn="l" rtl="0">
                 <a:spcBef>
                   <a:spcPts val="0"/>
                 </a:spcBef>
@@ -8046,7 +8204,7 @@
                 <a:buNone/>
               </a:pPr>
               <a:r>
-                <a:rPr b="1" lang="en" sz="2500">
+                <a:rPr lang="en" sz="2500" b="1">
                   <a:solidFill>
                     <a:srgbClr val="3697DB"/>
                   </a:solidFill>
@@ -8057,7 +8215,7 @@
                 </a:rPr>
                 <a:t>€ 14.99</a:t>
               </a:r>
-              <a:endParaRPr b="1" sz="4000">
+              <a:endParaRPr sz="4000" b="1">
                 <a:solidFill>
                   <a:srgbClr val="3697DB"/>
                 </a:solidFill>
@@ -8082,8 +8240,8 @@
             </a:xfrm>
             <a:prstGeom prst="rightArrow">
               <a:avLst>
-                <a:gd fmla="val 34239" name="adj1"/>
-                <a:gd fmla="val 57035" name="adj2"/>
+                <a:gd name="adj1" fmla="val 34239"/>
+                <a:gd name="adj2" fmla="val 57035"/>
               </a:avLst>
             </a:prstGeom>
             <a:solidFill>
@@ -8094,12 +8252,12 @@
             </a:ln>
           </p:spPr>
           <p:txBody>
-            <a:bodyPr anchorCtr="0" anchor="ctr" bIns="91425" lIns="91425" spcFirstLastPara="1" rIns="91425" wrap="square" tIns="91425">
+            <a:bodyPr spcFirstLastPara="1" wrap="square" lIns="91425" tIns="91425" rIns="91425" bIns="91425" anchor="ctr" anchorCtr="0">
               <a:noAutofit/>
             </a:bodyPr>
             <a:lstStyle/>
             <a:p>
-              <a:pPr indent="0" lvl="0" marL="0" rtl="0" algn="l">
+              <a:pPr marL="0" lvl="0" indent="0" algn="l" rtl="0">
                 <a:spcBef>
                   <a:spcPts val="0"/>
                 </a:spcBef>
@@ -8108,9 +8266,6 @@
                 </a:spcAft>
                 <a:buNone/>
               </a:pPr>
-              <a:r>
-                <a:t/>
-              </a:r>
               <a:endParaRPr/>
             </a:p>
           </p:txBody>
@@ -8135,12 +8290,12 @@
             </a:ln>
           </p:spPr>
           <p:txBody>
-            <a:bodyPr anchorCtr="0" anchor="t" bIns="91425" lIns="91425" spcFirstLastPara="1" rIns="91425" wrap="square" tIns="91425">
+            <a:bodyPr spcFirstLastPara="1" wrap="square" lIns="91425" tIns="91425" rIns="91425" bIns="91425" anchor="t" anchorCtr="0">
               <a:noAutofit/>
             </a:bodyPr>
             <a:lstStyle/>
             <a:p>
-              <a:pPr indent="0" lvl="0" marL="0" rtl="0" algn="l">
+              <a:pPr marL="0" lvl="0" indent="0" algn="l" rtl="0">
                 <a:lnSpc>
                   <a:spcPct val="150000"/>
                 </a:lnSpc>
@@ -8162,19 +8317,7 @@
                   <a:cs typeface="Roboto"/>
                   <a:sym typeface="Roboto"/>
                 </a:rPr>
-                <a:t>          Additional</a:t>
-              </a:r>
-              <a:r>
-                <a:rPr lang="en" sz="600">
-                  <a:solidFill>
-                    <a:srgbClr val="FFFFFF"/>
-                  </a:solidFill>
-                  <a:latin typeface="Roboto"/>
-                  <a:ea typeface="Roboto"/>
-                  <a:cs typeface="Roboto"/>
-                  <a:sym typeface="Roboto"/>
-                </a:rPr>
-                <a:t> key components:</a:t>
+                <a:t>          Additional key components:</a:t>
               </a:r>
               <a:endParaRPr sz="600">
                 <a:solidFill>
@@ -8187,7 +8330,7 @@
               </a:endParaRPr>
             </a:p>
             <a:p>
-              <a:pPr indent="-266700" lvl="0" marL="457200" rtl="0" algn="l">
+              <a:pPr marL="457200" lvl="0" indent="-266700" algn="l" rtl="0">
                 <a:lnSpc>
                   <a:spcPct val="150000"/>
                 </a:lnSpc>
@@ -8227,7 +8370,7 @@
               </a:endParaRPr>
             </a:p>
             <a:p>
-              <a:pPr indent="-266700" lvl="0" marL="457200" rtl="0" algn="l">
+              <a:pPr marL="457200" lvl="0" indent="-266700" algn="l" rtl="0">
                 <a:lnSpc>
                   <a:spcPct val="150000"/>
                 </a:lnSpc>
@@ -8267,7 +8410,7 @@
               </a:endParaRPr>
             </a:p>
             <a:p>
-              <a:pPr indent="-266700" lvl="0" marL="457200" rtl="0" algn="l">
+              <a:pPr marL="457200" lvl="0" indent="-266700" algn="l" rtl="0">
                 <a:lnSpc>
                   <a:spcPct val="150000"/>
                 </a:lnSpc>
@@ -8307,7 +8450,7 @@
               </a:endParaRPr>
             </a:p>
             <a:p>
-              <a:pPr indent="-266700" lvl="0" marL="457200" rtl="0" algn="l">
+              <a:pPr marL="457200" lvl="0" indent="-266700" algn="l" rtl="0">
                 <a:lnSpc>
                   <a:spcPct val="150000"/>
                 </a:lnSpc>
@@ -8347,7 +8490,7 @@
               </a:endParaRPr>
             </a:p>
             <a:p>
-              <a:pPr indent="-266700" lvl="0" marL="457200" rtl="0" algn="l">
+              <a:pPr marL="457200" lvl="0" indent="-266700" algn="l" rtl="0">
                 <a:lnSpc>
                   <a:spcPct val="150000"/>
                 </a:lnSpc>
@@ -8387,7 +8530,7 @@
               </a:endParaRPr>
             </a:p>
             <a:p>
-              <a:pPr indent="0" lvl="0" marL="457200" rtl="0" algn="l">
+              <a:pPr marL="457200" lvl="0" indent="0" algn="l" rtl="0">
                 <a:lnSpc>
                   <a:spcPct val="150000"/>
                 </a:lnSpc>
@@ -8399,9 +8542,6 @@
                 </a:spcAft>
                 <a:buNone/>
               </a:pPr>
-              <a:r>
-                <a:t/>
-              </a:r>
               <a:endParaRPr sz="600">
                 <a:solidFill>
                   <a:srgbClr val="FFFFFF"/>
@@ -8413,7 +8553,7 @@
               </a:endParaRPr>
             </a:p>
             <a:p>
-              <a:pPr indent="0" lvl="0" marL="0" rtl="0" algn="l">
+              <a:pPr marL="0" lvl="0" indent="0" algn="l" rtl="0">
                 <a:lnSpc>
                   <a:spcPct val="150000"/>
                 </a:lnSpc>
@@ -8425,9 +8565,6 @@
                 </a:spcAft>
                 <a:buNone/>
               </a:pPr>
-              <a:r>
-                <a:t/>
-              </a:r>
               <a:endParaRPr sz="600">
                 <a:solidFill>
                   <a:srgbClr val="FFFFFF"/>
@@ -8477,12 +8614,12 @@
             </a:ln>
           </p:spPr>
           <p:txBody>
-            <a:bodyPr anchorCtr="0" anchor="ctr" bIns="91425" lIns="91425" spcFirstLastPara="1" rIns="91425" wrap="square" tIns="91425">
+            <a:bodyPr spcFirstLastPara="1" wrap="square" lIns="91425" tIns="91425" rIns="91425" bIns="91425" anchor="ctr" anchorCtr="0">
               <a:noAutofit/>
             </a:bodyPr>
             <a:lstStyle/>
             <a:p>
-              <a:pPr indent="0" lvl="0" marL="0" rtl="0" algn="l">
+              <a:pPr marL="0" lvl="0" indent="0" algn="l" rtl="0">
                 <a:spcBef>
                   <a:spcPts val="0"/>
                 </a:spcBef>
@@ -8491,9 +8628,6 @@
                 </a:spcAft>
                 <a:buNone/>
               </a:pPr>
-              <a:r>
-                <a:t/>
-              </a:r>
               <a:endParaRPr/>
             </a:p>
           </p:txBody>
@@ -8515,23 +8649,23 @@
             <a:solidFill>
               <a:srgbClr val="FFFFFF"/>
             </a:solidFill>
-            <a:ln cap="flat" cmpd="sng" w="19050">
+            <a:ln w="19050" cap="flat" cmpd="sng">
               <a:solidFill>
                 <a:srgbClr val="307BF3"/>
               </a:solidFill>
               <a:prstDash val="solid"/>
               <a:round/>
-              <a:headEnd len="sm" w="sm" type="none"/>
-              <a:tailEnd len="sm" w="sm" type="none"/>
+              <a:headEnd type="none" w="sm" len="sm"/>
+              <a:tailEnd type="none" w="sm" len="sm"/>
             </a:ln>
           </p:spPr>
           <p:txBody>
-            <a:bodyPr anchorCtr="0" anchor="ctr" bIns="91425" lIns="91425" spcFirstLastPara="1" rIns="91425" wrap="square" tIns="91425">
+            <a:bodyPr spcFirstLastPara="1" wrap="square" lIns="91425" tIns="91425" rIns="91425" bIns="91425" anchor="ctr" anchorCtr="0">
               <a:noAutofit/>
             </a:bodyPr>
             <a:lstStyle/>
             <a:p>
-              <a:pPr indent="0" lvl="0" marL="0" rtl="0" algn="l">
+              <a:pPr marL="0" lvl="0" indent="0" algn="l" rtl="0">
                 <a:spcBef>
                   <a:spcPts val="0"/>
                 </a:spcBef>
@@ -8540,9 +8674,6 @@
                 </a:spcAft>
                 <a:buNone/>
               </a:pPr>
-              <a:r>
-                <a:t/>
-              </a:r>
               <a:endParaRPr/>
             </a:p>
           </p:txBody>
@@ -8567,12 +8698,12 @@
             </a:ln>
           </p:spPr>
           <p:txBody>
-            <a:bodyPr anchorCtr="0" anchor="t" bIns="91425" lIns="91425" spcFirstLastPara="1" rIns="91425" wrap="square" tIns="91425">
+            <a:bodyPr spcFirstLastPara="1" wrap="square" lIns="91425" tIns="91425" rIns="91425" bIns="91425" anchor="t" anchorCtr="0">
               <a:noAutofit/>
             </a:bodyPr>
             <a:lstStyle/>
             <a:p>
-              <a:pPr indent="0" lvl="0" marL="0" rtl="0" algn="l">
+              <a:pPr marL="0" lvl="0" indent="0" algn="l" rtl="0">
                 <a:spcBef>
                   <a:spcPts val="0"/>
                 </a:spcBef>
@@ -8625,12 +8756,12 @@
             </a:ln>
           </p:spPr>
           <p:txBody>
-            <a:bodyPr anchorCtr="0" anchor="t" bIns="91425" lIns="91425" spcFirstLastPara="1" rIns="91425" wrap="square" tIns="91425">
+            <a:bodyPr spcFirstLastPara="1" wrap="square" lIns="91425" tIns="91425" rIns="91425" bIns="91425" anchor="t" anchorCtr="0">
               <a:noAutofit/>
             </a:bodyPr>
             <a:lstStyle/>
             <a:p>
-              <a:pPr indent="0" lvl="0" marL="0" rtl="0" algn="l">
+              <a:pPr marL="0" lvl="0" indent="0" algn="l" rtl="0">
                 <a:lnSpc>
                   <a:spcPct val="115000"/>
                 </a:lnSpc>
@@ -8686,12 +8817,12 @@
             </a:ln>
           </p:spPr>
           <p:txBody>
-            <a:bodyPr anchorCtr="0" anchor="t" bIns="91425" lIns="91425" spcFirstLastPara="1" rIns="91425" wrap="square" tIns="91425">
+            <a:bodyPr spcFirstLastPara="1" wrap="square" lIns="91425" tIns="91425" rIns="91425" bIns="91425" anchor="t" anchorCtr="0">
               <a:noAutofit/>
             </a:bodyPr>
             <a:lstStyle/>
             <a:p>
-              <a:pPr indent="0" lvl="0" marL="0" rtl="0" algn="l">
+              <a:pPr marL="0" lvl="0" indent="0" algn="l" rtl="0">
                 <a:spcBef>
                   <a:spcPts val="0"/>
                 </a:spcBef>
@@ -8701,7 +8832,7 @@
                 <a:buNone/>
               </a:pPr>
               <a:r>
-                <a:rPr b="1" lang="en" sz="1500">
+                <a:rPr lang="en" sz="1500" b="1">
                   <a:solidFill>
                     <a:srgbClr val="3697DB"/>
                   </a:solidFill>
@@ -8712,7 +8843,7 @@
                 </a:rPr>
                 <a:t>Advanced</a:t>
               </a:r>
-              <a:endParaRPr b="1" sz="2500">
+              <a:endParaRPr sz="2500" b="1">
                 <a:solidFill>
                   <a:srgbClr val="3697DB"/>
                 </a:solidFill>
@@ -8723,7 +8854,7 @@
               </a:endParaRPr>
             </a:p>
             <a:p>
-              <a:pPr indent="0" lvl="0" marL="0" rtl="0" algn="l">
+              <a:pPr marL="0" lvl="0" indent="0" algn="l" rtl="0">
                 <a:spcBef>
                   <a:spcPts val="0"/>
                 </a:spcBef>
@@ -8738,7 +8869,7 @@
                 <a:buNone/>
               </a:pPr>
               <a:r>
-                <a:rPr b="1" lang="en" sz="2500">
+                <a:rPr lang="en" sz="2500" b="1">
                   <a:solidFill>
                     <a:srgbClr val="3697DB"/>
                   </a:solidFill>
@@ -8749,7 +8880,7 @@
                 </a:rPr>
                 <a:t>€ 19.99</a:t>
               </a:r>
-              <a:endParaRPr b="1" sz="4000">
+              <a:endParaRPr sz="4000" b="1">
                 <a:solidFill>
                   <a:srgbClr val="3697DB"/>
                 </a:solidFill>
@@ -8774,8 +8905,8 @@
             </a:xfrm>
             <a:prstGeom prst="rightArrow">
               <a:avLst>
-                <a:gd fmla="val 34239" name="adj1"/>
-                <a:gd fmla="val 57035" name="adj2"/>
+                <a:gd name="adj1" fmla="val 34239"/>
+                <a:gd name="adj2" fmla="val 57035"/>
               </a:avLst>
             </a:prstGeom>
             <a:solidFill>
@@ -8786,12 +8917,12 @@
             </a:ln>
           </p:spPr>
           <p:txBody>
-            <a:bodyPr anchorCtr="0" anchor="ctr" bIns="91425" lIns="91425" spcFirstLastPara="1" rIns="91425" wrap="square" tIns="91425">
+            <a:bodyPr spcFirstLastPara="1" wrap="square" lIns="91425" tIns="91425" rIns="91425" bIns="91425" anchor="ctr" anchorCtr="0">
               <a:noAutofit/>
             </a:bodyPr>
             <a:lstStyle/>
             <a:p>
-              <a:pPr indent="0" lvl="0" marL="0" rtl="0" algn="l">
+              <a:pPr marL="0" lvl="0" indent="0" algn="l" rtl="0">
                 <a:spcBef>
                   <a:spcPts val="0"/>
                 </a:spcBef>
@@ -8800,9 +8931,6 @@
                 </a:spcAft>
                 <a:buNone/>
               </a:pPr>
-              <a:r>
-                <a:t/>
-              </a:r>
               <a:endParaRPr/>
             </a:p>
           </p:txBody>
@@ -8827,12 +8955,12 @@
             </a:ln>
           </p:spPr>
           <p:txBody>
-            <a:bodyPr anchorCtr="0" anchor="t" bIns="91425" lIns="91425" spcFirstLastPara="1" rIns="91425" wrap="square" tIns="91425">
+            <a:bodyPr spcFirstLastPara="1" wrap="square" lIns="91425" tIns="91425" rIns="91425" bIns="91425" anchor="t" anchorCtr="0">
               <a:noAutofit/>
             </a:bodyPr>
             <a:lstStyle/>
             <a:p>
-              <a:pPr indent="0" lvl="0" marL="0" rtl="0" algn="l">
+              <a:pPr marL="0" lvl="0" indent="0" algn="l" rtl="0">
                 <a:lnSpc>
                   <a:spcPct val="150000"/>
                 </a:lnSpc>
@@ -8867,7 +8995,7 @@
               </a:endParaRPr>
             </a:p>
             <a:p>
-              <a:pPr indent="-266700" lvl="0" marL="457200" rtl="0" algn="l">
+              <a:pPr marL="457200" lvl="0" indent="-266700" algn="l" rtl="0">
                 <a:lnSpc>
                   <a:spcPct val="150000"/>
                 </a:lnSpc>
@@ -8907,7 +9035,7 @@
               </a:endParaRPr>
             </a:p>
             <a:p>
-              <a:pPr indent="-266700" lvl="0" marL="457200" rtl="0" algn="l">
+              <a:pPr marL="457200" lvl="0" indent="-266700" algn="l" rtl="0">
                 <a:lnSpc>
                   <a:spcPct val="150000"/>
                 </a:lnSpc>
@@ -8947,7 +9075,7 @@
               </a:endParaRPr>
             </a:p>
             <a:p>
-              <a:pPr indent="-266700" lvl="0" marL="457200" rtl="0" algn="l">
+              <a:pPr marL="457200" lvl="0" indent="-266700" algn="l" rtl="0">
                 <a:lnSpc>
                   <a:spcPct val="150000"/>
                 </a:lnSpc>
@@ -8987,7 +9115,7 @@
               </a:endParaRPr>
             </a:p>
             <a:p>
-              <a:pPr indent="-266700" lvl="0" marL="457200" rtl="0" algn="l">
+              <a:pPr marL="457200" lvl="0" indent="-266700" algn="l" rtl="0">
                 <a:lnSpc>
                   <a:spcPct val="150000"/>
                 </a:lnSpc>
@@ -9027,7 +9155,7 @@
               </a:endParaRPr>
             </a:p>
             <a:p>
-              <a:pPr indent="-266700" lvl="0" marL="457200" rtl="0" algn="l">
+              <a:pPr marL="457200" lvl="0" indent="-266700" algn="l" rtl="0">
                 <a:lnSpc>
                   <a:spcPct val="150000"/>
                 </a:lnSpc>
@@ -9067,7 +9195,7 @@
               </a:endParaRPr>
             </a:p>
             <a:p>
-              <a:pPr indent="0" lvl="0" marL="457200" rtl="0" algn="l">
+              <a:pPr marL="457200" lvl="0" indent="0" algn="l" rtl="0">
                 <a:lnSpc>
                   <a:spcPct val="150000"/>
                 </a:lnSpc>
@@ -9079,9 +9207,6 @@
                 </a:spcAft>
                 <a:buNone/>
               </a:pPr>
-              <a:r>
-                <a:t/>
-              </a:r>
               <a:endParaRPr sz="600">
                 <a:solidFill>
                   <a:srgbClr val="FFFFFF"/>
@@ -9131,12 +9256,12 @@
             </a:ln>
           </p:spPr>
           <p:txBody>
-            <a:bodyPr anchorCtr="0" anchor="ctr" bIns="91425" lIns="91425" spcFirstLastPara="1" rIns="91425" wrap="square" tIns="91425">
+            <a:bodyPr spcFirstLastPara="1" wrap="square" lIns="91425" tIns="91425" rIns="91425" bIns="91425" anchor="ctr" anchorCtr="0">
               <a:noAutofit/>
             </a:bodyPr>
             <a:lstStyle/>
             <a:p>
-              <a:pPr indent="0" lvl="0" marL="0" rtl="0" algn="l">
+              <a:pPr marL="0" lvl="0" indent="0" algn="l" rtl="0">
                 <a:spcBef>
                   <a:spcPts val="0"/>
                 </a:spcBef>
@@ -9145,9 +9270,6 @@
                 </a:spcAft>
                 <a:buNone/>
               </a:pPr>
-              <a:r>
-                <a:t/>
-              </a:r>
               <a:endParaRPr/>
             </a:p>
           </p:txBody>
@@ -9169,23 +9291,23 @@
             <a:solidFill>
               <a:srgbClr val="FFFFFF"/>
             </a:solidFill>
-            <a:ln cap="flat" cmpd="sng" w="19050">
+            <a:ln w="19050" cap="flat" cmpd="sng">
               <a:solidFill>
                 <a:srgbClr val="307BF3"/>
               </a:solidFill>
               <a:prstDash val="solid"/>
               <a:round/>
-              <a:headEnd len="sm" w="sm" type="none"/>
-              <a:tailEnd len="sm" w="sm" type="none"/>
+              <a:headEnd type="none" w="sm" len="sm"/>
+              <a:tailEnd type="none" w="sm" len="sm"/>
             </a:ln>
           </p:spPr>
           <p:txBody>
-            <a:bodyPr anchorCtr="0" anchor="ctr" bIns="91425" lIns="91425" spcFirstLastPara="1" rIns="91425" wrap="square" tIns="91425">
+            <a:bodyPr spcFirstLastPara="1" wrap="square" lIns="91425" tIns="91425" rIns="91425" bIns="91425" anchor="ctr" anchorCtr="0">
               <a:noAutofit/>
             </a:bodyPr>
             <a:lstStyle/>
             <a:p>
-              <a:pPr indent="0" lvl="0" marL="0" rtl="0" algn="l">
+              <a:pPr marL="0" lvl="0" indent="0" algn="l" rtl="0">
                 <a:spcBef>
                   <a:spcPts val="0"/>
                 </a:spcBef>
@@ -9194,9 +9316,6 @@
                 </a:spcAft>
                 <a:buNone/>
               </a:pPr>
-              <a:r>
-                <a:t/>
-              </a:r>
               <a:endParaRPr/>
             </a:p>
           </p:txBody>
@@ -9221,12 +9340,12 @@
             </a:ln>
           </p:spPr>
           <p:txBody>
-            <a:bodyPr anchorCtr="0" anchor="t" bIns="91425" lIns="91425" spcFirstLastPara="1" rIns="91425" wrap="square" tIns="91425">
+            <a:bodyPr spcFirstLastPara="1" wrap="square" lIns="91425" tIns="91425" rIns="91425" bIns="91425" anchor="t" anchorCtr="0">
               <a:noAutofit/>
             </a:bodyPr>
             <a:lstStyle/>
             <a:p>
-              <a:pPr indent="0" lvl="0" marL="0" rtl="0" algn="l">
+              <a:pPr marL="0" lvl="0" indent="0" algn="l" rtl="0">
                 <a:spcBef>
                   <a:spcPts val="0"/>
                 </a:spcBef>
@@ -9263,7 +9382,7 @@
               </a:endParaRPr>
             </a:p>
             <a:p>
-              <a:pPr indent="0" lvl="0" marL="0" rtl="0" algn="l">
+              <a:pPr marL="0" lvl="0" indent="0" algn="l" rtl="0">
                 <a:spcBef>
                   <a:spcPts val="0"/>
                 </a:spcBef>
@@ -9272,9 +9391,6 @@
                 </a:spcAft>
                 <a:buNone/>
               </a:pPr>
-              <a:r>
-                <a:t/>
-              </a:r>
               <a:endParaRPr sz="1000">
                 <a:solidFill>
                   <a:schemeClr val="dk1"/>
@@ -9307,12 +9423,12 @@
             </a:ln>
           </p:spPr>
           <p:txBody>
-            <a:bodyPr anchorCtr="0" anchor="t" bIns="91425" lIns="91425" spcFirstLastPara="1" rIns="91425" wrap="square" tIns="91425">
+            <a:bodyPr spcFirstLastPara="1" wrap="square" lIns="91425" tIns="91425" rIns="91425" bIns="91425" anchor="t" anchorCtr="0">
               <a:noAutofit/>
             </a:bodyPr>
             <a:lstStyle/>
             <a:p>
-              <a:pPr indent="0" lvl="0" marL="0" rtl="0" algn="l">
+              <a:pPr marL="0" lvl="0" indent="0" algn="l" rtl="0">
                 <a:lnSpc>
                   <a:spcPct val="115000"/>
                 </a:lnSpc>
@@ -9368,12 +9484,12 @@
             </a:ln>
           </p:spPr>
           <p:txBody>
-            <a:bodyPr anchorCtr="0" anchor="t" bIns="91425" lIns="91425" spcFirstLastPara="1" rIns="91425" wrap="square" tIns="91425">
+            <a:bodyPr spcFirstLastPara="1" wrap="square" lIns="91425" tIns="91425" rIns="91425" bIns="91425" anchor="t" anchorCtr="0">
               <a:noAutofit/>
             </a:bodyPr>
             <a:lstStyle/>
             <a:p>
-              <a:pPr indent="0" lvl="0" marL="0" rtl="0" algn="l">
+              <a:pPr marL="0" lvl="0" indent="0" algn="l" rtl="0">
                 <a:spcBef>
                   <a:spcPts val="0"/>
                 </a:spcBef>
@@ -9383,7 +9499,7 @@
                 <a:buNone/>
               </a:pPr>
               <a:r>
-                <a:rPr b="1" lang="en" sz="1500">
+                <a:rPr lang="en" sz="1500" b="1">
                   <a:solidFill>
                     <a:srgbClr val="3697DB"/>
                   </a:solidFill>
@@ -9394,7 +9510,7 @@
                 </a:rPr>
                 <a:t>Custom</a:t>
               </a:r>
-              <a:endParaRPr b="1" sz="2500">
+              <a:endParaRPr sz="2500" b="1">
                 <a:solidFill>
                   <a:srgbClr val="3697DB"/>
                 </a:solidFill>
@@ -9405,7 +9521,7 @@
               </a:endParaRPr>
             </a:p>
             <a:p>
-              <a:pPr indent="0" lvl="0" marL="0" rtl="0" algn="l">
+              <a:pPr marL="0" lvl="0" indent="0" algn="l" rtl="0">
                 <a:spcBef>
                   <a:spcPts val="0"/>
                 </a:spcBef>
@@ -9420,7 +9536,7 @@
                 <a:buNone/>
               </a:pPr>
               <a:r>
-                <a:rPr b="1" lang="en" sz="2500">
+                <a:rPr lang="en" sz="2500" b="1">
                   <a:solidFill>
                     <a:srgbClr val="3697DB"/>
                   </a:solidFill>
@@ -9431,7 +9547,7 @@
                 </a:rPr>
                 <a:t>TBD</a:t>
               </a:r>
-              <a:endParaRPr b="1" sz="4000">
+              <a:endParaRPr sz="4000" b="1">
                 <a:solidFill>
                   <a:srgbClr val="3697DB"/>
                 </a:solidFill>
@@ -9456,8 +9572,8 @@
             </a:xfrm>
             <a:prstGeom prst="rightArrow">
               <a:avLst>
-                <a:gd fmla="val 34239" name="adj1"/>
-                <a:gd fmla="val 57035" name="adj2"/>
+                <a:gd name="adj1" fmla="val 34239"/>
+                <a:gd name="adj2" fmla="val 57035"/>
               </a:avLst>
             </a:prstGeom>
             <a:solidFill>
@@ -9468,12 +9584,12 @@
             </a:ln>
           </p:spPr>
           <p:txBody>
-            <a:bodyPr anchorCtr="0" anchor="ctr" bIns="91425" lIns="91425" spcFirstLastPara="1" rIns="91425" wrap="square" tIns="91425">
+            <a:bodyPr spcFirstLastPara="1" wrap="square" lIns="91425" tIns="91425" rIns="91425" bIns="91425" anchor="ctr" anchorCtr="0">
               <a:noAutofit/>
             </a:bodyPr>
             <a:lstStyle/>
             <a:p>
-              <a:pPr indent="0" lvl="0" marL="0" rtl="0" algn="l">
+              <a:pPr marL="0" lvl="0" indent="0" algn="l" rtl="0">
                 <a:spcBef>
                   <a:spcPts val="0"/>
                 </a:spcBef>
@@ -9482,9 +9598,6 @@
                 </a:spcAft>
                 <a:buNone/>
               </a:pPr>
-              <a:r>
-                <a:t/>
-              </a:r>
               <a:endParaRPr/>
             </a:p>
           </p:txBody>
@@ -9509,12 +9622,12 @@
             </a:ln>
           </p:spPr>
           <p:txBody>
-            <a:bodyPr anchorCtr="0" anchor="t" bIns="91425" lIns="91425" spcFirstLastPara="1" rIns="91425" wrap="square" tIns="91425">
+            <a:bodyPr spcFirstLastPara="1" wrap="square" lIns="91425" tIns="91425" rIns="91425" bIns="91425" anchor="t" anchorCtr="0">
               <a:noAutofit/>
             </a:bodyPr>
             <a:lstStyle/>
             <a:p>
-              <a:pPr indent="0" lvl="0" marL="0" rtl="0" algn="l">
+              <a:pPr marL="0" lvl="0" indent="0" algn="l" rtl="0">
                 <a:lnSpc>
                   <a:spcPct val="150000"/>
                 </a:lnSpc>
@@ -9549,7 +9662,7 @@
               </a:endParaRPr>
             </a:p>
             <a:p>
-              <a:pPr indent="-266700" lvl="0" marL="457200" rtl="0" algn="l">
+              <a:pPr marL="457200" lvl="0" indent="-266700" algn="l" rtl="0">
                 <a:lnSpc>
                   <a:spcPct val="150000"/>
                 </a:lnSpc>
@@ -9589,7 +9702,7 @@
               </a:endParaRPr>
             </a:p>
             <a:p>
-              <a:pPr indent="0" lvl="0" marL="457200" rtl="0" algn="l">
+              <a:pPr marL="457200" lvl="0" indent="0" algn="l" rtl="0">
                 <a:lnSpc>
                   <a:spcPct val="150000"/>
                 </a:lnSpc>
@@ -9601,9 +9714,6 @@
                 </a:spcAft>
                 <a:buNone/>
               </a:pPr>
-              <a:r>
-                <a:t/>
-              </a:r>
               <a:endParaRPr sz="600">
                 <a:solidFill>
                   <a:srgbClr val="FFFFFF"/>
@@ -9620,7 +9730,9 @@
       <p:sp>
         <p:nvSpPr>
           <p:cNvPr id="200" name="Google Shape;200;p22"/>
-          <p:cNvSpPr txBox="1"/>
+          <p:cNvSpPr txBox="1">
+            <a:spLocks noGrp="1"/>
+          </p:cNvSpPr>
           <p:nvPr>
             <p:ph type="title"/>
           </p:nvPr>
@@ -9635,12 +9747,12 @@
           </a:prstGeom>
         </p:spPr>
         <p:txBody>
-          <a:bodyPr anchorCtr="0" anchor="t" bIns="91425" lIns="91425" spcFirstLastPara="1" rIns="91425" wrap="square" tIns="91425">
+          <a:bodyPr spcFirstLastPara="1" wrap="square" lIns="91425" tIns="91425" rIns="91425" bIns="91425" anchor="t" anchorCtr="0">
             <a:normAutofit fontScale="90000"/>
           </a:bodyPr>
           <a:lstStyle/>
           <a:p>
-            <a:pPr indent="0" lvl="0" marL="0" rtl="0" algn="l">
+            <a:pPr marL="0" lvl="0" indent="0" algn="l" rtl="0">
               <a:spcBef>
                 <a:spcPts val="0"/>
               </a:spcBef>
@@ -9677,12 +9789,12 @@
           </a:ln>
         </p:spPr>
         <p:txBody>
-          <a:bodyPr anchorCtr="0" anchor="t" bIns="91425" lIns="91425" spcFirstLastPara="1" rIns="91425" wrap="square" tIns="91425">
+          <a:bodyPr spcFirstLastPara="1" wrap="square" lIns="91425" tIns="91425" rIns="91425" bIns="91425" anchor="t" anchorCtr="0">
             <a:spAutoFit/>
           </a:bodyPr>
           <a:lstStyle/>
           <a:p>
-            <a:pPr indent="0" lvl="0" marL="0" rtl="0" algn="l">
+            <a:pPr marL="0" lvl="0" indent="0" algn="l" rtl="0">
               <a:spcBef>
                 <a:spcPts val="0"/>
               </a:spcBef>
@@ -9719,7 +9831,7 @@
             </a:endParaRPr>
           </a:p>
           <a:p>
-            <a:pPr indent="0" lvl="0" marL="0" rtl="0" algn="l">
+            <a:pPr marL="0" lvl="0" indent="0" algn="l" rtl="0">
               <a:spcBef>
                 <a:spcPts val="0"/>
               </a:spcBef>
@@ -9751,7 +9863,7 @@
             </a:endParaRPr>
           </a:p>
           <a:p>
-            <a:pPr indent="0" lvl="0" marL="0" rtl="0" algn="l">
+            <a:pPr marL="0" lvl="0" indent="0" algn="l" rtl="0">
               <a:spcBef>
                 <a:spcPts val="0"/>
               </a:spcBef>
@@ -9798,11 +9910,11 @@
 </file>
 
 <file path=ppt/slides/slide11.xml><?xml version="1.0" encoding="utf-8"?>
-<p:sld xmlns:a="http://schemas.openxmlformats.org/drawingml/2006/main" xmlns:r="http://schemas.openxmlformats.org/officeDocument/2006/relationships" xmlns:mc="http://schemas.openxmlformats.org/markup-compatibility/2006" xmlns:mv="urn:schemas-microsoft-com:mac:vml" xmlns:p="http://schemas.openxmlformats.org/presentationml/2006/main" xmlns:c="http://schemas.openxmlformats.org/drawingml/2006/chart" xmlns:dgm="http://schemas.openxmlformats.org/drawingml/2006/diagram" xmlns:o="urn:schemas-microsoft-com:office:office" xmlns:v="urn:schemas-microsoft-com:vml" xmlns:pvml="urn:schemas-microsoft-com:office:powerpoint" xmlns:com="http://schemas.openxmlformats.org/drawingml/2006/compatibility" xmlns:p14="http://schemas.microsoft.com/office/powerpoint/2010/main" xmlns:p15="http://schemas.microsoft.com/office/powerpoint/2012/main" xmlns:ahyp="http://schemas.microsoft.com/office/drawing/2018/hyperlinkcolor">
+<p:sld xmlns:a="http://schemas.openxmlformats.org/drawingml/2006/main" xmlns:r="http://schemas.openxmlformats.org/officeDocument/2006/relationships" xmlns:p="http://schemas.openxmlformats.org/presentationml/2006/main">
   <p:cSld>
     <p:spTree>
       <p:nvGrpSpPr>
-        <p:cNvPr id="205" name="Shape 205"/>
+        <p:cNvPr id="1" name="Shape 205"/>
         <p:cNvGrpSpPr/>
         <p:nvPr/>
       </p:nvGrpSpPr>
@@ -9817,7 +9929,9 @@
       <p:sp>
         <p:nvSpPr>
           <p:cNvPr id="206" name="Google Shape;206;p23"/>
-          <p:cNvSpPr txBox="1"/>
+          <p:cNvSpPr txBox="1">
+            <a:spLocks noGrp="1"/>
+          </p:cNvSpPr>
           <p:nvPr>
             <p:ph type="title"/>
           </p:nvPr>
@@ -9832,12 +9946,12 @@
           </a:prstGeom>
         </p:spPr>
         <p:txBody>
-          <a:bodyPr anchorCtr="0" anchor="t" bIns="91425" lIns="91425" spcFirstLastPara="1" rIns="91425" wrap="square" tIns="91425">
+          <a:bodyPr spcFirstLastPara="1" wrap="square" lIns="91425" tIns="91425" rIns="91425" bIns="91425" anchor="t" anchorCtr="0">
             <a:normAutofit fontScale="90000"/>
           </a:bodyPr>
           <a:lstStyle/>
           <a:p>
-            <a:pPr indent="0" lvl="0" marL="0" rtl="0" algn="l">
+            <a:pPr marL="0" lvl="0" indent="0" algn="l" rtl="0">
               <a:spcBef>
                 <a:spcPts val="0"/>
               </a:spcBef>
@@ -9867,7 +9981,7 @@
           </a:xfrm>
           <a:prstGeom prst="roundRect">
             <a:avLst>
-              <a:gd fmla="val 50000" name="adj"/>
+              <a:gd name="adj" fmla="val 50000"/>
             </a:avLst>
           </a:prstGeom>
           <a:solidFill>
@@ -9878,12 +9992,12 @@
           </a:ln>
         </p:spPr>
         <p:txBody>
-          <a:bodyPr anchorCtr="0" anchor="ctr" bIns="91425" lIns="91425" spcFirstLastPara="1" rIns="91425" wrap="square" tIns="91425">
+          <a:bodyPr spcFirstLastPara="1" wrap="square" lIns="91425" tIns="91425" rIns="91425" bIns="91425" anchor="ctr" anchorCtr="0">
             <a:noAutofit/>
           </a:bodyPr>
           <a:lstStyle/>
           <a:p>
-            <a:pPr indent="0" lvl="0" marL="0" rtl="0" algn="l">
+            <a:pPr marL="0" lvl="0" indent="0" algn="l" rtl="0">
               <a:spcBef>
                 <a:spcPts val="0"/>
               </a:spcBef>
@@ -9892,9 +10006,6 @@
               </a:spcAft>
               <a:buNone/>
             </a:pPr>
-            <a:r>
-              <a:t/>
-            </a:r>
             <a:endParaRPr/>
           </a:p>
         </p:txBody>
@@ -9928,23 +10039,23 @@
               <a:avLst/>
             </a:prstGeom>
             <a:noFill/>
-            <a:ln cap="flat" cmpd="sng" w="38100">
+            <a:ln w="38100" cap="flat" cmpd="sng">
               <a:solidFill>
                 <a:srgbClr val="4AABF0"/>
               </a:solidFill>
               <a:prstDash val="solid"/>
               <a:round/>
-              <a:headEnd len="sm" w="sm" type="none"/>
-              <a:tailEnd len="sm" w="sm" type="none"/>
+              <a:headEnd type="none" w="sm" len="sm"/>
+              <a:tailEnd type="none" w="sm" len="sm"/>
             </a:ln>
           </p:spPr>
           <p:txBody>
-            <a:bodyPr anchorCtr="0" anchor="ctr" bIns="91425" lIns="91425" spcFirstLastPara="1" rIns="91425" wrap="square" tIns="91425">
+            <a:bodyPr spcFirstLastPara="1" wrap="square" lIns="91425" tIns="91425" rIns="91425" bIns="91425" anchor="ctr" anchorCtr="0">
               <a:noAutofit/>
             </a:bodyPr>
             <a:lstStyle/>
             <a:p>
-              <a:pPr indent="0" lvl="0" marL="0" rtl="0" algn="l">
+              <a:pPr marL="0" lvl="0" indent="0" algn="l" rtl="0">
                 <a:spcBef>
                   <a:spcPts val="0"/>
                 </a:spcBef>
@@ -9953,9 +10064,6 @@
                 </a:spcAft>
                 <a:buNone/>
               </a:pPr>
-              <a:r>
-                <a:t/>
-              </a:r>
               <a:endParaRPr/>
             </a:p>
           </p:txBody>
@@ -9980,12 +10088,12 @@
             </a:ln>
           </p:spPr>
           <p:txBody>
-            <a:bodyPr anchorCtr="0" anchor="t" bIns="91425" lIns="91425" spcFirstLastPara="1" rIns="91425" wrap="square" tIns="91425">
+            <a:bodyPr spcFirstLastPara="1" wrap="square" lIns="91425" tIns="91425" rIns="91425" bIns="91425" anchor="t" anchorCtr="0">
               <a:noAutofit/>
             </a:bodyPr>
             <a:lstStyle/>
             <a:p>
-              <a:pPr indent="0" lvl="0" marL="0" rtl="0" algn="ctr">
+              <a:pPr marL="0" lvl="0" indent="0" algn="ctr" rtl="0">
                 <a:lnSpc>
                   <a:spcPct val="115000"/>
                 </a:lnSpc>
@@ -9997,10 +10105,7 @@
                 </a:spcAft>
                 <a:buNone/>
               </a:pPr>
-              <a:r>
-                <a:t/>
-              </a:r>
-              <a:endParaRPr b="1" sz="800">
+              <a:endParaRPr sz="800" b="1">
                 <a:solidFill>
                   <a:schemeClr val="lt1"/>
                 </a:solidFill>
@@ -10032,12 +10137,12 @@
             </a:ln>
           </p:spPr>
           <p:txBody>
-            <a:bodyPr anchorCtr="0" anchor="b" bIns="91425" lIns="91425" spcFirstLastPara="1" rIns="91425" wrap="square" tIns="91425">
+            <a:bodyPr spcFirstLastPara="1" wrap="square" lIns="91425" tIns="91425" rIns="91425" bIns="91425" anchor="b" anchorCtr="0">
               <a:noAutofit/>
             </a:bodyPr>
             <a:lstStyle/>
             <a:p>
-              <a:pPr indent="0" lvl="0" marL="0" rtl="0" algn="ctr">
+              <a:pPr marL="0" lvl="0" indent="0" algn="ctr" rtl="0">
                 <a:lnSpc>
                   <a:spcPct val="115000"/>
                 </a:lnSpc>
@@ -10093,12 +10198,12 @@
             </a:ln>
           </p:spPr>
           <p:txBody>
-            <a:bodyPr anchorCtr="0" anchor="t" bIns="91425" lIns="91425" spcFirstLastPara="1" rIns="91425" wrap="square" tIns="91425">
+            <a:bodyPr spcFirstLastPara="1" wrap="square" lIns="91425" tIns="91425" rIns="91425" bIns="91425" anchor="t" anchorCtr="0">
               <a:noAutofit/>
             </a:bodyPr>
             <a:lstStyle/>
             <a:p>
-              <a:pPr indent="0" lvl="0" marL="0" rtl="0" algn="ctr">
+              <a:pPr marL="0" lvl="0" indent="0" algn="ctr" rtl="0">
                 <a:lnSpc>
                   <a:spcPct val="115000"/>
                 </a:lnSpc>
@@ -10164,23 +10269,23 @@
               <a:avLst/>
             </a:prstGeom>
             <a:noFill/>
-            <a:ln cap="flat" cmpd="sng" w="38100">
+            <a:ln w="38100" cap="flat" cmpd="sng">
               <a:solidFill>
                 <a:srgbClr val="858585"/>
               </a:solidFill>
               <a:prstDash val="solid"/>
               <a:round/>
-              <a:headEnd len="sm" w="sm" type="none"/>
-              <a:tailEnd len="sm" w="sm" type="none"/>
+              <a:headEnd type="none" w="sm" len="sm"/>
+              <a:tailEnd type="none" w="sm" len="sm"/>
             </a:ln>
           </p:spPr>
           <p:txBody>
-            <a:bodyPr anchorCtr="0" anchor="ctr" bIns="91425" lIns="91425" spcFirstLastPara="1" rIns="91425" wrap="square" tIns="91425">
+            <a:bodyPr spcFirstLastPara="1" wrap="square" lIns="91425" tIns="91425" rIns="91425" bIns="91425" anchor="ctr" anchorCtr="0">
               <a:noAutofit/>
             </a:bodyPr>
             <a:lstStyle/>
             <a:p>
-              <a:pPr indent="0" lvl="0" marL="0" rtl="0" algn="l">
+              <a:pPr marL="0" lvl="0" indent="0" algn="l" rtl="0">
                 <a:spcBef>
                   <a:spcPts val="0"/>
                 </a:spcBef>
@@ -10189,9 +10294,6 @@
                 </a:spcAft>
                 <a:buNone/>
               </a:pPr>
-              <a:r>
-                <a:t/>
-              </a:r>
               <a:endParaRPr/>
             </a:p>
           </p:txBody>
@@ -10216,12 +10318,12 @@
             </a:ln>
           </p:spPr>
           <p:txBody>
-            <a:bodyPr anchorCtr="0" anchor="b" bIns="91425" lIns="91425" spcFirstLastPara="1" rIns="91425" wrap="square" tIns="91425">
+            <a:bodyPr spcFirstLastPara="1" wrap="square" lIns="91425" tIns="91425" rIns="91425" bIns="91425" anchor="b" anchorCtr="0">
               <a:noAutofit/>
             </a:bodyPr>
             <a:lstStyle/>
             <a:p>
-              <a:pPr indent="0" lvl="0" marL="0" rtl="0" algn="ctr">
+              <a:pPr marL="0" lvl="0" indent="0" algn="ctr" rtl="0">
                 <a:lnSpc>
                   <a:spcPct val="115000"/>
                 </a:lnSpc>
@@ -10277,12 +10379,12 @@
             </a:ln>
           </p:spPr>
           <p:txBody>
-            <a:bodyPr anchorCtr="0" anchor="t" bIns="91425" lIns="91425" spcFirstLastPara="1" rIns="91425" wrap="square" tIns="91425">
+            <a:bodyPr spcFirstLastPara="1" wrap="square" lIns="91425" tIns="91425" rIns="91425" bIns="91425" anchor="t" anchorCtr="0">
               <a:noAutofit/>
             </a:bodyPr>
             <a:lstStyle/>
             <a:p>
-              <a:pPr indent="0" lvl="0" marL="0" rtl="0" algn="ctr">
+              <a:pPr marL="0" lvl="0" indent="0" algn="ctr" rtl="0">
                 <a:lnSpc>
                   <a:spcPct val="115000"/>
                 </a:lnSpc>
@@ -10338,12 +10440,12 @@
             </a:ln>
           </p:spPr>
           <p:txBody>
-            <a:bodyPr anchorCtr="0" anchor="t" bIns="91425" lIns="91425" spcFirstLastPara="1" rIns="91425" wrap="square" tIns="91425">
+            <a:bodyPr spcFirstLastPara="1" wrap="square" lIns="91425" tIns="91425" rIns="91425" bIns="91425" anchor="t" anchorCtr="0">
               <a:noAutofit/>
             </a:bodyPr>
             <a:lstStyle/>
             <a:p>
-              <a:pPr indent="0" lvl="0" marL="0" rtl="0" algn="ctr">
+              <a:pPr marL="0" lvl="0" indent="0" algn="ctr" rtl="0">
                 <a:lnSpc>
                   <a:spcPct val="115000"/>
                 </a:lnSpc>
@@ -10355,10 +10457,7 @@
                 </a:spcAft>
                 <a:buNone/>
               </a:pPr>
-              <a:r>
-                <a:t/>
-              </a:r>
-              <a:endParaRPr b="1" sz="800">
+              <a:endParaRPr sz="800" b="1">
                 <a:solidFill>
                   <a:schemeClr val="lt1"/>
                 </a:solidFill>
@@ -10400,23 +10499,23 @@
               <a:avLst/>
             </a:prstGeom>
             <a:noFill/>
-            <a:ln cap="flat" cmpd="sng" w="38100">
+            <a:ln w="38100" cap="flat" cmpd="sng">
               <a:solidFill>
                 <a:srgbClr val="858585"/>
               </a:solidFill>
               <a:prstDash val="solid"/>
               <a:round/>
-              <a:headEnd len="sm" w="sm" type="none"/>
-              <a:tailEnd len="sm" w="sm" type="none"/>
+              <a:headEnd type="none" w="sm" len="sm"/>
+              <a:tailEnd type="none" w="sm" len="sm"/>
             </a:ln>
           </p:spPr>
           <p:txBody>
-            <a:bodyPr anchorCtr="0" anchor="ctr" bIns="91425" lIns="91425" spcFirstLastPara="1" rIns="91425" wrap="square" tIns="91425">
+            <a:bodyPr spcFirstLastPara="1" wrap="square" lIns="91425" tIns="91425" rIns="91425" bIns="91425" anchor="ctr" anchorCtr="0">
               <a:noAutofit/>
             </a:bodyPr>
             <a:lstStyle/>
             <a:p>
-              <a:pPr indent="0" lvl="0" marL="0" rtl="0" algn="l">
+              <a:pPr marL="0" lvl="0" indent="0" algn="l" rtl="0">
                 <a:spcBef>
                   <a:spcPts val="0"/>
                 </a:spcBef>
@@ -10425,9 +10524,6 @@
                 </a:spcAft>
                 <a:buNone/>
               </a:pPr>
-              <a:r>
-                <a:t/>
-              </a:r>
               <a:endParaRPr/>
             </a:p>
           </p:txBody>
@@ -10452,12 +10548,12 @@
             </a:ln>
           </p:spPr>
           <p:txBody>
-            <a:bodyPr anchorCtr="0" anchor="b" bIns="91425" lIns="91425" spcFirstLastPara="1" rIns="91425" wrap="square" tIns="91425">
+            <a:bodyPr spcFirstLastPara="1" wrap="square" lIns="91425" tIns="91425" rIns="91425" bIns="91425" anchor="b" anchorCtr="0">
               <a:noAutofit/>
             </a:bodyPr>
             <a:lstStyle/>
             <a:p>
-              <a:pPr indent="0" lvl="0" marL="0" rtl="0" algn="ctr">
+              <a:pPr marL="0" lvl="0" indent="0" algn="ctr" rtl="0">
                 <a:lnSpc>
                   <a:spcPct val="115000"/>
                 </a:lnSpc>
@@ -10481,7 +10577,7 @@
                 </a:rPr>
                 <a:t>Create module selection</a:t>
               </a:r>
-              <a:endParaRPr b="1" sz="1000">
+              <a:endParaRPr sz="1000" b="1">
                 <a:solidFill>
                   <a:srgbClr val="858585"/>
                 </a:solidFill>
@@ -10513,12 +10609,12 @@
             </a:ln>
           </p:spPr>
           <p:txBody>
-            <a:bodyPr anchorCtr="0" anchor="t" bIns="91425" lIns="91425" spcFirstLastPara="1" rIns="91425" wrap="square" tIns="91425">
+            <a:bodyPr spcFirstLastPara="1" wrap="square" lIns="91425" tIns="91425" rIns="91425" bIns="91425" anchor="t" anchorCtr="0">
               <a:noAutofit/>
             </a:bodyPr>
             <a:lstStyle/>
             <a:p>
-              <a:pPr indent="0" lvl="0" marL="0" rtl="0" algn="ctr">
+              <a:pPr marL="0" lvl="0" indent="0" algn="ctr" rtl="0">
                 <a:lnSpc>
                   <a:spcPct val="115000"/>
                 </a:lnSpc>
@@ -10558,7 +10654,7 @@
               </a:endParaRPr>
             </a:p>
             <a:p>
-              <a:pPr indent="0" lvl="0" marL="0" rtl="0" algn="ctr">
+              <a:pPr marL="0" lvl="0" indent="0" algn="ctr" rtl="0">
                 <a:lnSpc>
                   <a:spcPct val="115000"/>
                 </a:lnSpc>
@@ -10614,12 +10710,12 @@
             </a:ln>
           </p:spPr>
           <p:txBody>
-            <a:bodyPr anchorCtr="0" anchor="t" bIns="91425" lIns="91425" spcFirstLastPara="1" rIns="91425" wrap="square" tIns="91425">
+            <a:bodyPr spcFirstLastPara="1" wrap="square" lIns="91425" tIns="91425" rIns="91425" bIns="91425" anchor="t" anchorCtr="0">
               <a:noAutofit/>
             </a:bodyPr>
             <a:lstStyle/>
             <a:p>
-              <a:pPr indent="0" lvl="0" marL="0" rtl="0" algn="ctr">
+              <a:pPr marL="0" lvl="0" indent="0" algn="ctr" rtl="0">
                 <a:lnSpc>
                   <a:spcPct val="115000"/>
                 </a:lnSpc>
@@ -10631,10 +10727,7 @@
                 </a:spcAft>
                 <a:buNone/>
               </a:pPr>
-              <a:r>
-                <a:t/>
-              </a:r>
-              <a:endParaRPr b="1" sz="800">
+              <a:endParaRPr sz="800" b="1">
                 <a:solidFill>
                   <a:schemeClr val="lt1"/>
                 </a:solidFill>
@@ -10676,23 +10769,23 @@
               <a:avLst/>
             </a:prstGeom>
             <a:noFill/>
-            <a:ln cap="flat" cmpd="sng" w="38100">
+            <a:ln w="38100" cap="flat" cmpd="sng">
               <a:solidFill>
                 <a:srgbClr val="858585"/>
               </a:solidFill>
               <a:prstDash val="solid"/>
               <a:round/>
-              <a:headEnd len="sm" w="sm" type="none"/>
-              <a:tailEnd len="sm" w="sm" type="none"/>
+              <a:headEnd type="none" w="sm" len="sm"/>
+              <a:tailEnd type="none" w="sm" len="sm"/>
             </a:ln>
           </p:spPr>
           <p:txBody>
-            <a:bodyPr anchorCtr="0" anchor="ctr" bIns="91425" lIns="91425" spcFirstLastPara="1" rIns="91425" wrap="square" tIns="91425">
+            <a:bodyPr spcFirstLastPara="1" wrap="square" lIns="91425" tIns="91425" rIns="91425" bIns="91425" anchor="ctr" anchorCtr="0">
               <a:noAutofit/>
             </a:bodyPr>
             <a:lstStyle/>
             <a:p>
-              <a:pPr indent="0" lvl="0" marL="0" rtl="0" algn="l">
+              <a:pPr marL="0" lvl="0" indent="0" algn="l" rtl="0">
                 <a:spcBef>
                   <a:spcPts val="0"/>
                 </a:spcBef>
@@ -10701,9 +10794,6 @@
                 </a:spcAft>
                 <a:buNone/>
               </a:pPr>
-              <a:r>
-                <a:t/>
-              </a:r>
               <a:endParaRPr/>
             </a:p>
           </p:txBody>
@@ -10728,12 +10818,12 @@
             </a:ln>
           </p:spPr>
           <p:txBody>
-            <a:bodyPr anchorCtr="0" anchor="b" bIns="91425" lIns="91425" spcFirstLastPara="1" rIns="91425" wrap="square" tIns="91425">
+            <a:bodyPr spcFirstLastPara="1" wrap="square" lIns="91425" tIns="91425" rIns="91425" bIns="91425" anchor="b" anchorCtr="0">
               <a:noAutofit/>
             </a:bodyPr>
             <a:lstStyle/>
             <a:p>
-              <a:pPr indent="0" lvl="0" marL="0" rtl="0" algn="ctr">
+              <a:pPr marL="0" lvl="0" indent="0" algn="ctr" rtl="0">
                 <a:lnSpc>
                   <a:spcPct val="115000"/>
                 </a:lnSpc>
@@ -10768,7 +10858,7 @@
               </a:endParaRPr>
             </a:p>
             <a:p>
-              <a:pPr indent="0" lvl="0" marL="0" rtl="0" algn="ctr">
+              <a:pPr marL="0" lvl="0" indent="0" algn="ctr" rtl="0">
                 <a:lnSpc>
                   <a:spcPct val="115000"/>
                 </a:lnSpc>
@@ -10780,9 +10870,6 @@
                 </a:spcAft>
                 <a:buNone/>
               </a:pPr>
-              <a:r>
-                <a:t/>
-              </a:r>
               <a:endParaRPr sz="1000">
                 <a:solidFill>
                   <a:schemeClr val="lt1"/>
@@ -10815,12 +10902,12 @@
             </a:ln>
           </p:spPr>
           <p:txBody>
-            <a:bodyPr anchorCtr="0" anchor="t" bIns="91425" lIns="91425" spcFirstLastPara="1" rIns="91425" wrap="square" tIns="91425">
+            <a:bodyPr spcFirstLastPara="1" wrap="square" lIns="91425" tIns="91425" rIns="91425" bIns="91425" anchor="t" anchorCtr="0">
               <a:noAutofit/>
             </a:bodyPr>
             <a:lstStyle/>
             <a:p>
-              <a:pPr indent="0" lvl="0" marL="0" rtl="0" algn="ctr">
+              <a:pPr marL="0" lvl="0" indent="0" algn="ctr" rtl="0">
                 <a:lnSpc>
                   <a:spcPct val="115000"/>
                 </a:lnSpc>
@@ -10876,12 +10963,12 @@
             </a:ln>
           </p:spPr>
           <p:txBody>
-            <a:bodyPr anchorCtr="0" anchor="t" bIns="91425" lIns="91425" spcFirstLastPara="1" rIns="91425" wrap="square" tIns="91425">
+            <a:bodyPr spcFirstLastPara="1" wrap="square" lIns="91425" tIns="91425" rIns="91425" bIns="91425" anchor="t" anchorCtr="0">
               <a:noAutofit/>
             </a:bodyPr>
             <a:lstStyle/>
             <a:p>
-              <a:pPr indent="0" lvl="0" marL="0" rtl="0" algn="ctr">
+              <a:pPr marL="0" lvl="0" indent="0" algn="ctr" rtl="0">
                 <a:lnSpc>
                   <a:spcPct val="115000"/>
                 </a:lnSpc>
@@ -10893,10 +10980,7 @@
                 </a:spcAft>
                 <a:buNone/>
               </a:pPr>
-              <a:r>
-                <a:t/>
-              </a:r>
-              <a:endParaRPr b="1" sz="800">
+              <a:endParaRPr sz="800" b="1">
                 <a:solidFill>
                   <a:schemeClr val="lt1"/>
                 </a:solidFill>
@@ -10938,23 +11022,23 @@
               <a:avLst/>
             </a:prstGeom>
             <a:noFill/>
-            <a:ln cap="flat" cmpd="sng" w="38100">
+            <a:ln w="38100" cap="flat" cmpd="sng">
               <a:solidFill>
                 <a:srgbClr val="858585"/>
               </a:solidFill>
               <a:prstDash val="solid"/>
               <a:round/>
-              <a:headEnd len="sm" w="sm" type="none"/>
-              <a:tailEnd len="sm" w="sm" type="none"/>
+              <a:headEnd type="none" w="sm" len="sm"/>
+              <a:tailEnd type="none" w="sm" len="sm"/>
             </a:ln>
           </p:spPr>
           <p:txBody>
-            <a:bodyPr anchorCtr="0" anchor="ctr" bIns="91425" lIns="91425" spcFirstLastPara="1" rIns="91425" wrap="square" tIns="91425">
+            <a:bodyPr spcFirstLastPara="1" wrap="square" lIns="91425" tIns="91425" rIns="91425" bIns="91425" anchor="ctr" anchorCtr="0">
               <a:noAutofit/>
             </a:bodyPr>
             <a:lstStyle/>
             <a:p>
-              <a:pPr indent="0" lvl="0" marL="0" rtl="0" algn="l">
+              <a:pPr marL="0" lvl="0" indent="0" algn="l" rtl="0">
                 <a:spcBef>
                   <a:spcPts val="0"/>
                 </a:spcBef>
@@ -10963,9 +11047,6 @@
                 </a:spcAft>
                 <a:buNone/>
               </a:pPr>
-              <a:r>
-                <a:t/>
-              </a:r>
               <a:endParaRPr/>
             </a:p>
           </p:txBody>
@@ -10990,12 +11071,12 @@
             </a:ln>
           </p:spPr>
           <p:txBody>
-            <a:bodyPr anchorCtr="0" anchor="b" bIns="91425" lIns="91425" spcFirstLastPara="1" rIns="91425" wrap="square" tIns="91425">
+            <a:bodyPr spcFirstLastPara="1" wrap="square" lIns="91425" tIns="91425" rIns="91425" bIns="91425" anchor="b" anchorCtr="0">
               <a:noAutofit/>
             </a:bodyPr>
             <a:lstStyle/>
             <a:p>
-              <a:pPr indent="0" lvl="0" marL="0" rtl="0" algn="ctr">
+              <a:pPr marL="0" lvl="0" indent="0" algn="ctr" rtl="0">
                 <a:lnSpc>
                   <a:spcPct val="115000"/>
                 </a:lnSpc>
@@ -11035,7 +11116,7 @@
               </a:endParaRPr>
             </a:p>
             <a:p>
-              <a:pPr indent="0" lvl="0" marL="0" rtl="0" algn="ctr">
+              <a:pPr marL="0" lvl="0" indent="0" algn="ctr" rtl="0">
                 <a:lnSpc>
                   <a:spcPct val="115000"/>
                 </a:lnSpc>
@@ -11047,10 +11128,7 @@
                 </a:spcAft>
                 <a:buNone/>
               </a:pPr>
-              <a:r>
-                <a:t/>
-              </a:r>
-              <a:endParaRPr b="1" sz="1000">
+              <a:endParaRPr sz="1000" b="1">
                 <a:solidFill>
                   <a:srgbClr val="858585"/>
                 </a:solidFill>
@@ -11082,12 +11160,12 @@
             </a:ln>
           </p:spPr>
           <p:txBody>
-            <a:bodyPr anchorCtr="0" anchor="t" bIns="91425" lIns="91425" spcFirstLastPara="1" rIns="91425" wrap="square" tIns="91425">
+            <a:bodyPr spcFirstLastPara="1" wrap="square" lIns="91425" tIns="91425" rIns="91425" bIns="91425" anchor="t" anchorCtr="0">
               <a:noAutofit/>
             </a:bodyPr>
             <a:lstStyle/>
             <a:p>
-              <a:pPr indent="0" lvl="0" marL="0" rtl="0" algn="ctr">
+              <a:pPr marL="0" lvl="0" indent="0" algn="ctr" rtl="0">
                 <a:lnSpc>
                   <a:spcPct val="115000"/>
                 </a:lnSpc>
@@ -11127,7 +11205,7 @@
               </a:endParaRPr>
             </a:p>
             <a:p>
-              <a:pPr indent="0" lvl="0" marL="0" rtl="0" algn="ctr">
+              <a:pPr marL="0" lvl="0" indent="0" algn="ctr" rtl="0">
                 <a:lnSpc>
                   <a:spcPct val="115000"/>
                 </a:lnSpc>
@@ -11139,9 +11217,6 @@
                 </a:spcAft>
                 <a:buNone/>
               </a:pPr>
-              <a:r>
-                <a:t/>
-              </a:r>
               <a:endParaRPr sz="800">
                 <a:solidFill>
                   <a:srgbClr val="858585"/>
@@ -11174,12 +11249,12 @@
             </a:ln>
           </p:spPr>
           <p:txBody>
-            <a:bodyPr anchorCtr="0" anchor="t" bIns="91425" lIns="91425" spcFirstLastPara="1" rIns="91425" wrap="square" tIns="91425">
+            <a:bodyPr spcFirstLastPara="1" wrap="square" lIns="91425" tIns="91425" rIns="91425" bIns="91425" anchor="t" anchorCtr="0">
               <a:noAutofit/>
             </a:bodyPr>
             <a:lstStyle/>
             <a:p>
-              <a:pPr indent="0" lvl="0" marL="0" rtl="0" algn="ctr">
+              <a:pPr marL="0" lvl="0" indent="0" algn="ctr" rtl="0">
                 <a:lnSpc>
                   <a:spcPct val="115000"/>
                 </a:lnSpc>
@@ -11191,10 +11266,7 @@
                 </a:spcAft>
                 <a:buNone/>
               </a:pPr>
-              <a:r>
-                <a:t/>
-              </a:r>
-              <a:endParaRPr b="1" sz="800">
+              <a:endParaRPr sz="800" b="1">
                 <a:solidFill>
                   <a:schemeClr val="lt1"/>
                 </a:solidFill>
@@ -11236,23 +11308,23 @@
               <a:avLst/>
             </a:prstGeom>
             <a:noFill/>
-            <a:ln cap="flat" cmpd="sng" w="38100">
+            <a:ln w="38100" cap="flat" cmpd="sng">
               <a:solidFill>
                 <a:srgbClr val="858585"/>
               </a:solidFill>
               <a:prstDash val="solid"/>
               <a:round/>
-              <a:headEnd len="sm" w="sm" type="none"/>
-              <a:tailEnd len="sm" w="sm" type="none"/>
+              <a:headEnd type="none" w="sm" len="sm"/>
+              <a:tailEnd type="none" w="sm" len="sm"/>
             </a:ln>
           </p:spPr>
           <p:txBody>
-            <a:bodyPr anchorCtr="0" anchor="ctr" bIns="91425" lIns="91425" spcFirstLastPara="1" rIns="91425" wrap="square" tIns="91425">
+            <a:bodyPr spcFirstLastPara="1" wrap="square" lIns="91425" tIns="91425" rIns="91425" bIns="91425" anchor="ctr" anchorCtr="0">
               <a:noAutofit/>
             </a:bodyPr>
             <a:lstStyle/>
             <a:p>
-              <a:pPr indent="0" lvl="0" marL="0" rtl="0" algn="l">
+              <a:pPr marL="0" lvl="0" indent="0" algn="l" rtl="0">
                 <a:spcBef>
                   <a:spcPts val="0"/>
                 </a:spcBef>
@@ -11261,9 +11333,6 @@
                 </a:spcAft>
                 <a:buNone/>
               </a:pPr>
-              <a:r>
-                <a:t/>
-              </a:r>
               <a:endParaRPr/>
             </a:p>
           </p:txBody>
@@ -11288,12 +11357,12 @@
             </a:ln>
           </p:spPr>
           <p:txBody>
-            <a:bodyPr anchorCtr="0" anchor="b" bIns="91425" lIns="91425" spcFirstLastPara="1" rIns="91425" wrap="square" tIns="91425">
+            <a:bodyPr spcFirstLastPara="1" wrap="square" lIns="91425" tIns="91425" rIns="91425" bIns="91425" anchor="b" anchorCtr="0">
               <a:noAutofit/>
             </a:bodyPr>
             <a:lstStyle/>
             <a:p>
-              <a:pPr indent="0" lvl="0" marL="0" rtl="0" algn="ctr">
+              <a:pPr marL="0" lvl="0" indent="0" algn="ctr" rtl="0">
                 <a:lnSpc>
                   <a:spcPct val="115000"/>
                 </a:lnSpc>
@@ -11328,7 +11397,7 @@
               </a:endParaRPr>
             </a:p>
             <a:p>
-              <a:pPr indent="0" lvl="0" marL="0" rtl="0" algn="ctr">
+              <a:pPr marL="0" lvl="0" indent="0" algn="ctr" rtl="0">
                 <a:lnSpc>
                   <a:spcPct val="115000"/>
                 </a:lnSpc>
@@ -11345,9 +11414,6 @@
                 <a:buFont typeface="Arial"/>
                 <a:buNone/>
               </a:pPr>
-              <a:r>
-                <a:t/>
-              </a:r>
               <a:endParaRPr sz="1000">
                 <a:solidFill>
                   <a:schemeClr val="lt1"/>
@@ -11380,12 +11446,12 @@
             </a:ln>
           </p:spPr>
           <p:txBody>
-            <a:bodyPr anchorCtr="0" anchor="t" bIns="91425" lIns="91425" spcFirstLastPara="1" rIns="91425" wrap="square" tIns="91425">
+            <a:bodyPr spcFirstLastPara="1" wrap="square" lIns="91425" tIns="91425" rIns="91425" bIns="91425" anchor="t" anchorCtr="0">
               <a:noAutofit/>
             </a:bodyPr>
             <a:lstStyle/>
             <a:p>
-              <a:pPr indent="0" lvl="0" marL="0" rtl="0" algn="ctr">
+              <a:pPr marL="0" lvl="0" indent="0" algn="ctr" rtl="0">
                 <a:lnSpc>
                   <a:spcPct val="115000"/>
                 </a:lnSpc>
@@ -11425,7 +11491,7 @@
               </a:endParaRPr>
             </a:p>
             <a:p>
-              <a:pPr indent="0" lvl="0" marL="0" rtl="0" algn="ctr">
+              <a:pPr marL="0" lvl="0" indent="0" algn="ctr" rtl="0">
                 <a:lnSpc>
                   <a:spcPct val="115000"/>
                 </a:lnSpc>
@@ -11437,9 +11503,6 @@
                 </a:spcAft>
                 <a:buNone/>
               </a:pPr>
-              <a:r>
-                <a:t/>
-              </a:r>
               <a:endParaRPr sz="800">
                 <a:solidFill>
                   <a:srgbClr val="858585"/>
@@ -11472,12 +11535,12 @@
             </a:ln>
           </p:spPr>
           <p:txBody>
-            <a:bodyPr anchorCtr="0" anchor="t" bIns="91425" lIns="91425" spcFirstLastPara="1" rIns="91425" wrap="square" tIns="91425">
+            <a:bodyPr spcFirstLastPara="1" wrap="square" lIns="91425" tIns="91425" rIns="91425" bIns="91425" anchor="t" anchorCtr="0">
               <a:noAutofit/>
             </a:bodyPr>
             <a:lstStyle/>
             <a:p>
-              <a:pPr indent="0" lvl="0" marL="0" rtl="0" algn="ctr">
+              <a:pPr marL="0" lvl="0" indent="0" algn="ctr" rtl="0">
                 <a:lnSpc>
                   <a:spcPct val="115000"/>
                 </a:lnSpc>
@@ -11489,10 +11552,7 @@
                 </a:spcAft>
                 <a:buNone/>
               </a:pPr>
-              <a:r>
-                <a:t/>
-              </a:r>
-              <a:endParaRPr b="1" sz="800">
+              <a:endParaRPr sz="800" b="1">
                 <a:solidFill>
                   <a:srgbClr val="858585"/>
                 </a:solidFill>
@@ -11518,7 +11578,7 @@
           </a:xfrm>
           <a:prstGeom prst="roundRect">
             <a:avLst>
-              <a:gd fmla="val 50000" name="adj"/>
+              <a:gd name="adj" fmla="val 50000"/>
             </a:avLst>
           </a:prstGeom>
           <a:solidFill>
@@ -11529,12 +11589,12 @@
           </a:ln>
         </p:spPr>
         <p:txBody>
-          <a:bodyPr anchorCtr="0" anchor="ctr" bIns="91425" lIns="91425" spcFirstLastPara="1" rIns="91425" wrap="square" tIns="91425">
+          <a:bodyPr spcFirstLastPara="1" wrap="square" lIns="91425" tIns="91425" rIns="91425" bIns="91425" anchor="ctr" anchorCtr="0">
             <a:noAutofit/>
           </a:bodyPr>
           <a:lstStyle/>
           <a:p>
-            <a:pPr indent="0" lvl="0" marL="0" rtl="0" algn="l">
+            <a:pPr marL="0" lvl="0" indent="0" algn="l" rtl="0">
               <a:spcBef>
                 <a:spcPts val="0"/>
               </a:spcBef>
@@ -11543,9 +11603,6 @@
               </a:spcAft>
               <a:buNone/>
             </a:pPr>
-            <a:r>
-              <a:t/>
-            </a:r>
             <a:endParaRPr/>
           </a:p>
         </p:txBody>
@@ -11563,7 +11620,7 @@
           </a:xfrm>
           <a:prstGeom prst="roundRect">
             <a:avLst>
-              <a:gd fmla="val 50000" name="adj"/>
+              <a:gd name="adj" fmla="val 50000"/>
             </a:avLst>
           </a:prstGeom>
           <a:solidFill>
@@ -11574,12 +11631,12 @@
           </a:ln>
         </p:spPr>
         <p:txBody>
-          <a:bodyPr anchorCtr="0" anchor="ctr" bIns="91425" lIns="91425" spcFirstLastPara="1" rIns="91425" wrap="square" tIns="91425">
+          <a:bodyPr spcFirstLastPara="1" wrap="square" lIns="91425" tIns="91425" rIns="91425" bIns="91425" anchor="ctr" anchorCtr="0">
             <a:noAutofit/>
           </a:bodyPr>
           <a:lstStyle/>
           <a:p>
-            <a:pPr indent="0" lvl="0" marL="0" rtl="0" algn="l">
+            <a:pPr marL="0" lvl="0" indent="0" algn="l" rtl="0">
               <a:spcBef>
                 <a:spcPts val="0"/>
               </a:spcBef>
@@ -11588,9 +11645,6 @@
               </a:spcAft>
               <a:buNone/>
             </a:pPr>
-            <a:r>
-              <a:t/>
-            </a:r>
             <a:endParaRPr/>
           </a:p>
         </p:txBody>
@@ -11608,7 +11662,7 @@
           </a:xfrm>
           <a:prstGeom prst="roundRect">
             <a:avLst>
-              <a:gd fmla="val 50000" name="adj"/>
+              <a:gd name="adj" fmla="val 50000"/>
             </a:avLst>
           </a:prstGeom>
           <a:solidFill>
@@ -11619,12 +11673,12 @@
           </a:ln>
         </p:spPr>
         <p:txBody>
-          <a:bodyPr anchorCtr="0" anchor="ctr" bIns="91425" lIns="91425" spcFirstLastPara="1" rIns="91425" wrap="square" tIns="91425">
+          <a:bodyPr spcFirstLastPara="1" wrap="square" lIns="91425" tIns="91425" rIns="91425" bIns="91425" anchor="ctr" anchorCtr="0">
             <a:noAutofit/>
           </a:bodyPr>
           <a:lstStyle/>
           <a:p>
-            <a:pPr indent="0" lvl="0" marL="0" rtl="0" algn="l">
+            <a:pPr marL="0" lvl="0" indent="0" algn="l" rtl="0">
               <a:spcBef>
                 <a:spcPts val="0"/>
               </a:spcBef>
@@ -11633,9 +11687,6 @@
               </a:spcAft>
               <a:buNone/>
             </a:pPr>
-            <a:r>
-              <a:t/>
-            </a:r>
             <a:endParaRPr/>
           </a:p>
         </p:txBody>
@@ -11653,7 +11704,7 @@
           </a:xfrm>
           <a:prstGeom prst="roundRect">
             <a:avLst>
-              <a:gd fmla="val 50000" name="adj"/>
+              <a:gd name="adj" fmla="val 50000"/>
             </a:avLst>
           </a:prstGeom>
           <a:solidFill>
@@ -11664,12 +11715,12 @@
           </a:ln>
         </p:spPr>
         <p:txBody>
-          <a:bodyPr anchorCtr="0" anchor="ctr" bIns="91425" lIns="91425" spcFirstLastPara="1" rIns="91425" wrap="square" tIns="91425">
+          <a:bodyPr spcFirstLastPara="1" wrap="square" lIns="91425" tIns="91425" rIns="91425" bIns="91425" anchor="ctr" anchorCtr="0">
             <a:noAutofit/>
           </a:bodyPr>
           <a:lstStyle/>
           <a:p>
-            <a:pPr indent="0" lvl="0" marL="0" rtl="0" algn="l">
+            <a:pPr marL="0" lvl="0" indent="0" algn="l" rtl="0">
               <a:spcBef>
                 <a:spcPts val="0"/>
               </a:spcBef>
@@ -11678,9 +11729,6 @@
               </a:spcAft>
               <a:buNone/>
             </a:pPr>
-            <a:r>
-              <a:t/>
-            </a:r>
             <a:endParaRPr/>
           </a:p>
         </p:txBody>
@@ -11694,11 +11742,11 @@
 </file>
 
 <file path=ppt/slides/slide12.xml><?xml version="1.0" encoding="utf-8"?>
-<p:sld xmlns:a="http://schemas.openxmlformats.org/drawingml/2006/main" xmlns:r="http://schemas.openxmlformats.org/officeDocument/2006/relationships" xmlns:mc="http://schemas.openxmlformats.org/markup-compatibility/2006" xmlns:mv="urn:schemas-microsoft-com:mac:vml" xmlns:p="http://schemas.openxmlformats.org/presentationml/2006/main" xmlns:c="http://schemas.openxmlformats.org/drawingml/2006/chart" xmlns:dgm="http://schemas.openxmlformats.org/drawingml/2006/diagram" xmlns:o="urn:schemas-microsoft-com:office:office" xmlns:v="urn:schemas-microsoft-com:vml" xmlns:pvml="urn:schemas-microsoft-com:office:powerpoint" xmlns:com="http://schemas.openxmlformats.org/drawingml/2006/compatibility" xmlns:p14="http://schemas.microsoft.com/office/powerpoint/2010/main" xmlns:p15="http://schemas.microsoft.com/office/powerpoint/2012/main" xmlns:ahyp="http://schemas.microsoft.com/office/drawing/2018/hyperlinkcolor">
+<p:sld xmlns:a="http://schemas.openxmlformats.org/drawingml/2006/main" xmlns:r="http://schemas.openxmlformats.org/officeDocument/2006/relationships" xmlns:p="http://schemas.openxmlformats.org/presentationml/2006/main">
   <p:cSld>
     <p:spTree>
       <p:nvGrpSpPr>
-        <p:cNvPr id="245" name="Shape 245"/>
+        <p:cNvPr id="1" name="Shape 245"/>
         <p:cNvGrpSpPr/>
         <p:nvPr/>
       </p:nvGrpSpPr>
@@ -11713,7 +11761,9 @@
       <p:sp>
         <p:nvSpPr>
           <p:cNvPr id="246" name="Google Shape;246;p24"/>
-          <p:cNvSpPr txBox="1"/>
+          <p:cNvSpPr txBox="1">
+            <a:spLocks noGrp="1"/>
+          </p:cNvSpPr>
           <p:nvPr>
             <p:ph type="title"/>
           </p:nvPr>
@@ -11728,12 +11778,12 @@
           </a:prstGeom>
         </p:spPr>
         <p:txBody>
-          <a:bodyPr anchorCtr="0" anchor="ctr" bIns="91425" lIns="91425" spcFirstLastPara="1" rIns="91425" wrap="square" tIns="91425">
+          <a:bodyPr spcFirstLastPara="1" wrap="square" lIns="91425" tIns="91425" rIns="91425" bIns="91425" anchor="ctr" anchorCtr="0">
             <a:normAutofit/>
           </a:bodyPr>
           <a:lstStyle/>
           <a:p>
-            <a:pPr indent="0" lvl="0" marL="0" rtl="0" algn="ctr">
+            <a:pPr marL="0" lvl="0" indent="0" algn="ctr" rtl="0">
               <a:spcBef>
                 <a:spcPts val="0"/>
               </a:spcBef>
@@ -11763,9 +11813,11 @@
       <p:sp>
         <p:nvSpPr>
           <p:cNvPr id="247" name="Google Shape;247;p24"/>
-          <p:cNvSpPr txBox="1"/>
+          <p:cNvSpPr txBox="1">
+            <a:spLocks noGrp="1"/>
+          </p:cNvSpPr>
           <p:nvPr>
-            <p:ph idx="2" type="body"/>
+            <p:ph type="body" idx="2"/>
           </p:nvPr>
         </p:nvSpPr>
         <p:spPr>
@@ -11778,12 +11830,12 @@
           </a:prstGeom>
         </p:spPr>
         <p:txBody>
-          <a:bodyPr anchorCtr="0" anchor="ctr" bIns="91425" lIns="91425" spcFirstLastPara="1" rIns="91425" wrap="square" tIns="91425">
+          <a:bodyPr spcFirstLastPara="1" wrap="square" lIns="91425" tIns="91425" rIns="91425" bIns="91425" anchor="ctr" anchorCtr="0">
             <a:normAutofit/>
           </a:bodyPr>
           <a:lstStyle/>
           <a:p>
-            <a:pPr indent="0" lvl="0" marL="0" rtl="0" algn="ctr">
+            <a:pPr marL="0" lvl="0" indent="0" algn="ctr" rtl="0">
               <a:lnSpc>
                 <a:spcPct val="100000"/>
               </a:lnSpc>
@@ -11844,12 +11896,12 @@
           </a:ln>
         </p:spPr>
         <p:txBody>
-          <a:bodyPr anchorCtr="0" anchor="t" bIns="91425" lIns="91425" spcFirstLastPara="1" rIns="91425" wrap="square" tIns="91425">
+          <a:bodyPr spcFirstLastPara="1" wrap="square" lIns="91425" tIns="91425" rIns="91425" bIns="91425" anchor="t" anchorCtr="0">
             <a:spAutoFit/>
           </a:bodyPr>
           <a:lstStyle/>
           <a:p>
-            <a:pPr indent="0" lvl="0" marL="0" rtl="0" algn="l">
+            <a:pPr marL="0" lvl="0" indent="0" algn="l" rtl="0">
               <a:spcBef>
                 <a:spcPts val="0"/>
               </a:spcBef>
@@ -11881,7 +11933,7 @@
             </a:endParaRPr>
           </a:p>
           <a:p>
-            <a:pPr indent="0" lvl="0" marL="0" rtl="0" algn="l">
+            <a:pPr marL="0" lvl="0" indent="0" algn="l" rtl="0">
               <a:spcBef>
                 <a:spcPts val="0"/>
               </a:spcBef>
@@ -11913,7 +11965,7 @@
             </a:endParaRPr>
           </a:p>
           <a:p>
-            <a:pPr indent="0" lvl="0" marL="0" rtl="0" algn="l">
+            <a:pPr marL="0" lvl="0" indent="0" algn="l" rtl="0">
               <a:spcBef>
                 <a:spcPts val="0"/>
               </a:spcBef>
@@ -11955,11 +12007,11 @@
 </file>
 
 <file path=ppt/slides/slide2.xml><?xml version="1.0" encoding="utf-8"?>
-<p:sld xmlns:a="http://schemas.openxmlformats.org/drawingml/2006/main" xmlns:r="http://schemas.openxmlformats.org/officeDocument/2006/relationships" xmlns:mc="http://schemas.openxmlformats.org/markup-compatibility/2006" xmlns:mv="urn:schemas-microsoft-com:mac:vml" xmlns:p="http://schemas.openxmlformats.org/presentationml/2006/main" xmlns:c="http://schemas.openxmlformats.org/drawingml/2006/chart" xmlns:dgm="http://schemas.openxmlformats.org/drawingml/2006/diagram" xmlns:o="urn:schemas-microsoft-com:office:office" xmlns:v="urn:schemas-microsoft-com:vml" xmlns:pvml="urn:schemas-microsoft-com:office:powerpoint" xmlns:com="http://schemas.openxmlformats.org/drawingml/2006/compatibility" xmlns:p14="http://schemas.microsoft.com/office/powerpoint/2010/main" xmlns:p15="http://schemas.microsoft.com/office/powerpoint/2012/main" xmlns:ahyp="http://schemas.microsoft.com/office/drawing/2018/hyperlinkcolor">
+<p:sld xmlns:a="http://schemas.openxmlformats.org/drawingml/2006/main" xmlns:r="http://schemas.openxmlformats.org/officeDocument/2006/relationships" xmlns:p="http://schemas.openxmlformats.org/presentationml/2006/main">
   <p:cSld>
     <p:spTree>
       <p:nvGrpSpPr>
-        <p:cNvPr id="65" name="Shape 65"/>
+        <p:cNvPr id="1" name="Shape 65"/>
         <p:cNvGrpSpPr/>
         <p:nvPr/>
       </p:nvGrpSpPr>
@@ -11974,7 +12026,9 @@
       <p:sp>
         <p:nvSpPr>
           <p:cNvPr id="66" name="Google Shape;66;p14"/>
-          <p:cNvSpPr txBox="1"/>
+          <p:cNvSpPr txBox="1">
+            <a:spLocks noGrp="1"/>
+          </p:cNvSpPr>
           <p:nvPr>
             <p:ph type="title"/>
           </p:nvPr>
@@ -11989,12 +12043,12 @@
           </a:prstGeom>
         </p:spPr>
         <p:txBody>
-          <a:bodyPr anchorCtr="0" anchor="b" bIns="91425" lIns="91425" spcFirstLastPara="1" rIns="91425" wrap="square" tIns="91425">
+          <a:bodyPr spcFirstLastPara="1" wrap="square" lIns="91425" tIns="91425" rIns="91425" bIns="91425" anchor="b" anchorCtr="0">
             <a:normAutofit/>
           </a:bodyPr>
           <a:lstStyle/>
           <a:p>
-            <a:pPr indent="0" lvl="0" marL="0" rtl="0" algn="ctr">
+            <a:pPr marL="0" lvl="0" indent="0" algn="ctr" rtl="0">
               <a:spcBef>
                 <a:spcPts val="0"/>
               </a:spcBef>
@@ -12024,9 +12078,11 @@
       <p:sp>
         <p:nvSpPr>
           <p:cNvPr id="67" name="Google Shape;67;p14"/>
-          <p:cNvSpPr txBox="1"/>
+          <p:cNvSpPr txBox="1">
+            <a:spLocks noGrp="1"/>
+          </p:cNvSpPr>
           <p:nvPr>
-            <p:ph idx="2" type="body"/>
+            <p:ph type="body" idx="2"/>
           </p:nvPr>
         </p:nvSpPr>
         <p:spPr>
@@ -12039,12 +12095,12 @@
           </a:prstGeom>
         </p:spPr>
         <p:txBody>
-          <a:bodyPr anchorCtr="0" anchor="t" bIns="91425" lIns="91425" spcFirstLastPara="1" rIns="91425" wrap="square" tIns="91425">
+          <a:bodyPr spcFirstLastPara="1" wrap="square" lIns="91425" tIns="91425" rIns="91425" bIns="91425" anchor="t" anchorCtr="0">
             <a:normAutofit/>
           </a:bodyPr>
           <a:lstStyle/>
           <a:p>
-            <a:pPr indent="0" lvl="0" marL="0" rtl="0" algn="l">
+            <a:pPr marL="0" lvl="0" indent="0" algn="l" rtl="0">
               <a:lnSpc>
                 <a:spcPct val="75000"/>
               </a:lnSpc>
@@ -12073,7 +12129,7 @@
             </a:endParaRPr>
           </a:p>
           <a:p>
-            <a:pPr indent="0" lvl="0" marL="0" rtl="0" algn="l">
+            <a:pPr marL="0" lvl="0" indent="0" algn="l" rtl="0">
               <a:lnSpc>
                 <a:spcPct val="75000"/>
               </a:lnSpc>
@@ -12102,7 +12158,7 @@
             </a:endParaRPr>
           </a:p>
           <a:p>
-            <a:pPr indent="0" lvl="0" marL="0" rtl="0" algn="l">
+            <a:pPr marL="0" lvl="0" indent="0" algn="l" rtl="0">
               <a:lnSpc>
                 <a:spcPct val="75000"/>
               </a:lnSpc>
@@ -12131,7 +12187,7 @@
             </a:endParaRPr>
           </a:p>
           <a:p>
-            <a:pPr indent="0" lvl="0" marL="0" rtl="0" algn="l">
+            <a:pPr marL="0" lvl="0" indent="0" algn="l" rtl="0">
               <a:lnSpc>
                 <a:spcPct val="75000"/>
               </a:lnSpc>
@@ -12160,7 +12216,7 @@
             </a:endParaRPr>
           </a:p>
           <a:p>
-            <a:pPr indent="0" lvl="0" marL="0" rtl="0" algn="l">
+            <a:pPr marL="0" lvl="0" indent="0" algn="l" rtl="0">
               <a:lnSpc>
                 <a:spcPct val="75000"/>
               </a:lnSpc>
@@ -12189,7 +12245,7 @@
             </a:endParaRPr>
           </a:p>
           <a:p>
-            <a:pPr indent="0" lvl="0" marL="0" rtl="0" algn="l">
+            <a:pPr marL="0" lvl="0" indent="0" algn="l" rtl="0">
               <a:lnSpc>
                 <a:spcPct val="75000"/>
               </a:lnSpc>
@@ -12218,7 +12274,7 @@
             </a:endParaRPr>
           </a:p>
           <a:p>
-            <a:pPr indent="0" lvl="0" marL="0" rtl="0" algn="l">
+            <a:pPr marL="0" lvl="0" indent="0" algn="l" rtl="0">
               <a:lnSpc>
                 <a:spcPct val="75000"/>
               </a:lnSpc>
@@ -12247,7 +12303,7 @@
             </a:endParaRPr>
           </a:p>
           <a:p>
-            <a:pPr indent="0" lvl="0" marL="0" rtl="0" algn="l">
+            <a:pPr marL="0" lvl="0" indent="0" algn="l" rtl="0">
               <a:lnSpc>
                 <a:spcPct val="50000"/>
               </a:lnSpc>
@@ -12314,11 +12370,11 @@
 </file>
 
 <file path=ppt/slides/slide3.xml><?xml version="1.0" encoding="utf-8"?>
-<p:sld xmlns:a="http://schemas.openxmlformats.org/drawingml/2006/main" xmlns:r="http://schemas.openxmlformats.org/officeDocument/2006/relationships" xmlns:mc="http://schemas.openxmlformats.org/markup-compatibility/2006" xmlns:mv="urn:schemas-microsoft-com:mac:vml" xmlns:p="http://schemas.openxmlformats.org/presentationml/2006/main" xmlns:c="http://schemas.openxmlformats.org/drawingml/2006/chart" xmlns:dgm="http://schemas.openxmlformats.org/drawingml/2006/diagram" xmlns:o="urn:schemas-microsoft-com:office:office" xmlns:v="urn:schemas-microsoft-com:vml" xmlns:pvml="urn:schemas-microsoft-com:office:powerpoint" xmlns:com="http://schemas.openxmlformats.org/drawingml/2006/compatibility" xmlns:p14="http://schemas.microsoft.com/office/powerpoint/2010/main" xmlns:p15="http://schemas.microsoft.com/office/powerpoint/2012/main" xmlns:ahyp="http://schemas.microsoft.com/office/drawing/2018/hyperlinkcolor">
+<p:sld xmlns:a="http://schemas.openxmlformats.org/drawingml/2006/main" xmlns:r="http://schemas.openxmlformats.org/officeDocument/2006/relationships" xmlns:p="http://schemas.openxmlformats.org/presentationml/2006/main">
   <p:cSld>
     <p:spTree>
       <p:nvGrpSpPr>
-        <p:cNvPr id="72" name="Shape 72"/>
+        <p:cNvPr id="1" name="Shape 72"/>
         <p:cNvGrpSpPr/>
         <p:nvPr/>
       </p:nvGrpSpPr>
@@ -12333,7 +12389,9 @@
       <p:sp>
         <p:nvSpPr>
           <p:cNvPr id="73" name="Google Shape;73;p15"/>
-          <p:cNvSpPr txBox="1"/>
+          <p:cNvSpPr txBox="1">
+            <a:spLocks noGrp="1"/>
+          </p:cNvSpPr>
           <p:nvPr>
             <p:ph type="title"/>
           </p:nvPr>
@@ -12348,12 +12406,12 @@
           </a:prstGeom>
         </p:spPr>
         <p:txBody>
-          <a:bodyPr anchorCtr="0" anchor="t" bIns="91425" lIns="91425" spcFirstLastPara="1" rIns="91425" wrap="square" tIns="91425">
-            <a:normAutofit fontScale="90000"/>
+          <a:bodyPr spcFirstLastPara="1" wrap="square" lIns="91425" tIns="91425" rIns="91425" bIns="91425" anchor="t" anchorCtr="0">
+            <a:normAutofit/>
           </a:bodyPr>
           <a:lstStyle/>
           <a:p>
-            <a:pPr indent="0" lvl="0" marL="0" rtl="0" algn="l">
+            <a:pPr marL="0" lvl="0" indent="0" algn="l" rtl="0">
               <a:spcBef>
                 <a:spcPts val="0"/>
               </a:spcBef>
@@ -12363,35 +12421,21 @@
               <a:buNone/>
             </a:pPr>
             <a:r>
-              <a:rPr lang="en"/>
-              <a:t>What is the </a:t>
+              <a:rPr lang="en" dirty="0"/>
+              <a:t>What is Jingga?</a:t>
             </a:r>
-            <a:endParaRPr/>
-          </a:p>
-          <a:p>
-            <a:pPr indent="0" lvl="0" marL="0" rtl="0" algn="l">
-              <a:spcBef>
-                <a:spcPts val="0"/>
-              </a:spcBef>
-              <a:spcAft>
-                <a:spcPts val="0"/>
-              </a:spcAft>
-              <a:buNone/>
-            </a:pPr>
-            <a:r>
-              <a:rPr lang="en"/>
-              <a:t>Orange Management?</a:t>
-            </a:r>
-            <a:endParaRPr/>
+            <a:endParaRPr dirty="0"/>
           </a:p>
         </p:txBody>
       </p:sp>
       <p:sp>
         <p:nvSpPr>
           <p:cNvPr id="74" name="Google Shape;74;p15"/>
-          <p:cNvSpPr txBox="1"/>
+          <p:cNvSpPr txBox="1">
+            <a:spLocks noGrp="1"/>
+          </p:cNvSpPr>
           <p:nvPr>
-            <p:ph idx="1" type="body"/>
+            <p:ph type="body" idx="1"/>
           </p:nvPr>
         </p:nvSpPr>
         <p:spPr>
@@ -12404,12 +12448,12 @@
           </a:prstGeom>
         </p:spPr>
         <p:txBody>
-          <a:bodyPr anchorCtr="0" anchor="ctr" bIns="91425" lIns="91425" spcFirstLastPara="1" rIns="91425" wrap="square" tIns="91425">
-            <a:normAutofit/>
+          <a:bodyPr spcFirstLastPara="1" wrap="square" lIns="91425" tIns="91425" rIns="91425" bIns="91425" anchor="ctr" anchorCtr="0">
+            <a:normAutofit lnSpcReduction="10000"/>
           </a:bodyPr>
           <a:lstStyle/>
           <a:p>
-            <a:pPr indent="0" lvl="0" marL="0" rtl="0" algn="l">
+            <a:pPr marL="0" lvl="0" indent="0" algn="l" rtl="0">
               <a:spcBef>
                 <a:spcPts val="0"/>
               </a:spcBef>
@@ -12419,10 +12463,10 @@
               <a:buNone/>
             </a:pPr>
             <a:r>
-              <a:rPr lang="en" sz="1400"/>
-              <a:t>Orange Management is a collection of tools &amp; workflows to map your business processes and support you in your everyday business operations.</a:t>
+              <a:rPr lang="en" sz="1400" dirty="0"/>
+              <a:t>Jingga is a collection of tools &amp; workflows to map your business processes and support you in your everyday business operations.</a:t>
             </a:r>
-            <a:endParaRPr sz="1400"/>
+            <a:endParaRPr sz="1400" dirty="0"/>
           </a:p>
         </p:txBody>
       </p:sp>
@@ -12463,11 +12507,11 @@
 </file>
 
 <file path=ppt/slides/slide4.xml><?xml version="1.0" encoding="utf-8"?>
-<p:sld xmlns:a="http://schemas.openxmlformats.org/drawingml/2006/main" xmlns:r="http://schemas.openxmlformats.org/officeDocument/2006/relationships" xmlns:mc="http://schemas.openxmlformats.org/markup-compatibility/2006" xmlns:mv="urn:schemas-microsoft-com:mac:vml" xmlns:p="http://schemas.openxmlformats.org/presentationml/2006/main" xmlns:c="http://schemas.openxmlformats.org/drawingml/2006/chart" xmlns:dgm="http://schemas.openxmlformats.org/drawingml/2006/diagram" xmlns:o="urn:schemas-microsoft-com:office:office" xmlns:v="urn:schemas-microsoft-com:vml" xmlns:pvml="urn:schemas-microsoft-com:office:powerpoint" xmlns:com="http://schemas.openxmlformats.org/drawingml/2006/compatibility" xmlns:p14="http://schemas.microsoft.com/office/powerpoint/2010/main" xmlns:p15="http://schemas.microsoft.com/office/powerpoint/2012/main" xmlns:ahyp="http://schemas.microsoft.com/office/drawing/2018/hyperlinkcolor">
+<p:sld xmlns:a="http://schemas.openxmlformats.org/drawingml/2006/main" xmlns:r="http://schemas.openxmlformats.org/officeDocument/2006/relationships" xmlns:p="http://schemas.openxmlformats.org/presentationml/2006/main">
   <p:cSld>
     <p:spTree>
       <p:nvGrpSpPr>
-        <p:cNvPr id="79" name="Shape 79"/>
+        <p:cNvPr id="1" name="Shape 79"/>
         <p:cNvGrpSpPr/>
         <p:nvPr/>
       </p:nvGrpSpPr>
@@ -12515,12 +12559,12 @@
             </a:ln>
           </p:spPr>
           <p:txBody>
-            <a:bodyPr anchorCtr="0" anchor="ctr" bIns="91425" lIns="91425" spcFirstLastPara="1" rIns="91425" wrap="square" tIns="91425">
+            <a:bodyPr spcFirstLastPara="1" wrap="square" lIns="91425" tIns="91425" rIns="91425" bIns="91425" anchor="ctr" anchorCtr="0">
               <a:noAutofit/>
             </a:bodyPr>
             <a:lstStyle/>
             <a:p>
-              <a:pPr indent="0" lvl="0" marL="0" rtl="0" algn="l">
+              <a:pPr marL="0" lvl="0" indent="0" algn="l" rtl="0">
                 <a:spcBef>
                   <a:spcPts val="0"/>
                 </a:spcBef>
@@ -12529,9 +12573,6 @@
                 </a:spcAft>
                 <a:buNone/>
               </a:pPr>
-              <a:r>
-                <a:t/>
-              </a:r>
               <a:endParaRPr/>
             </a:p>
           </p:txBody>
@@ -12558,12 +12599,12 @@
             </a:ln>
           </p:spPr>
           <p:txBody>
-            <a:bodyPr anchorCtr="0" anchor="ctr" bIns="91425" lIns="91425" spcFirstLastPara="1" rIns="91425" wrap="square" tIns="91425">
+            <a:bodyPr spcFirstLastPara="1" wrap="square" lIns="91425" tIns="91425" rIns="91425" bIns="91425" anchor="ctr" anchorCtr="0">
               <a:noAutofit/>
             </a:bodyPr>
             <a:lstStyle/>
             <a:p>
-              <a:pPr indent="0" lvl="0" marL="0" rtl="0" algn="l">
+              <a:pPr marL="0" lvl="0" indent="0" algn="l" rtl="0">
                 <a:spcBef>
                   <a:spcPts val="0"/>
                 </a:spcBef>
@@ -12572,9 +12613,6 @@
                 </a:spcAft>
                 <a:buNone/>
               </a:pPr>
-              <a:r>
-                <a:t/>
-              </a:r>
               <a:endParaRPr/>
             </a:p>
           </p:txBody>
@@ -12599,12 +12637,12 @@
             </a:ln>
           </p:spPr>
           <p:txBody>
-            <a:bodyPr anchorCtr="0" anchor="ctr" bIns="91425" lIns="91425" spcFirstLastPara="1" rIns="91425" wrap="square" tIns="91425">
+            <a:bodyPr spcFirstLastPara="1" wrap="square" lIns="91425" tIns="91425" rIns="91425" bIns="91425" anchor="ctr" anchorCtr="0">
               <a:noAutofit/>
             </a:bodyPr>
             <a:lstStyle/>
             <a:p>
-              <a:pPr indent="0" lvl="0" marL="0" rtl="0" algn="l">
+              <a:pPr marL="0" lvl="0" indent="0" algn="l" rtl="0">
                 <a:lnSpc>
                   <a:spcPct val="115000"/>
                 </a:lnSpc>
@@ -12660,12 +12698,12 @@
             </a:ln>
           </p:spPr>
           <p:txBody>
-            <a:bodyPr anchorCtr="0" anchor="ctr" bIns="91425" lIns="91425" spcFirstLastPara="1" rIns="91425" wrap="square" tIns="91425">
+            <a:bodyPr spcFirstLastPara="1" wrap="square" lIns="91425" tIns="91425" rIns="91425" bIns="91425" anchor="ctr" anchorCtr="0">
               <a:noAutofit/>
             </a:bodyPr>
             <a:lstStyle/>
             <a:p>
-              <a:pPr indent="-279400" lvl="0" marL="457200" rtl="0" algn="l">
+              <a:pPr marL="457200" lvl="0" indent="-279400" algn="l" rtl="0">
                 <a:lnSpc>
                   <a:spcPct val="115000"/>
                 </a:lnSpc>
@@ -12705,7 +12743,7 @@
               </a:endParaRPr>
             </a:p>
             <a:p>
-              <a:pPr indent="-279400" lvl="0" marL="457200" rtl="0" algn="l">
+              <a:pPr marL="457200" lvl="0" indent="-279400" algn="l" rtl="0">
                 <a:lnSpc>
                   <a:spcPct val="115000"/>
                 </a:lnSpc>
@@ -12745,7 +12783,7 @@
               </a:endParaRPr>
             </a:p>
             <a:p>
-              <a:pPr indent="-279400" lvl="0" marL="457200" rtl="0" algn="l">
+              <a:pPr marL="457200" lvl="0" indent="-279400" algn="l" rtl="0">
                 <a:lnSpc>
                   <a:spcPct val="115000"/>
                 </a:lnSpc>
@@ -12772,19 +12810,7 @@
                   <a:cs typeface="Roboto"/>
                   <a:sym typeface="Roboto"/>
                 </a:rPr>
-                <a:t>Automates</a:t>
-              </a:r>
-              <a:r>
-                <a:rPr lang="en" sz="800">
-                  <a:solidFill>
-                    <a:schemeClr val="lt1"/>
-                  </a:solidFill>
-                  <a:latin typeface="Roboto"/>
-                  <a:ea typeface="Roboto"/>
-                  <a:cs typeface="Roboto"/>
-                  <a:sym typeface="Roboto"/>
-                </a:rPr>
-                <a:t> and streamlines processes </a:t>
+                <a:t>Automates and streamlines processes </a:t>
               </a:r>
               <a:endParaRPr sz="800">
                 <a:solidFill>
@@ -12835,12 +12861,12 @@
             </a:ln>
           </p:spPr>
           <p:txBody>
-            <a:bodyPr anchorCtr="0" anchor="ctr" bIns="91425" lIns="91425" spcFirstLastPara="1" rIns="91425" wrap="square" tIns="91425">
+            <a:bodyPr spcFirstLastPara="1" wrap="square" lIns="91425" tIns="91425" rIns="91425" bIns="91425" anchor="ctr" anchorCtr="0">
               <a:noAutofit/>
             </a:bodyPr>
             <a:lstStyle/>
             <a:p>
-              <a:pPr indent="0" lvl="0" marL="0" rtl="0" algn="l">
+              <a:pPr marL="0" lvl="0" indent="0" algn="l" rtl="0">
                 <a:spcBef>
                   <a:spcPts val="0"/>
                 </a:spcBef>
@@ -12849,9 +12875,6 @@
                 </a:spcAft>
                 <a:buNone/>
               </a:pPr>
-              <a:r>
-                <a:t/>
-              </a:r>
               <a:endParaRPr/>
             </a:p>
           </p:txBody>
@@ -12878,12 +12901,12 @@
             </a:ln>
           </p:spPr>
           <p:txBody>
-            <a:bodyPr anchorCtr="0" anchor="ctr" bIns="91425" lIns="91425" spcFirstLastPara="1" rIns="91425" wrap="square" tIns="91425">
+            <a:bodyPr spcFirstLastPara="1" wrap="square" lIns="91425" tIns="91425" rIns="91425" bIns="91425" anchor="ctr" anchorCtr="0">
               <a:noAutofit/>
             </a:bodyPr>
             <a:lstStyle/>
             <a:p>
-              <a:pPr indent="0" lvl="0" marL="0" rtl="0" algn="l">
+              <a:pPr marL="0" lvl="0" indent="0" algn="l" rtl="0">
                 <a:spcBef>
                   <a:spcPts val="0"/>
                 </a:spcBef>
@@ -12892,9 +12915,6 @@
                 </a:spcAft>
                 <a:buNone/>
               </a:pPr>
-              <a:r>
-                <a:t/>
-              </a:r>
               <a:endParaRPr/>
             </a:p>
           </p:txBody>
@@ -12919,12 +12939,12 @@
             </a:ln>
           </p:spPr>
           <p:txBody>
-            <a:bodyPr anchorCtr="0" anchor="ctr" bIns="91425" lIns="91425" spcFirstLastPara="1" rIns="91425" wrap="square" tIns="91425">
+            <a:bodyPr spcFirstLastPara="1" wrap="square" lIns="91425" tIns="91425" rIns="91425" bIns="91425" anchor="ctr" anchorCtr="0">
               <a:noAutofit/>
             </a:bodyPr>
             <a:lstStyle/>
             <a:p>
-              <a:pPr indent="0" lvl="0" marL="0" rtl="0" algn="l">
+              <a:pPr marL="0" lvl="0" indent="0" algn="l" rtl="0">
                 <a:lnSpc>
                   <a:spcPct val="115000"/>
                 </a:lnSpc>
@@ -12980,12 +13000,12 @@
             </a:ln>
           </p:spPr>
           <p:txBody>
-            <a:bodyPr anchorCtr="0" anchor="ctr" bIns="91425" lIns="91425" spcFirstLastPara="1" rIns="91425" wrap="square" tIns="91425">
+            <a:bodyPr spcFirstLastPara="1" wrap="square" lIns="91425" tIns="91425" rIns="91425" bIns="91425" anchor="ctr" anchorCtr="0">
               <a:noAutofit/>
             </a:bodyPr>
             <a:lstStyle/>
             <a:p>
-              <a:pPr indent="-279400" lvl="0" marL="457200" rtl="0" algn="l">
+              <a:pPr marL="457200" lvl="0" indent="-279400" algn="l" rtl="0">
                 <a:lnSpc>
                   <a:spcPct val="115000"/>
                 </a:lnSpc>
@@ -13025,7 +13045,7 @@
               </a:endParaRPr>
             </a:p>
             <a:p>
-              <a:pPr indent="-279400" lvl="0" marL="457200" rtl="0" algn="l">
+              <a:pPr marL="457200" lvl="0" indent="-279400" algn="l" rtl="0">
                 <a:lnSpc>
                   <a:spcPct val="115000"/>
                 </a:lnSpc>
@@ -13065,7 +13085,7 @@
               </a:endParaRPr>
             </a:p>
             <a:p>
-              <a:pPr indent="-279400" lvl="0" marL="457200" rtl="0" algn="l">
+              <a:pPr marL="457200" lvl="0" indent="-279400" algn="l" rtl="0">
                 <a:lnSpc>
                   <a:spcPct val="115000"/>
                 </a:lnSpc>
@@ -13143,12 +13163,12 @@
             </a:ln>
           </p:spPr>
           <p:txBody>
-            <a:bodyPr anchorCtr="0" anchor="ctr" bIns="91425" lIns="91425" spcFirstLastPara="1" rIns="91425" wrap="square" tIns="91425">
+            <a:bodyPr spcFirstLastPara="1" wrap="square" lIns="91425" tIns="91425" rIns="91425" bIns="91425" anchor="ctr" anchorCtr="0">
               <a:noAutofit/>
             </a:bodyPr>
             <a:lstStyle/>
             <a:p>
-              <a:pPr indent="0" lvl="0" marL="0" rtl="0" algn="l">
+              <a:pPr marL="0" lvl="0" indent="0" algn="l" rtl="0">
                 <a:spcBef>
                   <a:spcPts val="0"/>
                 </a:spcBef>
@@ -13157,9 +13177,6 @@
                 </a:spcAft>
                 <a:buNone/>
               </a:pPr>
-              <a:r>
-                <a:t/>
-              </a:r>
               <a:endParaRPr/>
             </a:p>
           </p:txBody>
@@ -13186,12 +13203,12 @@
             </a:ln>
           </p:spPr>
           <p:txBody>
-            <a:bodyPr anchorCtr="0" anchor="ctr" bIns="91425" lIns="91425" spcFirstLastPara="1" rIns="91425" wrap="square" tIns="91425">
+            <a:bodyPr spcFirstLastPara="1" wrap="square" lIns="91425" tIns="91425" rIns="91425" bIns="91425" anchor="ctr" anchorCtr="0">
               <a:noAutofit/>
             </a:bodyPr>
             <a:lstStyle/>
             <a:p>
-              <a:pPr indent="0" lvl="0" marL="0" rtl="0" algn="l">
+              <a:pPr marL="0" lvl="0" indent="0" algn="l" rtl="0">
                 <a:spcBef>
                   <a:spcPts val="0"/>
                 </a:spcBef>
@@ -13200,9 +13217,6 @@
                 </a:spcAft>
                 <a:buNone/>
               </a:pPr>
-              <a:r>
-                <a:t/>
-              </a:r>
               <a:endParaRPr/>
             </a:p>
           </p:txBody>
@@ -13227,12 +13241,12 @@
             </a:ln>
           </p:spPr>
           <p:txBody>
-            <a:bodyPr anchorCtr="0" anchor="ctr" bIns="91425" lIns="91425" spcFirstLastPara="1" rIns="91425" wrap="square" tIns="91425">
+            <a:bodyPr spcFirstLastPara="1" wrap="square" lIns="91425" tIns="91425" rIns="91425" bIns="91425" anchor="ctr" anchorCtr="0">
               <a:noAutofit/>
             </a:bodyPr>
             <a:lstStyle/>
             <a:p>
-              <a:pPr indent="0" lvl="0" marL="0" rtl="0" algn="l">
+              <a:pPr marL="0" lvl="0" indent="0" algn="l" rtl="0">
                 <a:lnSpc>
                   <a:spcPct val="115000"/>
                 </a:lnSpc>
@@ -13288,12 +13302,12 @@
             </a:ln>
           </p:spPr>
           <p:txBody>
-            <a:bodyPr anchorCtr="0" anchor="ctr" bIns="91425" lIns="91425" spcFirstLastPara="1" rIns="91425" wrap="square" tIns="91425">
+            <a:bodyPr spcFirstLastPara="1" wrap="square" lIns="91425" tIns="91425" rIns="91425" bIns="91425" anchor="ctr" anchorCtr="0">
               <a:noAutofit/>
             </a:bodyPr>
             <a:lstStyle/>
             <a:p>
-              <a:pPr indent="-279400" lvl="0" marL="457200" rtl="0" algn="l">
+              <a:pPr marL="457200" lvl="0" indent="-279400" algn="l" rtl="0">
                 <a:lnSpc>
                   <a:spcPct val="115000"/>
                 </a:lnSpc>
@@ -13320,19 +13334,7 @@
                   <a:cs typeface="Roboto"/>
                   <a:sym typeface="Roboto"/>
                 </a:rPr>
-                <a:t>Improves quality</a:t>
-              </a:r>
-              <a:r>
-                <a:rPr lang="en" sz="800">
-                  <a:solidFill>
-                    <a:schemeClr val="lt1"/>
-                  </a:solidFill>
-                  <a:latin typeface="Roboto"/>
-                  <a:ea typeface="Roboto"/>
-                  <a:cs typeface="Roboto"/>
-                  <a:sym typeface="Roboto"/>
-                </a:rPr>
-                <a:t> and reduces risks</a:t>
+                <a:t>Improves quality and reduces risks</a:t>
               </a:r>
               <a:endParaRPr sz="800">
                 <a:solidFill>
@@ -13345,7 +13347,7 @@
               </a:endParaRPr>
             </a:p>
             <a:p>
-              <a:pPr indent="-279400" lvl="0" marL="457200" rtl="0" algn="l">
+              <a:pPr marL="457200" lvl="0" indent="-279400" algn="l" rtl="0">
                 <a:lnSpc>
                   <a:spcPct val="115000"/>
                 </a:lnSpc>
@@ -13385,7 +13387,7 @@
               </a:endParaRPr>
             </a:p>
             <a:p>
-              <a:pPr indent="-279400" lvl="0" marL="457200" rtl="0" algn="l">
+              <a:pPr marL="457200" lvl="0" indent="-279400" algn="l" rtl="0">
                 <a:lnSpc>
                   <a:spcPct val="115000"/>
                 </a:lnSpc>
@@ -13425,7 +13427,7 @@
               </a:endParaRPr>
             </a:p>
             <a:p>
-              <a:pPr indent="-279400" lvl="0" marL="457200" rtl="0" algn="l">
+              <a:pPr marL="457200" lvl="0" indent="-279400" algn="l" rtl="0">
                 <a:lnSpc>
                   <a:spcPct val="115000"/>
                 </a:lnSpc>
@@ -13503,12 +13505,12 @@
             </a:ln>
           </p:spPr>
           <p:txBody>
-            <a:bodyPr anchorCtr="0" anchor="ctr" bIns="91425" lIns="91425" spcFirstLastPara="1" rIns="91425" wrap="square" tIns="91425">
+            <a:bodyPr spcFirstLastPara="1" wrap="square" lIns="91425" tIns="91425" rIns="91425" bIns="91425" anchor="ctr" anchorCtr="0">
               <a:noAutofit/>
             </a:bodyPr>
             <a:lstStyle/>
             <a:p>
-              <a:pPr indent="0" lvl="0" marL="0" rtl="0" algn="l">
+              <a:pPr marL="0" lvl="0" indent="0" algn="l" rtl="0">
                 <a:spcBef>
                   <a:spcPts val="0"/>
                 </a:spcBef>
@@ -13517,9 +13519,6 @@
                 </a:spcAft>
                 <a:buNone/>
               </a:pPr>
-              <a:r>
-                <a:t/>
-              </a:r>
               <a:endParaRPr/>
             </a:p>
           </p:txBody>
@@ -13546,12 +13545,12 @@
             </a:ln>
           </p:spPr>
           <p:txBody>
-            <a:bodyPr anchorCtr="0" anchor="ctr" bIns="91425" lIns="91425" spcFirstLastPara="1" rIns="91425" wrap="square" tIns="91425">
+            <a:bodyPr spcFirstLastPara="1" wrap="square" lIns="91425" tIns="91425" rIns="91425" bIns="91425" anchor="ctr" anchorCtr="0">
               <a:noAutofit/>
             </a:bodyPr>
             <a:lstStyle/>
             <a:p>
-              <a:pPr indent="0" lvl="0" marL="0" rtl="0" algn="l">
+              <a:pPr marL="0" lvl="0" indent="0" algn="l" rtl="0">
                 <a:spcBef>
                   <a:spcPts val="0"/>
                 </a:spcBef>
@@ -13560,9 +13559,6 @@
                 </a:spcAft>
                 <a:buNone/>
               </a:pPr>
-              <a:r>
-                <a:t/>
-              </a:r>
               <a:endParaRPr/>
             </a:p>
           </p:txBody>
@@ -13587,12 +13583,12 @@
             </a:ln>
           </p:spPr>
           <p:txBody>
-            <a:bodyPr anchorCtr="0" anchor="ctr" bIns="91425" lIns="91425" spcFirstLastPara="1" rIns="91425" wrap="square" tIns="91425">
+            <a:bodyPr spcFirstLastPara="1" wrap="square" lIns="91425" tIns="91425" rIns="91425" bIns="91425" anchor="ctr" anchorCtr="0">
               <a:noAutofit/>
             </a:bodyPr>
             <a:lstStyle/>
             <a:p>
-              <a:pPr indent="0" lvl="0" marL="0" rtl="0" algn="l">
+              <a:pPr marL="0" lvl="0" indent="0" algn="l" rtl="0">
                 <a:lnSpc>
                   <a:spcPct val="115000"/>
                 </a:lnSpc>
@@ -13648,12 +13644,12 @@
             </a:ln>
           </p:spPr>
           <p:txBody>
-            <a:bodyPr anchorCtr="0" anchor="ctr" bIns="91425" lIns="91425" spcFirstLastPara="1" rIns="91425" wrap="square" tIns="91425">
+            <a:bodyPr spcFirstLastPara="1" wrap="square" lIns="91425" tIns="91425" rIns="91425" bIns="91425" anchor="ctr" anchorCtr="0">
               <a:noAutofit/>
             </a:bodyPr>
             <a:lstStyle/>
             <a:p>
-              <a:pPr indent="-279400" lvl="0" marL="457200" rtl="0" algn="l">
+              <a:pPr marL="457200" lvl="0" indent="-279400" algn="l" rtl="0">
                 <a:lnSpc>
                   <a:spcPct val="115000"/>
                 </a:lnSpc>
@@ -13693,7 +13689,7 @@
               </a:endParaRPr>
             </a:p>
             <a:p>
-              <a:pPr indent="-279400" lvl="0" marL="457200" rtl="0" algn="l">
+              <a:pPr marL="457200" lvl="0" indent="-279400" algn="l" rtl="0">
                 <a:lnSpc>
                   <a:spcPct val="115000"/>
                 </a:lnSpc>
@@ -13733,7 +13729,7 @@
               </a:endParaRPr>
             </a:p>
             <a:p>
-              <a:pPr indent="-279400" lvl="0" marL="457200" rtl="0" algn="l">
+              <a:pPr marL="457200" lvl="0" indent="-279400" algn="l" rtl="0">
                 <a:lnSpc>
                   <a:spcPct val="115000"/>
                 </a:lnSpc>
@@ -13773,7 +13769,7 @@
               </a:endParaRPr>
             </a:p>
             <a:p>
-              <a:pPr indent="-279400" lvl="0" marL="457200" rtl="0" algn="l">
+              <a:pPr marL="457200" lvl="0" indent="-279400" algn="l" rtl="0">
                 <a:lnSpc>
                   <a:spcPct val="115000"/>
                 </a:lnSpc>
@@ -13818,7 +13814,9 @@
       <p:sp>
         <p:nvSpPr>
           <p:cNvPr id="100" name="Google Shape;100;p16"/>
-          <p:cNvSpPr txBox="1"/>
+          <p:cNvSpPr txBox="1">
+            <a:spLocks noGrp="1"/>
+          </p:cNvSpPr>
           <p:nvPr>
             <p:ph type="title"/>
           </p:nvPr>
@@ -13833,12 +13831,12 @@
           </a:prstGeom>
         </p:spPr>
         <p:txBody>
-          <a:bodyPr anchorCtr="0" anchor="t" bIns="91425" lIns="91425" spcFirstLastPara="1" rIns="91425" wrap="square" tIns="91425">
+          <a:bodyPr spcFirstLastPara="1" wrap="square" lIns="91425" tIns="91425" rIns="91425" bIns="91425" anchor="t" anchorCtr="0">
             <a:normAutofit fontScale="90000"/>
           </a:bodyPr>
           <a:lstStyle/>
           <a:p>
-            <a:pPr indent="0" lvl="0" marL="0" rtl="0" algn="l">
+            <a:pPr marL="0" lvl="0" indent="0" algn="l" rtl="0">
               <a:spcBef>
                 <a:spcPts val="0"/>
               </a:spcBef>
@@ -13892,11 +13890,11 @@
 </file>
 
 <file path=ppt/slides/slide5.xml><?xml version="1.0" encoding="utf-8"?>
-<p:sld xmlns:a="http://schemas.openxmlformats.org/drawingml/2006/main" xmlns:r="http://schemas.openxmlformats.org/officeDocument/2006/relationships" xmlns:mc="http://schemas.openxmlformats.org/markup-compatibility/2006" xmlns:mv="urn:schemas-microsoft-com:mac:vml" xmlns:p="http://schemas.openxmlformats.org/presentationml/2006/main" xmlns:c="http://schemas.openxmlformats.org/drawingml/2006/chart" xmlns:dgm="http://schemas.openxmlformats.org/drawingml/2006/diagram" xmlns:o="urn:schemas-microsoft-com:office:office" xmlns:v="urn:schemas-microsoft-com:vml" xmlns:pvml="urn:schemas-microsoft-com:office:powerpoint" xmlns:com="http://schemas.openxmlformats.org/drawingml/2006/compatibility" xmlns:p14="http://schemas.microsoft.com/office/powerpoint/2010/main" xmlns:p15="http://schemas.microsoft.com/office/powerpoint/2012/main" xmlns:ahyp="http://schemas.microsoft.com/office/drawing/2018/hyperlinkcolor">
+<p:sld xmlns:a="http://schemas.openxmlformats.org/drawingml/2006/main" xmlns:r="http://schemas.openxmlformats.org/officeDocument/2006/relationships" xmlns:p="http://schemas.openxmlformats.org/presentationml/2006/main">
   <p:cSld>
     <p:spTree>
       <p:nvGrpSpPr>
-        <p:cNvPr id="105" name="Shape 105"/>
+        <p:cNvPr id="1" name="Shape 105"/>
         <p:cNvGrpSpPr/>
         <p:nvPr/>
       </p:nvGrpSpPr>
@@ -13944,12 +13942,12 @@
             </a:ln>
           </p:spPr>
           <p:txBody>
-            <a:bodyPr anchorCtr="0" anchor="ctr" bIns="91425" lIns="91425" spcFirstLastPara="1" rIns="91425" wrap="square" tIns="91425">
+            <a:bodyPr spcFirstLastPara="1" wrap="square" lIns="91425" tIns="91425" rIns="91425" bIns="91425" anchor="ctr" anchorCtr="0">
               <a:noAutofit/>
             </a:bodyPr>
             <a:lstStyle/>
             <a:p>
-              <a:pPr indent="0" lvl="0" marL="0" rtl="0" algn="l">
+              <a:pPr marL="0" lvl="0" indent="0" algn="l" rtl="0">
                 <a:spcBef>
                   <a:spcPts val="0"/>
                 </a:spcBef>
@@ -13998,12 +13996,12 @@
             </a:ln>
           </p:spPr>
           <p:txBody>
-            <a:bodyPr anchorCtr="0" anchor="ctr" bIns="91425" lIns="91425" spcFirstLastPara="1" rIns="91425" wrap="square" tIns="91425">
+            <a:bodyPr spcFirstLastPara="1" wrap="square" lIns="91425" tIns="91425" rIns="91425" bIns="91425" anchor="ctr" anchorCtr="0">
               <a:noAutofit/>
             </a:bodyPr>
             <a:lstStyle/>
             <a:p>
-              <a:pPr indent="0" lvl="0" marL="0" rtl="0" algn="l">
+              <a:pPr marL="0" lvl="0" indent="0" algn="l" rtl="0">
                 <a:spcBef>
                   <a:spcPts val="0"/>
                 </a:spcBef>
@@ -14052,12 +14050,12 @@
             </a:ln>
           </p:spPr>
           <p:txBody>
-            <a:bodyPr anchorCtr="0" anchor="ctr" bIns="91425" lIns="91425" spcFirstLastPara="1" rIns="91425" wrap="square" tIns="91425">
+            <a:bodyPr spcFirstLastPara="1" wrap="square" lIns="91425" tIns="91425" rIns="91425" bIns="91425" anchor="ctr" anchorCtr="0">
               <a:noAutofit/>
             </a:bodyPr>
             <a:lstStyle/>
             <a:p>
-              <a:pPr indent="0" lvl="0" marL="0" rtl="0" algn="l">
+              <a:pPr marL="0" lvl="0" indent="0" algn="l" rtl="0">
                 <a:spcBef>
                   <a:spcPts val="0"/>
                 </a:spcBef>
@@ -14112,12 +14110,12 @@
             </a:ln>
           </p:spPr>
           <p:txBody>
-            <a:bodyPr anchorCtr="0" anchor="ctr" bIns="91425" lIns="91425" spcFirstLastPara="1" rIns="91425" wrap="square" tIns="91425">
+            <a:bodyPr spcFirstLastPara="1" wrap="square" lIns="91425" tIns="91425" rIns="91425" bIns="91425" anchor="ctr" anchorCtr="0">
               <a:noAutofit/>
             </a:bodyPr>
             <a:lstStyle/>
             <a:p>
-              <a:pPr indent="0" lvl="0" marL="0" rtl="0" algn="ctr">
+              <a:pPr marL="0" lvl="0" indent="0" algn="ctr" rtl="0">
                 <a:spcBef>
                   <a:spcPts val="0"/>
                 </a:spcBef>
@@ -14166,12 +14164,12 @@
             </a:ln>
           </p:spPr>
           <p:txBody>
-            <a:bodyPr anchorCtr="0" anchor="ctr" bIns="91425" lIns="91425" spcFirstLastPara="1" rIns="91425" wrap="square" tIns="91425">
+            <a:bodyPr spcFirstLastPara="1" wrap="square" lIns="91425" tIns="91425" rIns="91425" bIns="91425" anchor="ctr" anchorCtr="0">
               <a:noAutofit/>
             </a:bodyPr>
             <a:lstStyle/>
             <a:p>
-              <a:pPr indent="0" lvl="0" marL="0" rtl="0" algn="l">
+              <a:pPr marL="0" lvl="0" indent="0" algn="l" rtl="0">
                 <a:spcBef>
                   <a:spcPts val="0"/>
                 </a:spcBef>
@@ -14220,12 +14218,12 @@
             </a:ln>
           </p:spPr>
           <p:txBody>
-            <a:bodyPr anchorCtr="0" anchor="ctr" bIns="91425" lIns="91425" spcFirstLastPara="1" rIns="91425" wrap="square" tIns="91425">
+            <a:bodyPr spcFirstLastPara="1" wrap="square" lIns="91425" tIns="91425" rIns="91425" bIns="91425" anchor="ctr" anchorCtr="0">
               <a:noAutofit/>
             </a:bodyPr>
             <a:lstStyle/>
             <a:p>
-              <a:pPr indent="0" lvl="0" marL="0" rtl="0" algn="l">
+              <a:pPr marL="0" lvl="0" indent="0" algn="l" rtl="0">
                 <a:spcBef>
                   <a:spcPts val="0"/>
                 </a:spcBef>
@@ -14289,12 +14287,12 @@
             </a:ln>
           </p:spPr>
           <p:txBody>
-            <a:bodyPr anchorCtr="0" anchor="ctr" bIns="91425" lIns="91425" spcFirstLastPara="1" rIns="91425" wrap="square" tIns="91425">
+            <a:bodyPr spcFirstLastPara="1" wrap="square" lIns="91425" tIns="91425" rIns="91425" bIns="91425" anchor="ctr" anchorCtr="0">
               <a:noAutofit/>
             </a:bodyPr>
             <a:lstStyle/>
             <a:p>
-              <a:pPr indent="0" lvl="0" marL="0" rtl="0" algn="l">
+              <a:pPr marL="0" lvl="0" indent="0" algn="l" rtl="0">
                 <a:spcBef>
                   <a:spcPts val="0"/>
                 </a:spcBef>
@@ -14303,9 +14301,6 @@
                 </a:spcAft>
                 <a:buNone/>
               </a:pPr>
-              <a:r>
-                <a:t/>
-              </a:r>
               <a:endParaRPr/>
             </a:p>
           </p:txBody>
@@ -14332,12 +14327,12 @@
             </a:ln>
           </p:spPr>
           <p:txBody>
-            <a:bodyPr anchorCtr="0" anchor="ctr" bIns="91425" lIns="91425" spcFirstLastPara="1" rIns="91425" wrap="square" tIns="91425">
+            <a:bodyPr spcFirstLastPara="1" wrap="square" lIns="91425" tIns="91425" rIns="91425" bIns="91425" anchor="ctr" anchorCtr="0">
               <a:noAutofit/>
             </a:bodyPr>
             <a:lstStyle/>
             <a:p>
-              <a:pPr indent="0" lvl="0" marL="0" rtl="0" algn="ctr">
+              <a:pPr marL="0" lvl="0" indent="0" algn="ctr" rtl="0">
                 <a:spcBef>
                   <a:spcPts val="0"/>
                 </a:spcBef>
@@ -14407,12 +14402,12 @@
             </a:ln>
           </p:spPr>
           <p:txBody>
-            <a:bodyPr anchorCtr="0" anchor="ctr" bIns="91425" lIns="91425" spcFirstLastPara="1" rIns="91425" wrap="square" tIns="91425">
+            <a:bodyPr spcFirstLastPara="1" wrap="square" lIns="91425" tIns="91425" rIns="91425" bIns="91425" anchor="ctr" anchorCtr="0">
               <a:noAutofit/>
             </a:bodyPr>
             <a:lstStyle/>
             <a:p>
-              <a:pPr indent="0" lvl="0" marL="0" rtl="0" algn="l">
+              <a:pPr marL="0" lvl="0" indent="0" algn="l" rtl="0">
                 <a:spcBef>
                   <a:spcPts val="0"/>
                 </a:spcBef>
@@ -14421,9 +14416,6 @@
                 </a:spcAft>
                 <a:buNone/>
               </a:pPr>
-              <a:r>
-                <a:t/>
-              </a:r>
               <a:endParaRPr/>
             </a:p>
           </p:txBody>
@@ -14450,12 +14442,12 @@
             </a:ln>
           </p:spPr>
           <p:txBody>
-            <a:bodyPr anchorCtr="0" anchor="ctr" bIns="91425" lIns="91425" spcFirstLastPara="1" rIns="91425" wrap="square" tIns="91425">
+            <a:bodyPr spcFirstLastPara="1" wrap="square" lIns="91425" tIns="91425" rIns="91425" bIns="91425" anchor="ctr" anchorCtr="0">
               <a:noAutofit/>
             </a:bodyPr>
             <a:lstStyle/>
             <a:p>
-              <a:pPr indent="0" lvl="0" marL="0" rtl="0" algn="ctr">
+              <a:pPr marL="0" lvl="0" indent="0" algn="ctr" rtl="0">
                 <a:spcBef>
                   <a:spcPts val="0"/>
                 </a:spcBef>
@@ -14525,12 +14517,12 @@
             </a:ln>
           </p:spPr>
           <p:txBody>
-            <a:bodyPr anchorCtr="0" anchor="ctr" bIns="91425" lIns="91425" spcFirstLastPara="1" rIns="91425" wrap="square" tIns="91425">
+            <a:bodyPr spcFirstLastPara="1" wrap="square" lIns="91425" tIns="91425" rIns="91425" bIns="91425" anchor="ctr" anchorCtr="0">
               <a:noAutofit/>
             </a:bodyPr>
             <a:lstStyle/>
             <a:p>
-              <a:pPr indent="0" lvl="0" marL="0" rtl="0" algn="l">
+              <a:pPr marL="0" lvl="0" indent="0" algn="l" rtl="0">
                 <a:spcBef>
                   <a:spcPts val="0"/>
                 </a:spcBef>
@@ -14539,9 +14531,6 @@
                 </a:spcAft>
                 <a:buNone/>
               </a:pPr>
-              <a:r>
-                <a:t/>
-              </a:r>
               <a:endParaRPr/>
             </a:p>
           </p:txBody>
@@ -14568,12 +14557,12 @@
             </a:ln>
           </p:spPr>
           <p:txBody>
-            <a:bodyPr anchorCtr="0" anchor="ctr" bIns="91425" lIns="91425" spcFirstLastPara="1" rIns="91425" wrap="square" tIns="91425">
+            <a:bodyPr spcFirstLastPara="1" wrap="square" lIns="91425" tIns="91425" rIns="91425" bIns="91425" anchor="ctr" anchorCtr="0">
               <a:noAutofit/>
             </a:bodyPr>
             <a:lstStyle/>
             <a:p>
-              <a:pPr indent="0" lvl="0" marL="0" rtl="0" algn="ctr">
+              <a:pPr marL="0" lvl="0" indent="0" algn="ctr" rtl="0">
                 <a:spcBef>
                   <a:spcPts val="0"/>
                 </a:spcBef>
@@ -14643,12 +14632,12 @@
             </a:ln>
           </p:spPr>
           <p:txBody>
-            <a:bodyPr anchorCtr="0" anchor="ctr" bIns="91425" lIns="91425" spcFirstLastPara="1" rIns="91425" wrap="square" tIns="91425">
+            <a:bodyPr spcFirstLastPara="1" wrap="square" lIns="91425" tIns="91425" rIns="91425" bIns="91425" anchor="ctr" anchorCtr="0">
               <a:noAutofit/>
             </a:bodyPr>
             <a:lstStyle/>
             <a:p>
-              <a:pPr indent="0" lvl="0" marL="0" rtl="0" algn="l">
+              <a:pPr marL="0" lvl="0" indent="0" algn="l" rtl="0">
                 <a:spcBef>
                   <a:spcPts val="0"/>
                 </a:spcBef>
@@ -14657,9 +14646,6 @@
                 </a:spcAft>
                 <a:buNone/>
               </a:pPr>
-              <a:r>
-                <a:t/>
-              </a:r>
               <a:endParaRPr/>
             </a:p>
           </p:txBody>
@@ -14686,12 +14672,12 @@
             </a:ln>
           </p:spPr>
           <p:txBody>
-            <a:bodyPr anchorCtr="0" anchor="ctr" bIns="91425" lIns="91425" spcFirstLastPara="1" rIns="91425" wrap="square" tIns="91425">
+            <a:bodyPr spcFirstLastPara="1" wrap="square" lIns="91425" tIns="91425" rIns="91425" bIns="91425" anchor="ctr" anchorCtr="0">
               <a:noAutofit/>
             </a:bodyPr>
             <a:lstStyle/>
             <a:p>
-              <a:pPr indent="0" lvl="0" marL="0" rtl="0" algn="ctr">
+              <a:pPr marL="0" lvl="0" indent="0" algn="ctr" rtl="0">
                 <a:spcBef>
                   <a:spcPts val="0"/>
                 </a:spcBef>
@@ -14728,7 +14714,9 @@
       <p:sp>
         <p:nvSpPr>
           <p:cNvPr id="125" name="Google Shape;125;p17"/>
-          <p:cNvSpPr txBox="1"/>
+          <p:cNvSpPr txBox="1">
+            <a:spLocks noGrp="1"/>
+          </p:cNvSpPr>
           <p:nvPr>
             <p:ph type="title"/>
           </p:nvPr>
@@ -14743,12 +14731,12 @@
           </a:prstGeom>
         </p:spPr>
         <p:txBody>
-          <a:bodyPr anchorCtr="0" anchor="t" bIns="91425" lIns="91425" spcFirstLastPara="1" rIns="91425" wrap="square" tIns="91425">
+          <a:bodyPr spcFirstLastPara="1" wrap="square" lIns="91425" tIns="91425" rIns="91425" bIns="91425" anchor="t" anchorCtr="0">
             <a:normAutofit fontScale="90000"/>
           </a:bodyPr>
           <a:lstStyle/>
           <a:p>
-            <a:pPr indent="0" lvl="0" marL="0" rtl="0" algn="l">
+            <a:pPr marL="0" lvl="0" indent="0" algn="l" rtl="0">
               <a:spcBef>
                 <a:spcPts val="0"/>
               </a:spcBef>
@@ -14802,11 +14790,11 @@
 </file>
 
 <file path=ppt/slides/slide6.xml><?xml version="1.0" encoding="utf-8"?>
-<p:sld xmlns:a="http://schemas.openxmlformats.org/drawingml/2006/main" xmlns:r="http://schemas.openxmlformats.org/officeDocument/2006/relationships" xmlns:mc="http://schemas.openxmlformats.org/markup-compatibility/2006" xmlns:mv="urn:schemas-microsoft-com:mac:vml" xmlns:p="http://schemas.openxmlformats.org/presentationml/2006/main" xmlns:c="http://schemas.openxmlformats.org/drawingml/2006/chart" xmlns:dgm="http://schemas.openxmlformats.org/drawingml/2006/diagram" xmlns:o="urn:schemas-microsoft-com:office:office" xmlns:v="urn:schemas-microsoft-com:vml" xmlns:pvml="urn:schemas-microsoft-com:office:powerpoint" xmlns:com="http://schemas.openxmlformats.org/drawingml/2006/compatibility" xmlns:p14="http://schemas.microsoft.com/office/powerpoint/2010/main" xmlns:p15="http://schemas.microsoft.com/office/powerpoint/2012/main" xmlns:ahyp="http://schemas.microsoft.com/office/drawing/2018/hyperlinkcolor">
+<p:sld xmlns:a="http://schemas.openxmlformats.org/drawingml/2006/main" xmlns:r="http://schemas.openxmlformats.org/officeDocument/2006/relationships" xmlns:p="http://schemas.openxmlformats.org/presentationml/2006/main">
   <p:cSld>
     <p:spTree>
       <p:nvGrpSpPr>
-        <p:cNvPr id="130" name="Shape 130"/>
+        <p:cNvPr id="1" name="Shape 130"/>
         <p:cNvGrpSpPr/>
         <p:nvPr/>
       </p:nvGrpSpPr>
@@ -14821,7 +14809,9 @@
       <p:sp>
         <p:nvSpPr>
           <p:cNvPr id="131" name="Google Shape;131;p18"/>
-          <p:cNvSpPr txBox="1"/>
+          <p:cNvSpPr txBox="1">
+            <a:spLocks noGrp="1"/>
+          </p:cNvSpPr>
           <p:nvPr>
             <p:ph type="title"/>
           </p:nvPr>
@@ -14836,12 +14826,12 @@
           </a:prstGeom>
         </p:spPr>
         <p:txBody>
-          <a:bodyPr anchorCtr="0" anchor="t" bIns="91425" lIns="91425" spcFirstLastPara="1" rIns="91425" wrap="square" tIns="91425">
+          <a:bodyPr spcFirstLastPara="1" wrap="square" lIns="91425" tIns="91425" rIns="91425" bIns="91425" anchor="t" anchorCtr="0">
             <a:normAutofit fontScale="90000"/>
           </a:bodyPr>
           <a:lstStyle/>
           <a:p>
-            <a:pPr indent="0" lvl="0" marL="0" rtl="0" algn="l">
+            <a:pPr marL="0" lvl="0" indent="0" algn="l" rtl="0">
               <a:spcBef>
                 <a:spcPts val="0"/>
               </a:spcBef>
@@ -14880,12 +14870,12 @@
           </a:ln>
         </p:spPr>
         <p:txBody>
-          <a:bodyPr anchorCtr="0" anchor="ctr" bIns="91425" lIns="91425" spcFirstLastPara="1" rIns="91425" wrap="square" tIns="91425">
+          <a:bodyPr spcFirstLastPara="1" wrap="square" lIns="91425" tIns="91425" rIns="91425" bIns="91425" anchor="ctr" anchorCtr="0">
             <a:noAutofit/>
           </a:bodyPr>
           <a:lstStyle/>
           <a:p>
-            <a:pPr indent="0" lvl="0" marL="0" rtl="0" algn="ctr">
+            <a:pPr marL="0" lvl="0" indent="0" algn="ctr" rtl="0">
               <a:spcBef>
                 <a:spcPts val="0"/>
               </a:spcBef>
@@ -14917,7 +14907,7 @@
             </a:endParaRPr>
           </a:p>
           <a:p>
-            <a:pPr indent="0" lvl="0" marL="0" rtl="0" algn="l">
+            <a:pPr marL="0" lvl="0" indent="0" algn="l" rtl="0">
               <a:spcBef>
                 <a:spcPts val="0"/>
               </a:spcBef>
@@ -14926,9 +14916,6 @@
               </a:spcAft>
               <a:buNone/>
             </a:pPr>
-            <a:r>
-              <a:t/>
-            </a:r>
             <a:endParaRPr>
               <a:solidFill>
                 <a:schemeClr val="lt1"/>
@@ -14940,7 +14927,7 @@
             </a:endParaRPr>
           </a:p>
           <a:p>
-            <a:pPr indent="0" lvl="0" marL="0" rtl="0" algn="l">
+            <a:pPr marL="0" lvl="0" indent="0" algn="l" rtl="0">
               <a:spcBef>
                 <a:spcPts val="0"/>
               </a:spcBef>
@@ -14959,55 +14946,7 @@
                 <a:cs typeface="Roboto Light"/>
                 <a:sym typeface="Roboto Light"/>
               </a:rPr>
-              <a:t>We can host the app on our servers if you </a:t>
-            </a:r>
-            <a:r>
-              <a:rPr lang="en" sz="1000">
-                <a:solidFill>
-                  <a:schemeClr val="lt1"/>
-                </a:solidFill>
-                <a:latin typeface="Roboto Light"/>
-                <a:ea typeface="Roboto Light"/>
-                <a:cs typeface="Roboto Light"/>
-                <a:sym typeface="Roboto Light"/>
-              </a:rPr>
-              <a:t>prefer</a:t>
-            </a:r>
-            <a:r>
-              <a:rPr lang="en" sz="1000">
-                <a:solidFill>
-                  <a:schemeClr val="lt1"/>
-                </a:solidFill>
-                <a:latin typeface="Roboto Light"/>
-                <a:ea typeface="Roboto Light"/>
-                <a:cs typeface="Roboto Light"/>
-                <a:sym typeface="Roboto Light"/>
-              </a:rPr>
-              <a:t> this option over using your own </a:t>
-            </a:r>
-            <a:r>
-              <a:rPr lang="en" sz="1000">
-                <a:solidFill>
-                  <a:schemeClr val="lt1"/>
-                </a:solidFill>
-                <a:latin typeface="Roboto Light"/>
-                <a:ea typeface="Roboto Light"/>
-                <a:cs typeface="Roboto Light"/>
-                <a:sym typeface="Roboto Light"/>
-              </a:rPr>
-              <a:t>servers</a:t>
-            </a:r>
-            <a:r>
-              <a:rPr lang="en" sz="1000">
-                <a:solidFill>
-                  <a:schemeClr val="lt1"/>
-                </a:solidFill>
-                <a:latin typeface="Roboto Light"/>
-                <a:ea typeface="Roboto Light"/>
-                <a:cs typeface="Roboto Light"/>
-                <a:sym typeface="Roboto Light"/>
-              </a:rPr>
-              <a:t>.</a:t>
+              <a:t>We can host the app on our servers if you prefer this option over using your own servers.</a:t>
             </a:r>
             <a:endParaRPr sz="1000">
               <a:solidFill>
@@ -15043,12 +14982,12 @@
           </a:ln>
         </p:spPr>
         <p:txBody>
-          <a:bodyPr anchorCtr="0" anchor="ctr" bIns="91425" lIns="91425" spcFirstLastPara="1" rIns="91425" wrap="square" tIns="91425">
+          <a:bodyPr spcFirstLastPara="1" wrap="square" lIns="91425" tIns="91425" rIns="91425" bIns="91425" anchor="ctr" anchorCtr="0">
             <a:noAutofit/>
           </a:bodyPr>
           <a:lstStyle/>
           <a:p>
-            <a:pPr indent="0" lvl="0" marL="0" rtl="0" algn="ctr">
+            <a:pPr marL="0" lvl="0" indent="0" algn="ctr" rtl="0">
               <a:spcBef>
                 <a:spcPts val="0"/>
               </a:spcBef>
@@ -15058,7 +14997,7 @@
               <a:buNone/>
             </a:pPr>
             <a:r>
-              <a:rPr lang="en">
+              <a:rPr lang="en" dirty="0">
                 <a:solidFill>
                   <a:schemeClr val="lt1"/>
                 </a:solidFill>
@@ -15069,7 +15008,7 @@
               </a:rPr>
               <a:t>Setup</a:t>
             </a:r>
-            <a:endParaRPr>
+            <a:endParaRPr dirty="0">
               <a:solidFill>
                 <a:schemeClr val="lt1"/>
               </a:solidFill>
@@ -15080,7 +15019,7 @@
             </a:endParaRPr>
           </a:p>
           <a:p>
-            <a:pPr indent="0" lvl="0" marL="0" rtl="0" algn="ctr">
+            <a:pPr marL="0" lvl="0" indent="0" algn="ctr" rtl="0">
               <a:spcBef>
                 <a:spcPts val="0"/>
               </a:spcBef>
@@ -15089,10 +15028,7 @@
               </a:spcAft>
               <a:buNone/>
             </a:pPr>
-            <a:r>
-              <a:t/>
-            </a:r>
-            <a:endParaRPr>
+            <a:endParaRPr dirty="0">
               <a:solidFill>
                 <a:schemeClr val="lt1"/>
               </a:solidFill>
@@ -15103,7 +15039,7 @@
             </a:endParaRPr>
           </a:p>
           <a:p>
-            <a:pPr indent="0" lvl="0" marL="0" rtl="0" algn="l">
+            <a:pPr marL="0" lvl="0" indent="0" algn="l" rtl="0">
               <a:spcBef>
                 <a:spcPts val="0"/>
               </a:spcBef>
@@ -15113,7 +15049,7 @@
               <a:buNone/>
             </a:pPr>
             <a:r>
-              <a:rPr lang="en" sz="1000">
+              <a:rPr lang="en" sz="1000" dirty="0">
                 <a:solidFill>
                   <a:schemeClr val="lt1"/>
                 </a:solidFill>
@@ -15124,7 +15060,7 @@
               </a:rPr>
               <a:t>Installation of the application and the purchased modules. Price for setup</a:t>
             </a:r>
-            <a:endParaRPr sz="1000">
+            <a:endParaRPr sz="1000" dirty="0">
               <a:solidFill>
                 <a:schemeClr val="lt1"/>
               </a:solidFill>
@@ -15158,12 +15094,12 @@
           </a:ln>
         </p:spPr>
         <p:txBody>
-          <a:bodyPr anchorCtr="0" anchor="ctr" bIns="91425" lIns="91425" spcFirstLastPara="1" rIns="91425" wrap="square" tIns="91425">
+          <a:bodyPr spcFirstLastPara="1" wrap="square" lIns="91425" tIns="91425" rIns="91425" bIns="91425" anchor="ctr" anchorCtr="0">
             <a:noAutofit/>
           </a:bodyPr>
           <a:lstStyle/>
           <a:p>
-            <a:pPr indent="0" lvl="0" marL="0" rtl="0" algn="ctr">
+            <a:pPr marL="0" lvl="0" indent="0" algn="ctr" rtl="0">
               <a:spcBef>
                 <a:spcPts val="0"/>
               </a:spcBef>
@@ -15173,7 +15109,7 @@
               <a:buNone/>
             </a:pPr>
             <a:r>
-              <a:rPr lang="en">
+              <a:rPr lang="en" dirty="0">
                 <a:solidFill>
                   <a:schemeClr val="lt1"/>
                 </a:solidFill>
@@ -15184,7 +15120,7 @@
               </a:rPr>
               <a:t>Customization</a:t>
             </a:r>
-            <a:endParaRPr>
+            <a:endParaRPr dirty="0">
               <a:solidFill>
                 <a:schemeClr val="lt1"/>
               </a:solidFill>
@@ -15195,7 +15131,7 @@
             </a:endParaRPr>
           </a:p>
           <a:p>
-            <a:pPr indent="0" lvl="0" marL="0" rtl="0" algn="ctr">
+            <a:pPr marL="0" lvl="0" indent="0" algn="ctr" rtl="0">
               <a:spcBef>
                 <a:spcPts val="0"/>
               </a:spcBef>
@@ -15204,10 +15140,7 @@
               </a:spcAft>
               <a:buNone/>
             </a:pPr>
-            <a:r>
-              <a:t/>
-            </a:r>
-            <a:endParaRPr>
+            <a:endParaRPr dirty="0">
               <a:solidFill>
                 <a:schemeClr val="lt1"/>
               </a:solidFill>
@@ -15218,7 +15151,7 @@
             </a:endParaRPr>
           </a:p>
           <a:p>
-            <a:pPr indent="0" lvl="0" marL="0" rtl="0" algn="l">
+            <a:pPr marL="0" lvl="0" indent="0" algn="l" rtl="0">
               <a:spcBef>
                 <a:spcPts val="0"/>
               </a:spcBef>
@@ -15228,7 +15161,7 @@
               <a:buNone/>
             </a:pPr>
             <a:r>
-              <a:rPr lang="en" sz="1000">
+              <a:rPr lang="en" sz="1000" dirty="0">
                 <a:solidFill>
                   <a:schemeClr val="lt1"/>
                 </a:solidFill>
@@ -15237,9 +15170,9 @@
                 <a:cs typeface="Roboto Light"/>
                 <a:sym typeface="Roboto Light"/>
               </a:rPr>
-              <a:t>Customization viability, timeline and costs depend on the requirements.</a:t>
+              <a:t>Custom layout &amp; functionality. Timeline and costs depend on the requirements.</a:t>
             </a:r>
-            <a:endParaRPr sz="1000">
+            <a:endParaRPr sz="1000" dirty="0">
               <a:solidFill>
                 <a:schemeClr val="lt1"/>
               </a:solidFill>
@@ -15273,12 +15206,12 @@
           </a:ln>
         </p:spPr>
         <p:txBody>
-          <a:bodyPr anchorCtr="0" anchor="ctr" bIns="91425" lIns="91425" spcFirstLastPara="1" rIns="91425" wrap="square" tIns="91425">
+          <a:bodyPr spcFirstLastPara="1" wrap="square" lIns="91425" tIns="91425" rIns="91425" bIns="91425" anchor="ctr" anchorCtr="0">
             <a:noAutofit/>
           </a:bodyPr>
           <a:lstStyle/>
           <a:p>
-            <a:pPr indent="0" lvl="0" marL="0" rtl="0" algn="ctr">
+            <a:pPr marL="0" lvl="0" indent="0" algn="ctr" rtl="0">
               <a:spcBef>
                 <a:spcPts val="0"/>
               </a:spcBef>
@@ -15310,7 +15243,7 @@
             </a:endParaRPr>
           </a:p>
           <a:p>
-            <a:pPr indent="0" lvl="0" marL="0" rtl="0" algn="ctr">
+            <a:pPr marL="0" lvl="0" indent="0" algn="ctr" rtl="0">
               <a:spcBef>
                 <a:spcPts val="0"/>
               </a:spcBef>
@@ -15319,9 +15252,6 @@
               </a:spcAft>
               <a:buNone/>
             </a:pPr>
-            <a:r>
-              <a:t/>
-            </a:r>
             <a:endParaRPr>
               <a:solidFill>
                 <a:schemeClr val="lt1"/>
@@ -15333,7 +15263,7 @@
             </a:endParaRPr>
           </a:p>
           <a:p>
-            <a:pPr indent="0" lvl="0" marL="0" rtl="0" algn="l">
+            <a:pPr marL="0" lvl="0" indent="0" algn="l" rtl="0">
               <a:spcBef>
                 <a:spcPts val="0"/>
               </a:spcBef>
@@ -15365,7 +15295,7 @@
             </a:endParaRPr>
           </a:p>
           <a:p>
-            <a:pPr indent="0" lvl="0" marL="0" rtl="0" algn="l">
+            <a:pPr marL="0" lvl="0" indent="0" algn="l" rtl="0">
               <a:spcBef>
                 <a:spcPts val="0"/>
               </a:spcBef>
@@ -15374,9 +15304,6 @@
               </a:spcAft>
               <a:buNone/>
             </a:pPr>
-            <a:r>
-              <a:t/>
-            </a:r>
             <a:endParaRPr sz="1000">
               <a:solidFill>
                 <a:schemeClr val="lt1"/>
@@ -15411,12 +15338,12 @@
           </a:ln>
         </p:spPr>
         <p:txBody>
-          <a:bodyPr anchorCtr="0" anchor="ctr" bIns="91425" lIns="91425" spcFirstLastPara="1" rIns="91425" wrap="square" tIns="91425">
+          <a:bodyPr spcFirstLastPara="1" wrap="square" lIns="91425" tIns="91425" rIns="91425" bIns="91425" anchor="ctr" anchorCtr="0">
             <a:noAutofit/>
           </a:bodyPr>
           <a:lstStyle/>
           <a:p>
-            <a:pPr indent="0" lvl="0" marL="0" rtl="0" algn="ctr">
+            <a:pPr marL="0" lvl="0" indent="0" algn="ctr" rtl="0">
               <a:spcBef>
                 <a:spcPts val="0"/>
               </a:spcBef>
@@ -15426,7 +15353,7 @@
               <a:buNone/>
             </a:pPr>
             <a:r>
-              <a:rPr lang="en">
+              <a:rPr lang="en" dirty="0">
                 <a:solidFill>
                   <a:schemeClr val="lt1"/>
                 </a:solidFill>
@@ -15437,7 +15364,7 @@
               </a:rPr>
               <a:t>Module Consulting</a:t>
             </a:r>
-            <a:endParaRPr>
+            <a:endParaRPr dirty="0">
               <a:solidFill>
                 <a:schemeClr val="lt1"/>
               </a:solidFill>
@@ -15448,7 +15375,7 @@
             </a:endParaRPr>
           </a:p>
           <a:p>
-            <a:pPr indent="0" lvl="0" marL="0" rtl="0" algn="ctr">
+            <a:pPr marL="0" lvl="0" indent="0" algn="ctr" rtl="0">
               <a:spcBef>
                 <a:spcPts val="0"/>
               </a:spcBef>
@@ -15457,10 +15384,7 @@
               </a:spcAft>
               <a:buNone/>
             </a:pPr>
-            <a:r>
-              <a:t/>
-            </a:r>
-            <a:endParaRPr>
+            <a:endParaRPr dirty="0">
               <a:solidFill>
                 <a:schemeClr val="lt1"/>
               </a:solidFill>
@@ -15471,7 +15395,7 @@
             </a:endParaRPr>
           </a:p>
           <a:p>
-            <a:pPr indent="0" lvl="0" marL="0" rtl="0" algn="l">
+            <a:pPr marL="0" lvl="0" indent="0" algn="l" rtl="0">
               <a:spcBef>
                 <a:spcPts val="0"/>
               </a:spcBef>
@@ -15481,7 +15405,7 @@
               <a:buNone/>
             </a:pPr>
             <a:r>
-              <a:rPr lang="en" sz="1000">
+              <a:rPr lang="en" sz="1000" dirty="0">
                 <a:solidFill>
                   <a:schemeClr val="lt1"/>
                 </a:solidFill>
@@ -15492,7 +15416,7 @@
               </a:rPr>
               <a:t>We create you an offer based on your requirement specification.</a:t>
             </a:r>
-            <a:endParaRPr sz="1000">
+            <a:endParaRPr sz="1000" dirty="0">
               <a:solidFill>
                 <a:schemeClr val="lt1"/>
               </a:solidFill>
@@ -15526,12 +15450,12 @@
           </a:ln>
         </p:spPr>
         <p:txBody>
-          <a:bodyPr anchorCtr="0" anchor="ctr" bIns="91425" lIns="91425" spcFirstLastPara="1" rIns="91425" wrap="square" tIns="91425">
+          <a:bodyPr spcFirstLastPara="1" wrap="square" lIns="91425" tIns="91425" rIns="91425" bIns="91425" anchor="ctr" anchorCtr="0">
             <a:noAutofit/>
           </a:bodyPr>
           <a:lstStyle/>
           <a:p>
-            <a:pPr indent="0" lvl="0" marL="0" rtl="0" algn="ctr">
+            <a:pPr marL="0" lvl="0" indent="0" algn="ctr" rtl="0">
               <a:spcBef>
                 <a:spcPts val="0"/>
               </a:spcBef>
@@ -15541,7 +15465,7 @@
               <a:buNone/>
             </a:pPr>
             <a:r>
-              <a:rPr lang="en">
+              <a:rPr lang="en" dirty="0">
                 <a:solidFill>
                   <a:schemeClr val="lt1"/>
                 </a:solidFill>
@@ -15552,7 +15476,7 @@
               </a:rPr>
               <a:t>Data Migration</a:t>
             </a:r>
-            <a:endParaRPr>
+            <a:endParaRPr dirty="0">
               <a:solidFill>
                 <a:schemeClr val="lt1"/>
               </a:solidFill>
@@ -15563,7 +15487,7 @@
             </a:endParaRPr>
           </a:p>
           <a:p>
-            <a:pPr indent="0" lvl="0" marL="0" rtl="0" algn="ctr">
+            <a:pPr marL="0" lvl="0" indent="0" algn="ctr" rtl="0">
               <a:spcBef>
                 <a:spcPts val="0"/>
               </a:spcBef>
@@ -15572,10 +15496,7 @@
               </a:spcAft>
               <a:buNone/>
             </a:pPr>
-            <a:r>
-              <a:t/>
-            </a:r>
-            <a:endParaRPr>
+            <a:endParaRPr dirty="0">
               <a:solidFill>
                 <a:schemeClr val="lt1"/>
               </a:solidFill>
@@ -15586,7 +15507,7 @@
             </a:endParaRPr>
           </a:p>
           <a:p>
-            <a:pPr indent="0" lvl="0" marL="0" rtl="0" algn="l">
+            <a:pPr marL="0" lvl="0" indent="0" algn="l" rtl="0">
               <a:spcBef>
                 <a:spcPts val="0"/>
               </a:spcBef>
@@ -15596,7 +15517,7 @@
               <a:buNone/>
             </a:pPr>
             <a:r>
-              <a:rPr lang="en" sz="1000">
+              <a:rPr lang="en" sz="1000" dirty="0">
                 <a:solidFill>
                   <a:schemeClr val="lt1"/>
                 </a:solidFill>
@@ -15605,9 +15526,9 @@
                 <a:cs typeface="Roboto Light"/>
                 <a:sym typeface="Roboto Light"/>
               </a:rPr>
-              <a:t>Data migration viability, timeline and costs depend on the data source.</a:t>
+              <a:t>Data migration. Timeline and costs depend on the data source.</a:t>
             </a:r>
-            <a:endParaRPr sz="1000">
+            <a:endParaRPr sz="1000" dirty="0">
               <a:solidFill>
                 <a:schemeClr val="lt1"/>
               </a:solidFill>
@@ -15628,11 +15549,11 @@
 </file>
 
 <file path=ppt/slides/slide7.xml><?xml version="1.0" encoding="utf-8"?>
-<p:sld xmlns:a="http://schemas.openxmlformats.org/drawingml/2006/main" xmlns:r="http://schemas.openxmlformats.org/officeDocument/2006/relationships" xmlns:mc="http://schemas.openxmlformats.org/markup-compatibility/2006" xmlns:mv="urn:schemas-microsoft-com:mac:vml" xmlns:p="http://schemas.openxmlformats.org/presentationml/2006/main" xmlns:c="http://schemas.openxmlformats.org/drawingml/2006/chart" xmlns:dgm="http://schemas.openxmlformats.org/drawingml/2006/diagram" xmlns:o="urn:schemas-microsoft-com:office:office" xmlns:v="urn:schemas-microsoft-com:vml" xmlns:pvml="urn:schemas-microsoft-com:office:powerpoint" xmlns:com="http://schemas.openxmlformats.org/drawingml/2006/compatibility" xmlns:p14="http://schemas.microsoft.com/office/powerpoint/2010/main" xmlns:p15="http://schemas.microsoft.com/office/powerpoint/2012/main" xmlns:ahyp="http://schemas.microsoft.com/office/drawing/2018/hyperlinkcolor">
+<p:sld xmlns:a="http://schemas.openxmlformats.org/drawingml/2006/main" xmlns:r="http://schemas.openxmlformats.org/officeDocument/2006/relationships" xmlns:p="http://schemas.openxmlformats.org/presentationml/2006/main">
   <p:cSld>
     <p:spTree>
       <p:nvGrpSpPr>
-        <p:cNvPr id="141" name="Shape 141"/>
+        <p:cNvPr id="1" name="Shape 141"/>
         <p:cNvGrpSpPr/>
         <p:nvPr/>
       </p:nvGrpSpPr>
@@ -15647,7 +15568,9 @@
       <p:sp>
         <p:nvSpPr>
           <p:cNvPr id="142" name="Google Shape;142;p19"/>
-          <p:cNvSpPr txBox="1"/>
+          <p:cNvSpPr txBox="1">
+            <a:spLocks noGrp="1"/>
+          </p:cNvSpPr>
           <p:nvPr>
             <p:ph type="title"/>
           </p:nvPr>
@@ -15662,12 +15585,12 @@
           </a:prstGeom>
         </p:spPr>
         <p:txBody>
-          <a:bodyPr anchorCtr="0" anchor="ctr" bIns="91425" lIns="91425" spcFirstLastPara="1" rIns="91425" wrap="square" tIns="91425">
+          <a:bodyPr spcFirstLastPara="1" wrap="square" lIns="91425" tIns="91425" rIns="91425" bIns="91425" anchor="ctr" anchorCtr="0">
             <a:normAutofit/>
           </a:bodyPr>
           <a:lstStyle/>
           <a:p>
-            <a:pPr indent="0" lvl="0" marL="0" rtl="0" algn="ctr">
+            <a:pPr marL="0" lvl="0" indent="0" algn="ctr" rtl="0">
               <a:spcBef>
                 <a:spcPts val="0"/>
               </a:spcBef>
@@ -15731,11 +15654,11 @@
 </file>
 
 <file path=ppt/slides/slide8.xml><?xml version="1.0" encoding="utf-8"?>
-<p:sld xmlns:a="http://schemas.openxmlformats.org/drawingml/2006/main" xmlns:r="http://schemas.openxmlformats.org/officeDocument/2006/relationships" xmlns:mc="http://schemas.openxmlformats.org/markup-compatibility/2006" xmlns:mv="urn:schemas-microsoft-com:mac:vml" xmlns:p="http://schemas.openxmlformats.org/presentationml/2006/main" xmlns:c="http://schemas.openxmlformats.org/drawingml/2006/chart" xmlns:dgm="http://schemas.openxmlformats.org/drawingml/2006/diagram" xmlns:o="urn:schemas-microsoft-com:office:office" xmlns:v="urn:schemas-microsoft-com:vml" xmlns:pvml="urn:schemas-microsoft-com:office:powerpoint" xmlns:com="http://schemas.openxmlformats.org/drawingml/2006/compatibility" xmlns:p14="http://schemas.microsoft.com/office/powerpoint/2010/main" xmlns:p15="http://schemas.microsoft.com/office/powerpoint/2012/main" xmlns:ahyp="http://schemas.microsoft.com/office/drawing/2018/hyperlinkcolor">
+<p:sld xmlns:a="http://schemas.openxmlformats.org/drawingml/2006/main" xmlns:r="http://schemas.openxmlformats.org/officeDocument/2006/relationships" xmlns:p="http://schemas.openxmlformats.org/presentationml/2006/main">
   <p:cSld>
     <p:spTree>
       <p:nvGrpSpPr>
-        <p:cNvPr id="147" name="Shape 147"/>
+        <p:cNvPr id="1" name="Shape 147"/>
         <p:cNvGrpSpPr/>
         <p:nvPr/>
       </p:nvGrpSpPr>
@@ -15750,7 +15673,9 @@
       <p:sp>
         <p:nvSpPr>
           <p:cNvPr id="148" name="Google Shape;148;p20"/>
-          <p:cNvSpPr txBox="1"/>
+          <p:cNvSpPr txBox="1">
+            <a:spLocks noGrp="1"/>
+          </p:cNvSpPr>
           <p:nvPr>
             <p:ph type="title"/>
           </p:nvPr>
@@ -15765,12 +15690,12 @@
           </a:prstGeom>
         </p:spPr>
         <p:txBody>
-          <a:bodyPr anchorCtr="0" anchor="b" bIns="91425" lIns="91425" spcFirstLastPara="1" rIns="91425" wrap="square" tIns="91425">
+          <a:bodyPr spcFirstLastPara="1" wrap="square" lIns="91425" tIns="91425" rIns="91425" bIns="91425" anchor="b" anchorCtr="0">
             <a:normAutofit fontScale="90000"/>
           </a:bodyPr>
           <a:lstStyle/>
           <a:p>
-            <a:pPr indent="0" lvl="0" marL="0" rtl="0" algn="ctr">
+            <a:pPr marL="0" lvl="0" indent="0" algn="ctr" rtl="0">
               <a:spcBef>
                 <a:spcPts val="0"/>
               </a:spcBef>
@@ -15790,9 +15715,11 @@
       <p:sp>
         <p:nvSpPr>
           <p:cNvPr id="149" name="Google Shape;149;p20"/>
-          <p:cNvSpPr txBox="1"/>
+          <p:cNvSpPr txBox="1">
+            <a:spLocks noGrp="1"/>
+          </p:cNvSpPr>
           <p:nvPr>
-            <p:ph idx="1" type="subTitle"/>
+            <p:ph type="subTitle" idx="1"/>
           </p:nvPr>
         </p:nvSpPr>
         <p:spPr>
@@ -15805,12 +15732,12 @@
           </a:prstGeom>
         </p:spPr>
         <p:txBody>
-          <a:bodyPr anchorCtr="0" anchor="t" bIns="91425" lIns="91425" spcFirstLastPara="1" rIns="91425" wrap="square" tIns="91425">
+          <a:bodyPr spcFirstLastPara="1" wrap="square" lIns="91425" tIns="91425" rIns="91425" bIns="91425" anchor="t" anchorCtr="0">
             <a:normAutofit/>
           </a:bodyPr>
           <a:lstStyle/>
           <a:p>
-            <a:pPr indent="0" lvl="0" marL="0" rtl="0" algn="ctr">
+            <a:pPr marL="0" lvl="0" indent="0" algn="ctr" rtl="0">
               <a:spcBef>
                 <a:spcPts val="0"/>
               </a:spcBef>
@@ -15825,23 +15752,7 @@
                   <a:schemeClr val="lt1"/>
                 </a:solidFill>
               </a:rPr>
-              <a:t>Pick a </a:t>
-            </a:r>
-            <a:r>
-              <a:rPr lang="en">
-                <a:solidFill>
-                  <a:schemeClr val="lt1"/>
-                </a:solidFill>
-              </a:rPr>
-              <a:t>predefined</a:t>
-            </a:r>
-            <a:r>
-              <a:rPr lang="en">
-                <a:solidFill>
-                  <a:schemeClr val="lt1"/>
-                </a:solidFill>
-              </a:rPr>
-              <a:t> module collection</a:t>
+              <a:t>Pick a predefined module collection</a:t>
             </a:r>
             <a:endParaRPr>
               <a:solidFill>
@@ -15854,9 +15765,11 @@
       <p:sp>
         <p:nvSpPr>
           <p:cNvPr id="150" name="Google Shape;150;p20"/>
-          <p:cNvSpPr txBox="1"/>
+          <p:cNvSpPr txBox="1">
+            <a:spLocks noGrp="1"/>
+          </p:cNvSpPr>
           <p:nvPr>
-            <p:ph idx="1" type="subTitle"/>
+            <p:ph type="subTitle" idx="1"/>
           </p:nvPr>
         </p:nvSpPr>
         <p:spPr>
@@ -15869,12 +15782,12 @@
           </a:prstGeom>
         </p:spPr>
         <p:txBody>
-          <a:bodyPr anchorCtr="0" anchor="t" bIns="91425" lIns="91425" spcFirstLastPara="1" rIns="91425" wrap="square" tIns="91425">
+          <a:bodyPr spcFirstLastPara="1" wrap="square" lIns="91425" tIns="91425" rIns="91425" bIns="91425" anchor="t" anchorCtr="0">
             <a:normAutofit/>
           </a:bodyPr>
           <a:lstStyle/>
           <a:p>
-            <a:pPr indent="0" lvl="0" marL="0" rtl="0" algn="ctr">
+            <a:pPr marL="0" lvl="0" indent="0" algn="ctr" rtl="0">
               <a:spcBef>
                 <a:spcPts val="0"/>
               </a:spcBef>
@@ -15894,7 +15807,9 @@
       <p:sp>
         <p:nvSpPr>
           <p:cNvPr id="151" name="Google Shape;151;p20"/>
-          <p:cNvSpPr txBox="1"/>
+          <p:cNvSpPr txBox="1">
+            <a:spLocks noGrp="1"/>
+          </p:cNvSpPr>
           <p:nvPr>
             <p:ph type="title"/>
           </p:nvPr>
@@ -15909,12 +15824,12 @@
           </a:prstGeom>
         </p:spPr>
         <p:txBody>
-          <a:bodyPr anchorCtr="0" anchor="b" bIns="91425" lIns="91425" spcFirstLastPara="1" rIns="91425" wrap="square" tIns="91425">
+          <a:bodyPr spcFirstLastPara="1" wrap="square" lIns="91425" tIns="91425" rIns="91425" bIns="91425" anchor="b" anchorCtr="0">
             <a:normAutofit fontScale="90000"/>
           </a:bodyPr>
           <a:lstStyle/>
           <a:p>
-            <a:pPr indent="0" lvl="0" marL="0" rtl="0" algn="ctr">
+            <a:pPr marL="0" lvl="0" indent="0" algn="ctr" rtl="0">
               <a:spcBef>
                 <a:spcPts val="0"/>
               </a:spcBef>
@@ -15948,11 +15863,11 @@
 </file>
 
 <file path=ppt/slides/slide9.xml><?xml version="1.0" encoding="utf-8"?>
-<p:sld xmlns:a="http://schemas.openxmlformats.org/drawingml/2006/main" xmlns:r="http://schemas.openxmlformats.org/officeDocument/2006/relationships" xmlns:mc="http://schemas.openxmlformats.org/markup-compatibility/2006" xmlns:mv="urn:schemas-microsoft-com:mac:vml" xmlns:p="http://schemas.openxmlformats.org/presentationml/2006/main" xmlns:c="http://schemas.openxmlformats.org/drawingml/2006/chart" xmlns:dgm="http://schemas.openxmlformats.org/drawingml/2006/diagram" xmlns:o="urn:schemas-microsoft-com:office:office" xmlns:v="urn:schemas-microsoft-com:vml" xmlns:pvml="urn:schemas-microsoft-com:office:powerpoint" xmlns:com="http://schemas.openxmlformats.org/drawingml/2006/compatibility" xmlns:p14="http://schemas.microsoft.com/office/powerpoint/2010/main" xmlns:p15="http://schemas.microsoft.com/office/powerpoint/2012/main" xmlns:ahyp="http://schemas.microsoft.com/office/drawing/2018/hyperlinkcolor">
+<p:sld xmlns:a="http://schemas.openxmlformats.org/drawingml/2006/main" xmlns:r="http://schemas.openxmlformats.org/officeDocument/2006/relationships" xmlns:p="http://schemas.openxmlformats.org/presentationml/2006/main">
   <p:cSld>
     <p:spTree>
       <p:nvGrpSpPr>
-        <p:cNvPr id="155" name="Shape 155"/>
+        <p:cNvPr id="1" name="Shape 155"/>
         <p:cNvGrpSpPr/>
         <p:nvPr/>
       </p:nvGrpSpPr>
@@ -15967,7 +15882,9 @@
       <p:sp>
         <p:nvSpPr>
           <p:cNvPr id="156" name="Google Shape;156;p21"/>
-          <p:cNvSpPr txBox="1"/>
+          <p:cNvSpPr txBox="1">
+            <a:spLocks noGrp="1"/>
+          </p:cNvSpPr>
           <p:nvPr>
             <p:ph type="title"/>
           </p:nvPr>
@@ -15982,12 +15899,12 @@
           </a:prstGeom>
         </p:spPr>
         <p:txBody>
-          <a:bodyPr anchorCtr="0" anchor="t" bIns="91425" lIns="91425" spcFirstLastPara="1" rIns="91425" wrap="square" tIns="91425">
+          <a:bodyPr spcFirstLastPara="1" wrap="square" lIns="91425" tIns="91425" rIns="91425" bIns="91425" anchor="t" anchorCtr="0">
             <a:normAutofit fontScale="90000"/>
           </a:bodyPr>
           <a:lstStyle/>
           <a:p>
-            <a:pPr indent="0" lvl="0" marL="0" rtl="0" algn="l">
+            <a:pPr marL="0" lvl="0" indent="0" algn="l" rtl="0">
               <a:spcBef>
                 <a:spcPts val="0"/>
               </a:spcBef>
@@ -16021,23 +15938,23 @@
           <a:solidFill>
             <a:schemeClr val="lt1"/>
           </a:solidFill>
-          <a:ln cap="flat" cmpd="sng" w="28575">
+          <a:ln w="28575" cap="flat" cmpd="sng">
             <a:solidFill>
               <a:srgbClr val="3697DB"/>
             </a:solidFill>
             <a:prstDash val="solid"/>
             <a:round/>
-            <a:headEnd len="sm" w="sm" type="none"/>
-            <a:tailEnd len="sm" w="sm" type="none"/>
+            <a:headEnd type="none" w="sm" len="sm"/>
+            <a:tailEnd type="none" w="sm" len="sm"/>
           </a:ln>
         </p:spPr>
         <p:txBody>
-          <a:bodyPr anchorCtr="0" anchor="ctr" bIns="91425" lIns="91425" spcFirstLastPara="1" rIns="91425" wrap="square" tIns="91425">
+          <a:bodyPr spcFirstLastPara="1" wrap="square" lIns="91425" tIns="91425" rIns="91425" bIns="91425" anchor="ctr" anchorCtr="0">
             <a:noAutofit/>
           </a:bodyPr>
           <a:lstStyle/>
           <a:p>
-            <a:pPr indent="0" lvl="0" marL="0" rtl="0" algn="l">
+            <a:pPr marL="0" lvl="0" indent="0" algn="l" rtl="0">
               <a:spcBef>
                 <a:spcPts val="0"/>
               </a:spcBef>
@@ -16052,7 +15969,7 @@
               <a:buNone/>
             </a:pPr>
             <a:r>
-              <a:rPr b="1" lang="en" sz="1500">
+              <a:rPr lang="en" b="1" dirty="0">
                 <a:solidFill>
                   <a:srgbClr val="3697DB"/>
                 </a:solidFill>
@@ -16063,7 +15980,7 @@
               </a:rPr>
               <a:t>Tier 1 - No Discount</a:t>
             </a:r>
-            <a:endParaRPr b="1" sz="1500">
+            <a:endParaRPr b="1" dirty="0">
               <a:solidFill>
                 <a:srgbClr val="3697DB"/>
               </a:solidFill>
@@ -16074,7 +15991,7 @@
             </a:endParaRPr>
           </a:p>
           <a:p>
-            <a:pPr indent="0" lvl="0" marL="0" rtl="0" algn="l">
+            <a:pPr marL="0" lvl="0" indent="0" algn="l" rtl="0">
               <a:spcBef>
                 <a:spcPts val="0"/>
               </a:spcBef>
@@ -16089,7 +16006,7 @@
               <a:buNone/>
             </a:pPr>
             <a:r>
-              <a:rPr b="1" lang="en" sz="2500">
+              <a:rPr lang="en" sz="2500" b="1" dirty="0">
                 <a:solidFill>
                   <a:srgbClr val="3697DB"/>
                 </a:solidFill>
@@ -16100,7 +16017,7 @@
               </a:rPr>
               <a:t>0.0 %</a:t>
             </a:r>
-            <a:endParaRPr>
+            <a:endParaRPr dirty="0">
               <a:solidFill>
                 <a:schemeClr val="dk1"/>
               </a:solidFill>
@@ -16111,7 +16028,7 @@
             </a:endParaRPr>
           </a:p>
           <a:p>
-            <a:pPr indent="0" lvl="0" marL="0" rtl="0" algn="ctr">
+            <a:pPr marL="0" lvl="0" indent="0" algn="ctr" rtl="0">
               <a:spcBef>
                 <a:spcPts val="0"/>
               </a:spcBef>
@@ -16120,10 +16037,7 @@
               </a:spcAft>
               <a:buNone/>
             </a:pPr>
-            <a:r>
-              <a:t/>
-            </a:r>
-            <a:endParaRPr>
+            <a:endParaRPr dirty="0">
               <a:solidFill>
                 <a:schemeClr val="dk1"/>
               </a:solidFill>
@@ -16134,7 +16048,7 @@
             </a:endParaRPr>
           </a:p>
           <a:p>
-            <a:pPr indent="0" lvl="0" marL="0" rtl="0" algn="l">
+            <a:pPr marL="0" lvl="0" indent="0" algn="l" rtl="0">
               <a:spcBef>
                 <a:spcPts val="0"/>
               </a:spcBef>
@@ -16144,7 +16058,7 @@
               <a:buNone/>
             </a:pPr>
             <a:r>
-              <a:rPr lang="en" sz="900">
+              <a:rPr lang="en" sz="900" dirty="0">
                 <a:solidFill>
                   <a:srgbClr val="3697DB"/>
                 </a:solidFill>
@@ -16155,7 +16069,7 @@
               </a:rPr>
               <a:t>Per month, per user </a:t>
             </a:r>
-            <a:endParaRPr sz="900">
+            <a:endParaRPr sz="900" dirty="0">
               <a:solidFill>
                 <a:srgbClr val="3697DB"/>
               </a:solidFill>
@@ -16166,7 +16080,7 @@
             </a:endParaRPr>
           </a:p>
           <a:p>
-            <a:pPr indent="0" lvl="0" marL="0" rtl="0" algn="l">
+            <a:pPr marL="0" lvl="0" indent="0" algn="l" rtl="0">
               <a:spcBef>
                 <a:spcPts val="0"/>
               </a:spcBef>
@@ -16176,7 +16090,7 @@
               <a:buNone/>
             </a:pPr>
             <a:r>
-              <a:rPr lang="en" sz="900">
+              <a:rPr lang="en" sz="900" dirty="0">
                 <a:solidFill>
                   <a:srgbClr val="3697DB"/>
                 </a:solidFill>
@@ -16187,7 +16101,7 @@
               </a:rPr>
               <a:t>[1 - 10 users]</a:t>
             </a:r>
-            <a:endParaRPr sz="700">
+            <a:endParaRPr sz="700" dirty="0">
               <a:solidFill>
                 <a:schemeClr val="dk1"/>
               </a:solidFill>
@@ -16198,7 +16112,7 @@
             </a:endParaRPr>
           </a:p>
           <a:p>
-            <a:pPr indent="0" lvl="0" marL="0" rtl="0" algn="l">
+            <a:pPr marL="0" lvl="0" indent="0" algn="l" rtl="0">
               <a:lnSpc>
                 <a:spcPct val="115000"/>
               </a:lnSpc>
@@ -16210,10 +16124,7 @@
               </a:spcAft>
               <a:buNone/>
             </a:pPr>
-            <a:r>
-              <a:t/>
-            </a:r>
-            <a:endParaRPr sz="700">
+            <a:endParaRPr sz="700" dirty="0">
               <a:solidFill>
                 <a:schemeClr val="dk1"/>
               </a:solidFill>
@@ -16224,7 +16135,7 @@
             </a:endParaRPr>
           </a:p>
           <a:p>
-            <a:pPr indent="0" lvl="0" marL="0" rtl="0" algn="l">
+            <a:pPr marL="0" lvl="0" indent="0" algn="l" rtl="0">
               <a:lnSpc>
                 <a:spcPct val="115000"/>
               </a:lnSpc>
@@ -16242,7 +16153,7 @@
               <a:buNone/>
             </a:pPr>
             <a:r>
-              <a:rPr lang="en" sz="700">
+              <a:rPr lang="en" sz="700" dirty="0">
                 <a:solidFill>
                   <a:schemeClr val="dk1"/>
                 </a:solidFill>
@@ -16253,7 +16164,7 @@
               </a:rPr>
               <a:t>Price guarantee for 12 months.</a:t>
             </a:r>
-            <a:endParaRPr sz="1000">
+            <a:endParaRPr sz="1000" dirty="0">
               <a:solidFill>
                 <a:schemeClr val="dk1"/>
               </a:solidFill>
@@ -16282,23 +16193,23 @@
           <a:solidFill>
             <a:schemeClr val="lt1"/>
           </a:solidFill>
-          <a:ln cap="flat" cmpd="sng" w="28575">
+          <a:ln w="28575" cap="flat" cmpd="sng">
             <a:solidFill>
               <a:srgbClr val="3697DB"/>
             </a:solidFill>
             <a:prstDash val="solid"/>
             <a:round/>
-            <a:headEnd len="sm" w="sm" type="none"/>
-            <a:tailEnd len="sm" w="sm" type="none"/>
+            <a:headEnd type="none" w="sm" len="sm"/>
+            <a:tailEnd type="none" w="sm" len="sm"/>
           </a:ln>
         </p:spPr>
         <p:txBody>
-          <a:bodyPr anchorCtr="0" anchor="ctr" bIns="91425" lIns="91425" spcFirstLastPara="1" rIns="91425" wrap="square" tIns="91425">
+          <a:bodyPr spcFirstLastPara="1" wrap="square" lIns="91425" tIns="91425" rIns="91425" bIns="91425" anchor="ctr" anchorCtr="0">
             <a:noAutofit/>
           </a:bodyPr>
           <a:lstStyle/>
           <a:p>
-            <a:pPr indent="0" lvl="0" marL="0" rtl="0" algn="l">
+            <a:pPr marL="0" lvl="0" indent="0" algn="l" rtl="0">
               <a:spcBef>
                 <a:spcPts val="0"/>
               </a:spcBef>
@@ -16308,7 +16219,7 @@
               <a:buNone/>
             </a:pPr>
             <a:r>
-              <a:rPr b="1" lang="en" sz="1500">
+              <a:rPr lang="en" b="1" dirty="0">
                 <a:solidFill>
                   <a:srgbClr val="3697DB"/>
                 </a:solidFill>
@@ -16319,7 +16230,7 @@
               </a:rPr>
               <a:t>Tier 2 - Discount</a:t>
             </a:r>
-            <a:endParaRPr b="1" sz="1500">
+            <a:endParaRPr b="1" dirty="0">
               <a:solidFill>
                 <a:srgbClr val="3697DB"/>
               </a:solidFill>
@@ -16330,7 +16241,7 @@
             </a:endParaRPr>
           </a:p>
           <a:p>
-            <a:pPr indent="0" lvl="0" marL="0" rtl="0" algn="l">
+            <a:pPr marL="0" lvl="0" indent="0" algn="l" rtl="0">
               <a:spcBef>
                 <a:spcPts val="0"/>
               </a:spcBef>
@@ -16340,7 +16251,7 @@
               <a:buNone/>
             </a:pPr>
             <a:r>
-              <a:rPr b="1" lang="en" sz="2500">
+              <a:rPr lang="en" sz="2500" b="1" dirty="0">
                 <a:solidFill>
                   <a:srgbClr val="3697DB"/>
                 </a:solidFill>
@@ -16351,7 +16262,7 @@
               </a:rPr>
               <a:t>-2.5 %</a:t>
             </a:r>
-            <a:endParaRPr>
+            <a:endParaRPr dirty="0">
               <a:solidFill>
                 <a:schemeClr val="dk1"/>
               </a:solidFill>
@@ -16362,7 +16273,7 @@
             </a:endParaRPr>
           </a:p>
           <a:p>
-            <a:pPr indent="0" lvl="0" marL="0" rtl="0" algn="ctr">
+            <a:pPr marL="0" lvl="0" indent="0" algn="ctr" rtl="0">
               <a:spcBef>
                 <a:spcPts val="0"/>
               </a:spcBef>
@@ -16371,10 +16282,7 @@
               </a:spcAft>
               <a:buNone/>
             </a:pPr>
-            <a:r>
-              <a:t/>
-            </a:r>
-            <a:endParaRPr>
+            <a:endParaRPr dirty="0">
               <a:solidFill>
                 <a:schemeClr val="dk1"/>
               </a:solidFill>
@@ -16385,7 +16293,7 @@
             </a:endParaRPr>
           </a:p>
           <a:p>
-            <a:pPr indent="0" lvl="0" marL="0" rtl="0" algn="l">
+            <a:pPr marL="0" lvl="0" indent="0" algn="l" rtl="0">
               <a:spcBef>
                 <a:spcPts val="0"/>
               </a:spcBef>
@@ -16395,7 +16303,7 @@
               <a:buNone/>
             </a:pPr>
             <a:r>
-              <a:rPr lang="en" sz="900">
+              <a:rPr lang="en" sz="900" dirty="0">
                 <a:solidFill>
                   <a:srgbClr val="3697DB"/>
                 </a:solidFill>
@@ -16406,7 +16314,7 @@
               </a:rPr>
               <a:t>Per month, per user </a:t>
             </a:r>
-            <a:endParaRPr sz="900">
+            <a:endParaRPr sz="900" dirty="0">
               <a:solidFill>
                 <a:srgbClr val="3697DB"/>
               </a:solidFill>
@@ -16417,7 +16325,7 @@
             </a:endParaRPr>
           </a:p>
           <a:p>
-            <a:pPr indent="0" lvl="0" marL="0" rtl="0" algn="l">
+            <a:pPr marL="0" lvl="0" indent="0" algn="l" rtl="0">
               <a:spcBef>
                 <a:spcPts val="0"/>
               </a:spcBef>
@@ -16427,7 +16335,7 @@
               <a:buNone/>
             </a:pPr>
             <a:r>
-              <a:rPr lang="en" sz="900">
+              <a:rPr lang="en" sz="900" dirty="0">
                 <a:solidFill>
                   <a:srgbClr val="3697DB"/>
                 </a:solidFill>
@@ -16438,7 +16346,7 @@
               </a:rPr>
               <a:t>[11 - 50 users]</a:t>
             </a:r>
-            <a:endParaRPr sz="700">
+            <a:endParaRPr sz="700" dirty="0">
               <a:solidFill>
                 <a:schemeClr val="dk1"/>
               </a:solidFill>
@@ -16449,7 +16357,7 @@
             </a:endParaRPr>
           </a:p>
           <a:p>
-            <a:pPr indent="0" lvl="0" marL="0" rtl="0" algn="l">
+            <a:pPr marL="0" lvl="0" indent="0" algn="l" rtl="0">
               <a:lnSpc>
                 <a:spcPct val="115000"/>
               </a:lnSpc>
@@ -16461,10 +16369,7 @@
               </a:spcAft>
               <a:buNone/>
             </a:pPr>
-            <a:r>
-              <a:t/>
-            </a:r>
-            <a:endParaRPr sz="700">
+            <a:endParaRPr sz="700" dirty="0">
               <a:solidFill>
                 <a:schemeClr val="dk1"/>
               </a:solidFill>
@@ -16475,7 +16380,7 @@
             </a:endParaRPr>
           </a:p>
           <a:p>
-            <a:pPr indent="0" lvl="0" marL="0" rtl="0" algn="l">
+            <a:pPr marL="0" lvl="0" indent="0" algn="l" rtl="0">
               <a:lnSpc>
                 <a:spcPct val="115000"/>
               </a:lnSpc>
@@ -16488,7 +16393,7 @@
               <a:buNone/>
             </a:pPr>
             <a:r>
-              <a:rPr lang="en" sz="700">
+              <a:rPr lang="en" sz="700" dirty="0">
                 <a:solidFill>
                   <a:schemeClr val="dk1"/>
                 </a:solidFill>
@@ -16499,7 +16404,7 @@
               </a:rPr>
               <a:t>Price guarantee for 18 months. </a:t>
             </a:r>
-            <a:endParaRPr sz="1000">
+            <a:endParaRPr sz="1000" dirty="0">
               <a:solidFill>
                 <a:schemeClr val="dk1"/>
               </a:solidFill>
@@ -16528,23 +16433,23 @@
           <a:solidFill>
             <a:schemeClr val="lt1"/>
           </a:solidFill>
-          <a:ln cap="flat" cmpd="sng" w="28575">
+          <a:ln w="28575" cap="flat" cmpd="sng">
             <a:solidFill>
               <a:srgbClr val="3697DB"/>
             </a:solidFill>
             <a:prstDash val="solid"/>
             <a:round/>
-            <a:headEnd len="sm" w="sm" type="none"/>
-            <a:tailEnd len="sm" w="sm" type="none"/>
+            <a:headEnd type="none" w="sm" len="sm"/>
+            <a:tailEnd type="none" w="sm" len="sm"/>
           </a:ln>
         </p:spPr>
         <p:txBody>
-          <a:bodyPr anchorCtr="0" anchor="ctr" bIns="91425" lIns="91425" spcFirstLastPara="1" rIns="91425" wrap="square" tIns="91425">
+          <a:bodyPr spcFirstLastPara="1" wrap="square" lIns="91425" tIns="91425" rIns="91425" bIns="91425" anchor="ctr" anchorCtr="0">
             <a:noAutofit/>
           </a:bodyPr>
           <a:lstStyle/>
           <a:p>
-            <a:pPr indent="0" lvl="0" marL="0" rtl="0" algn="l">
+            <a:pPr marL="0" lvl="0" indent="0" algn="l" rtl="0">
               <a:spcBef>
                 <a:spcPts val="0"/>
               </a:spcBef>
@@ -16554,7 +16459,7 @@
               <a:buNone/>
             </a:pPr>
             <a:r>
-              <a:rPr b="1" lang="en" sz="1500">
+              <a:rPr lang="en" b="1" dirty="0">
                 <a:solidFill>
                   <a:srgbClr val="3697DB"/>
                 </a:solidFill>
@@ -16565,7 +16470,7 @@
               </a:rPr>
               <a:t>Tier 3 - Discount</a:t>
             </a:r>
-            <a:endParaRPr b="1" sz="1500">
+            <a:endParaRPr b="1" dirty="0">
               <a:solidFill>
                 <a:srgbClr val="3697DB"/>
               </a:solidFill>
@@ -16576,7 +16481,7 @@
             </a:endParaRPr>
           </a:p>
           <a:p>
-            <a:pPr indent="0" lvl="0" marL="0" rtl="0" algn="l">
+            <a:pPr marL="0" lvl="0" indent="0" algn="l" rtl="0">
               <a:spcBef>
                 <a:spcPts val="0"/>
               </a:spcBef>
@@ -16586,7 +16491,7 @@
               <a:buNone/>
             </a:pPr>
             <a:r>
-              <a:rPr b="1" lang="en" sz="2500">
+              <a:rPr lang="en" sz="2500" b="1" dirty="0">
                 <a:solidFill>
                   <a:srgbClr val="3697DB"/>
                 </a:solidFill>
@@ -16597,7 +16502,7 @@
               </a:rPr>
               <a:t>-5.0 %</a:t>
             </a:r>
-            <a:endParaRPr>
+            <a:endParaRPr dirty="0">
               <a:solidFill>
                 <a:schemeClr val="dk1"/>
               </a:solidFill>
@@ -16608,7 +16513,7 @@
             </a:endParaRPr>
           </a:p>
           <a:p>
-            <a:pPr indent="0" lvl="0" marL="0" rtl="0" algn="ctr">
+            <a:pPr marL="0" lvl="0" indent="0" algn="ctr" rtl="0">
               <a:spcBef>
                 <a:spcPts val="0"/>
               </a:spcBef>
@@ -16617,10 +16522,7 @@
               </a:spcAft>
               <a:buNone/>
             </a:pPr>
-            <a:r>
-              <a:t/>
-            </a:r>
-            <a:endParaRPr>
+            <a:endParaRPr dirty="0">
               <a:solidFill>
                 <a:schemeClr val="dk1"/>
               </a:solidFill>
@@ -16631,7 +16533,7 @@
             </a:endParaRPr>
           </a:p>
           <a:p>
-            <a:pPr indent="0" lvl="0" marL="0" rtl="0" algn="l">
+            <a:pPr marL="0" lvl="0" indent="0" algn="l" rtl="0">
               <a:spcBef>
                 <a:spcPts val="0"/>
               </a:spcBef>
@@ -16641,7 +16543,7 @@
               <a:buNone/>
             </a:pPr>
             <a:r>
-              <a:rPr lang="en" sz="900">
+              <a:rPr lang="en" sz="900" dirty="0">
                 <a:solidFill>
                   <a:srgbClr val="3697DB"/>
                 </a:solidFill>
@@ -16652,7 +16554,7 @@
               </a:rPr>
               <a:t>Per month, per user </a:t>
             </a:r>
-            <a:endParaRPr sz="900">
+            <a:endParaRPr sz="900" dirty="0">
               <a:solidFill>
                 <a:srgbClr val="3697DB"/>
               </a:solidFill>
@@ -16663,7 +16565,7 @@
             </a:endParaRPr>
           </a:p>
           <a:p>
-            <a:pPr indent="0" lvl="0" marL="0" rtl="0" algn="l">
+            <a:pPr marL="0" lvl="0" indent="0" algn="l" rtl="0">
               <a:spcBef>
                 <a:spcPts val="0"/>
               </a:spcBef>
@@ -16673,7 +16575,7 @@
               <a:buNone/>
             </a:pPr>
             <a:r>
-              <a:rPr lang="en" sz="900">
+              <a:rPr lang="en" sz="900" dirty="0">
                 <a:solidFill>
                   <a:srgbClr val="3697DB"/>
                 </a:solidFill>
@@ -16684,7 +16586,7 @@
               </a:rPr>
               <a:t>[51 - 250 users]</a:t>
             </a:r>
-            <a:endParaRPr sz="700">
+            <a:endParaRPr sz="700" dirty="0">
               <a:solidFill>
                 <a:schemeClr val="dk1"/>
               </a:solidFill>
@@ -16695,7 +16597,7 @@
             </a:endParaRPr>
           </a:p>
           <a:p>
-            <a:pPr indent="0" lvl="0" marL="0" rtl="0" algn="l">
+            <a:pPr marL="0" lvl="0" indent="0" algn="l" rtl="0">
               <a:lnSpc>
                 <a:spcPct val="115000"/>
               </a:lnSpc>
@@ -16707,10 +16609,7 @@
               </a:spcAft>
               <a:buNone/>
             </a:pPr>
-            <a:r>
-              <a:t/>
-            </a:r>
-            <a:endParaRPr sz="700">
+            <a:endParaRPr sz="700" dirty="0">
               <a:solidFill>
                 <a:schemeClr val="dk1"/>
               </a:solidFill>
@@ -16721,7 +16620,7 @@
             </a:endParaRPr>
           </a:p>
           <a:p>
-            <a:pPr indent="0" lvl="0" marL="0" rtl="0" algn="l">
+            <a:pPr marL="0" lvl="0" indent="0" algn="l" rtl="0">
               <a:lnSpc>
                 <a:spcPct val="115000"/>
               </a:lnSpc>
@@ -16734,7 +16633,7 @@
               <a:buNone/>
             </a:pPr>
             <a:r>
-              <a:rPr lang="en" sz="700">
+              <a:rPr lang="en" sz="700" dirty="0">
                 <a:solidFill>
                   <a:schemeClr val="dk1"/>
                 </a:solidFill>
@@ -16745,7 +16644,7 @@
               </a:rPr>
               <a:t>Price guarantee for 24 months.</a:t>
             </a:r>
-            <a:endParaRPr sz="1000">
+            <a:endParaRPr sz="1000" dirty="0">
               <a:solidFill>
                 <a:schemeClr val="dk1"/>
               </a:solidFill>
@@ -16774,23 +16673,23 @@
           <a:solidFill>
             <a:schemeClr val="lt1"/>
           </a:solidFill>
-          <a:ln cap="flat" cmpd="sng" w="28575">
+          <a:ln w="28575" cap="flat" cmpd="sng">
             <a:solidFill>
               <a:srgbClr val="3697DB"/>
             </a:solidFill>
             <a:prstDash val="solid"/>
             <a:round/>
-            <a:headEnd len="sm" w="sm" type="none"/>
-            <a:tailEnd len="sm" w="sm" type="none"/>
+            <a:headEnd type="none" w="sm" len="sm"/>
+            <a:tailEnd type="none" w="sm" len="sm"/>
           </a:ln>
         </p:spPr>
         <p:txBody>
-          <a:bodyPr anchorCtr="0" anchor="ctr" bIns="91425" lIns="91425" spcFirstLastPara="1" rIns="91425" wrap="square" tIns="91425">
+          <a:bodyPr spcFirstLastPara="1" wrap="square" lIns="91425" tIns="91425" rIns="91425" bIns="91425" anchor="ctr" anchorCtr="0">
             <a:noAutofit/>
           </a:bodyPr>
           <a:lstStyle/>
           <a:p>
-            <a:pPr indent="0" lvl="0" marL="0" rtl="0" algn="l">
+            <a:pPr marL="0" lvl="0" indent="0" algn="l" rtl="0">
               <a:spcBef>
                 <a:spcPts val="0"/>
               </a:spcBef>
@@ -16800,7 +16699,7 @@
               <a:buNone/>
             </a:pPr>
             <a:r>
-              <a:rPr b="1" lang="en" sz="1500">
+              <a:rPr lang="en" b="1" dirty="0">
                 <a:solidFill>
                   <a:srgbClr val="3697DB"/>
                 </a:solidFill>
@@ -16811,7 +16710,7 @@
               </a:rPr>
               <a:t>Tier 4 - Discount</a:t>
             </a:r>
-            <a:endParaRPr b="1" sz="1500">
+            <a:endParaRPr b="1" dirty="0">
               <a:solidFill>
                 <a:srgbClr val="3697DB"/>
               </a:solidFill>
@@ -16822,7 +16721,7 @@
             </a:endParaRPr>
           </a:p>
           <a:p>
-            <a:pPr indent="0" lvl="0" marL="0" rtl="0" algn="l">
+            <a:pPr marL="0" lvl="0" indent="0" algn="l" rtl="0">
               <a:spcBef>
                 <a:spcPts val="0"/>
               </a:spcBef>
@@ -16832,7 +16731,7 @@
               <a:buNone/>
             </a:pPr>
             <a:r>
-              <a:rPr b="1" lang="en" sz="2500">
+              <a:rPr lang="en" sz="2500" b="1" dirty="0">
                 <a:solidFill>
                   <a:srgbClr val="3697DB"/>
                 </a:solidFill>
@@ -16843,7 +16742,7 @@
               </a:rPr>
               <a:t>-7.5 %</a:t>
             </a:r>
-            <a:endParaRPr>
+            <a:endParaRPr dirty="0">
               <a:solidFill>
                 <a:schemeClr val="dk1"/>
               </a:solidFill>
@@ -16854,7 +16753,7 @@
             </a:endParaRPr>
           </a:p>
           <a:p>
-            <a:pPr indent="0" lvl="0" marL="0" rtl="0" algn="ctr">
+            <a:pPr marL="0" lvl="0" indent="0" algn="ctr" rtl="0">
               <a:spcBef>
                 <a:spcPts val="0"/>
               </a:spcBef>
@@ -16863,10 +16762,7 @@
               </a:spcAft>
               <a:buNone/>
             </a:pPr>
-            <a:r>
-              <a:t/>
-            </a:r>
-            <a:endParaRPr>
+            <a:endParaRPr dirty="0">
               <a:solidFill>
                 <a:schemeClr val="dk1"/>
               </a:solidFill>
@@ -16877,7 +16773,7 @@
             </a:endParaRPr>
           </a:p>
           <a:p>
-            <a:pPr indent="0" lvl="0" marL="0" rtl="0" algn="l">
+            <a:pPr marL="0" lvl="0" indent="0" algn="l" rtl="0">
               <a:spcBef>
                 <a:spcPts val="0"/>
               </a:spcBef>
@@ -16887,7 +16783,7 @@
               <a:buNone/>
             </a:pPr>
             <a:r>
-              <a:rPr lang="en" sz="900">
+              <a:rPr lang="en" sz="900" dirty="0">
                 <a:solidFill>
                   <a:srgbClr val="3697DB"/>
                 </a:solidFill>
@@ -16898,7 +16794,7 @@
               </a:rPr>
               <a:t>Per month, per user </a:t>
             </a:r>
-            <a:endParaRPr sz="900">
+            <a:endParaRPr sz="900" dirty="0">
               <a:solidFill>
                 <a:srgbClr val="3697DB"/>
               </a:solidFill>
@@ -16909,7 +16805,7 @@
             </a:endParaRPr>
           </a:p>
           <a:p>
-            <a:pPr indent="0" lvl="0" marL="0" rtl="0" algn="l">
+            <a:pPr marL="0" lvl="0" indent="0" algn="l" rtl="0">
               <a:spcBef>
                 <a:spcPts val="0"/>
               </a:spcBef>
@@ -16919,7 +16815,7 @@
               <a:buNone/>
             </a:pPr>
             <a:r>
-              <a:rPr lang="en" sz="900">
+              <a:rPr lang="en" sz="900" dirty="0">
                 <a:solidFill>
                   <a:srgbClr val="3697DB"/>
                 </a:solidFill>
@@ -16930,7 +16826,7 @@
               </a:rPr>
               <a:t>[251 - 500 users]</a:t>
             </a:r>
-            <a:endParaRPr sz="700">
+            <a:endParaRPr sz="700" dirty="0">
               <a:solidFill>
                 <a:schemeClr val="dk1"/>
               </a:solidFill>
@@ -16941,7 +16837,7 @@
             </a:endParaRPr>
           </a:p>
           <a:p>
-            <a:pPr indent="0" lvl="0" marL="0" rtl="0" algn="l">
+            <a:pPr marL="0" lvl="0" indent="0" algn="l" rtl="0">
               <a:lnSpc>
                 <a:spcPct val="115000"/>
               </a:lnSpc>
@@ -16953,10 +16849,7 @@
               </a:spcAft>
               <a:buNone/>
             </a:pPr>
-            <a:r>
-              <a:t/>
-            </a:r>
-            <a:endParaRPr sz="700">
+            <a:endParaRPr sz="700" dirty="0">
               <a:solidFill>
                 <a:schemeClr val="dk1"/>
               </a:solidFill>
@@ -16967,7 +16860,7 @@
             </a:endParaRPr>
           </a:p>
           <a:p>
-            <a:pPr indent="0" lvl="0" marL="0" rtl="0" algn="l">
+            <a:pPr marL="0" lvl="0" indent="0" algn="l" rtl="0">
               <a:lnSpc>
                 <a:spcPct val="115000"/>
               </a:lnSpc>
@@ -16980,7 +16873,7 @@
               <a:buNone/>
             </a:pPr>
             <a:r>
-              <a:rPr lang="en" sz="700">
+              <a:rPr lang="en" sz="700" dirty="0">
                 <a:solidFill>
                   <a:schemeClr val="dk1"/>
                 </a:solidFill>
@@ -16991,7 +16884,7 @@
               </a:rPr>
               <a:t>Price guarantee for 36 months.</a:t>
             </a:r>
-            <a:endParaRPr sz="1000">
+            <a:endParaRPr sz="1000" dirty="0">
               <a:solidFill>
                 <a:schemeClr val="dk1"/>
               </a:solidFill>
@@ -17020,23 +16913,23 @@
           <a:solidFill>
             <a:schemeClr val="lt1"/>
           </a:solidFill>
-          <a:ln cap="flat" cmpd="sng" w="28575">
+          <a:ln w="28575" cap="flat" cmpd="sng">
             <a:solidFill>
               <a:srgbClr val="3697DB"/>
             </a:solidFill>
             <a:prstDash val="solid"/>
             <a:round/>
-            <a:headEnd len="sm" w="sm" type="none"/>
-            <a:tailEnd len="sm" w="sm" type="none"/>
+            <a:headEnd type="none" w="sm" len="sm"/>
+            <a:tailEnd type="none" w="sm" len="sm"/>
           </a:ln>
         </p:spPr>
         <p:txBody>
-          <a:bodyPr anchorCtr="0" anchor="ctr" bIns="91425" lIns="91425" spcFirstLastPara="1" rIns="91425" wrap="square" tIns="91425">
+          <a:bodyPr spcFirstLastPara="1" wrap="square" lIns="91425" tIns="91425" rIns="91425" bIns="91425" anchor="ctr" anchorCtr="0">
             <a:noAutofit/>
           </a:bodyPr>
           <a:lstStyle/>
           <a:p>
-            <a:pPr indent="0" lvl="0" marL="0" rtl="0" algn="l">
+            <a:pPr marL="0" lvl="0" indent="0" algn="l" rtl="0">
               <a:spcBef>
                 <a:spcPts val="0"/>
               </a:spcBef>
@@ -17046,7 +16939,7 @@
               <a:buNone/>
             </a:pPr>
             <a:r>
-              <a:rPr b="1" lang="en" sz="1500">
+              <a:rPr lang="en" b="1" dirty="0">
                 <a:solidFill>
                   <a:srgbClr val="3697DB"/>
                 </a:solidFill>
@@ -17057,7 +16950,7 @@
               </a:rPr>
               <a:t>Tier 5 - Discount</a:t>
             </a:r>
-            <a:endParaRPr b="1" sz="1500">
+            <a:endParaRPr b="1" dirty="0">
               <a:solidFill>
                 <a:srgbClr val="3697DB"/>
               </a:solidFill>
@@ -17068,7 +16961,7 @@
             </a:endParaRPr>
           </a:p>
           <a:p>
-            <a:pPr indent="0" lvl="0" marL="0" rtl="0" algn="l">
+            <a:pPr marL="0" lvl="0" indent="0" algn="l" rtl="0">
               <a:spcBef>
                 <a:spcPts val="0"/>
               </a:spcBef>
@@ -17078,7 +16971,7 @@
               <a:buNone/>
             </a:pPr>
             <a:r>
-              <a:rPr b="1" lang="en" sz="2500">
+              <a:rPr lang="en" sz="2500" b="1" dirty="0">
                 <a:solidFill>
                   <a:srgbClr val="3697DB"/>
                 </a:solidFill>
@@ -17089,7 +16982,7 @@
               </a:rPr>
               <a:t>-10.0 %</a:t>
             </a:r>
-            <a:endParaRPr>
+            <a:endParaRPr dirty="0">
               <a:solidFill>
                 <a:schemeClr val="dk1"/>
               </a:solidFill>
@@ -17100,7 +16993,7 @@
             </a:endParaRPr>
           </a:p>
           <a:p>
-            <a:pPr indent="0" lvl="0" marL="0" rtl="0" algn="ctr">
+            <a:pPr marL="0" lvl="0" indent="0" algn="ctr" rtl="0">
               <a:spcBef>
                 <a:spcPts val="0"/>
               </a:spcBef>
@@ -17109,10 +17002,7 @@
               </a:spcAft>
               <a:buNone/>
             </a:pPr>
-            <a:r>
-              <a:t/>
-            </a:r>
-            <a:endParaRPr>
+            <a:endParaRPr dirty="0">
               <a:solidFill>
                 <a:schemeClr val="dk1"/>
               </a:solidFill>
@@ -17123,7 +17013,7 @@
             </a:endParaRPr>
           </a:p>
           <a:p>
-            <a:pPr indent="0" lvl="0" marL="0" rtl="0" algn="l">
+            <a:pPr marL="0" lvl="0" indent="0" algn="l" rtl="0">
               <a:spcBef>
                 <a:spcPts val="0"/>
               </a:spcBef>
@@ -17133,7 +17023,7 @@
               <a:buNone/>
             </a:pPr>
             <a:r>
-              <a:rPr lang="en" sz="900">
+              <a:rPr lang="en" sz="900" dirty="0">
                 <a:solidFill>
                   <a:srgbClr val="3697DB"/>
                 </a:solidFill>
@@ -17144,7 +17034,7 @@
               </a:rPr>
               <a:t>Per month, per user </a:t>
             </a:r>
-            <a:endParaRPr sz="900">
+            <a:endParaRPr sz="900" dirty="0">
               <a:solidFill>
                 <a:srgbClr val="3697DB"/>
               </a:solidFill>
@@ -17155,7 +17045,7 @@
             </a:endParaRPr>
           </a:p>
           <a:p>
-            <a:pPr indent="0" lvl="0" marL="0" rtl="0" algn="l">
+            <a:pPr marL="0" lvl="0" indent="0" algn="l" rtl="0">
               <a:spcBef>
                 <a:spcPts val="0"/>
               </a:spcBef>
@@ -17165,7 +17055,7 @@
               <a:buNone/>
             </a:pPr>
             <a:r>
-              <a:rPr lang="en" sz="900">
+              <a:rPr lang="en" sz="900" dirty="0">
                 <a:solidFill>
                   <a:srgbClr val="3697DB"/>
                 </a:solidFill>
@@ -17176,7 +17066,7 @@
               </a:rPr>
               <a:t>[501 - 1000 users]</a:t>
             </a:r>
-            <a:endParaRPr sz="700">
+            <a:endParaRPr sz="700" dirty="0">
               <a:solidFill>
                 <a:schemeClr val="dk1"/>
               </a:solidFill>
@@ -17187,7 +17077,7 @@
             </a:endParaRPr>
           </a:p>
           <a:p>
-            <a:pPr indent="0" lvl="0" marL="0" rtl="0" algn="l">
+            <a:pPr marL="0" lvl="0" indent="0" algn="l" rtl="0">
               <a:lnSpc>
                 <a:spcPct val="115000"/>
               </a:lnSpc>
@@ -17199,10 +17089,7 @@
               </a:spcAft>
               <a:buNone/>
             </a:pPr>
-            <a:r>
-              <a:t/>
-            </a:r>
-            <a:endParaRPr sz="700">
+            <a:endParaRPr sz="700" dirty="0">
               <a:solidFill>
                 <a:schemeClr val="dk1"/>
               </a:solidFill>
@@ -17213,7 +17100,7 @@
             </a:endParaRPr>
           </a:p>
           <a:p>
-            <a:pPr indent="0" lvl="0" marL="0" rtl="0" algn="l">
+            <a:pPr marL="0" lvl="0" indent="0" algn="l" rtl="0">
               <a:lnSpc>
                 <a:spcPct val="115000"/>
               </a:lnSpc>
@@ -17226,7 +17113,7 @@
               <a:buNone/>
             </a:pPr>
             <a:r>
-              <a:rPr lang="en" sz="700">
+              <a:rPr lang="en" sz="700" dirty="0">
                 <a:solidFill>
                   <a:schemeClr val="dk1"/>
                 </a:solidFill>
@@ -17237,7 +17124,7 @@
               </a:rPr>
               <a:t>Price guarantee for 48 months.</a:t>
             </a:r>
-            <a:endParaRPr sz="1000">
+            <a:endParaRPr sz="1000" dirty="0">
               <a:solidFill>
                 <a:schemeClr val="dk1"/>
               </a:solidFill>
@@ -17266,23 +17153,23 @@
           <a:solidFill>
             <a:schemeClr val="lt1"/>
           </a:solidFill>
-          <a:ln cap="flat" cmpd="sng" w="28575">
+          <a:ln w="28575" cap="flat" cmpd="sng">
             <a:solidFill>
               <a:srgbClr val="3697DB"/>
             </a:solidFill>
             <a:prstDash val="solid"/>
             <a:round/>
-            <a:headEnd len="sm" w="sm" type="none"/>
-            <a:tailEnd len="sm" w="sm" type="none"/>
+            <a:headEnd type="none" w="sm" len="sm"/>
+            <a:tailEnd type="none" w="sm" len="sm"/>
           </a:ln>
         </p:spPr>
         <p:txBody>
-          <a:bodyPr anchorCtr="0" anchor="ctr" bIns="91425" lIns="91425" spcFirstLastPara="1" rIns="91425" wrap="square" tIns="91425">
+          <a:bodyPr spcFirstLastPara="1" wrap="square" lIns="91425" tIns="91425" rIns="91425" bIns="91425" anchor="ctr" anchorCtr="0">
             <a:noAutofit/>
           </a:bodyPr>
           <a:lstStyle/>
           <a:p>
-            <a:pPr indent="0" lvl="0" marL="0" rtl="0" algn="l">
+            <a:pPr marL="0" lvl="0" indent="0" algn="l" rtl="0">
               <a:spcBef>
                 <a:spcPts val="0"/>
               </a:spcBef>
@@ -17292,7 +17179,7 @@
               <a:buNone/>
             </a:pPr>
             <a:r>
-              <a:rPr b="1" lang="en" sz="1500">
+              <a:rPr lang="en" b="1" dirty="0">
                 <a:solidFill>
                   <a:srgbClr val="3697DB"/>
                 </a:solidFill>
@@ -17303,7 +17190,7 @@
               </a:rPr>
               <a:t>Tier 6 - Discount</a:t>
             </a:r>
-            <a:endParaRPr b="1" sz="1500">
+            <a:endParaRPr b="1" dirty="0">
               <a:solidFill>
                 <a:srgbClr val="3697DB"/>
               </a:solidFill>
@@ -17314,7 +17201,7 @@
             </a:endParaRPr>
           </a:p>
           <a:p>
-            <a:pPr indent="0" lvl="0" marL="0" rtl="0" algn="l">
+            <a:pPr marL="0" lvl="0" indent="0" algn="l" rtl="0">
               <a:spcBef>
                 <a:spcPts val="0"/>
               </a:spcBef>
@@ -17324,7 +17211,7 @@
               <a:buNone/>
             </a:pPr>
             <a:r>
-              <a:rPr b="1" lang="en" sz="2500">
+              <a:rPr lang="en" sz="2500" b="1" dirty="0">
                 <a:solidFill>
                   <a:srgbClr val="3697DB"/>
                 </a:solidFill>
@@ -17335,7 +17222,7 @@
               </a:rPr>
               <a:t>TBD</a:t>
             </a:r>
-            <a:endParaRPr>
+            <a:endParaRPr dirty="0">
               <a:solidFill>
                 <a:schemeClr val="dk1"/>
               </a:solidFill>
@@ -17346,7 +17233,7 @@
             </a:endParaRPr>
           </a:p>
           <a:p>
-            <a:pPr indent="0" lvl="0" marL="0" rtl="0" algn="ctr">
+            <a:pPr marL="0" lvl="0" indent="0" algn="ctr" rtl="0">
               <a:spcBef>
                 <a:spcPts val="0"/>
               </a:spcBef>
@@ -17355,10 +17242,7 @@
               </a:spcAft>
               <a:buNone/>
             </a:pPr>
-            <a:r>
-              <a:t/>
-            </a:r>
-            <a:endParaRPr>
+            <a:endParaRPr dirty="0">
               <a:solidFill>
                 <a:schemeClr val="dk1"/>
               </a:solidFill>
@@ -17369,7 +17253,7 @@
             </a:endParaRPr>
           </a:p>
           <a:p>
-            <a:pPr indent="0" lvl="0" marL="0" rtl="0" algn="l">
+            <a:pPr marL="0" lvl="0" indent="0" algn="l" rtl="0">
               <a:spcBef>
                 <a:spcPts val="0"/>
               </a:spcBef>
@@ -17379,7 +17263,7 @@
               <a:buNone/>
             </a:pPr>
             <a:r>
-              <a:rPr lang="en" sz="900">
+              <a:rPr lang="en" sz="900" dirty="0">
                 <a:solidFill>
                   <a:srgbClr val="3697DB"/>
                 </a:solidFill>
@@ -17390,7 +17274,7 @@
               </a:rPr>
               <a:t>Per month, per user </a:t>
             </a:r>
-            <a:endParaRPr sz="900">
+            <a:endParaRPr sz="900" dirty="0">
               <a:solidFill>
                 <a:srgbClr val="3697DB"/>
               </a:solidFill>
@@ -17401,7 +17285,7 @@
             </a:endParaRPr>
           </a:p>
           <a:p>
-            <a:pPr indent="0" lvl="0" marL="0" rtl="0" algn="l">
+            <a:pPr marL="0" lvl="0" indent="0" algn="l" rtl="0">
               <a:spcBef>
                 <a:spcPts val="0"/>
               </a:spcBef>
@@ -17411,7 +17295,7 @@
               <a:buNone/>
             </a:pPr>
             <a:r>
-              <a:rPr lang="en" sz="900">
+              <a:rPr lang="en" sz="900" dirty="0">
                 <a:solidFill>
                   <a:srgbClr val="3697DB"/>
                 </a:solidFill>
@@ -17422,7 +17306,7 @@
               </a:rPr>
               <a:t>[1001 - ??? users]</a:t>
             </a:r>
-            <a:endParaRPr sz="700">
+            <a:endParaRPr sz="700" dirty="0">
               <a:solidFill>
                 <a:schemeClr val="dk1"/>
               </a:solidFill>
@@ -17433,7 +17317,7 @@
             </a:endParaRPr>
           </a:p>
           <a:p>
-            <a:pPr indent="0" lvl="0" marL="0" rtl="0" algn="l">
+            <a:pPr marL="0" lvl="0" indent="0" algn="l" rtl="0">
               <a:lnSpc>
                 <a:spcPct val="115000"/>
               </a:lnSpc>
@@ -17445,10 +17329,7 @@
               </a:spcAft>
               <a:buNone/>
             </a:pPr>
-            <a:r>
-              <a:t/>
-            </a:r>
-            <a:endParaRPr sz="700">
+            <a:endParaRPr sz="700" dirty="0">
               <a:solidFill>
                 <a:schemeClr val="dk1"/>
               </a:solidFill>
@@ -17459,7 +17340,7 @@
             </a:endParaRPr>
           </a:p>
           <a:p>
-            <a:pPr indent="0" lvl="0" marL="0" rtl="0" algn="l">
+            <a:pPr marL="0" lvl="0" indent="0" algn="l" rtl="0">
               <a:lnSpc>
                 <a:spcPct val="115000"/>
               </a:lnSpc>
@@ -17472,7 +17353,7 @@
               <a:buNone/>
             </a:pPr>
             <a:r>
-              <a:rPr lang="en" sz="700">
+              <a:rPr lang="en" sz="700" dirty="0">
                 <a:solidFill>
                   <a:schemeClr val="dk1"/>
                 </a:solidFill>
@@ -17483,7 +17364,7 @@
               </a:rPr>
               <a:t>Price guarantee TBD.</a:t>
             </a:r>
-            <a:endParaRPr sz="1000">
+            <a:endParaRPr sz="1000" dirty="0">
               <a:solidFill>
                 <a:schemeClr val="dk1"/>
               </a:solidFill>
@@ -17515,12 +17396,12 @@
           </a:ln>
         </p:spPr>
         <p:txBody>
-          <a:bodyPr anchorCtr="0" anchor="t" bIns="91425" lIns="91425" spcFirstLastPara="1" rIns="91425" wrap="square" tIns="91425">
+          <a:bodyPr spcFirstLastPara="1" wrap="square" lIns="91425" tIns="91425" rIns="91425" bIns="91425" anchor="t" anchorCtr="0">
             <a:spAutoFit/>
           </a:bodyPr>
           <a:lstStyle/>
           <a:p>
-            <a:pPr indent="0" lvl="0" marL="0" rtl="0" algn="l">
+            <a:pPr marL="0" lvl="0" indent="0" algn="l" rtl="0">
               <a:spcBef>
                 <a:spcPts val="0"/>
               </a:spcBef>
@@ -17562,7 +17443,288 @@
 </file>
 
 <file path=ppt/theme/theme1.xml><?xml version="1.0" encoding="utf-8"?>
-<a:theme xmlns:a="http://schemas.openxmlformats.org/drawingml/2006/main" xmlns:r="http://schemas.openxmlformats.org/officeDocument/2006/relationships">
+<a:theme xmlns:a="http://schemas.openxmlformats.org/drawingml/2006/main" name="Simple Light">
+  <a:themeElements>
+    <a:clrScheme name="Simple Light">
+      <a:dk1>
+        <a:srgbClr val="000000"/>
+      </a:dk1>
+      <a:lt1>
+        <a:srgbClr val="FFFFFF"/>
+      </a:lt1>
+      <a:dk2>
+        <a:srgbClr val="595959"/>
+      </a:dk2>
+      <a:lt2>
+        <a:srgbClr val="EEEEEE"/>
+      </a:lt2>
+      <a:accent1>
+        <a:srgbClr val="4285F4"/>
+      </a:accent1>
+      <a:accent2>
+        <a:srgbClr val="212121"/>
+      </a:accent2>
+      <a:accent3>
+        <a:srgbClr val="78909C"/>
+      </a:accent3>
+      <a:accent4>
+        <a:srgbClr val="FFAB40"/>
+      </a:accent4>
+      <a:accent5>
+        <a:srgbClr val="0097A7"/>
+      </a:accent5>
+      <a:accent6>
+        <a:srgbClr val="EEFF41"/>
+      </a:accent6>
+      <a:hlink>
+        <a:srgbClr val="0097A7"/>
+      </a:hlink>
+      <a:folHlink>
+        <a:srgbClr val="0097A7"/>
+      </a:folHlink>
+    </a:clrScheme>
+    <a:fontScheme name="Office">
+      <a:majorFont>
+        <a:latin typeface="Arial"/>
+        <a:ea typeface=""/>
+        <a:cs typeface=""/>
+        <a:font script="Jpan" typeface="ＭＳ Ｐゴシック"/>
+        <a:font script="Hang" typeface="맑은 고딕"/>
+        <a:font script="Hans" typeface="宋体"/>
+        <a:font script="Hant" typeface="新細明體"/>
+        <a:font script="Arab" typeface="Times New Roman"/>
+        <a:font script="Hebr" typeface="Times New Roman"/>
+        <a:font script="Thai" typeface="Angsana New"/>
+        <a:font script="Ethi" typeface="Nyala"/>
+        <a:font script="Beng" typeface="Vrinda"/>
+        <a:font script="Gujr" typeface="Shruti"/>
+        <a:font script="Khmr" typeface="MoolBoran"/>
+        <a:font script="Knda" typeface="Tunga"/>
+        <a:font script="Guru" typeface="Raavi"/>
+        <a:font script="Cans" typeface="Euphemia"/>
+        <a:font script="Cher" typeface="Plantagenet Cherokee"/>
+        <a:font script="Yiii" typeface="Microsoft Yi Baiti"/>
+        <a:font script="Tibt" typeface="Microsoft Himalaya"/>
+        <a:font script="Thaa" typeface="MV Boli"/>
+        <a:font script="Deva" typeface="Mangal"/>
+        <a:font script="Telu" typeface="Gautami"/>
+        <a:font script="Taml" typeface="Latha"/>
+        <a:font script="Syrc" typeface="Estrangelo Edessa"/>
+        <a:font script="Orya" typeface="Kalinga"/>
+        <a:font script="Mlym" typeface="Kartika"/>
+        <a:font script="Laoo" typeface="DokChampa"/>
+        <a:font script="Sinh" typeface="Iskoola Pota"/>
+        <a:font script="Mong" typeface="Mongolian Baiti"/>
+        <a:font script="Viet" typeface="Times New Roman"/>
+        <a:font script="Uigh" typeface="Microsoft Uighur"/>
+        <a:font script="Geor" typeface="Sylfaen"/>
+      </a:majorFont>
+      <a:minorFont>
+        <a:latin typeface="Arial"/>
+        <a:ea typeface=""/>
+        <a:cs typeface=""/>
+        <a:font script="Jpan" typeface="ＭＳ Ｐゴシック"/>
+        <a:font script="Hang" typeface="맑은 고딕"/>
+        <a:font script="Hans" typeface="宋体"/>
+        <a:font script="Hant" typeface="新細明體"/>
+        <a:font script="Arab" typeface="Arial"/>
+        <a:font script="Hebr" typeface="Arial"/>
+        <a:font script="Thai" typeface="Cordia New"/>
+        <a:font script="Ethi" typeface="Nyala"/>
+        <a:font script="Beng" typeface="Vrinda"/>
+        <a:font script="Gujr" typeface="Shruti"/>
+        <a:font script="Khmr" typeface="DaunPenh"/>
+        <a:font script="Knda" typeface="Tunga"/>
+        <a:font script="Guru" typeface="Raavi"/>
+        <a:font script="Cans" typeface="Euphemia"/>
+        <a:font script="Cher" typeface="Plantagenet Cherokee"/>
+        <a:font script="Yiii" typeface="Microsoft Yi Baiti"/>
+        <a:font script="Tibt" typeface="Microsoft Himalaya"/>
+        <a:font script="Thaa" typeface="MV Boli"/>
+        <a:font script="Deva" typeface="Mangal"/>
+        <a:font script="Telu" typeface="Gautami"/>
+        <a:font script="Taml" typeface="Latha"/>
+        <a:font script="Syrc" typeface="Estrangelo Edessa"/>
+        <a:font script="Orya" typeface="Kalinga"/>
+        <a:font script="Mlym" typeface="Kartika"/>
+        <a:font script="Laoo" typeface="DokChampa"/>
+        <a:font script="Sinh" typeface="Iskoola Pota"/>
+        <a:font script="Mong" typeface="Mongolian Baiti"/>
+        <a:font script="Viet" typeface="Arial"/>
+        <a:font script="Uigh" typeface="Microsoft Uighur"/>
+        <a:font script="Geor" typeface="Sylfaen"/>
+      </a:minorFont>
+    </a:fontScheme>
+    <a:fmtScheme name="Office">
+      <a:fillStyleLst>
+        <a:solidFill>
+          <a:schemeClr val="phClr"/>
+        </a:solidFill>
+        <a:gradFill rotWithShape="1">
+          <a:gsLst>
+            <a:gs pos="0">
+              <a:schemeClr val="phClr">
+                <a:tint val="50000"/>
+                <a:satMod val="300000"/>
+              </a:schemeClr>
+            </a:gs>
+            <a:gs pos="35000">
+              <a:schemeClr val="phClr">
+                <a:tint val="37000"/>
+                <a:satMod val="300000"/>
+              </a:schemeClr>
+            </a:gs>
+            <a:gs pos="100000">
+              <a:schemeClr val="phClr">
+                <a:tint val="15000"/>
+                <a:satMod val="350000"/>
+              </a:schemeClr>
+            </a:gs>
+          </a:gsLst>
+          <a:lin ang="16200000" scaled="1"/>
+        </a:gradFill>
+        <a:gradFill rotWithShape="1">
+          <a:gsLst>
+            <a:gs pos="0">
+              <a:schemeClr val="phClr">
+                <a:tint val="100000"/>
+                <a:shade val="100000"/>
+                <a:satMod val="130000"/>
+              </a:schemeClr>
+            </a:gs>
+            <a:gs pos="100000">
+              <a:schemeClr val="phClr">
+                <a:tint val="50000"/>
+                <a:shade val="100000"/>
+                <a:satMod val="350000"/>
+              </a:schemeClr>
+            </a:gs>
+          </a:gsLst>
+          <a:lin ang="16200000" scaled="0"/>
+        </a:gradFill>
+      </a:fillStyleLst>
+      <a:lnStyleLst>
+        <a:ln w="9525" cap="flat" cmpd="sng" algn="ctr">
+          <a:solidFill>
+            <a:schemeClr val="phClr">
+              <a:shade val="95000"/>
+              <a:satMod val="105000"/>
+            </a:schemeClr>
+          </a:solidFill>
+          <a:prstDash val="solid"/>
+        </a:ln>
+        <a:ln w="25400" cap="flat" cmpd="sng" algn="ctr">
+          <a:solidFill>
+            <a:schemeClr val="phClr"/>
+          </a:solidFill>
+          <a:prstDash val="solid"/>
+        </a:ln>
+        <a:ln w="38100" cap="flat" cmpd="sng" algn="ctr">
+          <a:solidFill>
+            <a:schemeClr val="phClr"/>
+          </a:solidFill>
+          <a:prstDash val="solid"/>
+        </a:ln>
+      </a:lnStyleLst>
+      <a:effectStyleLst>
+        <a:effectStyle>
+          <a:effectLst>
+            <a:outerShdw blurRad="40000" dist="20000" dir="5400000" rotWithShape="0">
+              <a:srgbClr val="000000">
+                <a:alpha val="38000"/>
+              </a:srgbClr>
+            </a:outerShdw>
+          </a:effectLst>
+        </a:effectStyle>
+        <a:effectStyle>
+          <a:effectLst>
+            <a:outerShdw blurRad="40000" dist="23000" dir="5400000" rotWithShape="0">
+              <a:srgbClr val="000000">
+                <a:alpha val="35000"/>
+              </a:srgbClr>
+            </a:outerShdw>
+          </a:effectLst>
+        </a:effectStyle>
+        <a:effectStyle>
+          <a:effectLst>
+            <a:outerShdw blurRad="40000" dist="23000" dir="5400000" rotWithShape="0">
+              <a:srgbClr val="000000">
+                <a:alpha val="35000"/>
+              </a:srgbClr>
+            </a:outerShdw>
+          </a:effectLst>
+          <a:scene3d>
+            <a:camera prst="orthographicFront">
+              <a:rot lat="0" lon="0" rev="0"/>
+            </a:camera>
+            <a:lightRig rig="threePt" dir="t">
+              <a:rot lat="0" lon="0" rev="1200000"/>
+            </a:lightRig>
+          </a:scene3d>
+          <a:sp3d>
+            <a:bevelT w="63500" h="25400"/>
+          </a:sp3d>
+        </a:effectStyle>
+      </a:effectStyleLst>
+      <a:bgFillStyleLst>
+        <a:solidFill>
+          <a:schemeClr val="phClr"/>
+        </a:solidFill>
+        <a:gradFill rotWithShape="1">
+          <a:gsLst>
+            <a:gs pos="0">
+              <a:schemeClr val="phClr">
+                <a:tint val="40000"/>
+                <a:satMod val="350000"/>
+              </a:schemeClr>
+            </a:gs>
+            <a:gs pos="40000">
+              <a:schemeClr val="phClr">
+                <a:tint val="45000"/>
+                <a:shade val="99000"/>
+                <a:satMod val="350000"/>
+              </a:schemeClr>
+            </a:gs>
+            <a:gs pos="100000">
+              <a:schemeClr val="phClr">
+                <a:shade val="20000"/>
+                <a:satMod val="255000"/>
+              </a:schemeClr>
+            </a:gs>
+          </a:gsLst>
+          <a:path path="circle">
+            <a:fillToRect l="50000" t="-80000" r="50000" b="180000"/>
+          </a:path>
+        </a:gradFill>
+        <a:gradFill rotWithShape="1">
+          <a:gsLst>
+            <a:gs pos="0">
+              <a:schemeClr val="phClr">
+                <a:tint val="80000"/>
+                <a:satMod val="300000"/>
+              </a:schemeClr>
+            </a:gs>
+            <a:gs pos="100000">
+              <a:schemeClr val="phClr">
+                <a:shade val="30000"/>
+                <a:satMod val="200000"/>
+              </a:schemeClr>
+            </a:gs>
+          </a:gsLst>
+          <a:path path="circle">
+            <a:fillToRect l="50000" t="50000" r="50000" b="50000"/>
+          </a:path>
+        </a:gradFill>
+      </a:bgFillStyleLst>
+    </a:fmtScheme>
+  </a:themeElements>
+  <a:objectDefaults/>
+  <a:extraClrSchemeLst/>
+</a:theme>
+</file>
+
+<file path=ppt/theme/theme2.xml><?xml version="1.0" encoding="utf-8"?>
+<a:theme xmlns:a="http://schemas.openxmlformats.org/drawingml/2006/main">
   <a:themeElements>
     <a:clrScheme name="Default">
       <a:dk1>
@@ -17837,284 +17999,7 @@
       </a:bgFillStyleLst>
     </a:fmtScheme>
   </a:themeElements>
-</a:theme>
-</file>
-
-<file path=ppt/theme/theme2.xml><?xml version="1.0" encoding="utf-8"?>
-<a:theme xmlns:a="http://schemas.openxmlformats.org/drawingml/2006/main" xmlns:r="http://schemas.openxmlformats.org/officeDocument/2006/relationships" name="Simple Light">
-  <a:themeElements>
-    <a:clrScheme name="Simple Light">
-      <a:dk1>
-        <a:srgbClr val="000000"/>
-      </a:dk1>
-      <a:lt1>
-        <a:srgbClr val="FFFFFF"/>
-      </a:lt1>
-      <a:dk2>
-        <a:srgbClr val="595959"/>
-      </a:dk2>
-      <a:lt2>
-        <a:srgbClr val="EEEEEE"/>
-      </a:lt2>
-      <a:accent1>
-        <a:srgbClr val="4285F4"/>
-      </a:accent1>
-      <a:accent2>
-        <a:srgbClr val="212121"/>
-      </a:accent2>
-      <a:accent3>
-        <a:srgbClr val="78909C"/>
-      </a:accent3>
-      <a:accent4>
-        <a:srgbClr val="FFAB40"/>
-      </a:accent4>
-      <a:accent5>
-        <a:srgbClr val="0097A7"/>
-      </a:accent5>
-      <a:accent6>
-        <a:srgbClr val="EEFF41"/>
-      </a:accent6>
-      <a:hlink>
-        <a:srgbClr val="0097A7"/>
-      </a:hlink>
-      <a:folHlink>
-        <a:srgbClr val="0097A7"/>
-      </a:folHlink>
-    </a:clrScheme>
-    <a:fontScheme name="Office">
-      <a:majorFont>
-        <a:latin typeface="Arial"/>
-        <a:ea typeface=""/>
-        <a:cs typeface=""/>
-        <a:font script="Jpan" typeface="ＭＳ Ｐゴシック"/>
-        <a:font script="Hang" typeface="맑은 고딕"/>
-        <a:font script="Hans" typeface="宋体"/>
-        <a:font script="Hant" typeface="新細明體"/>
-        <a:font script="Arab" typeface="Times New Roman"/>
-        <a:font script="Hebr" typeface="Times New Roman"/>
-        <a:font script="Thai" typeface="Angsana New"/>
-        <a:font script="Ethi" typeface="Nyala"/>
-        <a:font script="Beng" typeface="Vrinda"/>
-        <a:font script="Gujr" typeface="Shruti"/>
-        <a:font script="Khmr" typeface="MoolBoran"/>
-        <a:font script="Knda" typeface="Tunga"/>
-        <a:font script="Guru" typeface="Raavi"/>
-        <a:font script="Cans" typeface="Euphemia"/>
-        <a:font script="Cher" typeface="Plantagenet Cherokee"/>
-        <a:font script="Yiii" typeface="Microsoft Yi Baiti"/>
-        <a:font script="Tibt" typeface="Microsoft Himalaya"/>
-        <a:font script="Thaa" typeface="MV Boli"/>
-        <a:font script="Deva" typeface="Mangal"/>
-        <a:font script="Telu" typeface="Gautami"/>
-        <a:font script="Taml" typeface="Latha"/>
-        <a:font script="Syrc" typeface="Estrangelo Edessa"/>
-        <a:font script="Orya" typeface="Kalinga"/>
-        <a:font script="Mlym" typeface="Kartika"/>
-        <a:font script="Laoo" typeface="DokChampa"/>
-        <a:font script="Sinh" typeface="Iskoola Pota"/>
-        <a:font script="Mong" typeface="Mongolian Baiti"/>
-        <a:font script="Viet" typeface="Times New Roman"/>
-        <a:font script="Uigh" typeface="Microsoft Uighur"/>
-        <a:font script="Geor" typeface="Sylfaen"/>
-      </a:majorFont>
-      <a:minorFont>
-        <a:latin typeface="Arial"/>
-        <a:ea typeface=""/>
-        <a:cs typeface=""/>
-        <a:font script="Jpan" typeface="ＭＳ Ｐゴシック"/>
-        <a:font script="Hang" typeface="맑은 고딕"/>
-        <a:font script="Hans" typeface="宋体"/>
-        <a:font script="Hant" typeface="新細明體"/>
-        <a:font script="Arab" typeface="Arial"/>
-        <a:font script="Hebr" typeface="Arial"/>
-        <a:font script="Thai" typeface="Cordia New"/>
-        <a:font script="Ethi" typeface="Nyala"/>
-        <a:font script="Beng" typeface="Vrinda"/>
-        <a:font script="Gujr" typeface="Shruti"/>
-        <a:font script="Khmr" typeface="DaunPenh"/>
-        <a:font script="Knda" typeface="Tunga"/>
-        <a:font script="Guru" typeface="Raavi"/>
-        <a:font script="Cans" typeface="Euphemia"/>
-        <a:font script="Cher" typeface="Plantagenet Cherokee"/>
-        <a:font script="Yiii" typeface="Microsoft Yi Baiti"/>
-        <a:font script="Tibt" typeface="Microsoft Himalaya"/>
-        <a:font script="Thaa" typeface="MV Boli"/>
-        <a:font script="Deva" typeface="Mangal"/>
-        <a:font script="Telu" typeface="Gautami"/>
-        <a:font script="Taml" typeface="Latha"/>
-        <a:font script="Syrc" typeface="Estrangelo Edessa"/>
-        <a:font script="Orya" typeface="Kalinga"/>
-        <a:font script="Mlym" typeface="Kartika"/>
-        <a:font script="Laoo" typeface="DokChampa"/>
-        <a:font script="Sinh" typeface="Iskoola Pota"/>
-        <a:font script="Mong" typeface="Mongolian Baiti"/>
-        <a:font script="Viet" typeface="Arial"/>
-        <a:font script="Uigh" typeface="Microsoft Uighur"/>
-        <a:font script="Geor" typeface="Sylfaen"/>
-      </a:minorFont>
-    </a:fontScheme>
-    <a:fmtScheme name="Office">
-      <a:fillStyleLst>
-        <a:solidFill>
-          <a:schemeClr val="phClr"/>
-        </a:solidFill>
-        <a:gradFill rotWithShape="1">
-          <a:gsLst>
-            <a:gs pos="0">
-              <a:schemeClr val="phClr">
-                <a:tint val="50000"/>
-                <a:satMod val="300000"/>
-              </a:schemeClr>
-            </a:gs>
-            <a:gs pos="35000">
-              <a:schemeClr val="phClr">
-                <a:tint val="37000"/>
-                <a:satMod val="300000"/>
-              </a:schemeClr>
-            </a:gs>
-            <a:gs pos="100000">
-              <a:schemeClr val="phClr">
-                <a:tint val="15000"/>
-                <a:satMod val="350000"/>
-              </a:schemeClr>
-            </a:gs>
-          </a:gsLst>
-          <a:lin ang="16200000" scaled="1"/>
-        </a:gradFill>
-        <a:gradFill rotWithShape="1">
-          <a:gsLst>
-            <a:gs pos="0">
-              <a:schemeClr val="phClr">
-                <a:tint val="100000"/>
-                <a:shade val="100000"/>
-                <a:satMod val="130000"/>
-              </a:schemeClr>
-            </a:gs>
-            <a:gs pos="100000">
-              <a:schemeClr val="phClr">
-                <a:tint val="50000"/>
-                <a:shade val="100000"/>
-                <a:satMod val="350000"/>
-              </a:schemeClr>
-            </a:gs>
-          </a:gsLst>
-          <a:lin ang="16200000" scaled="0"/>
-        </a:gradFill>
-      </a:fillStyleLst>
-      <a:lnStyleLst>
-        <a:ln w="9525" cap="flat" cmpd="sng" algn="ctr">
-          <a:solidFill>
-            <a:schemeClr val="phClr">
-              <a:shade val="95000"/>
-              <a:satMod val="105000"/>
-            </a:schemeClr>
-          </a:solidFill>
-          <a:prstDash val="solid"/>
-        </a:ln>
-        <a:ln w="25400" cap="flat" cmpd="sng" algn="ctr">
-          <a:solidFill>
-            <a:schemeClr val="phClr"/>
-          </a:solidFill>
-          <a:prstDash val="solid"/>
-        </a:ln>
-        <a:ln w="38100" cap="flat" cmpd="sng" algn="ctr">
-          <a:solidFill>
-            <a:schemeClr val="phClr"/>
-          </a:solidFill>
-          <a:prstDash val="solid"/>
-        </a:ln>
-      </a:lnStyleLst>
-      <a:effectStyleLst>
-        <a:effectStyle>
-          <a:effectLst>
-            <a:outerShdw blurRad="40000" dist="20000" dir="5400000" rotWithShape="0">
-              <a:srgbClr val="000000">
-                <a:alpha val="38000"/>
-              </a:srgbClr>
-            </a:outerShdw>
-          </a:effectLst>
-        </a:effectStyle>
-        <a:effectStyle>
-          <a:effectLst>
-            <a:outerShdw blurRad="40000" dist="23000" dir="5400000" rotWithShape="0">
-              <a:srgbClr val="000000">
-                <a:alpha val="35000"/>
-              </a:srgbClr>
-            </a:outerShdw>
-          </a:effectLst>
-        </a:effectStyle>
-        <a:effectStyle>
-          <a:effectLst>
-            <a:outerShdw blurRad="40000" dist="23000" dir="5400000" rotWithShape="0">
-              <a:srgbClr val="000000">
-                <a:alpha val="35000"/>
-              </a:srgbClr>
-            </a:outerShdw>
-          </a:effectLst>
-          <a:scene3d>
-            <a:camera prst="orthographicFront">
-              <a:rot lat="0" lon="0" rev="0"/>
-            </a:camera>
-            <a:lightRig rig="threePt" dir="t">
-              <a:rot lat="0" lon="0" rev="1200000"/>
-            </a:lightRig>
-          </a:scene3d>
-          <a:sp3d>
-            <a:bevelT w="63500" h="25400"/>
-          </a:sp3d>
-        </a:effectStyle>
-      </a:effectStyleLst>
-      <a:bgFillStyleLst>
-        <a:solidFill>
-          <a:schemeClr val="phClr"/>
-        </a:solidFill>
-        <a:gradFill rotWithShape="1">
-          <a:gsLst>
-            <a:gs pos="0">
-              <a:schemeClr val="phClr">
-                <a:tint val="40000"/>
-                <a:satMod val="350000"/>
-              </a:schemeClr>
-            </a:gs>
-            <a:gs pos="40000">
-              <a:schemeClr val="phClr">
-                <a:tint val="45000"/>
-                <a:shade val="99000"/>
-                <a:satMod val="350000"/>
-              </a:schemeClr>
-            </a:gs>
-            <a:gs pos="100000">
-              <a:schemeClr val="phClr">
-                <a:shade val="20000"/>
-                <a:satMod val="255000"/>
-              </a:schemeClr>
-            </a:gs>
-          </a:gsLst>
-          <a:path path="circle">
-            <a:fillToRect l="50000" t="-80000" r="50000" b="180000"/>
-          </a:path>
-        </a:gradFill>
-        <a:gradFill rotWithShape="1">
-          <a:gsLst>
-            <a:gs pos="0">
-              <a:schemeClr val="phClr">
-                <a:tint val="80000"/>
-                <a:satMod val="300000"/>
-              </a:schemeClr>
-            </a:gs>
-            <a:gs pos="100000">
-              <a:schemeClr val="phClr">
-                <a:shade val="30000"/>
-                <a:satMod val="200000"/>
-              </a:schemeClr>
-            </a:gs>
-          </a:gsLst>
-          <a:path path="circle">
-            <a:fillToRect l="50000" t="50000" r="50000" b="50000"/>
-          </a:path>
-        </a:gradFill>
-      </a:bgFillStyleLst>
-    </a:fmtScheme>
-  </a:themeElements>
+  <a:objectDefaults/>
+  <a:extraClrSchemeLst/>
 </a:theme>
 </file>